--- a/final_presentation.pptx
+++ b/final_presentation.pptx
@@ -5,10 +5,10 @@
     <p:sldMasterId id="2147483661" r:id="rId1"/>
   </p:sldMasterIdLst>
   <p:notesMasterIdLst>
-    <p:notesMasterId r:id="rId16"/>
+    <p:notesMasterId r:id="rId22"/>
   </p:notesMasterIdLst>
   <p:handoutMasterIdLst>
-    <p:handoutMasterId r:id="rId17"/>
+    <p:handoutMasterId r:id="rId23"/>
   </p:handoutMasterIdLst>
   <p:sldIdLst>
     <p:sldId id="256" r:id="rId2"/>
@@ -23,8 +23,14 @@
     <p:sldId id="434" r:id="rId11"/>
     <p:sldId id="435" r:id="rId12"/>
     <p:sldId id="436" r:id="rId13"/>
-    <p:sldId id="420" r:id="rId14"/>
-    <p:sldId id="425" r:id="rId15"/>
+    <p:sldId id="437" r:id="rId14"/>
+    <p:sldId id="442" r:id="rId15"/>
+    <p:sldId id="438" r:id="rId16"/>
+    <p:sldId id="439" r:id="rId17"/>
+    <p:sldId id="440" r:id="rId18"/>
+    <p:sldId id="441" r:id="rId19"/>
+    <p:sldId id="420" r:id="rId20"/>
+    <p:sldId id="425" r:id="rId21"/>
   </p:sldIdLst>
   <p:sldSz cx="9144000" cy="6858000" type="screen4x3"/>
   <p:notesSz cx="9926638" cy="6797675"/>
@@ -1065,7 +1071,7 @@
           <a:bodyPr/>
           <a:lstStyle/>
           <a:p>
-            <a:endParaRPr lang="en-US" dirty="0"/>
+            <a:endParaRPr lang="en-US"/>
           </a:p>
         </p:txBody>
       </p:sp>
@@ -1087,6 +1093,540 @@
             <a:fld id="{B4A3401A-85D7-4E8B-A870-E455B7B50306}" type="slidenum">
               <a:rPr lang="en-US" smtClean="0"/>
               <a:t>13</a:t>
+            </a:fld>
+            <a:endParaRPr lang="en-US"/>
+          </a:p>
+        </p:txBody>
+      </p:sp>
+    </p:spTree>
+    <p:extLst>
+      <p:ext uri="{BB962C8B-B14F-4D97-AF65-F5344CB8AC3E}">
+        <p14:creationId xmlns:p14="http://schemas.microsoft.com/office/powerpoint/2010/main" val="346269536"/>
+      </p:ext>
+    </p:extLst>
+  </p:cSld>
+  <p:clrMapOvr>
+    <a:masterClrMapping/>
+  </p:clrMapOvr>
+</p:notes>
+</file>
+
+<file path=ppt/notesSlides/notesSlide14.xml><?xml version="1.0" encoding="utf-8"?>
+<p:notes xmlns:a="http://schemas.openxmlformats.org/drawingml/2006/main" xmlns:r="http://schemas.openxmlformats.org/officeDocument/2006/relationships" xmlns:p="http://schemas.openxmlformats.org/presentationml/2006/main">
+  <p:cSld>
+    <p:spTree>
+      <p:nvGrpSpPr>
+        <p:cNvPr id="1" name=""/>
+        <p:cNvGrpSpPr/>
+        <p:nvPr/>
+      </p:nvGrpSpPr>
+      <p:grpSpPr>
+        <a:xfrm>
+          <a:off x="0" y="0"/>
+          <a:ext cx="0" cy="0"/>
+          <a:chOff x="0" y="0"/>
+          <a:chExt cx="0" cy="0"/>
+        </a:xfrm>
+      </p:grpSpPr>
+      <p:sp>
+        <p:nvSpPr>
+          <p:cNvPr id="2" name="Slide Image Placeholder 1"/>
+          <p:cNvSpPr>
+            <a:spLocks noGrp="1" noRot="1" noChangeAspect="1"/>
+          </p:cNvSpPr>
+          <p:nvPr>
+            <p:ph type="sldImg"/>
+          </p:nvPr>
+        </p:nvSpPr>
+        <p:spPr>
+          <a:xfrm>
+            <a:off x="3433763" y="849313"/>
+            <a:ext cx="3059112" cy="2293937"/>
+          </a:xfrm>
+        </p:spPr>
+      </p:sp>
+      <p:sp>
+        <p:nvSpPr>
+          <p:cNvPr id="3" name="Notes Placeholder 2"/>
+          <p:cNvSpPr>
+            <a:spLocks noGrp="1"/>
+          </p:cNvSpPr>
+          <p:nvPr>
+            <p:ph type="body" idx="1"/>
+          </p:nvPr>
+        </p:nvSpPr>
+        <p:spPr/>
+        <p:txBody>
+          <a:bodyPr/>
+          <a:lstStyle/>
+          <a:p>
+            <a:endParaRPr lang="en-US"/>
+          </a:p>
+        </p:txBody>
+      </p:sp>
+      <p:sp>
+        <p:nvSpPr>
+          <p:cNvPr id="4" name="Slide Number Placeholder 3"/>
+          <p:cNvSpPr>
+            <a:spLocks noGrp="1"/>
+          </p:cNvSpPr>
+          <p:nvPr>
+            <p:ph type="sldNum" sz="quarter" idx="10"/>
+          </p:nvPr>
+        </p:nvSpPr>
+        <p:spPr/>
+        <p:txBody>
+          <a:bodyPr/>
+          <a:lstStyle/>
+          <a:p>
+            <a:fld id="{B4A3401A-85D7-4E8B-A870-E455B7B50306}" type="slidenum">
+              <a:rPr lang="en-US" smtClean="0"/>
+              <a:t>14</a:t>
+            </a:fld>
+            <a:endParaRPr lang="en-US"/>
+          </a:p>
+        </p:txBody>
+      </p:sp>
+    </p:spTree>
+    <p:extLst>
+      <p:ext uri="{BB962C8B-B14F-4D97-AF65-F5344CB8AC3E}">
+        <p14:creationId xmlns:p14="http://schemas.microsoft.com/office/powerpoint/2010/main" val="162118960"/>
+      </p:ext>
+    </p:extLst>
+  </p:cSld>
+  <p:clrMapOvr>
+    <a:masterClrMapping/>
+  </p:clrMapOvr>
+</p:notes>
+</file>
+
+<file path=ppt/notesSlides/notesSlide15.xml><?xml version="1.0" encoding="utf-8"?>
+<p:notes xmlns:a="http://schemas.openxmlformats.org/drawingml/2006/main" xmlns:r="http://schemas.openxmlformats.org/officeDocument/2006/relationships" xmlns:p="http://schemas.openxmlformats.org/presentationml/2006/main">
+  <p:cSld>
+    <p:spTree>
+      <p:nvGrpSpPr>
+        <p:cNvPr id="1" name=""/>
+        <p:cNvGrpSpPr/>
+        <p:nvPr/>
+      </p:nvGrpSpPr>
+      <p:grpSpPr>
+        <a:xfrm>
+          <a:off x="0" y="0"/>
+          <a:ext cx="0" cy="0"/>
+          <a:chOff x="0" y="0"/>
+          <a:chExt cx="0" cy="0"/>
+        </a:xfrm>
+      </p:grpSpPr>
+      <p:sp>
+        <p:nvSpPr>
+          <p:cNvPr id="2" name="Slide Image Placeholder 1"/>
+          <p:cNvSpPr>
+            <a:spLocks noGrp="1" noRot="1" noChangeAspect="1"/>
+          </p:cNvSpPr>
+          <p:nvPr>
+            <p:ph type="sldImg"/>
+          </p:nvPr>
+        </p:nvSpPr>
+        <p:spPr>
+          <a:xfrm>
+            <a:off x="3433763" y="849313"/>
+            <a:ext cx="3059112" cy="2293937"/>
+          </a:xfrm>
+        </p:spPr>
+      </p:sp>
+      <p:sp>
+        <p:nvSpPr>
+          <p:cNvPr id="3" name="Notes Placeholder 2"/>
+          <p:cNvSpPr>
+            <a:spLocks noGrp="1"/>
+          </p:cNvSpPr>
+          <p:nvPr>
+            <p:ph type="body" idx="1"/>
+          </p:nvPr>
+        </p:nvSpPr>
+        <p:spPr/>
+        <p:txBody>
+          <a:bodyPr/>
+          <a:lstStyle/>
+          <a:p>
+            <a:endParaRPr lang="en-US"/>
+          </a:p>
+        </p:txBody>
+      </p:sp>
+      <p:sp>
+        <p:nvSpPr>
+          <p:cNvPr id="4" name="Slide Number Placeholder 3"/>
+          <p:cNvSpPr>
+            <a:spLocks noGrp="1"/>
+          </p:cNvSpPr>
+          <p:nvPr>
+            <p:ph type="sldNum" sz="quarter" idx="10"/>
+          </p:nvPr>
+        </p:nvSpPr>
+        <p:spPr/>
+        <p:txBody>
+          <a:bodyPr/>
+          <a:lstStyle/>
+          <a:p>
+            <a:fld id="{B4A3401A-85D7-4E8B-A870-E455B7B50306}" type="slidenum">
+              <a:rPr lang="en-US" smtClean="0"/>
+              <a:t>15</a:t>
+            </a:fld>
+            <a:endParaRPr lang="en-US"/>
+          </a:p>
+        </p:txBody>
+      </p:sp>
+    </p:spTree>
+    <p:extLst>
+      <p:ext uri="{BB962C8B-B14F-4D97-AF65-F5344CB8AC3E}">
+        <p14:creationId xmlns:p14="http://schemas.microsoft.com/office/powerpoint/2010/main" val="77349179"/>
+      </p:ext>
+    </p:extLst>
+  </p:cSld>
+  <p:clrMapOvr>
+    <a:masterClrMapping/>
+  </p:clrMapOvr>
+</p:notes>
+</file>
+
+<file path=ppt/notesSlides/notesSlide16.xml><?xml version="1.0" encoding="utf-8"?>
+<p:notes xmlns:a="http://schemas.openxmlformats.org/drawingml/2006/main" xmlns:r="http://schemas.openxmlformats.org/officeDocument/2006/relationships" xmlns:p="http://schemas.openxmlformats.org/presentationml/2006/main">
+  <p:cSld>
+    <p:spTree>
+      <p:nvGrpSpPr>
+        <p:cNvPr id="1" name=""/>
+        <p:cNvGrpSpPr/>
+        <p:nvPr/>
+      </p:nvGrpSpPr>
+      <p:grpSpPr>
+        <a:xfrm>
+          <a:off x="0" y="0"/>
+          <a:ext cx="0" cy="0"/>
+          <a:chOff x="0" y="0"/>
+          <a:chExt cx="0" cy="0"/>
+        </a:xfrm>
+      </p:grpSpPr>
+      <p:sp>
+        <p:nvSpPr>
+          <p:cNvPr id="2" name="Slide Image Placeholder 1"/>
+          <p:cNvSpPr>
+            <a:spLocks noGrp="1" noRot="1" noChangeAspect="1"/>
+          </p:cNvSpPr>
+          <p:nvPr>
+            <p:ph type="sldImg"/>
+          </p:nvPr>
+        </p:nvSpPr>
+        <p:spPr>
+          <a:xfrm>
+            <a:off x="3433763" y="849313"/>
+            <a:ext cx="3059112" cy="2293937"/>
+          </a:xfrm>
+        </p:spPr>
+      </p:sp>
+      <p:sp>
+        <p:nvSpPr>
+          <p:cNvPr id="3" name="Notes Placeholder 2"/>
+          <p:cNvSpPr>
+            <a:spLocks noGrp="1"/>
+          </p:cNvSpPr>
+          <p:nvPr>
+            <p:ph type="body" idx="1"/>
+          </p:nvPr>
+        </p:nvSpPr>
+        <p:spPr/>
+        <p:txBody>
+          <a:bodyPr/>
+          <a:lstStyle/>
+          <a:p>
+            <a:endParaRPr lang="en-US"/>
+          </a:p>
+        </p:txBody>
+      </p:sp>
+      <p:sp>
+        <p:nvSpPr>
+          <p:cNvPr id="4" name="Slide Number Placeholder 3"/>
+          <p:cNvSpPr>
+            <a:spLocks noGrp="1"/>
+          </p:cNvSpPr>
+          <p:nvPr>
+            <p:ph type="sldNum" sz="quarter" idx="10"/>
+          </p:nvPr>
+        </p:nvSpPr>
+        <p:spPr/>
+        <p:txBody>
+          <a:bodyPr/>
+          <a:lstStyle/>
+          <a:p>
+            <a:fld id="{B4A3401A-85D7-4E8B-A870-E455B7B50306}" type="slidenum">
+              <a:rPr lang="en-US" smtClean="0"/>
+              <a:t>16</a:t>
+            </a:fld>
+            <a:endParaRPr lang="en-US"/>
+          </a:p>
+        </p:txBody>
+      </p:sp>
+    </p:spTree>
+    <p:extLst>
+      <p:ext uri="{BB962C8B-B14F-4D97-AF65-F5344CB8AC3E}">
+        <p14:creationId xmlns:p14="http://schemas.microsoft.com/office/powerpoint/2010/main" val="346675684"/>
+      </p:ext>
+    </p:extLst>
+  </p:cSld>
+  <p:clrMapOvr>
+    <a:masterClrMapping/>
+  </p:clrMapOvr>
+</p:notes>
+</file>
+
+<file path=ppt/notesSlides/notesSlide17.xml><?xml version="1.0" encoding="utf-8"?>
+<p:notes xmlns:a="http://schemas.openxmlformats.org/drawingml/2006/main" xmlns:r="http://schemas.openxmlformats.org/officeDocument/2006/relationships" xmlns:p="http://schemas.openxmlformats.org/presentationml/2006/main">
+  <p:cSld>
+    <p:spTree>
+      <p:nvGrpSpPr>
+        <p:cNvPr id="1" name=""/>
+        <p:cNvGrpSpPr/>
+        <p:nvPr/>
+      </p:nvGrpSpPr>
+      <p:grpSpPr>
+        <a:xfrm>
+          <a:off x="0" y="0"/>
+          <a:ext cx="0" cy="0"/>
+          <a:chOff x="0" y="0"/>
+          <a:chExt cx="0" cy="0"/>
+        </a:xfrm>
+      </p:grpSpPr>
+      <p:sp>
+        <p:nvSpPr>
+          <p:cNvPr id="2" name="Slide Image Placeholder 1"/>
+          <p:cNvSpPr>
+            <a:spLocks noGrp="1" noRot="1" noChangeAspect="1"/>
+          </p:cNvSpPr>
+          <p:nvPr>
+            <p:ph type="sldImg"/>
+          </p:nvPr>
+        </p:nvSpPr>
+        <p:spPr>
+          <a:xfrm>
+            <a:off x="3433763" y="849313"/>
+            <a:ext cx="3059112" cy="2293937"/>
+          </a:xfrm>
+        </p:spPr>
+      </p:sp>
+      <p:sp>
+        <p:nvSpPr>
+          <p:cNvPr id="3" name="Notes Placeholder 2"/>
+          <p:cNvSpPr>
+            <a:spLocks noGrp="1"/>
+          </p:cNvSpPr>
+          <p:nvPr>
+            <p:ph type="body" idx="1"/>
+          </p:nvPr>
+        </p:nvSpPr>
+        <p:spPr/>
+        <p:txBody>
+          <a:bodyPr/>
+          <a:lstStyle/>
+          <a:p>
+            <a:endParaRPr lang="en-US"/>
+          </a:p>
+        </p:txBody>
+      </p:sp>
+      <p:sp>
+        <p:nvSpPr>
+          <p:cNvPr id="4" name="Slide Number Placeholder 3"/>
+          <p:cNvSpPr>
+            <a:spLocks noGrp="1"/>
+          </p:cNvSpPr>
+          <p:nvPr>
+            <p:ph type="sldNum" sz="quarter" idx="10"/>
+          </p:nvPr>
+        </p:nvSpPr>
+        <p:spPr/>
+        <p:txBody>
+          <a:bodyPr/>
+          <a:lstStyle/>
+          <a:p>
+            <a:fld id="{B4A3401A-85D7-4E8B-A870-E455B7B50306}" type="slidenum">
+              <a:rPr lang="en-US" smtClean="0"/>
+              <a:t>17</a:t>
+            </a:fld>
+            <a:endParaRPr lang="en-US"/>
+          </a:p>
+        </p:txBody>
+      </p:sp>
+    </p:spTree>
+    <p:extLst>
+      <p:ext uri="{BB962C8B-B14F-4D97-AF65-F5344CB8AC3E}">
+        <p14:creationId xmlns:p14="http://schemas.microsoft.com/office/powerpoint/2010/main" val="1292744982"/>
+      </p:ext>
+    </p:extLst>
+  </p:cSld>
+  <p:clrMapOvr>
+    <a:masterClrMapping/>
+  </p:clrMapOvr>
+</p:notes>
+</file>
+
+<file path=ppt/notesSlides/notesSlide18.xml><?xml version="1.0" encoding="utf-8"?>
+<p:notes xmlns:a="http://schemas.openxmlformats.org/drawingml/2006/main" xmlns:r="http://schemas.openxmlformats.org/officeDocument/2006/relationships" xmlns:p="http://schemas.openxmlformats.org/presentationml/2006/main">
+  <p:cSld>
+    <p:spTree>
+      <p:nvGrpSpPr>
+        <p:cNvPr id="1" name=""/>
+        <p:cNvGrpSpPr/>
+        <p:nvPr/>
+      </p:nvGrpSpPr>
+      <p:grpSpPr>
+        <a:xfrm>
+          <a:off x="0" y="0"/>
+          <a:ext cx="0" cy="0"/>
+          <a:chOff x="0" y="0"/>
+          <a:chExt cx="0" cy="0"/>
+        </a:xfrm>
+      </p:grpSpPr>
+      <p:sp>
+        <p:nvSpPr>
+          <p:cNvPr id="2" name="Slide Image Placeholder 1"/>
+          <p:cNvSpPr>
+            <a:spLocks noGrp="1" noRot="1" noChangeAspect="1"/>
+          </p:cNvSpPr>
+          <p:nvPr>
+            <p:ph type="sldImg"/>
+          </p:nvPr>
+        </p:nvSpPr>
+        <p:spPr>
+          <a:xfrm>
+            <a:off x="3433763" y="849313"/>
+            <a:ext cx="3059112" cy="2293937"/>
+          </a:xfrm>
+        </p:spPr>
+      </p:sp>
+      <p:sp>
+        <p:nvSpPr>
+          <p:cNvPr id="3" name="Notes Placeholder 2"/>
+          <p:cNvSpPr>
+            <a:spLocks noGrp="1"/>
+          </p:cNvSpPr>
+          <p:nvPr>
+            <p:ph type="body" idx="1"/>
+          </p:nvPr>
+        </p:nvSpPr>
+        <p:spPr/>
+        <p:txBody>
+          <a:bodyPr/>
+          <a:lstStyle/>
+          <a:p>
+            <a:endParaRPr lang="en-US"/>
+          </a:p>
+        </p:txBody>
+      </p:sp>
+      <p:sp>
+        <p:nvSpPr>
+          <p:cNvPr id="4" name="Slide Number Placeholder 3"/>
+          <p:cNvSpPr>
+            <a:spLocks noGrp="1"/>
+          </p:cNvSpPr>
+          <p:nvPr>
+            <p:ph type="sldNum" sz="quarter" idx="10"/>
+          </p:nvPr>
+        </p:nvSpPr>
+        <p:spPr/>
+        <p:txBody>
+          <a:bodyPr/>
+          <a:lstStyle/>
+          <a:p>
+            <a:fld id="{B4A3401A-85D7-4E8B-A870-E455B7B50306}" type="slidenum">
+              <a:rPr lang="en-US" smtClean="0"/>
+              <a:t>18</a:t>
+            </a:fld>
+            <a:endParaRPr lang="en-US"/>
+          </a:p>
+        </p:txBody>
+      </p:sp>
+    </p:spTree>
+    <p:extLst>
+      <p:ext uri="{BB962C8B-B14F-4D97-AF65-F5344CB8AC3E}">
+        <p14:creationId xmlns:p14="http://schemas.microsoft.com/office/powerpoint/2010/main" val="1154652724"/>
+      </p:ext>
+    </p:extLst>
+  </p:cSld>
+  <p:clrMapOvr>
+    <a:masterClrMapping/>
+  </p:clrMapOvr>
+</p:notes>
+</file>
+
+<file path=ppt/notesSlides/notesSlide19.xml><?xml version="1.0" encoding="utf-8"?>
+<p:notes xmlns:a="http://schemas.openxmlformats.org/drawingml/2006/main" xmlns:r="http://schemas.openxmlformats.org/officeDocument/2006/relationships" xmlns:p="http://schemas.openxmlformats.org/presentationml/2006/main">
+  <p:cSld>
+    <p:spTree>
+      <p:nvGrpSpPr>
+        <p:cNvPr id="1" name=""/>
+        <p:cNvGrpSpPr/>
+        <p:nvPr/>
+      </p:nvGrpSpPr>
+      <p:grpSpPr>
+        <a:xfrm>
+          <a:off x="0" y="0"/>
+          <a:ext cx="0" cy="0"/>
+          <a:chOff x="0" y="0"/>
+          <a:chExt cx="0" cy="0"/>
+        </a:xfrm>
+      </p:grpSpPr>
+      <p:sp>
+        <p:nvSpPr>
+          <p:cNvPr id="2" name="Slide Image Placeholder 1"/>
+          <p:cNvSpPr>
+            <a:spLocks noGrp="1" noRot="1" noChangeAspect="1"/>
+          </p:cNvSpPr>
+          <p:nvPr>
+            <p:ph type="sldImg"/>
+          </p:nvPr>
+        </p:nvSpPr>
+        <p:spPr>
+          <a:xfrm>
+            <a:off x="3433763" y="849313"/>
+            <a:ext cx="3059112" cy="2293937"/>
+          </a:xfrm>
+        </p:spPr>
+      </p:sp>
+      <p:sp>
+        <p:nvSpPr>
+          <p:cNvPr id="3" name="Notes Placeholder 2"/>
+          <p:cNvSpPr>
+            <a:spLocks noGrp="1"/>
+          </p:cNvSpPr>
+          <p:nvPr>
+            <p:ph type="body" idx="1"/>
+          </p:nvPr>
+        </p:nvSpPr>
+        <p:spPr/>
+        <p:txBody>
+          <a:bodyPr/>
+          <a:lstStyle/>
+          <a:p>
+            <a:endParaRPr lang="en-US" dirty="0"/>
+          </a:p>
+        </p:txBody>
+      </p:sp>
+      <p:sp>
+        <p:nvSpPr>
+          <p:cNvPr id="4" name="Slide Number Placeholder 3"/>
+          <p:cNvSpPr>
+            <a:spLocks noGrp="1"/>
+          </p:cNvSpPr>
+          <p:nvPr>
+            <p:ph type="sldNum" sz="quarter" idx="10"/>
+          </p:nvPr>
+        </p:nvSpPr>
+        <p:spPr/>
+        <p:txBody>
+          <a:bodyPr/>
+          <a:lstStyle/>
+          <a:p>
+            <a:fld id="{B4A3401A-85D7-4E8B-A870-E455B7B50306}" type="slidenum">
+              <a:rPr lang="en-US" smtClean="0"/>
+              <a:t>19</a:t>
             </a:fld>
             <a:endParaRPr lang="en-US" dirty="0"/>
           </a:p>
@@ -6672,7 +7212,7 @@
         <p:spPr>
           <a:xfrm>
             <a:off x="349416" y="1026916"/>
-            <a:ext cx="8360830" cy="3847207"/>
+            <a:ext cx="8360830" cy="3970318"/>
           </a:xfrm>
           <a:prstGeom prst="rect">
             <a:avLst/>
@@ -6776,7 +7316,7 @@
           <a:p>
             <a:pPr algn="just"/>
             <a:r>
-              <a:rPr lang="en-US" altLang="ko-KR" sz="2400" b="1" dirty="0" smtClean="0">
+              <a:rPr lang="en-US" altLang="ko-KR" sz="2800" b="1" dirty="0" smtClean="0">
                 <a:solidFill>
                   <a:srgbClr val="7A0019"/>
                 </a:solidFill>
@@ -6784,7 +7324,7 @@
               <a:t>Could </a:t>
             </a:r>
             <a:r>
-              <a:rPr lang="en-US" altLang="ko-KR" sz="2400" b="1" u="sng" dirty="0" smtClean="0">
+              <a:rPr lang="en-US" altLang="ko-KR" sz="2800" b="1" u="sng" dirty="0" smtClean="0">
                 <a:solidFill>
                   <a:srgbClr val="7A0019"/>
                 </a:solidFill>
@@ -6792,7 +7332,7 @@
               <a:t>randomized link prefetching</a:t>
             </a:r>
             <a:r>
-              <a:rPr lang="en-US" altLang="ko-KR" sz="2400" b="1" dirty="0" smtClean="0">
+              <a:rPr lang="en-US" altLang="ko-KR" sz="2800" b="1" dirty="0" smtClean="0">
                 <a:solidFill>
                   <a:srgbClr val="7A0019"/>
                 </a:solidFill>
@@ -6800,7 +7340,7 @@
               <a:t> provide </a:t>
             </a:r>
             <a:r>
-              <a:rPr lang="en-US" altLang="ko-KR" sz="2400" b="1" u="sng" dirty="0" smtClean="0">
+              <a:rPr lang="en-US" altLang="ko-KR" sz="2800" b="1" u="sng" dirty="0" smtClean="0">
                 <a:solidFill>
                   <a:srgbClr val="7A0019"/>
                 </a:solidFill>
@@ -6808,7 +7348,7 @@
               <a:t>extra defense</a:t>
             </a:r>
             <a:r>
-              <a:rPr lang="en-US" altLang="ko-KR" sz="2400" b="1" dirty="0" smtClean="0">
+              <a:rPr lang="en-US" altLang="ko-KR" sz="2800" b="1" dirty="0" smtClean="0">
                 <a:solidFill>
                   <a:srgbClr val="7A0019"/>
                 </a:solidFill>
@@ -6816,7 +7356,7 @@
               <a:t> against website </a:t>
             </a:r>
             <a:r>
-              <a:rPr lang="en-US" altLang="ko-KR" sz="2400" b="1" u="sng" dirty="0" smtClean="0">
+              <a:rPr lang="en-US" altLang="ko-KR" sz="2800" b="1" u="sng" dirty="0" smtClean="0">
                 <a:solidFill>
                   <a:srgbClr val="7A0019"/>
                 </a:solidFill>
@@ -6824,7 +7364,7 @@
               <a:t>fingerprinting attacks</a:t>
             </a:r>
             <a:r>
-              <a:rPr lang="en-US" altLang="ko-KR" sz="2400" b="1" dirty="0" smtClean="0">
+              <a:rPr lang="en-US" altLang="ko-KR" sz="2800" b="1" dirty="0" smtClean="0">
                 <a:solidFill>
                   <a:srgbClr val="7A0019"/>
                 </a:solidFill>
@@ -7451,46 +7991,6 @@
       </p:grpSpPr>
       <p:sp>
         <p:nvSpPr>
-          <p:cNvPr id="9" name="Rectangle 8"/>
-          <p:cNvSpPr/>
-          <p:nvPr/>
-        </p:nvSpPr>
-        <p:spPr>
-          <a:xfrm>
-            <a:off x="319925" y="966920"/>
-            <a:ext cx="8331015" cy="769441"/>
-          </a:xfrm>
-          <a:prstGeom prst="rect">
-            <a:avLst/>
-          </a:prstGeom>
-        </p:spPr>
-        <p:txBody>
-          <a:bodyPr wrap="square">
-            <a:spAutoFit/>
-          </a:bodyPr>
-          <a:lstStyle/>
-          <a:p>
-            <a:pPr lvl="0" algn="just" latinLnBrk="1"/>
-            <a:r>
-              <a:rPr lang="en-US" sz="2400" b="1" dirty="0" smtClean="0"/>
-              <a:t>For</a:t>
-            </a:r>
-          </a:p>
-          <a:p>
-            <a:pPr marL="342900" lvl="0" indent="-342900" algn="just" latinLnBrk="1">
-              <a:buFont typeface="Arial" panose="020B0604020202020204" pitchFamily="34" charset="0"/>
-              <a:buChar char="•"/>
-            </a:pPr>
-            <a:r>
-              <a:rPr lang="en-US" sz="2000" dirty="0" smtClean="0"/>
-              <a:t>document</a:t>
-            </a:r>
-            <a:endParaRPr lang="en-US" sz="2000" dirty="0"/>
-          </a:p>
-        </p:txBody>
-      </p:sp>
-      <p:sp>
-        <p:nvSpPr>
           <p:cNvPr id="3" name="Slide Number Placeholder 2"/>
           <p:cNvSpPr>
             <a:spLocks noGrp="1"/>
@@ -7519,7 +8019,233 @@
       </p:sp>
       <p:sp>
         <p:nvSpPr>
-          <p:cNvPr id="8" name="Title 1"/>
+          <p:cNvPr id="4" name="Rectangle 3"/>
+          <p:cNvSpPr/>
+          <p:nvPr/>
+        </p:nvSpPr>
+        <p:spPr>
+          <a:xfrm>
+            <a:off x="349416" y="1026916"/>
+            <a:ext cx="8360830" cy="2277547"/>
+          </a:xfrm>
+          <a:prstGeom prst="rect">
+            <a:avLst/>
+          </a:prstGeom>
+        </p:spPr>
+        <p:txBody>
+          <a:bodyPr wrap="square">
+            <a:spAutoFit/>
+          </a:bodyPr>
+          <a:lstStyle/>
+          <a:p>
+            <a:pPr algn="just"/>
+            <a:r>
+              <a:rPr lang="en-US" altLang="ko-KR" sz="2800" b="1" dirty="0" smtClean="0"/>
+              <a:t>How many websites use prefetching?</a:t>
+            </a:r>
+          </a:p>
+          <a:p>
+            <a:pPr marL="342882" indent="-342882" algn="just">
+              <a:buFontTx/>
+              <a:buChar char="-"/>
+            </a:pPr>
+            <a:r>
+              <a:rPr lang="en-US" altLang="ko-KR" sz="2400" dirty="0" smtClean="0">
+                <a:solidFill>
+                  <a:schemeClr val="tx1">
+                    <a:lumMod val="75000"/>
+                    <a:lumOff val="25000"/>
+                  </a:schemeClr>
+                </a:solidFill>
+              </a:rPr>
+              <a:t>Analyzed about 6,000 Alexa Top websites.</a:t>
+            </a:r>
+          </a:p>
+          <a:p>
+            <a:pPr marL="342882" indent="-342882" algn="just">
+              <a:buFontTx/>
+              <a:buChar char="-"/>
+            </a:pPr>
+            <a:r>
+              <a:rPr lang="en-US" altLang="ko-KR" sz="2400" dirty="0" smtClean="0">
+                <a:solidFill>
+                  <a:schemeClr val="tx1">
+                    <a:lumMod val="75000"/>
+                    <a:lumOff val="25000"/>
+                  </a:schemeClr>
+                </a:solidFill>
+              </a:rPr>
+              <a:t>About 60 websites use at least one of pre-fetch features –  </a:t>
+            </a:r>
+            <a:r>
+              <a:rPr lang="en-US" altLang="ko-KR" sz="2400" dirty="0" smtClean="0">
+                <a:solidFill>
+                  <a:schemeClr val="tx1">
+                    <a:lumMod val="75000"/>
+                    <a:lumOff val="25000"/>
+                  </a:schemeClr>
+                </a:solidFill>
+                <a:latin typeface="Consolas" charset="0"/>
+                <a:ea typeface="Consolas" charset="0"/>
+                <a:cs typeface="Consolas" charset="0"/>
+              </a:rPr>
+              <a:t> </a:t>
+            </a:r>
+            <a:r>
+              <a:rPr lang="en-US" altLang="ko-KR" sz="2000" dirty="0" smtClean="0">
+                <a:solidFill>
+                  <a:schemeClr val="tx1">
+                    <a:lumMod val="75000"/>
+                    <a:lumOff val="25000"/>
+                  </a:schemeClr>
+                </a:solidFill>
+                <a:latin typeface="Consolas" charset="0"/>
+                <a:ea typeface="Consolas" charset="0"/>
+                <a:cs typeface="Consolas" charset="0"/>
+              </a:rPr>
+              <a:t>{‘</a:t>
+            </a:r>
+            <a:r>
+              <a:rPr lang="en-US" altLang="ko-KR" sz="2000" dirty="0" err="1" smtClean="0">
+                <a:solidFill>
+                  <a:schemeClr val="tx1">
+                    <a:lumMod val="75000"/>
+                    <a:lumOff val="25000"/>
+                  </a:schemeClr>
+                </a:solidFill>
+                <a:latin typeface="Consolas" charset="0"/>
+                <a:ea typeface="Consolas" charset="0"/>
+                <a:cs typeface="Consolas" charset="0"/>
+              </a:rPr>
+              <a:t>dns-prefetch</a:t>
+            </a:r>
+            <a:r>
+              <a:rPr lang="en-US" altLang="ko-KR" sz="2000" dirty="0" smtClean="0">
+                <a:solidFill>
+                  <a:schemeClr val="tx1">
+                    <a:lumMod val="75000"/>
+                    <a:lumOff val="25000"/>
+                  </a:schemeClr>
+                </a:solidFill>
+                <a:latin typeface="Consolas" charset="0"/>
+                <a:ea typeface="Consolas" charset="0"/>
+                <a:cs typeface="Consolas" charset="0"/>
+              </a:rPr>
+              <a:t>’, ‘</a:t>
+            </a:r>
+            <a:r>
+              <a:rPr lang="en-US" altLang="ko-KR" sz="2000" dirty="0" err="1" smtClean="0">
+                <a:solidFill>
+                  <a:schemeClr val="tx1">
+                    <a:lumMod val="75000"/>
+                    <a:lumOff val="25000"/>
+                  </a:schemeClr>
+                </a:solidFill>
+                <a:latin typeface="Consolas" charset="0"/>
+                <a:ea typeface="Consolas" charset="0"/>
+                <a:cs typeface="Consolas" charset="0"/>
+              </a:rPr>
+              <a:t>prefetch</a:t>
+            </a:r>
+            <a:r>
+              <a:rPr lang="en-US" altLang="ko-KR" sz="2000" dirty="0" smtClean="0">
+                <a:solidFill>
+                  <a:schemeClr val="tx1">
+                    <a:lumMod val="75000"/>
+                    <a:lumOff val="25000"/>
+                  </a:schemeClr>
+                </a:solidFill>
+                <a:latin typeface="Consolas" charset="0"/>
+                <a:ea typeface="Consolas" charset="0"/>
+                <a:cs typeface="Consolas" charset="0"/>
+              </a:rPr>
+              <a:t>’, ‘next’, ‘</a:t>
+            </a:r>
+            <a:r>
+              <a:rPr lang="en-US" altLang="ko-KR" sz="2000" dirty="0" err="1" smtClean="0">
+                <a:solidFill>
+                  <a:schemeClr val="tx1">
+                    <a:lumMod val="75000"/>
+                    <a:lumOff val="25000"/>
+                  </a:schemeClr>
+                </a:solidFill>
+                <a:latin typeface="Consolas" charset="0"/>
+                <a:ea typeface="Consolas" charset="0"/>
+                <a:cs typeface="Consolas" charset="0"/>
+              </a:rPr>
+              <a:t>prerender</a:t>
+            </a:r>
+            <a:r>
+              <a:rPr lang="en-US" altLang="ko-KR" sz="2000" dirty="0" smtClean="0">
+                <a:solidFill>
+                  <a:schemeClr val="tx1">
+                    <a:lumMod val="75000"/>
+                    <a:lumOff val="25000"/>
+                  </a:schemeClr>
+                </a:solidFill>
+                <a:latin typeface="Consolas" charset="0"/>
+                <a:ea typeface="Consolas" charset="0"/>
+                <a:cs typeface="Consolas" charset="0"/>
+              </a:rPr>
+              <a:t>’}</a:t>
+            </a:r>
+            <a:endParaRPr lang="en-US" altLang="ko-KR" sz="2400" dirty="0" smtClean="0">
+              <a:solidFill>
+                <a:schemeClr val="tx1">
+                  <a:lumMod val="75000"/>
+                  <a:lumOff val="25000"/>
+                </a:schemeClr>
+              </a:solidFill>
+              <a:latin typeface="Consolas" charset="0"/>
+              <a:ea typeface="Consolas" charset="0"/>
+              <a:cs typeface="Consolas" charset="0"/>
+            </a:endParaRPr>
+          </a:p>
+          <a:p>
+            <a:pPr algn="just"/>
+            <a:r>
+              <a:rPr lang="en-US" altLang="ko-KR" dirty="0">
+                <a:solidFill>
+                  <a:schemeClr val="tx1">
+                    <a:lumMod val="75000"/>
+                    <a:lumOff val="25000"/>
+                  </a:schemeClr>
+                </a:solidFill>
+                <a:latin typeface="Calibri" charset="0"/>
+                <a:ea typeface="Calibri" charset="0"/>
+                <a:cs typeface="Calibri" charset="0"/>
+              </a:rPr>
+              <a:t> </a:t>
+            </a:r>
+            <a:endParaRPr lang="en-US" altLang="ko-KR" dirty="0" smtClean="0">
+              <a:solidFill>
+                <a:schemeClr val="tx1">
+                  <a:lumMod val="75000"/>
+                  <a:lumOff val="25000"/>
+                </a:schemeClr>
+              </a:solidFill>
+              <a:latin typeface="Calibri" charset="0"/>
+              <a:ea typeface="Calibri" charset="0"/>
+              <a:cs typeface="Calibri" charset="0"/>
+            </a:endParaRPr>
+          </a:p>
+          <a:p>
+            <a:pPr algn="just"/>
+            <a:r>
+              <a:rPr lang="en-US" altLang="ko-KR" sz="2800" b="1" dirty="0" smtClean="0"/>
+              <a:t>Some of the website</a:t>
+            </a:r>
+            <a:r>
+              <a:rPr lang="is-IS" altLang="ko-KR" sz="2800" b="1" dirty="0" smtClean="0"/>
+              <a:t>…</a:t>
+            </a:r>
+            <a:endParaRPr lang="en-US" altLang="ko-KR" sz="2800" b="1" dirty="0"/>
+          </a:p>
+        </p:txBody>
+      </p:sp>
+      <p:sp>
+        <p:nvSpPr>
+          <p:cNvPr id="6" name="Title 1"/>
           <p:cNvSpPr txBox="1">
             <a:spLocks/>
           </p:cNvSpPr>
@@ -7528,7 +8254,7 @@
         <p:spPr>
           <a:xfrm>
             <a:off x="409576" y="232031"/>
-            <a:ext cx="8626848" cy="734889"/>
+            <a:ext cx="9479494" cy="734889"/>
           </a:xfrm>
           <a:prstGeom prst="rect">
             <a:avLst/>
@@ -7563,16 +8289,835 @@
           <a:p>
             <a:r>
               <a:rPr lang="en-US" b="1" dirty="0" smtClean="0"/>
-              <a:t>Ongoing Works</a:t>
+              <a:t>Link Prefetching</a:t>
             </a:r>
             <a:endParaRPr lang="en-US" b="1" dirty="0"/>
           </a:p>
         </p:txBody>
       </p:sp>
+      <p:sp>
+        <p:nvSpPr>
+          <p:cNvPr id="8" name="TextBox 7"/>
+          <p:cNvSpPr txBox="1"/>
+          <p:nvPr/>
+        </p:nvSpPr>
+        <p:spPr>
+          <a:xfrm>
+            <a:off x="2614246" y="1266092"/>
+            <a:ext cx="184731" cy="369332"/>
+          </a:xfrm>
+          <a:prstGeom prst="rect">
+            <a:avLst/>
+          </a:prstGeom>
+          <a:noFill/>
+        </p:spPr>
+        <p:txBody>
+          <a:bodyPr wrap="none" rtlCol="0">
+            <a:spAutoFit/>
+          </a:bodyPr>
+          <a:lstStyle/>
+          <a:p>
+            <a:endParaRPr lang="en-US" dirty="0"/>
+          </a:p>
+        </p:txBody>
+      </p:sp>
+      <p:grpSp>
+        <p:nvGrpSpPr>
+          <p:cNvPr id="13" name="Group 12"/>
+          <p:cNvGrpSpPr/>
+          <p:nvPr/>
+        </p:nvGrpSpPr>
+        <p:grpSpPr>
+          <a:xfrm>
+            <a:off x="1344191" y="3077121"/>
+            <a:ext cx="6474139" cy="2986190"/>
+            <a:chOff x="1344191" y="3030229"/>
+            <a:chExt cx="6474139" cy="2986190"/>
+          </a:xfrm>
+        </p:grpSpPr>
+        <p:sp>
+          <p:nvSpPr>
+            <p:cNvPr id="11" name="Rectangle 10"/>
+            <p:cNvSpPr/>
+            <p:nvPr/>
+          </p:nvSpPr>
+          <p:spPr>
+            <a:xfrm>
+              <a:off x="1344191" y="3400318"/>
+              <a:ext cx="6474139" cy="2616101"/>
+            </a:xfrm>
+            <a:prstGeom prst="rect">
+              <a:avLst/>
+            </a:prstGeom>
+            <a:gradFill flip="none" rotWithShape="1">
+              <a:gsLst>
+                <a:gs pos="16000">
+                  <a:schemeClr val="bg1">
+                    <a:alpha val="13000"/>
+                  </a:schemeClr>
+                </a:gs>
+                <a:gs pos="0">
+                  <a:schemeClr val="bg1">
+                    <a:lumMod val="95000"/>
+                  </a:schemeClr>
+                </a:gs>
+                <a:gs pos="100000">
+                  <a:schemeClr val="bg1">
+                    <a:shade val="100000"/>
+                    <a:satMod val="115000"/>
+                  </a:schemeClr>
+                </a:gs>
+              </a:gsLst>
+              <a:path path="circle">
+                <a:fillToRect l="100000" t="100000"/>
+              </a:path>
+              <a:tileRect r="-100000" b="-100000"/>
+            </a:gradFill>
+            <a:ln w="19050">
+              <a:solidFill>
+                <a:srgbClr val="7A0019"/>
+              </a:solidFill>
+            </a:ln>
+          </p:spPr>
+          <p:txBody>
+            <a:bodyPr wrap="square">
+              <a:spAutoFit/>
+            </a:bodyPr>
+            <a:lstStyle/>
+            <a:p>
+              <a:r>
+                <a:rPr lang="en-US" sz="1600" dirty="0" smtClean="0">
+                  <a:solidFill>
+                    <a:schemeClr val="tx1">
+                      <a:lumMod val="75000"/>
+                      <a:lumOff val="25000"/>
+                    </a:schemeClr>
+                  </a:solidFill>
+                  <a:latin typeface="Consolas" charset="0"/>
+                  <a:ea typeface="Consolas" charset="0"/>
+                  <a:cs typeface="Consolas" charset="0"/>
+                </a:rPr>
+                <a:t>01: </a:t>
+              </a:r>
+              <a:r>
+                <a:rPr lang="en-US" sz="1600" dirty="0" err="1" smtClean="0">
+                  <a:solidFill>
+                    <a:schemeClr val="tx1">
+                      <a:lumMod val="75000"/>
+                      <a:lumOff val="25000"/>
+                    </a:schemeClr>
+                  </a:solidFill>
+                  <a:latin typeface="Consolas" charset="0"/>
+                  <a:ea typeface="Consolas" charset="0"/>
+                  <a:cs typeface="Consolas" charset="0"/>
+                </a:rPr>
+                <a:t>website_url</a:t>
+              </a:r>
+              <a:r>
+                <a:rPr lang="en-US" sz="1600" dirty="0" smtClean="0">
+                  <a:solidFill>
+                    <a:schemeClr val="tx1">
+                      <a:lumMod val="75000"/>
+                      <a:lumOff val="25000"/>
+                    </a:schemeClr>
+                  </a:solidFill>
+                  <a:latin typeface="Consolas" charset="0"/>
+                  <a:ea typeface="Consolas" charset="0"/>
+                  <a:cs typeface="Consolas" charset="0"/>
+                </a:rPr>
+                <a:t>, </a:t>
+              </a:r>
+              <a:r>
+                <a:rPr lang="en-US" sz="1600" dirty="0" err="1" smtClean="0">
+                  <a:solidFill>
+                    <a:schemeClr val="tx1">
+                      <a:lumMod val="75000"/>
+                      <a:lumOff val="25000"/>
+                    </a:schemeClr>
+                  </a:solidFill>
+                  <a:latin typeface="Consolas" charset="0"/>
+                  <a:ea typeface="Consolas" charset="0"/>
+                  <a:cs typeface="Consolas" charset="0"/>
+                </a:rPr>
+                <a:t>prefetch_types</a:t>
+              </a:r>
+              <a:endParaRPr lang="en-US" sz="1600" dirty="0" smtClean="0">
+                <a:solidFill>
+                  <a:schemeClr val="tx1">
+                    <a:lumMod val="75000"/>
+                    <a:lumOff val="25000"/>
+                  </a:schemeClr>
+                </a:solidFill>
+                <a:latin typeface="Consolas" charset="0"/>
+                <a:ea typeface="Consolas" charset="0"/>
+                <a:cs typeface="Consolas" charset="0"/>
+              </a:endParaRPr>
+            </a:p>
+            <a:p>
+              <a:r>
+                <a:rPr lang="en-US" sz="1600" dirty="0" smtClean="0">
+                  <a:solidFill>
+                    <a:schemeClr val="tx1">
+                      <a:lumMod val="75000"/>
+                      <a:lumOff val="25000"/>
+                    </a:schemeClr>
+                  </a:solidFill>
+                  <a:latin typeface="Consolas" charset="0"/>
+                  <a:ea typeface="Consolas" charset="0"/>
+                  <a:cs typeface="Consolas" charset="0"/>
+                </a:rPr>
+                <a:t>02: https</a:t>
+              </a:r>
+              <a:r>
+                <a:rPr lang="en-US" sz="1600" dirty="0">
+                  <a:solidFill>
+                    <a:schemeClr val="tx1">
+                      <a:lumMod val="75000"/>
+                      <a:lumOff val="25000"/>
+                    </a:schemeClr>
+                  </a:solidFill>
+                  <a:latin typeface="Consolas" charset="0"/>
+                  <a:ea typeface="Consolas" charset="0"/>
+                  <a:cs typeface="Consolas" charset="0"/>
+                </a:rPr>
+                <a:t>://www.yahoo.com</a:t>
+              </a:r>
+              <a:r>
+                <a:rPr lang="en-US" sz="1600" dirty="0" smtClean="0">
+                  <a:solidFill>
+                    <a:schemeClr val="tx1">
+                      <a:lumMod val="75000"/>
+                      <a:lumOff val="25000"/>
+                    </a:schemeClr>
+                  </a:solidFill>
+                  <a:latin typeface="Consolas" charset="0"/>
+                  <a:ea typeface="Consolas" charset="0"/>
+                  <a:cs typeface="Consolas" charset="0"/>
+                </a:rPr>
+                <a:t>/, </a:t>
+              </a:r>
+              <a:r>
+                <a:rPr lang="en-US" sz="1600" dirty="0" err="1" smtClean="0">
+                  <a:solidFill>
+                    <a:schemeClr val="tx1">
+                      <a:lumMod val="75000"/>
+                      <a:lumOff val="25000"/>
+                    </a:schemeClr>
+                  </a:solidFill>
+                  <a:latin typeface="Consolas" charset="0"/>
+                  <a:ea typeface="Consolas" charset="0"/>
+                  <a:cs typeface="Consolas" charset="0"/>
+                </a:rPr>
+                <a:t>dns-prefetch</a:t>
+              </a:r>
+              <a:endParaRPr lang="en-US" sz="1600" dirty="0" smtClean="0">
+                <a:solidFill>
+                  <a:schemeClr val="tx1">
+                    <a:lumMod val="75000"/>
+                    <a:lumOff val="25000"/>
+                  </a:schemeClr>
+                </a:solidFill>
+                <a:latin typeface="Consolas" charset="0"/>
+                <a:ea typeface="Consolas" charset="0"/>
+                <a:cs typeface="Consolas" charset="0"/>
+              </a:endParaRPr>
+            </a:p>
+            <a:p>
+              <a:r>
+                <a:rPr lang="en-US" sz="1600" dirty="0" smtClean="0">
+                  <a:solidFill>
+                    <a:schemeClr val="tx1">
+                      <a:lumMod val="75000"/>
+                      <a:lumOff val="25000"/>
+                    </a:schemeClr>
+                  </a:solidFill>
+                  <a:latin typeface="Consolas" charset="0"/>
+                  <a:ea typeface="Consolas" charset="0"/>
+                  <a:cs typeface="Consolas" charset="0"/>
+                </a:rPr>
+                <a:t>03: http</a:t>
+              </a:r>
+              <a:r>
+                <a:rPr lang="en-US" sz="1600" dirty="0">
+                  <a:solidFill>
+                    <a:schemeClr val="tx1">
+                      <a:lumMod val="75000"/>
+                      <a:lumOff val="25000"/>
+                    </a:schemeClr>
+                  </a:solidFill>
+                  <a:latin typeface="Consolas" charset="0"/>
+                  <a:ea typeface="Consolas" charset="0"/>
+                  <a:cs typeface="Consolas" charset="0"/>
+                </a:rPr>
+                <a:t>://www.baidu.com</a:t>
+              </a:r>
+              <a:r>
+                <a:rPr lang="en-US" sz="1600" dirty="0" smtClean="0">
+                  <a:solidFill>
+                    <a:schemeClr val="tx1">
+                      <a:lumMod val="75000"/>
+                      <a:lumOff val="25000"/>
+                    </a:schemeClr>
+                  </a:solidFill>
+                  <a:latin typeface="Consolas" charset="0"/>
+                  <a:ea typeface="Consolas" charset="0"/>
+                  <a:cs typeface="Consolas" charset="0"/>
+                </a:rPr>
+                <a:t>/, </a:t>
+              </a:r>
+              <a:r>
+                <a:rPr lang="en-US" sz="1600" dirty="0" err="1" smtClean="0">
+                  <a:solidFill>
+                    <a:schemeClr val="tx1">
+                      <a:lumMod val="75000"/>
+                      <a:lumOff val="25000"/>
+                    </a:schemeClr>
+                  </a:solidFill>
+                  <a:latin typeface="Consolas" charset="0"/>
+                  <a:ea typeface="Consolas" charset="0"/>
+                  <a:cs typeface="Consolas" charset="0"/>
+                </a:rPr>
+                <a:t>dns-prefetch</a:t>
+              </a:r>
+              <a:endParaRPr lang="en-US" sz="1600" dirty="0" smtClean="0">
+                <a:solidFill>
+                  <a:schemeClr val="tx1">
+                    <a:lumMod val="75000"/>
+                    <a:lumOff val="25000"/>
+                  </a:schemeClr>
+                </a:solidFill>
+                <a:latin typeface="Consolas" charset="0"/>
+                <a:ea typeface="Consolas" charset="0"/>
+                <a:cs typeface="Consolas" charset="0"/>
+              </a:endParaRPr>
+            </a:p>
+            <a:p>
+              <a:r>
+                <a:rPr lang="en-US" sz="1600" dirty="0" smtClean="0">
+                  <a:solidFill>
+                    <a:schemeClr val="tx1">
+                      <a:lumMod val="75000"/>
+                      <a:lumOff val="25000"/>
+                    </a:schemeClr>
+                  </a:solidFill>
+                  <a:latin typeface="Consolas" charset="0"/>
+                  <a:ea typeface="Consolas" charset="0"/>
+                  <a:cs typeface="Consolas" charset="0"/>
+                </a:rPr>
+                <a:t>04: http</a:t>
+              </a:r>
+              <a:r>
+                <a:rPr lang="en-US" sz="1600" dirty="0">
+                  <a:solidFill>
+                    <a:schemeClr val="tx1">
+                      <a:lumMod val="75000"/>
+                      <a:lumOff val="25000"/>
+                    </a:schemeClr>
+                  </a:solidFill>
+                  <a:latin typeface="Consolas" charset="0"/>
+                  <a:ea typeface="Consolas" charset="0"/>
+                  <a:cs typeface="Consolas" charset="0"/>
+                </a:rPr>
+                <a:t>://www.amazon.com</a:t>
+              </a:r>
+              <a:r>
+                <a:rPr lang="en-US" sz="1600" dirty="0" smtClean="0">
+                  <a:solidFill>
+                    <a:schemeClr val="tx1">
+                      <a:lumMod val="75000"/>
+                      <a:lumOff val="25000"/>
+                    </a:schemeClr>
+                  </a:solidFill>
+                  <a:latin typeface="Consolas" charset="0"/>
+                  <a:ea typeface="Consolas" charset="0"/>
+                  <a:cs typeface="Consolas" charset="0"/>
+                </a:rPr>
+                <a:t>/, </a:t>
+              </a:r>
+              <a:r>
+                <a:rPr lang="en-US" sz="1600" dirty="0" err="1" smtClean="0">
+                  <a:solidFill>
+                    <a:schemeClr val="tx1">
+                      <a:lumMod val="75000"/>
+                      <a:lumOff val="25000"/>
+                    </a:schemeClr>
+                  </a:solidFill>
+                  <a:latin typeface="Consolas" charset="0"/>
+                  <a:ea typeface="Consolas" charset="0"/>
+                  <a:cs typeface="Consolas" charset="0"/>
+                </a:rPr>
+                <a:t>dns-prefetch</a:t>
+              </a:r>
+              <a:endParaRPr lang="en-US" sz="1600" dirty="0" smtClean="0">
+                <a:solidFill>
+                  <a:schemeClr val="tx1">
+                    <a:lumMod val="75000"/>
+                    <a:lumOff val="25000"/>
+                  </a:schemeClr>
+                </a:solidFill>
+                <a:latin typeface="Consolas" charset="0"/>
+                <a:ea typeface="Consolas" charset="0"/>
+                <a:cs typeface="Consolas" charset="0"/>
+              </a:endParaRPr>
+            </a:p>
+            <a:p>
+              <a:r>
+                <a:rPr lang="en-US" sz="1600" dirty="0" smtClean="0">
+                  <a:solidFill>
+                    <a:schemeClr val="tx1">
+                      <a:lumMod val="75000"/>
+                      <a:lumOff val="25000"/>
+                    </a:schemeClr>
+                  </a:solidFill>
+                  <a:latin typeface="Consolas" charset="0"/>
+                  <a:ea typeface="Consolas" charset="0"/>
+                  <a:cs typeface="Consolas" charset="0"/>
+                </a:rPr>
+                <a:t>05: https</a:t>
+              </a:r>
+              <a:r>
+                <a:rPr lang="en-US" sz="1600" dirty="0">
+                  <a:solidFill>
+                    <a:schemeClr val="tx1">
+                      <a:lumMod val="75000"/>
+                      <a:lumOff val="25000"/>
+                    </a:schemeClr>
+                  </a:solidFill>
+                  <a:latin typeface="Consolas" charset="0"/>
+                  <a:ea typeface="Consolas" charset="0"/>
+                  <a:cs typeface="Consolas" charset="0"/>
+                </a:rPr>
+                <a:t>://wordpress.com</a:t>
+              </a:r>
+              <a:r>
+                <a:rPr lang="en-US" sz="1600" dirty="0" smtClean="0">
+                  <a:solidFill>
+                    <a:schemeClr val="tx1">
+                      <a:lumMod val="75000"/>
+                      <a:lumOff val="25000"/>
+                    </a:schemeClr>
+                  </a:solidFill>
+                  <a:latin typeface="Consolas" charset="0"/>
+                  <a:ea typeface="Consolas" charset="0"/>
+                  <a:cs typeface="Consolas" charset="0"/>
+                </a:rPr>
+                <a:t>/, </a:t>
+              </a:r>
+              <a:r>
+                <a:rPr lang="en-US" sz="1600" dirty="0" err="1" smtClean="0">
+                  <a:solidFill>
+                    <a:schemeClr val="tx1">
+                      <a:lumMod val="75000"/>
+                      <a:lumOff val="25000"/>
+                    </a:schemeClr>
+                  </a:solidFill>
+                  <a:latin typeface="Consolas" charset="0"/>
+                  <a:ea typeface="Consolas" charset="0"/>
+                  <a:cs typeface="Consolas" charset="0"/>
+                </a:rPr>
+                <a:t>dns-prefetch</a:t>
+              </a:r>
+              <a:endParaRPr lang="en-US" sz="1600" dirty="0" smtClean="0">
+                <a:solidFill>
+                  <a:schemeClr val="tx1">
+                    <a:lumMod val="75000"/>
+                    <a:lumOff val="25000"/>
+                  </a:schemeClr>
+                </a:solidFill>
+                <a:latin typeface="Consolas" charset="0"/>
+                <a:ea typeface="Consolas" charset="0"/>
+                <a:cs typeface="Consolas" charset="0"/>
+              </a:endParaRPr>
+            </a:p>
+            <a:p>
+              <a:r>
+                <a:rPr lang="en-US" sz="1600" dirty="0" smtClean="0">
+                  <a:solidFill>
+                    <a:schemeClr val="tx1">
+                      <a:lumMod val="75000"/>
+                      <a:lumOff val="25000"/>
+                    </a:schemeClr>
+                  </a:solidFill>
+                  <a:latin typeface="Consolas" charset="0"/>
+                  <a:ea typeface="Consolas" charset="0"/>
+                  <a:cs typeface="Consolas" charset="0"/>
+                </a:rPr>
+                <a:t>06: http</a:t>
+              </a:r>
+              <a:r>
+                <a:rPr lang="en-US" sz="1600" dirty="0">
+                  <a:solidFill>
+                    <a:schemeClr val="tx1">
+                      <a:lumMod val="75000"/>
+                      <a:lumOff val="25000"/>
+                    </a:schemeClr>
+                  </a:solidFill>
+                  <a:latin typeface="Consolas" charset="0"/>
+                  <a:ea typeface="Consolas" charset="0"/>
+                  <a:cs typeface="Consolas" charset="0"/>
+                </a:rPr>
+                <a:t>://www.amazon.co.jp</a:t>
+              </a:r>
+              <a:r>
+                <a:rPr lang="en-US" sz="1600" dirty="0" smtClean="0">
+                  <a:solidFill>
+                    <a:schemeClr val="tx1">
+                      <a:lumMod val="75000"/>
+                      <a:lumOff val="25000"/>
+                    </a:schemeClr>
+                  </a:solidFill>
+                  <a:latin typeface="Consolas" charset="0"/>
+                  <a:ea typeface="Consolas" charset="0"/>
+                  <a:cs typeface="Consolas" charset="0"/>
+                </a:rPr>
+                <a:t>/, </a:t>
+              </a:r>
+              <a:r>
+                <a:rPr lang="en-US" sz="1600" dirty="0" err="1" smtClean="0">
+                  <a:solidFill>
+                    <a:schemeClr val="tx1">
+                      <a:lumMod val="75000"/>
+                      <a:lumOff val="25000"/>
+                    </a:schemeClr>
+                  </a:solidFill>
+                  <a:latin typeface="Consolas" charset="0"/>
+                  <a:ea typeface="Consolas" charset="0"/>
+                  <a:cs typeface="Consolas" charset="0"/>
+                </a:rPr>
+                <a:t>dns-prefetch</a:t>
+              </a:r>
+              <a:endParaRPr lang="en-US" sz="1600" dirty="0" smtClean="0">
+                <a:solidFill>
+                  <a:schemeClr val="tx1">
+                    <a:lumMod val="75000"/>
+                    <a:lumOff val="25000"/>
+                  </a:schemeClr>
+                </a:solidFill>
+                <a:latin typeface="Consolas" charset="0"/>
+                <a:ea typeface="Consolas" charset="0"/>
+                <a:cs typeface="Consolas" charset="0"/>
+              </a:endParaRPr>
+            </a:p>
+            <a:p>
+              <a:r>
+                <a:rPr lang="en-US" sz="1600" dirty="0" smtClean="0">
+                  <a:solidFill>
+                    <a:schemeClr val="tx1">
+                      <a:lumMod val="75000"/>
+                      <a:lumOff val="25000"/>
+                    </a:schemeClr>
+                  </a:solidFill>
+                  <a:latin typeface="Consolas" charset="0"/>
+                  <a:ea typeface="Consolas" charset="0"/>
+                  <a:cs typeface="Consolas" charset="0"/>
+                </a:rPr>
+                <a:t>07: https</a:t>
+              </a:r>
+              <a:r>
+                <a:rPr lang="en-US" sz="1600" dirty="0">
+                  <a:solidFill>
+                    <a:schemeClr val="tx1">
+                      <a:lumMod val="75000"/>
+                      <a:lumOff val="25000"/>
+                    </a:schemeClr>
+                  </a:solidFill>
+                  <a:latin typeface="Consolas" charset="0"/>
+                  <a:ea typeface="Consolas" charset="0"/>
+                  <a:cs typeface="Consolas" charset="0"/>
+                </a:rPr>
+                <a:t>://</a:t>
+              </a:r>
+              <a:r>
+                <a:rPr lang="en-US" sz="1600" dirty="0" err="1" smtClean="0">
+                  <a:solidFill>
+                    <a:schemeClr val="tx1">
+                      <a:lumMod val="75000"/>
+                      <a:lumOff val="25000"/>
+                    </a:schemeClr>
+                  </a:solidFill>
+                  <a:latin typeface="Consolas" charset="0"/>
+                  <a:ea typeface="Consolas" charset="0"/>
+                  <a:cs typeface="Consolas" charset="0"/>
+                </a:rPr>
+                <a:t>www.tmall.com</a:t>
+              </a:r>
+              <a:r>
+                <a:rPr lang="en-US" sz="1600" dirty="0" smtClean="0">
+                  <a:solidFill>
+                    <a:schemeClr val="tx1">
+                      <a:lumMod val="75000"/>
+                      <a:lumOff val="25000"/>
+                    </a:schemeClr>
+                  </a:solidFill>
+                  <a:latin typeface="Consolas" charset="0"/>
+                  <a:ea typeface="Consolas" charset="0"/>
+                  <a:cs typeface="Consolas" charset="0"/>
+                </a:rPr>
+                <a:t>/, </a:t>
+              </a:r>
+              <a:r>
+                <a:rPr lang="en-US" sz="1600" dirty="0" err="1" smtClean="0">
+                  <a:solidFill>
+                    <a:schemeClr val="tx1">
+                      <a:lumMod val="75000"/>
+                      <a:lumOff val="25000"/>
+                    </a:schemeClr>
+                  </a:solidFill>
+                  <a:latin typeface="Consolas" charset="0"/>
+                  <a:ea typeface="Consolas" charset="0"/>
+                  <a:cs typeface="Consolas" charset="0"/>
+                </a:rPr>
+                <a:t>dns-prefetch</a:t>
+              </a:r>
+              <a:endParaRPr lang="en-US" sz="1600" dirty="0" smtClean="0">
+                <a:solidFill>
+                  <a:schemeClr val="tx1">
+                    <a:lumMod val="75000"/>
+                    <a:lumOff val="25000"/>
+                  </a:schemeClr>
+                </a:solidFill>
+                <a:latin typeface="Consolas" charset="0"/>
+                <a:ea typeface="Consolas" charset="0"/>
+                <a:cs typeface="Consolas" charset="0"/>
+              </a:endParaRPr>
+            </a:p>
+            <a:p>
+              <a:r>
+                <a:rPr lang="en-US" sz="1600" dirty="0" smtClean="0">
+                  <a:solidFill>
+                    <a:schemeClr val="tx1">
+                      <a:lumMod val="75000"/>
+                      <a:lumOff val="25000"/>
+                    </a:schemeClr>
+                  </a:solidFill>
+                  <a:latin typeface="Consolas" charset="0"/>
+                  <a:ea typeface="Consolas" charset="0"/>
+                  <a:cs typeface="Consolas" charset="0"/>
+                </a:rPr>
+                <a:t>08: http</a:t>
+              </a:r>
+              <a:r>
+                <a:rPr lang="en-US" sz="1600" dirty="0">
+                  <a:solidFill>
+                    <a:schemeClr val="tx1">
+                      <a:lumMod val="75000"/>
+                      <a:lumOff val="25000"/>
+                    </a:schemeClr>
+                  </a:solidFill>
+                  <a:latin typeface="Consolas" charset="0"/>
+                  <a:ea typeface="Consolas" charset="0"/>
+                  <a:cs typeface="Consolas" charset="0"/>
+                </a:rPr>
+                <a:t>://www.hao123.com</a:t>
+              </a:r>
+              <a:r>
+                <a:rPr lang="en-US" sz="1600" dirty="0" smtClean="0">
+                  <a:solidFill>
+                    <a:schemeClr val="tx1">
+                      <a:lumMod val="75000"/>
+                      <a:lumOff val="25000"/>
+                    </a:schemeClr>
+                  </a:solidFill>
+                  <a:latin typeface="Consolas" charset="0"/>
+                  <a:ea typeface="Consolas" charset="0"/>
+                  <a:cs typeface="Consolas" charset="0"/>
+                </a:rPr>
+                <a:t>/, </a:t>
+              </a:r>
+              <a:r>
+                <a:rPr lang="en-US" sz="1600" dirty="0" err="1" smtClean="0">
+                  <a:solidFill>
+                    <a:schemeClr val="tx1">
+                      <a:lumMod val="75000"/>
+                      <a:lumOff val="25000"/>
+                    </a:schemeClr>
+                  </a:solidFill>
+                  <a:latin typeface="Consolas" charset="0"/>
+                  <a:ea typeface="Consolas" charset="0"/>
+                  <a:cs typeface="Consolas" charset="0"/>
+                </a:rPr>
+                <a:t>dns-prefetch</a:t>
+              </a:r>
+              <a:endParaRPr lang="en-US" sz="1600" dirty="0" smtClean="0">
+                <a:solidFill>
+                  <a:schemeClr val="tx1">
+                    <a:lumMod val="75000"/>
+                    <a:lumOff val="25000"/>
+                  </a:schemeClr>
+                </a:solidFill>
+                <a:latin typeface="Consolas" charset="0"/>
+                <a:ea typeface="Consolas" charset="0"/>
+                <a:cs typeface="Consolas" charset="0"/>
+              </a:endParaRPr>
+            </a:p>
+            <a:p>
+              <a:r>
+                <a:rPr lang="en-US" sz="1600" dirty="0" smtClean="0">
+                  <a:solidFill>
+                    <a:schemeClr val="tx1">
+                      <a:lumMod val="75000"/>
+                      <a:lumOff val="25000"/>
+                    </a:schemeClr>
+                  </a:solidFill>
+                  <a:latin typeface="Consolas" charset="0"/>
+                  <a:ea typeface="Consolas" charset="0"/>
+                  <a:cs typeface="Consolas" charset="0"/>
+                </a:rPr>
+                <a:t>09: http</a:t>
+              </a:r>
+              <a:r>
+                <a:rPr lang="en-US" sz="1600" dirty="0">
+                  <a:solidFill>
+                    <a:schemeClr val="tx1">
+                      <a:lumMod val="75000"/>
+                      <a:lumOff val="25000"/>
+                    </a:schemeClr>
+                  </a:solidFill>
+                  <a:latin typeface="Consolas" charset="0"/>
+                  <a:ea typeface="Consolas" charset="0"/>
+                  <a:cs typeface="Consolas" charset="0"/>
+                </a:rPr>
+                <a:t>://</a:t>
+              </a:r>
+              <a:r>
+                <a:rPr lang="en-US" sz="1600" dirty="0" err="1" smtClean="0">
+                  <a:solidFill>
+                    <a:schemeClr val="tx1">
+                      <a:lumMod val="75000"/>
+                      <a:lumOff val="25000"/>
+                    </a:schemeClr>
+                  </a:solidFill>
+                  <a:latin typeface="Consolas" charset="0"/>
+                  <a:ea typeface="Consolas" charset="0"/>
+                  <a:cs typeface="Consolas" charset="0"/>
+                </a:rPr>
+                <a:t>xhamster.com</a:t>
+              </a:r>
+              <a:r>
+                <a:rPr lang="en-US" sz="1600" dirty="0" smtClean="0">
+                  <a:solidFill>
+                    <a:schemeClr val="tx1">
+                      <a:lumMod val="75000"/>
+                      <a:lumOff val="25000"/>
+                    </a:schemeClr>
+                  </a:solidFill>
+                  <a:latin typeface="Consolas" charset="0"/>
+                  <a:ea typeface="Consolas" charset="0"/>
+                  <a:cs typeface="Consolas" charset="0"/>
+                </a:rPr>
+                <a:t>/,"</a:t>
+              </a:r>
+              <a:r>
+                <a:rPr lang="en-US" sz="1600" dirty="0" err="1" smtClean="0">
+                  <a:solidFill>
+                    <a:schemeClr val="tx1">
+                      <a:lumMod val="75000"/>
+                      <a:lumOff val="25000"/>
+                    </a:schemeClr>
+                  </a:solidFill>
+                  <a:latin typeface="Consolas" charset="0"/>
+                  <a:ea typeface="Consolas" charset="0"/>
+                  <a:cs typeface="Consolas" charset="0"/>
+                </a:rPr>
+                <a:t>dns-prefetch,next</a:t>
+              </a:r>
+              <a:r>
+                <a:rPr lang="en-US" sz="1600" dirty="0" smtClean="0">
+                  <a:solidFill>
+                    <a:schemeClr val="tx1">
+                      <a:lumMod val="75000"/>
+                      <a:lumOff val="25000"/>
+                    </a:schemeClr>
+                  </a:solidFill>
+                  <a:latin typeface="Consolas" charset="0"/>
+                  <a:ea typeface="Consolas" charset="0"/>
+                  <a:cs typeface="Consolas" charset="0"/>
+                </a:rPr>
+                <a:t>”</a:t>
+              </a:r>
+            </a:p>
+            <a:p>
+              <a:r>
+                <a:rPr lang="en-US" sz="1600" dirty="0" smtClean="0">
+                  <a:solidFill>
+                    <a:schemeClr val="tx1">
+                      <a:lumMod val="75000"/>
+                      <a:lumOff val="25000"/>
+                    </a:schemeClr>
+                  </a:solidFill>
+                  <a:latin typeface="Consolas" charset="0"/>
+                  <a:ea typeface="Consolas" charset="0"/>
+                  <a:cs typeface="Consolas" charset="0"/>
+                </a:rPr>
+                <a:t>10: ...</a:t>
+              </a:r>
+            </a:p>
+          </p:txBody>
+        </p:sp>
+        <p:sp>
+          <p:nvSpPr>
+            <p:cNvPr id="12" name="Rectangle 11"/>
+            <p:cNvSpPr/>
+            <p:nvPr/>
+          </p:nvSpPr>
+          <p:spPr>
+            <a:xfrm>
+              <a:off x="4594371" y="3030229"/>
+              <a:ext cx="3223959" cy="369332"/>
+            </a:xfrm>
+            <a:prstGeom prst="rect">
+              <a:avLst/>
+            </a:prstGeom>
+            <a:solidFill>
+              <a:srgbClr val="FFCC33"/>
+            </a:solidFill>
+            <a:ln w="19050">
+              <a:solidFill>
+                <a:srgbClr val="7A0019"/>
+              </a:solidFill>
+            </a:ln>
+          </p:spPr>
+          <p:txBody>
+            <a:bodyPr wrap="none">
+              <a:spAutoFit/>
+            </a:bodyPr>
+            <a:lstStyle/>
+            <a:p>
+              <a:r>
+                <a:rPr lang="en-US" dirty="0" err="1">
+                  <a:solidFill>
+                    <a:srgbClr val="7A0019"/>
+                  </a:solidFill>
+                  <a:latin typeface="Consolas" charset="0"/>
+                  <a:ea typeface="Consolas" charset="0"/>
+                  <a:cs typeface="Consolas" charset="0"/>
+                </a:rPr>
+                <a:t>p</a:t>
+              </a:r>
+              <a:r>
+                <a:rPr lang="en-US" dirty="0" err="1" smtClean="0">
+                  <a:solidFill>
+                    <a:srgbClr val="7A0019"/>
+                  </a:solidFill>
+                  <a:latin typeface="Consolas" charset="0"/>
+                  <a:ea typeface="Consolas" charset="0"/>
+                  <a:cs typeface="Consolas" charset="0"/>
+                </a:rPr>
+                <a:t>refetching_websites.csv</a:t>
+              </a:r>
+              <a:endParaRPr lang="en-US" dirty="0">
+                <a:solidFill>
+                  <a:srgbClr val="7A0019"/>
+                </a:solidFill>
+              </a:endParaRPr>
+            </a:p>
+          </p:txBody>
+        </p:sp>
+      </p:grpSp>
     </p:spTree>
     <p:extLst>
       <p:ext uri="{BB962C8B-B14F-4D97-AF65-F5344CB8AC3E}">
-        <p14:creationId xmlns:p14="http://schemas.microsoft.com/office/powerpoint/2010/main" val="1482431112"/>
+        <p14:creationId xmlns:p14="http://schemas.microsoft.com/office/powerpoint/2010/main" val="1672954701"/>
       </p:ext>
     </p:extLst>
   </p:cSld>
@@ -7608,39 +9153,388 @@
       </p:grpSpPr>
       <p:sp>
         <p:nvSpPr>
-          <p:cNvPr id="2" name="Title 1"/>
+          <p:cNvPr id="3" name="Slide Number Placeholder 2"/>
           <p:cNvSpPr>
             <a:spLocks noGrp="1"/>
           </p:cNvSpPr>
           <p:nvPr>
-            <p:ph type="title"/>
+            <p:ph type="sldNum" sz="quarter" idx="4294967295"/>
           </p:nvPr>
         </p:nvSpPr>
-        <p:spPr/>
+        <p:spPr>
+          <a:xfrm>
+            <a:off x="-237705" y="6459786"/>
+            <a:ext cx="984019" cy="365125"/>
+          </a:xfrm>
+        </p:spPr>
         <p:txBody>
           <a:bodyPr/>
           <a:lstStyle/>
           <a:p>
-            <a:endParaRPr lang="en-US"/>
-          </a:p>
-        </p:txBody>
-      </p:sp>
-      <p:sp>
-        <p:nvSpPr>
-          <p:cNvPr id="3" name="Content Placeholder 2"/>
+            <a:fld id="{629637A9-119A-49DA-BD12-AAC58B377D80}" type="slidenum">
+              <a:rPr lang="en-US" smtClean="0"/>
+              <a:t>14</a:t>
+            </a:fld>
+            <a:endParaRPr lang="en-US" dirty="0"/>
+          </a:p>
+        </p:txBody>
+      </p:sp>
+      <p:sp>
+        <p:nvSpPr>
+          <p:cNvPr id="4" name="Rectangle 3"/>
+          <p:cNvSpPr/>
+          <p:nvPr/>
+        </p:nvSpPr>
+        <p:spPr>
+          <a:xfrm>
+            <a:off x="349416" y="1026916"/>
+            <a:ext cx="8360830" cy="523220"/>
+          </a:xfrm>
+          <a:prstGeom prst="rect">
+            <a:avLst/>
+          </a:prstGeom>
+        </p:spPr>
+        <p:txBody>
+          <a:bodyPr wrap="square">
+            <a:spAutoFit/>
+          </a:bodyPr>
+          <a:lstStyle/>
+          <a:p>
+            <a:pPr algn="just"/>
+            <a:r>
+              <a:rPr lang="en-US" altLang="ko-KR" sz="2800" b="1" dirty="0" smtClean="0"/>
+              <a:t>How does it look like?</a:t>
+            </a:r>
+            <a:endParaRPr lang="en-US" altLang="ko-KR" sz="2800" b="1" dirty="0"/>
+          </a:p>
+        </p:txBody>
+      </p:sp>
+      <p:sp>
+        <p:nvSpPr>
+          <p:cNvPr id="6" name="Title 1"/>
+          <p:cNvSpPr txBox="1">
+            <a:spLocks/>
+          </p:cNvSpPr>
+          <p:nvPr/>
+        </p:nvSpPr>
+        <p:spPr>
+          <a:xfrm>
+            <a:off x="409576" y="232031"/>
+            <a:ext cx="9479494" cy="734889"/>
+          </a:xfrm>
+          <a:prstGeom prst="rect">
+            <a:avLst/>
+          </a:prstGeom>
+        </p:spPr>
+        <p:txBody>
+          <a:bodyPr vert="horz" lIns="91440" tIns="45720" rIns="91440" bIns="45720" rtlCol="0" anchor="b">
+            <a:normAutofit/>
+          </a:bodyPr>
+          <a:lstStyle>
+            <a:lvl1pPr algn="l" defTabSz="914400" rtl="0" eaLnBrk="1" latinLnBrk="0" hangingPunct="1">
+              <a:lnSpc>
+                <a:spcPct val="85000"/>
+              </a:lnSpc>
+              <a:spcBef>
+                <a:spcPct val="0"/>
+              </a:spcBef>
+              <a:buNone/>
+              <a:defRPr sz="4800" kern="1200" spc="-50" baseline="0">
+                <a:solidFill>
+                  <a:schemeClr val="tx1">
+                    <a:lumMod val="75000"/>
+                    <a:lumOff val="25000"/>
+                  </a:schemeClr>
+                </a:solidFill>
+                <a:latin typeface="+mj-lt"/>
+                <a:ea typeface="+mj-ea"/>
+                <a:cs typeface="+mj-cs"/>
+              </a:defRPr>
+            </a:lvl1pPr>
+          </a:lstStyle>
+          <a:p>
+            <a:r>
+              <a:rPr lang="en-US" b="1" dirty="0" smtClean="0"/>
+              <a:t>Link Prefetching</a:t>
+            </a:r>
+            <a:endParaRPr lang="en-US" b="1" dirty="0"/>
+          </a:p>
+        </p:txBody>
+      </p:sp>
+      <p:sp>
+        <p:nvSpPr>
+          <p:cNvPr id="8" name="TextBox 7"/>
+          <p:cNvSpPr txBox="1"/>
+          <p:nvPr/>
+        </p:nvSpPr>
+        <p:spPr>
+          <a:xfrm>
+            <a:off x="2614246" y="1266092"/>
+            <a:ext cx="184731" cy="369332"/>
+          </a:xfrm>
+          <a:prstGeom prst="rect">
+            <a:avLst/>
+          </a:prstGeom>
+          <a:noFill/>
+        </p:spPr>
+        <p:txBody>
+          <a:bodyPr wrap="none" rtlCol="0">
+            <a:spAutoFit/>
+          </a:bodyPr>
+          <a:lstStyle/>
+          <a:p>
+            <a:endParaRPr lang="en-US" dirty="0"/>
+          </a:p>
+        </p:txBody>
+      </p:sp>
+      <p:pic>
+        <p:nvPicPr>
+          <p:cNvPr id="9" name="Picture 8"/>
+          <p:cNvPicPr>
+            <a:picLocks noChangeAspect="1"/>
+          </p:cNvPicPr>
+          <p:nvPr/>
+        </p:nvPicPr>
+        <p:blipFill rotWithShape="1">
+          <a:blip r:embed="rId3"/>
+          <a:srcRect b="5826"/>
+          <a:stretch/>
+        </p:blipFill>
+        <p:spPr>
+          <a:xfrm>
+            <a:off x="349416" y="1561859"/>
+            <a:ext cx="8405997" cy="4358295"/>
+          </a:xfrm>
+          <a:prstGeom prst="rect">
+            <a:avLst/>
+          </a:prstGeom>
+        </p:spPr>
+      </p:pic>
+      <p:sp>
+        <p:nvSpPr>
+          <p:cNvPr id="12" name="Rectangle 11"/>
+          <p:cNvSpPr/>
+          <p:nvPr/>
+        </p:nvSpPr>
+        <p:spPr>
+          <a:xfrm>
+            <a:off x="7075539" y="1023975"/>
+            <a:ext cx="1548501" cy="646331"/>
+          </a:xfrm>
+          <a:prstGeom prst="rect">
+            <a:avLst/>
+          </a:prstGeom>
+        </p:spPr>
+        <p:txBody>
+          <a:bodyPr wrap="none">
+            <a:spAutoFit/>
+          </a:bodyPr>
+          <a:lstStyle/>
+          <a:p>
+            <a:r>
+              <a:rPr lang="en-US" dirty="0" smtClean="0">
+                <a:solidFill>
+                  <a:srgbClr val="C00000"/>
+                </a:solidFill>
+              </a:rPr>
+              <a:t>-- pre-fetch off</a:t>
+            </a:r>
+          </a:p>
+          <a:p>
+            <a:r>
+              <a:rPr lang="en-US" dirty="0" smtClean="0">
+                <a:solidFill>
+                  <a:srgbClr val="0070C0"/>
+                </a:solidFill>
+              </a:rPr>
+              <a:t>-- pre-fetch on</a:t>
+            </a:r>
+            <a:endParaRPr lang="en-US" dirty="0">
+              <a:solidFill>
+                <a:srgbClr val="0070C0"/>
+              </a:solidFill>
+            </a:endParaRPr>
+          </a:p>
+        </p:txBody>
+      </p:sp>
+      <p:sp>
+        <p:nvSpPr>
+          <p:cNvPr id="13" name="Rectangle 12"/>
+          <p:cNvSpPr/>
+          <p:nvPr/>
+        </p:nvSpPr>
+        <p:spPr>
+          <a:xfrm>
+            <a:off x="7884958" y="5779478"/>
+            <a:ext cx="1111202" cy="369332"/>
+          </a:xfrm>
+          <a:prstGeom prst="rect">
+            <a:avLst/>
+          </a:prstGeom>
+        </p:spPr>
+        <p:txBody>
+          <a:bodyPr wrap="none">
+            <a:spAutoFit/>
+          </a:bodyPr>
+          <a:lstStyle/>
+          <a:p>
+            <a:r>
+              <a:rPr lang="en-US" i="1" dirty="0"/>
+              <a:t>t</a:t>
+            </a:r>
+            <a:r>
+              <a:rPr lang="en-US" i="1" dirty="0" smtClean="0"/>
+              <a:t>ime (sec)</a:t>
+            </a:r>
+            <a:endParaRPr lang="en-US" i="1" dirty="0"/>
+          </a:p>
+        </p:txBody>
+      </p:sp>
+      <p:sp>
+        <p:nvSpPr>
+          <p:cNvPr id="14" name="Rectangle 13"/>
+          <p:cNvSpPr/>
+          <p:nvPr/>
+        </p:nvSpPr>
+        <p:spPr>
+          <a:xfrm>
+            <a:off x="96946" y="1714632"/>
+            <a:ext cx="1060996" cy="369332"/>
+          </a:xfrm>
+          <a:prstGeom prst="rect">
+            <a:avLst/>
+          </a:prstGeom>
+        </p:spPr>
+        <p:txBody>
+          <a:bodyPr wrap="none">
+            <a:spAutoFit/>
+          </a:bodyPr>
+          <a:lstStyle/>
+          <a:p>
+            <a:r>
+              <a:rPr lang="en-US" i="1" dirty="0" smtClean="0"/>
+              <a:t># packets</a:t>
+            </a:r>
+            <a:endParaRPr lang="en-US" i="1" dirty="0"/>
+          </a:p>
+        </p:txBody>
+      </p:sp>
+      <p:sp>
+        <p:nvSpPr>
+          <p:cNvPr id="15" name="Rectangle 14"/>
+          <p:cNvSpPr/>
+          <p:nvPr/>
+        </p:nvSpPr>
+        <p:spPr>
+          <a:xfrm>
+            <a:off x="0" y="5964144"/>
+            <a:ext cx="2957605" cy="369332"/>
+          </a:xfrm>
+          <a:prstGeom prst="rect">
+            <a:avLst/>
+          </a:prstGeom>
+        </p:spPr>
+        <p:txBody>
+          <a:bodyPr wrap="none">
+            <a:spAutoFit/>
+          </a:bodyPr>
+          <a:lstStyle/>
+          <a:p>
+            <a:r>
+              <a:rPr lang="en-US" i="1" dirty="0" smtClean="0">
+                <a:solidFill>
+                  <a:schemeClr val="tx1">
+                    <a:lumMod val="65000"/>
+                    <a:lumOff val="35000"/>
+                  </a:schemeClr>
+                </a:solidFill>
+              </a:rPr>
+              <a:t>Packets from </a:t>
+            </a:r>
+            <a:r>
+              <a:rPr lang="en-US" i="1" dirty="0" err="1" smtClean="0">
+                <a:solidFill>
+                  <a:schemeClr val="tx1">
+                    <a:lumMod val="65000"/>
+                    <a:lumOff val="35000"/>
+                  </a:schemeClr>
+                </a:solidFill>
+              </a:rPr>
+              <a:t>www.wired.com</a:t>
+            </a:r>
+            <a:endParaRPr lang="en-US" i="1" dirty="0">
+              <a:solidFill>
+                <a:schemeClr val="tx1">
+                  <a:lumMod val="65000"/>
+                  <a:lumOff val="35000"/>
+                </a:schemeClr>
+              </a:solidFill>
+            </a:endParaRPr>
+          </a:p>
+        </p:txBody>
+      </p:sp>
+    </p:spTree>
+    <p:extLst>
+      <p:ext uri="{BB962C8B-B14F-4D97-AF65-F5344CB8AC3E}">
+        <p14:creationId xmlns:p14="http://schemas.microsoft.com/office/powerpoint/2010/main" val="446832417"/>
+      </p:ext>
+    </p:extLst>
+  </p:cSld>
+  <p:clrMapOvr>
+    <a:masterClrMapping/>
+  </p:clrMapOvr>
+  <p:timing>
+    <p:tnLst>
+      <p:par>
+        <p:cTn id="1" dur="indefinite" restart="never" nodeType="tmRoot"/>
+      </p:par>
+    </p:tnLst>
+  </p:timing>
+</p:sld>
+</file>
+
+<file path=ppt/slides/slide15.xml><?xml version="1.0" encoding="utf-8"?>
+<p:sld xmlns:a="http://schemas.openxmlformats.org/drawingml/2006/main" xmlns:r="http://schemas.openxmlformats.org/officeDocument/2006/relationships" xmlns:p="http://schemas.openxmlformats.org/presentationml/2006/main">
+  <p:cSld>
+    <p:spTree>
+      <p:nvGrpSpPr>
+        <p:cNvPr id="1" name=""/>
+        <p:cNvGrpSpPr/>
+        <p:nvPr/>
+      </p:nvGrpSpPr>
+      <p:grpSpPr>
+        <a:xfrm>
+          <a:off x="0" y="0"/>
+          <a:ext cx="0" cy="0"/>
+          <a:chOff x="0" y="0"/>
+          <a:chExt cx="0" cy="0"/>
+        </a:xfrm>
+      </p:grpSpPr>
+      <p:sp>
+        <p:nvSpPr>
+          <p:cNvPr id="3" name="Slide Number Placeholder 2"/>
           <p:cNvSpPr>
             <a:spLocks noGrp="1"/>
           </p:cNvSpPr>
           <p:nvPr>
-            <p:ph idx="1"/>
+            <p:ph type="sldNum" sz="quarter" idx="4294967295"/>
           </p:nvPr>
         </p:nvSpPr>
-        <p:spPr/>
+        <p:spPr>
+          <a:xfrm>
+            <a:off x="-237705" y="6459786"/>
+            <a:ext cx="984019" cy="365125"/>
+          </a:xfrm>
+        </p:spPr>
         <p:txBody>
           <a:bodyPr/>
           <a:lstStyle/>
           <a:p>
-            <a:endParaRPr lang="en-US"/>
+            <a:fld id="{629637A9-119A-49DA-BD12-AAC58B377D80}" type="slidenum">
+              <a:rPr lang="en-US" smtClean="0"/>
+              <a:t>15</a:t>
+            </a:fld>
+            <a:endParaRPr lang="en-US" dirty="0"/>
           </a:p>
         </p:txBody>
       </p:sp>
@@ -7652,56 +9546,244 @@
         </p:nvSpPr>
         <p:spPr>
           <a:xfrm>
-            <a:off x="0" y="0"/>
-            <a:ext cx="9144000" cy="6858000"/>
+            <a:off x="349416" y="1026916"/>
+            <a:ext cx="8360830" cy="3970318"/>
           </a:xfrm>
           <a:prstGeom prst="rect">
             <a:avLst/>
           </a:prstGeom>
-          <a:solidFill>
-            <a:schemeClr val="tx1"/>
-          </a:solidFill>
-          <a:ln>
-            <a:solidFill>
-              <a:schemeClr val="tx1"/>
-            </a:solidFill>
-          </a:ln>
-        </p:spPr>
-        <p:style>
-          <a:lnRef idx="2">
-            <a:schemeClr val="accent1">
-              <a:shade val="50000"/>
-            </a:schemeClr>
-          </a:lnRef>
-          <a:fillRef idx="1">
-            <a:schemeClr val="accent1"/>
-          </a:fillRef>
-          <a:effectRef idx="0">
-            <a:schemeClr val="accent1"/>
-          </a:effectRef>
-          <a:fontRef idx="minor">
-            <a:schemeClr val="lt1"/>
-          </a:fontRef>
-        </p:style>
-        <p:txBody>
-          <a:bodyPr rtlCol="0" anchor="ctr"/>
-          <a:lstStyle/>
-          <a:p>
-            <a:pPr algn="ctr"/>
-            <a:endParaRPr lang="en-US"/>
-          </a:p>
-        </p:txBody>
-      </p:sp>
-      <p:sp>
-        <p:nvSpPr>
-          <p:cNvPr id="5" name="TextBox 4"/>
+        </p:spPr>
+        <p:txBody>
+          <a:bodyPr wrap="square">
+            <a:spAutoFit/>
+          </a:bodyPr>
+          <a:lstStyle/>
+          <a:p>
+            <a:pPr algn="just"/>
+            <a:r>
+              <a:rPr lang="en-US" altLang="ko-KR" sz="2800" b="1" dirty="0" smtClean="0"/>
+              <a:t>RQ1</a:t>
+            </a:r>
+            <a:endParaRPr lang="en-US" altLang="ko-KR" sz="2400" dirty="0" smtClean="0">
+              <a:solidFill>
+                <a:schemeClr val="tx1">
+                  <a:lumMod val="75000"/>
+                  <a:lumOff val="25000"/>
+                </a:schemeClr>
+              </a:solidFill>
+              <a:latin typeface="Calibri" charset="0"/>
+              <a:ea typeface="Calibri" charset="0"/>
+              <a:cs typeface="Calibri" charset="0"/>
+            </a:endParaRPr>
+          </a:p>
+          <a:p>
+            <a:pPr marL="342900" indent="-342900" algn="just">
+              <a:buFontTx/>
+              <a:buChar char="-"/>
+            </a:pPr>
+            <a:r>
+              <a:rPr lang="en-US" altLang="ko-KR" sz="2400" dirty="0" smtClean="0">
+                <a:solidFill>
+                  <a:schemeClr val="tx1">
+                    <a:lumMod val="75000"/>
+                    <a:lumOff val="25000"/>
+                  </a:schemeClr>
+                </a:solidFill>
+                <a:latin typeface="Calibri" charset="0"/>
+                <a:ea typeface="Calibri" charset="0"/>
+                <a:cs typeface="Calibri" charset="0"/>
+              </a:rPr>
+              <a:t>Does prefetching itself provide an extra degree of defense?</a:t>
+            </a:r>
+          </a:p>
+          <a:p>
+            <a:pPr marL="342900" indent="-342900" algn="just">
+              <a:buFontTx/>
+              <a:buChar char="-"/>
+            </a:pPr>
+            <a:endParaRPr lang="en-US" altLang="ko-KR" sz="2400" dirty="0" smtClean="0">
+              <a:solidFill>
+                <a:schemeClr val="tx1">
+                  <a:lumMod val="75000"/>
+                  <a:lumOff val="25000"/>
+                </a:schemeClr>
+              </a:solidFill>
+              <a:latin typeface="Calibri" charset="0"/>
+              <a:ea typeface="Calibri" charset="0"/>
+              <a:cs typeface="Calibri" charset="0"/>
+            </a:endParaRPr>
+          </a:p>
+          <a:p>
+            <a:pPr algn="just"/>
+            <a:r>
+              <a:rPr lang="en-US" altLang="ko-KR" sz="2800" b="1" dirty="0" smtClean="0"/>
+              <a:t>RQ2</a:t>
+            </a:r>
+            <a:endParaRPr lang="en-US" altLang="ko-KR" sz="2400" dirty="0" smtClean="0">
+              <a:solidFill>
+                <a:schemeClr val="tx1">
+                  <a:lumMod val="75000"/>
+                  <a:lumOff val="25000"/>
+                </a:schemeClr>
+              </a:solidFill>
+              <a:latin typeface="Calibri" charset="0"/>
+              <a:ea typeface="Calibri" charset="0"/>
+              <a:cs typeface="Calibri" charset="0"/>
+            </a:endParaRPr>
+          </a:p>
+          <a:p>
+            <a:pPr marL="342900" indent="-342900" algn="just">
+              <a:buFontTx/>
+              <a:buChar char="-"/>
+            </a:pPr>
+            <a:r>
+              <a:rPr lang="en-US" altLang="ko-KR" sz="2400" dirty="0" smtClean="0">
+                <a:solidFill>
+                  <a:schemeClr val="tx1">
+                    <a:lumMod val="75000"/>
+                    <a:lumOff val="25000"/>
+                  </a:schemeClr>
+                </a:solidFill>
+                <a:latin typeface="Calibri" charset="0"/>
+                <a:ea typeface="Calibri" charset="0"/>
+                <a:cs typeface="Calibri" charset="0"/>
+              </a:rPr>
+              <a:t>Can a victim obfuscate eavesdropper by simply turning off prefetching in their browser?</a:t>
+            </a:r>
+          </a:p>
+          <a:p>
+            <a:pPr marL="342900" indent="-342900" algn="just">
+              <a:buFontTx/>
+              <a:buChar char="-"/>
+            </a:pPr>
+            <a:endParaRPr lang="en-US" altLang="ko-KR" sz="2400" dirty="0" smtClean="0">
+              <a:solidFill>
+                <a:schemeClr val="tx1">
+                  <a:lumMod val="75000"/>
+                  <a:lumOff val="25000"/>
+                </a:schemeClr>
+              </a:solidFill>
+              <a:latin typeface="Calibri" charset="0"/>
+              <a:ea typeface="Calibri" charset="0"/>
+              <a:cs typeface="Calibri" charset="0"/>
+            </a:endParaRPr>
+          </a:p>
+          <a:p>
+            <a:pPr algn="just"/>
+            <a:r>
+              <a:rPr lang="en-US" altLang="ko-KR" sz="2800" b="1" dirty="0" smtClean="0"/>
+              <a:t>RQ3</a:t>
+            </a:r>
+            <a:endParaRPr lang="en-US" altLang="ko-KR" sz="2400" dirty="0" smtClean="0">
+              <a:solidFill>
+                <a:schemeClr val="tx1">
+                  <a:lumMod val="75000"/>
+                  <a:lumOff val="25000"/>
+                </a:schemeClr>
+              </a:solidFill>
+              <a:latin typeface="Calibri" charset="0"/>
+              <a:ea typeface="Calibri" charset="0"/>
+              <a:cs typeface="Calibri" charset="0"/>
+            </a:endParaRPr>
+          </a:p>
+          <a:p>
+            <a:pPr marL="342900" indent="-342900" algn="just">
+              <a:buFontTx/>
+              <a:buChar char="-"/>
+            </a:pPr>
+            <a:r>
+              <a:rPr lang="en-US" altLang="ko-KR" sz="2400" dirty="0" smtClean="0">
+                <a:solidFill>
+                  <a:schemeClr val="tx1">
+                    <a:lumMod val="75000"/>
+                    <a:lumOff val="25000"/>
+                  </a:schemeClr>
+                </a:solidFill>
+                <a:latin typeface="Calibri" charset="0"/>
+                <a:ea typeface="Calibri" charset="0"/>
+                <a:cs typeface="Calibri" charset="0"/>
+              </a:rPr>
+              <a:t>Can prefetching be used as a browser-side defense mechanism?</a:t>
+            </a:r>
+          </a:p>
+          <a:p>
+            <a:pPr algn="just"/>
+            <a:endParaRPr lang="en-US" altLang="ko-KR" sz="2400" dirty="0">
+              <a:solidFill>
+                <a:schemeClr val="tx1">
+                  <a:lumMod val="75000"/>
+                  <a:lumOff val="25000"/>
+                </a:schemeClr>
+              </a:solidFill>
+              <a:latin typeface="Calibri" charset="0"/>
+              <a:ea typeface="Calibri" charset="0"/>
+              <a:cs typeface="Calibri" charset="0"/>
+            </a:endParaRPr>
+          </a:p>
+        </p:txBody>
+      </p:sp>
+      <p:sp>
+        <p:nvSpPr>
+          <p:cNvPr id="6" name="Title 1"/>
+          <p:cNvSpPr txBox="1">
+            <a:spLocks/>
+          </p:cNvSpPr>
+          <p:nvPr/>
+        </p:nvSpPr>
+        <p:spPr>
+          <a:xfrm>
+            <a:off x="409576" y="232031"/>
+            <a:ext cx="9479494" cy="734889"/>
+          </a:xfrm>
+          <a:prstGeom prst="rect">
+            <a:avLst/>
+          </a:prstGeom>
+        </p:spPr>
+        <p:txBody>
+          <a:bodyPr vert="horz" lIns="91440" tIns="45720" rIns="91440" bIns="45720" rtlCol="0" anchor="b">
+            <a:normAutofit/>
+          </a:bodyPr>
+          <a:lstStyle>
+            <a:lvl1pPr algn="l" defTabSz="914400" rtl="0" eaLnBrk="1" latinLnBrk="0" hangingPunct="1">
+              <a:lnSpc>
+                <a:spcPct val="85000"/>
+              </a:lnSpc>
+              <a:spcBef>
+                <a:spcPct val="0"/>
+              </a:spcBef>
+              <a:buNone/>
+              <a:defRPr sz="4800" kern="1200" spc="-50" baseline="0">
+                <a:solidFill>
+                  <a:schemeClr val="tx1">
+                    <a:lumMod val="75000"/>
+                    <a:lumOff val="25000"/>
+                  </a:schemeClr>
+                </a:solidFill>
+                <a:latin typeface="+mj-lt"/>
+                <a:ea typeface="+mj-ea"/>
+                <a:cs typeface="+mj-cs"/>
+              </a:defRPr>
+            </a:lvl1pPr>
+          </a:lstStyle>
+          <a:p>
+            <a:r>
+              <a:rPr lang="en-US" b="1" dirty="0" smtClean="0"/>
+              <a:t>Research Questions</a:t>
+            </a:r>
+            <a:endParaRPr lang="en-US" b="1" dirty="0"/>
+          </a:p>
+        </p:txBody>
+      </p:sp>
+      <p:sp>
+        <p:nvSpPr>
+          <p:cNvPr id="8" name="TextBox 7"/>
           <p:cNvSpPr txBox="1"/>
           <p:nvPr/>
         </p:nvSpPr>
         <p:spPr>
           <a:xfrm>
-            <a:off x="2854412" y="2798234"/>
-            <a:ext cx="3855308" cy="923330"/>
+            <a:off x="2614246" y="1266092"/>
+            <a:ext cx="184731" cy="369332"/>
           </a:xfrm>
           <a:prstGeom prst="rect">
             <a:avLst/>
@@ -7709,31 +9791,748 @@
           <a:noFill/>
         </p:spPr>
         <p:txBody>
-          <a:bodyPr wrap="square" rtlCol="0">
+          <a:bodyPr wrap="none" rtlCol="0">
             <a:spAutoFit/>
           </a:bodyPr>
           <a:lstStyle/>
           <a:p>
-            <a:r>
-              <a:rPr lang="en-US" sz="5400" b="1" dirty="0" smtClean="0">
-                <a:solidFill>
-                  <a:schemeClr val="bg1"/>
-                </a:solidFill>
-              </a:rPr>
-              <a:t>THANK YOU</a:t>
-            </a:r>
-            <a:endParaRPr lang="en-US" sz="5400" b="1" dirty="0">
-              <a:solidFill>
-                <a:schemeClr val="bg1"/>
-              </a:solidFill>
-            </a:endParaRPr>
+            <a:endParaRPr lang="en-US" dirty="0"/>
           </a:p>
         </p:txBody>
       </p:sp>
     </p:spTree>
     <p:extLst>
       <p:ext uri="{BB962C8B-B14F-4D97-AF65-F5344CB8AC3E}">
-        <p14:creationId xmlns:p14="http://schemas.microsoft.com/office/powerpoint/2010/main" val="1695459882"/>
+        <p14:creationId xmlns:p14="http://schemas.microsoft.com/office/powerpoint/2010/main" val="1631667967"/>
+      </p:ext>
+    </p:extLst>
+  </p:cSld>
+  <p:clrMapOvr>
+    <a:masterClrMapping/>
+  </p:clrMapOvr>
+  <p:timing>
+    <p:tnLst>
+      <p:par>
+        <p:cTn id="1" dur="indefinite" restart="never" nodeType="tmRoot"/>
+      </p:par>
+    </p:tnLst>
+  </p:timing>
+</p:sld>
+</file>
+
+<file path=ppt/slides/slide16.xml><?xml version="1.0" encoding="utf-8"?>
+<p:sld xmlns:a="http://schemas.openxmlformats.org/drawingml/2006/main" xmlns:r="http://schemas.openxmlformats.org/officeDocument/2006/relationships" xmlns:p="http://schemas.openxmlformats.org/presentationml/2006/main">
+  <p:cSld>
+    <p:spTree>
+      <p:nvGrpSpPr>
+        <p:cNvPr id="1" name=""/>
+        <p:cNvGrpSpPr/>
+        <p:nvPr/>
+      </p:nvGrpSpPr>
+      <p:grpSpPr>
+        <a:xfrm>
+          <a:off x="0" y="0"/>
+          <a:ext cx="0" cy="0"/>
+          <a:chOff x="0" y="0"/>
+          <a:chExt cx="0" cy="0"/>
+        </a:xfrm>
+      </p:grpSpPr>
+      <p:sp>
+        <p:nvSpPr>
+          <p:cNvPr id="3" name="Slide Number Placeholder 2"/>
+          <p:cNvSpPr>
+            <a:spLocks noGrp="1"/>
+          </p:cNvSpPr>
+          <p:nvPr>
+            <p:ph type="sldNum" sz="quarter" idx="4294967295"/>
+          </p:nvPr>
+        </p:nvSpPr>
+        <p:spPr>
+          <a:xfrm>
+            <a:off x="-237705" y="6459786"/>
+            <a:ext cx="984019" cy="365125"/>
+          </a:xfrm>
+        </p:spPr>
+        <p:txBody>
+          <a:bodyPr/>
+          <a:lstStyle/>
+          <a:p>
+            <a:fld id="{629637A9-119A-49DA-BD12-AAC58B377D80}" type="slidenum">
+              <a:rPr lang="en-US" smtClean="0"/>
+              <a:t>16</a:t>
+            </a:fld>
+            <a:endParaRPr lang="en-US" dirty="0"/>
+          </a:p>
+        </p:txBody>
+      </p:sp>
+      <p:sp>
+        <p:nvSpPr>
+          <p:cNvPr id="4" name="Rectangle 3"/>
+          <p:cNvSpPr/>
+          <p:nvPr/>
+        </p:nvSpPr>
+        <p:spPr>
+          <a:xfrm>
+            <a:off x="349416" y="1026916"/>
+            <a:ext cx="8360830" cy="954107"/>
+          </a:xfrm>
+          <a:prstGeom prst="rect">
+            <a:avLst/>
+          </a:prstGeom>
+        </p:spPr>
+        <p:txBody>
+          <a:bodyPr wrap="square">
+            <a:spAutoFit/>
+          </a:bodyPr>
+          <a:lstStyle/>
+          <a:p>
+            <a:pPr algn="just"/>
+            <a:r>
+              <a:rPr lang="en-US" altLang="ko-KR" sz="2800" b="1" dirty="0" smtClean="0"/>
+              <a:t>RQ1</a:t>
+            </a:r>
+            <a:r>
+              <a:rPr lang="en-US" altLang="ko-KR" sz="2800" dirty="0" smtClean="0">
+                <a:solidFill>
+                  <a:schemeClr val="tx1">
+                    <a:lumMod val="75000"/>
+                    <a:lumOff val="25000"/>
+                  </a:schemeClr>
+                </a:solidFill>
+                <a:latin typeface="Calibri" charset="0"/>
+                <a:ea typeface="Calibri" charset="0"/>
+                <a:cs typeface="Calibri" charset="0"/>
+              </a:rPr>
+              <a:t>: Does prefetching itself provide an extra degree of defense?</a:t>
+            </a:r>
+          </a:p>
+        </p:txBody>
+      </p:sp>
+      <p:sp>
+        <p:nvSpPr>
+          <p:cNvPr id="6" name="Title 1"/>
+          <p:cNvSpPr txBox="1">
+            <a:spLocks/>
+          </p:cNvSpPr>
+          <p:nvPr/>
+        </p:nvSpPr>
+        <p:spPr>
+          <a:xfrm>
+            <a:off x="409576" y="232031"/>
+            <a:ext cx="9479494" cy="734889"/>
+          </a:xfrm>
+          <a:prstGeom prst="rect">
+            <a:avLst/>
+          </a:prstGeom>
+        </p:spPr>
+        <p:txBody>
+          <a:bodyPr vert="horz" lIns="91440" tIns="45720" rIns="91440" bIns="45720" rtlCol="0" anchor="b">
+            <a:normAutofit/>
+          </a:bodyPr>
+          <a:lstStyle>
+            <a:lvl1pPr algn="l" defTabSz="914400" rtl="0" eaLnBrk="1" latinLnBrk="0" hangingPunct="1">
+              <a:lnSpc>
+                <a:spcPct val="85000"/>
+              </a:lnSpc>
+              <a:spcBef>
+                <a:spcPct val="0"/>
+              </a:spcBef>
+              <a:buNone/>
+              <a:defRPr sz="4800" kern="1200" spc="-50" baseline="0">
+                <a:solidFill>
+                  <a:schemeClr val="tx1">
+                    <a:lumMod val="75000"/>
+                    <a:lumOff val="25000"/>
+                  </a:schemeClr>
+                </a:solidFill>
+                <a:latin typeface="+mj-lt"/>
+                <a:ea typeface="+mj-ea"/>
+                <a:cs typeface="+mj-cs"/>
+              </a:defRPr>
+            </a:lvl1pPr>
+          </a:lstStyle>
+          <a:p>
+            <a:r>
+              <a:rPr lang="en-US" b="1" dirty="0" smtClean="0"/>
+              <a:t>Experiment</a:t>
+            </a:r>
+            <a:endParaRPr lang="en-US" b="1" dirty="0"/>
+          </a:p>
+        </p:txBody>
+      </p:sp>
+      <p:sp>
+        <p:nvSpPr>
+          <p:cNvPr id="8" name="TextBox 7"/>
+          <p:cNvSpPr txBox="1"/>
+          <p:nvPr/>
+        </p:nvSpPr>
+        <p:spPr>
+          <a:xfrm>
+            <a:off x="2614246" y="1266092"/>
+            <a:ext cx="184731" cy="369332"/>
+          </a:xfrm>
+          <a:prstGeom prst="rect">
+            <a:avLst/>
+          </a:prstGeom>
+          <a:noFill/>
+        </p:spPr>
+        <p:txBody>
+          <a:bodyPr wrap="none" rtlCol="0">
+            <a:spAutoFit/>
+          </a:bodyPr>
+          <a:lstStyle/>
+          <a:p>
+            <a:endParaRPr lang="en-US" dirty="0"/>
+          </a:p>
+        </p:txBody>
+      </p:sp>
+    </p:spTree>
+    <p:extLst>
+      <p:ext uri="{BB962C8B-B14F-4D97-AF65-F5344CB8AC3E}">
+        <p14:creationId xmlns:p14="http://schemas.microsoft.com/office/powerpoint/2010/main" val="152326244"/>
+      </p:ext>
+    </p:extLst>
+  </p:cSld>
+  <p:clrMapOvr>
+    <a:masterClrMapping/>
+  </p:clrMapOvr>
+  <p:timing>
+    <p:tnLst>
+      <p:par>
+        <p:cTn id="1" dur="indefinite" restart="never" nodeType="tmRoot"/>
+      </p:par>
+    </p:tnLst>
+  </p:timing>
+</p:sld>
+</file>
+
+<file path=ppt/slides/slide17.xml><?xml version="1.0" encoding="utf-8"?>
+<p:sld xmlns:a="http://schemas.openxmlformats.org/drawingml/2006/main" xmlns:r="http://schemas.openxmlformats.org/officeDocument/2006/relationships" xmlns:p="http://schemas.openxmlformats.org/presentationml/2006/main">
+  <p:cSld>
+    <p:spTree>
+      <p:nvGrpSpPr>
+        <p:cNvPr id="1" name=""/>
+        <p:cNvGrpSpPr/>
+        <p:nvPr/>
+      </p:nvGrpSpPr>
+      <p:grpSpPr>
+        <a:xfrm>
+          <a:off x="0" y="0"/>
+          <a:ext cx="0" cy="0"/>
+          <a:chOff x="0" y="0"/>
+          <a:chExt cx="0" cy="0"/>
+        </a:xfrm>
+      </p:grpSpPr>
+      <p:sp>
+        <p:nvSpPr>
+          <p:cNvPr id="3" name="Slide Number Placeholder 2"/>
+          <p:cNvSpPr>
+            <a:spLocks noGrp="1"/>
+          </p:cNvSpPr>
+          <p:nvPr>
+            <p:ph type="sldNum" sz="quarter" idx="4294967295"/>
+          </p:nvPr>
+        </p:nvSpPr>
+        <p:spPr>
+          <a:xfrm>
+            <a:off x="-237705" y="6459786"/>
+            <a:ext cx="984019" cy="365125"/>
+          </a:xfrm>
+        </p:spPr>
+        <p:txBody>
+          <a:bodyPr/>
+          <a:lstStyle/>
+          <a:p>
+            <a:fld id="{629637A9-119A-49DA-BD12-AAC58B377D80}" type="slidenum">
+              <a:rPr lang="en-US" smtClean="0"/>
+              <a:t>17</a:t>
+            </a:fld>
+            <a:endParaRPr lang="en-US" dirty="0"/>
+          </a:p>
+        </p:txBody>
+      </p:sp>
+      <p:sp>
+        <p:nvSpPr>
+          <p:cNvPr id="4" name="Rectangle 3"/>
+          <p:cNvSpPr/>
+          <p:nvPr/>
+        </p:nvSpPr>
+        <p:spPr>
+          <a:xfrm>
+            <a:off x="349416" y="1026916"/>
+            <a:ext cx="8360830" cy="892552"/>
+          </a:xfrm>
+          <a:prstGeom prst="rect">
+            <a:avLst/>
+          </a:prstGeom>
+        </p:spPr>
+        <p:txBody>
+          <a:bodyPr wrap="square">
+            <a:spAutoFit/>
+          </a:bodyPr>
+          <a:lstStyle/>
+          <a:p>
+            <a:pPr algn="just"/>
+            <a:r>
+              <a:rPr lang="en-US" altLang="ko-KR" sz="2800" b="1" dirty="0" smtClean="0"/>
+              <a:t>RQ2: </a:t>
+            </a:r>
+            <a:r>
+              <a:rPr lang="en-US" altLang="ko-KR" sz="2400" dirty="0" smtClean="0">
+                <a:solidFill>
+                  <a:schemeClr val="tx1">
+                    <a:lumMod val="75000"/>
+                    <a:lumOff val="25000"/>
+                  </a:schemeClr>
+                </a:solidFill>
+                <a:latin typeface="Calibri" charset="0"/>
+                <a:ea typeface="Calibri" charset="0"/>
+                <a:cs typeface="Calibri" charset="0"/>
+              </a:rPr>
+              <a:t>Can a victim obfuscate eavesdropper by simply turning off prefetching in their browser?</a:t>
+            </a:r>
+          </a:p>
+        </p:txBody>
+      </p:sp>
+      <p:sp>
+        <p:nvSpPr>
+          <p:cNvPr id="6" name="Title 1"/>
+          <p:cNvSpPr txBox="1">
+            <a:spLocks/>
+          </p:cNvSpPr>
+          <p:nvPr/>
+        </p:nvSpPr>
+        <p:spPr>
+          <a:xfrm>
+            <a:off x="409576" y="232031"/>
+            <a:ext cx="9479494" cy="734889"/>
+          </a:xfrm>
+          <a:prstGeom prst="rect">
+            <a:avLst/>
+          </a:prstGeom>
+        </p:spPr>
+        <p:txBody>
+          <a:bodyPr vert="horz" lIns="91440" tIns="45720" rIns="91440" bIns="45720" rtlCol="0" anchor="b">
+            <a:normAutofit/>
+          </a:bodyPr>
+          <a:lstStyle>
+            <a:lvl1pPr algn="l" defTabSz="914400" rtl="0" eaLnBrk="1" latinLnBrk="0" hangingPunct="1">
+              <a:lnSpc>
+                <a:spcPct val="85000"/>
+              </a:lnSpc>
+              <a:spcBef>
+                <a:spcPct val="0"/>
+              </a:spcBef>
+              <a:buNone/>
+              <a:defRPr sz="4800" kern="1200" spc="-50" baseline="0">
+                <a:solidFill>
+                  <a:schemeClr val="tx1">
+                    <a:lumMod val="75000"/>
+                    <a:lumOff val="25000"/>
+                  </a:schemeClr>
+                </a:solidFill>
+                <a:latin typeface="+mj-lt"/>
+                <a:ea typeface="+mj-ea"/>
+                <a:cs typeface="+mj-cs"/>
+              </a:defRPr>
+            </a:lvl1pPr>
+          </a:lstStyle>
+          <a:p>
+            <a:r>
+              <a:rPr lang="en-US" b="1" dirty="0" smtClean="0"/>
+              <a:t>Experiment</a:t>
+            </a:r>
+            <a:endParaRPr lang="en-US" b="1" dirty="0"/>
+          </a:p>
+        </p:txBody>
+      </p:sp>
+      <p:sp>
+        <p:nvSpPr>
+          <p:cNvPr id="8" name="TextBox 7"/>
+          <p:cNvSpPr txBox="1"/>
+          <p:nvPr/>
+        </p:nvSpPr>
+        <p:spPr>
+          <a:xfrm>
+            <a:off x="2614246" y="1266092"/>
+            <a:ext cx="184731" cy="369332"/>
+          </a:xfrm>
+          <a:prstGeom prst="rect">
+            <a:avLst/>
+          </a:prstGeom>
+          <a:noFill/>
+        </p:spPr>
+        <p:txBody>
+          <a:bodyPr wrap="none" rtlCol="0">
+            <a:spAutoFit/>
+          </a:bodyPr>
+          <a:lstStyle/>
+          <a:p>
+            <a:endParaRPr lang="en-US" dirty="0"/>
+          </a:p>
+        </p:txBody>
+      </p:sp>
+    </p:spTree>
+    <p:extLst>
+      <p:ext uri="{BB962C8B-B14F-4D97-AF65-F5344CB8AC3E}">
+        <p14:creationId xmlns:p14="http://schemas.microsoft.com/office/powerpoint/2010/main" val="530846660"/>
+      </p:ext>
+    </p:extLst>
+  </p:cSld>
+  <p:clrMapOvr>
+    <a:masterClrMapping/>
+  </p:clrMapOvr>
+  <p:timing>
+    <p:tnLst>
+      <p:par>
+        <p:cTn id="1" dur="indefinite" restart="never" nodeType="tmRoot"/>
+      </p:par>
+    </p:tnLst>
+  </p:timing>
+</p:sld>
+</file>
+
+<file path=ppt/slides/slide18.xml><?xml version="1.0" encoding="utf-8"?>
+<p:sld xmlns:a="http://schemas.openxmlformats.org/drawingml/2006/main" xmlns:r="http://schemas.openxmlformats.org/officeDocument/2006/relationships" xmlns:p="http://schemas.openxmlformats.org/presentationml/2006/main">
+  <p:cSld>
+    <p:spTree>
+      <p:nvGrpSpPr>
+        <p:cNvPr id="1" name=""/>
+        <p:cNvGrpSpPr/>
+        <p:nvPr/>
+      </p:nvGrpSpPr>
+      <p:grpSpPr>
+        <a:xfrm>
+          <a:off x="0" y="0"/>
+          <a:ext cx="0" cy="0"/>
+          <a:chOff x="0" y="0"/>
+          <a:chExt cx="0" cy="0"/>
+        </a:xfrm>
+      </p:grpSpPr>
+      <p:sp>
+        <p:nvSpPr>
+          <p:cNvPr id="3" name="Slide Number Placeholder 2"/>
+          <p:cNvSpPr>
+            <a:spLocks noGrp="1"/>
+          </p:cNvSpPr>
+          <p:nvPr>
+            <p:ph type="sldNum" sz="quarter" idx="4294967295"/>
+          </p:nvPr>
+        </p:nvSpPr>
+        <p:spPr>
+          <a:xfrm>
+            <a:off x="-237705" y="6459786"/>
+            <a:ext cx="984019" cy="365125"/>
+          </a:xfrm>
+        </p:spPr>
+        <p:txBody>
+          <a:bodyPr/>
+          <a:lstStyle/>
+          <a:p>
+            <a:fld id="{629637A9-119A-49DA-BD12-AAC58B377D80}" type="slidenum">
+              <a:rPr lang="en-US" smtClean="0"/>
+              <a:t>18</a:t>
+            </a:fld>
+            <a:endParaRPr lang="en-US" dirty="0"/>
+          </a:p>
+        </p:txBody>
+      </p:sp>
+      <p:sp>
+        <p:nvSpPr>
+          <p:cNvPr id="4" name="Rectangle 3"/>
+          <p:cNvSpPr/>
+          <p:nvPr/>
+        </p:nvSpPr>
+        <p:spPr>
+          <a:xfrm>
+            <a:off x="349416" y="1026916"/>
+            <a:ext cx="8360830" cy="1261884"/>
+          </a:xfrm>
+          <a:prstGeom prst="rect">
+            <a:avLst/>
+          </a:prstGeom>
+        </p:spPr>
+        <p:txBody>
+          <a:bodyPr wrap="square">
+            <a:spAutoFit/>
+          </a:bodyPr>
+          <a:lstStyle/>
+          <a:p>
+            <a:pPr algn="just"/>
+            <a:r>
+              <a:rPr lang="en-US" altLang="ko-KR" sz="2800" b="1" dirty="0" smtClean="0"/>
+              <a:t>RQ3:</a:t>
+            </a:r>
+            <a:r>
+              <a:rPr lang="en-US" altLang="ko-KR" sz="2400" dirty="0" smtClean="0">
+                <a:solidFill>
+                  <a:schemeClr val="tx1">
+                    <a:lumMod val="75000"/>
+                    <a:lumOff val="25000"/>
+                  </a:schemeClr>
+                </a:solidFill>
+                <a:latin typeface="Calibri" charset="0"/>
+                <a:ea typeface="Calibri" charset="0"/>
+                <a:cs typeface="Calibri" charset="0"/>
+              </a:rPr>
+              <a:t> Can prefetching be used as a browser-side defense mechanism?</a:t>
+            </a:r>
+          </a:p>
+          <a:p>
+            <a:pPr algn="just"/>
+            <a:endParaRPr lang="en-US" altLang="ko-KR" sz="2400" dirty="0">
+              <a:solidFill>
+                <a:schemeClr val="tx1">
+                  <a:lumMod val="75000"/>
+                  <a:lumOff val="25000"/>
+                </a:schemeClr>
+              </a:solidFill>
+              <a:latin typeface="Calibri" charset="0"/>
+              <a:ea typeface="Calibri" charset="0"/>
+              <a:cs typeface="Calibri" charset="0"/>
+            </a:endParaRPr>
+          </a:p>
+        </p:txBody>
+      </p:sp>
+      <p:sp>
+        <p:nvSpPr>
+          <p:cNvPr id="6" name="Title 1"/>
+          <p:cNvSpPr txBox="1">
+            <a:spLocks/>
+          </p:cNvSpPr>
+          <p:nvPr/>
+        </p:nvSpPr>
+        <p:spPr>
+          <a:xfrm>
+            <a:off x="409576" y="232031"/>
+            <a:ext cx="9479494" cy="734889"/>
+          </a:xfrm>
+          <a:prstGeom prst="rect">
+            <a:avLst/>
+          </a:prstGeom>
+        </p:spPr>
+        <p:txBody>
+          <a:bodyPr vert="horz" lIns="91440" tIns="45720" rIns="91440" bIns="45720" rtlCol="0" anchor="b">
+            <a:normAutofit/>
+          </a:bodyPr>
+          <a:lstStyle>
+            <a:lvl1pPr algn="l" defTabSz="914400" rtl="0" eaLnBrk="1" latinLnBrk="0" hangingPunct="1">
+              <a:lnSpc>
+                <a:spcPct val="85000"/>
+              </a:lnSpc>
+              <a:spcBef>
+                <a:spcPct val="0"/>
+              </a:spcBef>
+              <a:buNone/>
+              <a:defRPr sz="4800" kern="1200" spc="-50" baseline="0">
+                <a:solidFill>
+                  <a:schemeClr val="tx1">
+                    <a:lumMod val="75000"/>
+                    <a:lumOff val="25000"/>
+                  </a:schemeClr>
+                </a:solidFill>
+                <a:latin typeface="+mj-lt"/>
+                <a:ea typeface="+mj-ea"/>
+                <a:cs typeface="+mj-cs"/>
+              </a:defRPr>
+            </a:lvl1pPr>
+          </a:lstStyle>
+          <a:p>
+            <a:r>
+              <a:rPr lang="en-US" b="1" dirty="0" smtClean="0"/>
+              <a:t>Experiment</a:t>
+            </a:r>
+            <a:endParaRPr lang="en-US" b="1" dirty="0"/>
+          </a:p>
+        </p:txBody>
+      </p:sp>
+      <p:sp>
+        <p:nvSpPr>
+          <p:cNvPr id="8" name="TextBox 7"/>
+          <p:cNvSpPr txBox="1"/>
+          <p:nvPr/>
+        </p:nvSpPr>
+        <p:spPr>
+          <a:xfrm>
+            <a:off x="2614246" y="1266092"/>
+            <a:ext cx="184731" cy="369332"/>
+          </a:xfrm>
+          <a:prstGeom prst="rect">
+            <a:avLst/>
+          </a:prstGeom>
+          <a:noFill/>
+        </p:spPr>
+        <p:txBody>
+          <a:bodyPr wrap="none" rtlCol="0">
+            <a:spAutoFit/>
+          </a:bodyPr>
+          <a:lstStyle/>
+          <a:p>
+            <a:endParaRPr lang="en-US" dirty="0"/>
+          </a:p>
+        </p:txBody>
+      </p:sp>
+    </p:spTree>
+    <p:extLst>
+      <p:ext uri="{BB962C8B-B14F-4D97-AF65-F5344CB8AC3E}">
+        <p14:creationId xmlns:p14="http://schemas.microsoft.com/office/powerpoint/2010/main" val="1374652450"/>
+      </p:ext>
+    </p:extLst>
+  </p:cSld>
+  <p:clrMapOvr>
+    <a:masterClrMapping/>
+  </p:clrMapOvr>
+  <p:timing>
+    <p:tnLst>
+      <p:par>
+        <p:cTn id="1" dur="indefinite" restart="never" nodeType="tmRoot"/>
+      </p:par>
+    </p:tnLst>
+  </p:timing>
+</p:sld>
+</file>
+
+<file path=ppt/slides/slide19.xml><?xml version="1.0" encoding="utf-8"?>
+<p:sld xmlns:a="http://schemas.openxmlformats.org/drawingml/2006/main" xmlns:r="http://schemas.openxmlformats.org/officeDocument/2006/relationships" xmlns:p="http://schemas.openxmlformats.org/presentationml/2006/main">
+  <p:cSld>
+    <p:spTree>
+      <p:nvGrpSpPr>
+        <p:cNvPr id="1" name=""/>
+        <p:cNvGrpSpPr/>
+        <p:nvPr/>
+      </p:nvGrpSpPr>
+      <p:grpSpPr>
+        <a:xfrm>
+          <a:off x="0" y="0"/>
+          <a:ext cx="0" cy="0"/>
+          <a:chOff x="0" y="0"/>
+          <a:chExt cx="0" cy="0"/>
+        </a:xfrm>
+      </p:grpSpPr>
+      <p:sp>
+        <p:nvSpPr>
+          <p:cNvPr id="9" name="Rectangle 8"/>
+          <p:cNvSpPr/>
+          <p:nvPr/>
+        </p:nvSpPr>
+        <p:spPr>
+          <a:xfrm>
+            <a:off x="319925" y="966920"/>
+            <a:ext cx="8331015" cy="769441"/>
+          </a:xfrm>
+          <a:prstGeom prst="rect">
+            <a:avLst/>
+          </a:prstGeom>
+        </p:spPr>
+        <p:txBody>
+          <a:bodyPr wrap="square">
+            <a:spAutoFit/>
+          </a:bodyPr>
+          <a:lstStyle/>
+          <a:p>
+            <a:pPr lvl="0" algn="just" latinLnBrk="1"/>
+            <a:r>
+              <a:rPr lang="en-US" sz="2400" b="1" dirty="0" smtClean="0"/>
+              <a:t>For</a:t>
+            </a:r>
+          </a:p>
+          <a:p>
+            <a:pPr marL="342900" lvl="0" indent="-342900" algn="just" latinLnBrk="1">
+              <a:buFont typeface="Arial" panose="020B0604020202020204" pitchFamily="34" charset="0"/>
+              <a:buChar char="•"/>
+            </a:pPr>
+            <a:r>
+              <a:rPr lang="en-US" sz="2000" dirty="0" smtClean="0"/>
+              <a:t>document</a:t>
+            </a:r>
+            <a:endParaRPr lang="en-US" sz="2000" dirty="0"/>
+          </a:p>
+        </p:txBody>
+      </p:sp>
+      <p:sp>
+        <p:nvSpPr>
+          <p:cNvPr id="3" name="Slide Number Placeholder 2"/>
+          <p:cNvSpPr>
+            <a:spLocks noGrp="1"/>
+          </p:cNvSpPr>
+          <p:nvPr>
+            <p:ph type="sldNum" sz="quarter" idx="4294967295"/>
+          </p:nvPr>
+        </p:nvSpPr>
+        <p:spPr>
+          <a:xfrm>
+            <a:off x="-237705" y="6459786"/>
+            <a:ext cx="984019" cy="365125"/>
+          </a:xfrm>
+        </p:spPr>
+        <p:txBody>
+          <a:bodyPr/>
+          <a:lstStyle/>
+          <a:p>
+            <a:fld id="{629637A9-119A-49DA-BD12-AAC58B377D80}" type="slidenum">
+              <a:rPr lang="en-US" smtClean="0"/>
+              <a:t>19</a:t>
+            </a:fld>
+            <a:endParaRPr lang="en-US" dirty="0"/>
+          </a:p>
+        </p:txBody>
+      </p:sp>
+      <p:sp>
+        <p:nvSpPr>
+          <p:cNvPr id="8" name="Title 1"/>
+          <p:cNvSpPr txBox="1">
+            <a:spLocks/>
+          </p:cNvSpPr>
+          <p:nvPr/>
+        </p:nvSpPr>
+        <p:spPr>
+          <a:xfrm>
+            <a:off x="409576" y="232031"/>
+            <a:ext cx="8626848" cy="734889"/>
+          </a:xfrm>
+          <a:prstGeom prst="rect">
+            <a:avLst/>
+          </a:prstGeom>
+        </p:spPr>
+        <p:txBody>
+          <a:bodyPr vert="horz" lIns="91440" tIns="45720" rIns="91440" bIns="45720" rtlCol="0" anchor="b">
+            <a:normAutofit/>
+          </a:bodyPr>
+          <a:lstStyle>
+            <a:lvl1pPr algn="l" defTabSz="914400" rtl="0" eaLnBrk="1" latinLnBrk="0" hangingPunct="1">
+              <a:lnSpc>
+                <a:spcPct val="85000"/>
+              </a:lnSpc>
+              <a:spcBef>
+                <a:spcPct val="0"/>
+              </a:spcBef>
+              <a:buNone/>
+              <a:defRPr sz="4800" kern="1200" spc="-50" baseline="0">
+                <a:solidFill>
+                  <a:schemeClr val="tx1">
+                    <a:lumMod val="75000"/>
+                    <a:lumOff val="25000"/>
+                  </a:schemeClr>
+                </a:solidFill>
+                <a:latin typeface="+mj-lt"/>
+                <a:ea typeface="+mj-ea"/>
+                <a:cs typeface="+mj-cs"/>
+              </a:defRPr>
+            </a:lvl1pPr>
+          </a:lstStyle>
+          <a:p>
+            <a:r>
+              <a:rPr lang="en-US" b="1" dirty="0" smtClean="0"/>
+              <a:t>Ongoing Works</a:t>
+            </a:r>
+            <a:endParaRPr lang="en-US" b="1" dirty="0"/>
+          </a:p>
+        </p:txBody>
+      </p:sp>
+    </p:spTree>
+    <p:extLst>
+      <p:ext uri="{BB962C8B-B14F-4D97-AF65-F5344CB8AC3E}">
+        <p14:creationId xmlns:p14="http://schemas.microsoft.com/office/powerpoint/2010/main" val="1482431112"/>
       </p:ext>
     </p:extLst>
   </p:cSld>
@@ -7939,6 +10738,167 @@
     <p:extLst>
       <p:ext uri="{BB962C8B-B14F-4D97-AF65-F5344CB8AC3E}">
         <p14:creationId xmlns:p14="http://schemas.microsoft.com/office/powerpoint/2010/main" val="756511675"/>
+      </p:ext>
+    </p:extLst>
+  </p:cSld>
+  <p:clrMapOvr>
+    <a:masterClrMapping/>
+  </p:clrMapOvr>
+  <p:timing>
+    <p:tnLst>
+      <p:par>
+        <p:cTn id="1" dur="indefinite" restart="never" nodeType="tmRoot"/>
+      </p:par>
+    </p:tnLst>
+  </p:timing>
+</p:sld>
+</file>
+
+<file path=ppt/slides/slide20.xml><?xml version="1.0" encoding="utf-8"?>
+<p:sld xmlns:a="http://schemas.openxmlformats.org/drawingml/2006/main" xmlns:r="http://schemas.openxmlformats.org/officeDocument/2006/relationships" xmlns:p="http://schemas.openxmlformats.org/presentationml/2006/main">
+  <p:cSld>
+    <p:spTree>
+      <p:nvGrpSpPr>
+        <p:cNvPr id="1" name=""/>
+        <p:cNvGrpSpPr/>
+        <p:nvPr/>
+      </p:nvGrpSpPr>
+      <p:grpSpPr>
+        <a:xfrm>
+          <a:off x="0" y="0"/>
+          <a:ext cx="0" cy="0"/>
+          <a:chOff x="0" y="0"/>
+          <a:chExt cx="0" cy="0"/>
+        </a:xfrm>
+      </p:grpSpPr>
+      <p:sp>
+        <p:nvSpPr>
+          <p:cNvPr id="2" name="Title 1"/>
+          <p:cNvSpPr>
+            <a:spLocks noGrp="1"/>
+          </p:cNvSpPr>
+          <p:nvPr>
+            <p:ph type="title"/>
+          </p:nvPr>
+        </p:nvSpPr>
+        <p:spPr/>
+        <p:txBody>
+          <a:bodyPr/>
+          <a:lstStyle/>
+          <a:p>
+            <a:endParaRPr lang="en-US"/>
+          </a:p>
+        </p:txBody>
+      </p:sp>
+      <p:sp>
+        <p:nvSpPr>
+          <p:cNvPr id="3" name="Content Placeholder 2"/>
+          <p:cNvSpPr>
+            <a:spLocks noGrp="1"/>
+          </p:cNvSpPr>
+          <p:nvPr>
+            <p:ph idx="1"/>
+          </p:nvPr>
+        </p:nvSpPr>
+        <p:spPr/>
+        <p:txBody>
+          <a:bodyPr/>
+          <a:lstStyle/>
+          <a:p>
+            <a:endParaRPr lang="en-US"/>
+          </a:p>
+        </p:txBody>
+      </p:sp>
+      <p:sp>
+        <p:nvSpPr>
+          <p:cNvPr id="4" name="Rectangle 3"/>
+          <p:cNvSpPr/>
+          <p:nvPr/>
+        </p:nvSpPr>
+        <p:spPr>
+          <a:xfrm>
+            <a:off x="0" y="0"/>
+            <a:ext cx="9144000" cy="6858000"/>
+          </a:xfrm>
+          <a:prstGeom prst="rect">
+            <a:avLst/>
+          </a:prstGeom>
+          <a:solidFill>
+            <a:schemeClr val="tx1"/>
+          </a:solidFill>
+          <a:ln>
+            <a:solidFill>
+              <a:schemeClr val="tx1"/>
+            </a:solidFill>
+          </a:ln>
+        </p:spPr>
+        <p:style>
+          <a:lnRef idx="2">
+            <a:schemeClr val="accent1">
+              <a:shade val="50000"/>
+            </a:schemeClr>
+          </a:lnRef>
+          <a:fillRef idx="1">
+            <a:schemeClr val="accent1"/>
+          </a:fillRef>
+          <a:effectRef idx="0">
+            <a:schemeClr val="accent1"/>
+          </a:effectRef>
+          <a:fontRef idx="minor">
+            <a:schemeClr val="lt1"/>
+          </a:fontRef>
+        </p:style>
+        <p:txBody>
+          <a:bodyPr rtlCol="0" anchor="ctr"/>
+          <a:lstStyle/>
+          <a:p>
+            <a:pPr algn="ctr"/>
+            <a:endParaRPr lang="en-US"/>
+          </a:p>
+        </p:txBody>
+      </p:sp>
+      <p:sp>
+        <p:nvSpPr>
+          <p:cNvPr id="5" name="TextBox 4"/>
+          <p:cNvSpPr txBox="1"/>
+          <p:nvPr/>
+        </p:nvSpPr>
+        <p:spPr>
+          <a:xfrm>
+            <a:off x="2854412" y="2798234"/>
+            <a:ext cx="3855308" cy="923330"/>
+          </a:xfrm>
+          <a:prstGeom prst="rect">
+            <a:avLst/>
+          </a:prstGeom>
+          <a:noFill/>
+        </p:spPr>
+        <p:txBody>
+          <a:bodyPr wrap="square" rtlCol="0">
+            <a:spAutoFit/>
+          </a:bodyPr>
+          <a:lstStyle/>
+          <a:p>
+            <a:r>
+              <a:rPr lang="en-US" sz="5400" b="1" dirty="0" smtClean="0">
+                <a:solidFill>
+                  <a:schemeClr val="bg1"/>
+                </a:solidFill>
+              </a:rPr>
+              <a:t>THANK YOU</a:t>
+            </a:r>
+            <a:endParaRPr lang="en-US" sz="5400" b="1" dirty="0">
+              <a:solidFill>
+                <a:schemeClr val="bg1"/>
+              </a:solidFill>
+            </a:endParaRPr>
+          </a:p>
+        </p:txBody>
+      </p:sp>
+    </p:spTree>
+    <p:extLst>
+      <p:ext uri="{BB962C8B-B14F-4D97-AF65-F5344CB8AC3E}">
+        <p14:creationId xmlns:p14="http://schemas.microsoft.com/office/powerpoint/2010/main" val="1695459882"/>
       </p:ext>
     </p:extLst>
   </p:cSld>

--- a/final_presentation.pptx
+++ b/final_presentation.pptx
@@ -5,32 +5,33 @@
     <p:sldMasterId id="2147483661" r:id="rId1"/>
   </p:sldMasterIdLst>
   <p:notesMasterIdLst>
-    <p:notesMasterId r:id="rId22"/>
+    <p:notesMasterId r:id="rId23"/>
   </p:notesMasterIdLst>
   <p:handoutMasterIdLst>
-    <p:handoutMasterId r:id="rId23"/>
+    <p:handoutMasterId r:id="rId24"/>
   </p:handoutMasterIdLst>
   <p:sldIdLst>
     <p:sldId id="256" r:id="rId2"/>
     <p:sldId id="406" r:id="rId3"/>
-    <p:sldId id="407" r:id="rId4"/>
-    <p:sldId id="426" r:id="rId5"/>
-    <p:sldId id="427" r:id="rId6"/>
-    <p:sldId id="429" r:id="rId7"/>
-    <p:sldId id="430" r:id="rId8"/>
-    <p:sldId id="431" r:id="rId9"/>
-    <p:sldId id="433" r:id="rId10"/>
-    <p:sldId id="434" r:id="rId11"/>
-    <p:sldId id="435" r:id="rId12"/>
-    <p:sldId id="436" r:id="rId13"/>
-    <p:sldId id="437" r:id="rId14"/>
-    <p:sldId id="442" r:id="rId15"/>
-    <p:sldId id="438" r:id="rId16"/>
-    <p:sldId id="439" r:id="rId17"/>
-    <p:sldId id="440" r:id="rId18"/>
-    <p:sldId id="441" r:id="rId19"/>
-    <p:sldId id="420" r:id="rId20"/>
-    <p:sldId id="425" r:id="rId21"/>
+    <p:sldId id="427" r:id="rId4"/>
+    <p:sldId id="429" r:id="rId5"/>
+    <p:sldId id="430" r:id="rId6"/>
+    <p:sldId id="431" r:id="rId7"/>
+    <p:sldId id="433" r:id="rId8"/>
+    <p:sldId id="434" r:id="rId9"/>
+    <p:sldId id="435" r:id="rId10"/>
+    <p:sldId id="436" r:id="rId11"/>
+    <p:sldId id="437" r:id="rId12"/>
+    <p:sldId id="442" r:id="rId13"/>
+    <p:sldId id="438" r:id="rId14"/>
+    <p:sldId id="439" r:id="rId15"/>
+    <p:sldId id="440" r:id="rId16"/>
+    <p:sldId id="441" r:id="rId17"/>
+    <p:sldId id="420" r:id="rId18"/>
+    <p:sldId id="445" r:id="rId19"/>
+    <p:sldId id="425" r:id="rId20"/>
+    <p:sldId id="443" r:id="rId21"/>
+    <p:sldId id="444" r:id="rId22"/>
   </p:sldIdLst>
   <p:sldSz cx="9144000" cy="6858000" type="screen4x3"/>
   <p:notesSz cx="9926638" cy="6797675"/>
@@ -131,7 +132,7 @@
   </p:defaultTextStyle>
   <p:extLst>
     <p:ext uri="{EFAFB233-063F-42B5-8137-9DF3F51BA10A}">
-      <p15:sldGuideLst xmlns:p15="http://schemas.microsoft.com/office/powerpoint/2012/main">
+      <p15:sldGuideLst xmlns:p15="http://schemas.microsoft.com/office/powerpoint/2012/main" xmlns="">
         <p15:guide id="1" orient="horz" pos="2160">
           <p15:clr>
             <a:srgbClr val="A4A3A4"/>
@@ -145,7 +146,7 @@
       </p15:sldGuideLst>
     </p:ext>
     <p:ext uri="{2D200454-40CA-4A62-9FC3-DE9A4176ACB9}">
-      <p15:notesGuideLst xmlns:p15="http://schemas.microsoft.com/office/powerpoint/2012/main"/>
+      <p15:notesGuideLst xmlns:p15="http://schemas.microsoft.com/office/powerpoint/2012/main" xmlns=""/>
     </p:ext>
   </p:extLst>
 </p:presentation>
@@ -834,7 +835,7 @@
     </p:spTree>
     <p:extLst>
       <p:ext uri="{BB962C8B-B14F-4D97-AF65-F5344CB8AC3E}">
-        <p14:creationId xmlns:p14="http://schemas.microsoft.com/office/powerpoint/2010/main" val="768242419"/>
+        <p14:creationId xmlns:p14="http://schemas.microsoft.com/office/powerpoint/2010/main" val="1601033775"/>
       </p:ext>
     </p:extLst>
   </p:cSld>
@@ -923,7 +924,7 @@
     </p:spTree>
     <p:extLst>
       <p:ext uri="{BB962C8B-B14F-4D97-AF65-F5344CB8AC3E}">
-        <p14:creationId xmlns:p14="http://schemas.microsoft.com/office/powerpoint/2010/main" val="15278991"/>
+        <p14:creationId xmlns:p14="http://schemas.microsoft.com/office/powerpoint/2010/main" val="346269536"/>
       </p:ext>
     </p:extLst>
   </p:cSld>
@@ -1012,7 +1013,7 @@
     </p:spTree>
     <p:extLst>
       <p:ext uri="{BB962C8B-B14F-4D97-AF65-F5344CB8AC3E}">
-        <p14:creationId xmlns:p14="http://schemas.microsoft.com/office/powerpoint/2010/main" val="1601033775"/>
+        <p14:creationId xmlns:p14="http://schemas.microsoft.com/office/powerpoint/2010/main" val="162118960"/>
       </p:ext>
     </p:extLst>
   </p:cSld>
@@ -1101,7 +1102,7 @@
     </p:spTree>
     <p:extLst>
       <p:ext uri="{BB962C8B-B14F-4D97-AF65-F5344CB8AC3E}">
-        <p14:creationId xmlns:p14="http://schemas.microsoft.com/office/powerpoint/2010/main" val="346269536"/>
+        <p14:creationId xmlns:p14="http://schemas.microsoft.com/office/powerpoint/2010/main" val="77349179"/>
       </p:ext>
     </p:extLst>
   </p:cSld>
@@ -1190,7 +1191,7 @@
     </p:spTree>
     <p:extLst>
       <p:ext uri="{BB962C8B-B14F-4D97-AF65-F5344CB8AC3E}">
-        <p14:creationId xmlns:p14="http://schemas.microsoft.com/office/powerpoint/2010/main" val="162118960"/>
+        <p14:creationId xmlns:p14="http://schemas.microsoft.com/office/powerpoint/2010/main" val="346675684"/>
       </p:ext>
     </p:extLst>
   </p:cSld>
@@ -1279,7 +1280,7 @@
     </p:spTree>
     <p:extLst>
       <p:ext uri="{BB962C8B-B14F-4D97-AF65-F5344CB8AC3E}">
-        <p14:creationId xmlns:p14="http://schemas.microsoft.com/office/powerpoint/2010/main" val="77349179"/>
+        <p14:creationId xmlns:p14="http://schemas.microsoft.com/office/powerpoint/2010/main" val="1292744982"/>
       </p:ext>
     </p:extLst>
   </p:cSld>
@@ -1368,7 +1369,7 @@
     </p:spTree>
     <p:extLst>
       <p:ext uri="{BB962C8B-B14F-4D97-AF65-F5344CB8AC3E}">
-        <p14:creationId xmlns:p14="http://schemas.microsoft.com/office/powerpoint/2010/main" val="346675684"/>
+        <p14:creationId xmlns:p14="http://schemas.microsoft.com/office/powerpoint/2010/main" val="1154652724"/>
       </p:ext>
     </p:extLst>
   </p:cSld>
@@ -1427,7 +1428,7 @@
           <a:bodyPr/>
           <a:lstStyle/>
           <a:p>
-            <a:endParaRPr lang="en-US"/>
+            <a:endParaRPr lang="en-US" dirty="0"/>
           </a:p>
         </p:txBody>
       </p:sp>
@@ -1450,14 +1451,14 @@
               <a:rPr lang="en-US" smtClean="0"/>
               <a:t>17</a:t>
             </a:fld>
-            <a:endParaRPr lang="en-US"/>
+            <a:endParaRPr lang="en-US" dirty="0"/>
           </a:p>
         </p:txBody>
       </p:sp>
     </p:spTree>
     <p:extLst>
       <p:ext uri="{BB962C8B-B14F-4D97-AF65-F5344CB8AC3E}">
-        <p14:creationId xmlns:p14="http://schemas.microsoft.com/office/powerpoint/2010/main" val="1292744982"/>
+        <p14:creationId xmlns:p14="http://schemas.microsoft.com/office/powerpoint/2010/main" val="114426890"/>
       </p:ext>
     </p:extLst>
   </p:cSld>
@@ -1537,7 +1538,7 @@
           <a:p>
             <a:fld id="{B4A3401A-85D7-4E8B-A870-E455B7B50306}" type="slidenum">
               <a:rPr lang="en-US" smtClean="0"/>
-              <a:t>18</a:t>
+              <a:t>20</a:t>
             </a:fld>
             <a:endParaRPr lang="en-US"/>
           </a:p>
@@ -1546,7 +1547,7 @@
     </p:spTree>
     <p:extLst>
       <p:ext uri="{BB962C8B-B14F-4D97-AF65-F5344CB8AC3E}">
-        <p14:creationId xmlns:p14="http://schemas.microsoft.com/office/powerpoint/2010/main" val="1154652724"/>
+        <p14:creationId xmlns:p14="http://schemas.microsoft.com/office/powerpoint/2010/main" val="1517760777"/>
       </p:ext>
     </p:extLst>
   </p:cSld>
@@ -1605,7 +1606,7 @@
           <a:bodyPr/>
           <a:lstStyle/>
           <a:p>
-            <a:endParaRPr lang="en-US" dirty="0"/>
+            <a:endParaRPr lang="en-US"/>
           </a:p>
         </p:txBody>
       </p:sp>
@@ -1626,16 +1627,16 @@
           <a:p>
             <a:fld id="{B4A3401A-85D7-4E8B-A870-E455B7B50306}" type="slidenum">
               <a:rPr lang="en-US" smtClean="0"/>
-              <a:t>19</a:t>
+              <a:t>21</a:t>
             </a:fld>
-            <a:endParaRPr lang="en-US" dirty="0"/>
+            <a:endParaRPr lang="en-US"/>
           </a:p>
         </p:txBody>
       </p:sp>
     </p:spTree>
     <p:extLst>
       <p:ext uri="{BB962C8B-B14F-4D97-AF65-F5344CB8AC3E}">
-        <p14:creationId xmlns:p14="http://schemas.microsoft.com/office/powerpoint/2010/main" val="114426890"/>
+        <p14:creationId xmlns:p14="http://schemas.microsoft.com/office/powerpoint/2010/main" val="1551446831"/>
       </p:ext>
     </p:extLst>
   </p:cSld>
@@ -1813,7 +1814,7 @@
     </p:spTree>
     <p:extLst>
       <p:ext uri="{BB962C8B-B14F-4D97-AF65-F5344CB8AC3E}">
-        <p14:creationId xmlns:p14="http://schemas.microsoft.com/office/powerpoint/2010/main" val="1517760777"/>
+        <p14:creationId xmlns:p14="http://schemas.microsoft.com/office/powerpoint/2010/main" val="888051005"/>
       </p:ext>
     </p:extLst>
   </p:cSld>
@@ -1902,7 +1903,7 @@
     </p:spTree>
     <p:extLst>
       <p:ext uri="{BB962C8B-B14F-4D97-AF65-F5344CB8AC3E}">
-        <p14:creationId xmlns:p14="http://schemas.microsoft.com/office/powerpoint/2010/main" val="1551446831"/>
+        <p14:creationId xmlns:p14="http://schemas.microsoft.com/office/powerpoint/2010/main" val="275106845"/>
       </p:ext>
     </p:extLst>
   </p:cSld>
@@ -1991,7 +1992,7 @@
     </p:spTree>
     <p:extLst>
       <p:ext uri="{BB962C8B-B14F-4D97-AF65-F5344CB8AC3E}">
-        <p14:creationId xmlns:p14="http://schemas.microsoft.com/office/powerpoint/2010/main" val="888051005"/>
+        <p14:creationId xmlns:p14="http://schemas.microsoft.com/office/powerpoint/2010/main" val="1596615271"/>
       </p:ext>
     </p:extLst>
   </p:cSld>
@@ -2080,7 +2081,7 @@
     </p:spTree>
     <p:extLst>
       <p:ext uri="{BB962C8B-B14F-4D97-AF65-F5344CB8AC3E}">
-        <p14:creationId xmlns:p14="http://schemas.microsoft.com/office/powerpoint/2010/main" val="275106845"/>
+        <p14:creationId xmlns:p14="http://schemas.microsoft.com/office/powerpoint/2010/main" val="1637800027"/>
       </p:ext>
     </p:extLst>
   </p:cSld>
@@ -2169,7 +2170,7 @@
     </p:spTree>
     <p:extLst>
       <p:ext uri="{BB962C8B-B14F-4D97-AF65-F5344CB8AC3E}">
-        <p14:creationId xmlns:p14="http://schemas.microsoft.com/office/powerpoint/2010/main" val="1596615271"/>
+        <p14:creationId xmlns:p14="http://schemas.microsoft.com/office/powerpoint/2010/main" val="221650777"/>
       </p:ext>
     </p:extLst>
   </p:cSld>
@@ -2258,7 +2259,7 @@
     </p:spTree>
     <p:extLst>
       <p:ext uri="{BB962C8B-B14F-4D97-AF65-F5344CB8AC3E}">
-        <p14:creationId xmlns:p14="http://schemas.microsoft.com/office/powerpoint/2010/main" val="1637800027"/>
+        <p14:creationId xmlns:p14="http://schemas.microsoft.com/office/powerpoint/2010/main" val="768242419"/>
       </p:ext>
     </p:extLst>
   </p:cSld>
@@ -2347,7 +2348,7 @@
     </p:spTree>
     <p:extLst>
       <p:ext uri="{BB962C8B-B14F-4D97-AF65-F5344CB8AC3E}">
-        <p14:creationId xmlns:p14="http://schemas.microsoft.com/office/powerpoint/2010/main" val="221650777"/>
+        <p14:creationId xmlns:p14="http://schemas.microsoft.com/office/powerpoint/2010/main" val="15278991"/>
       </p:ext>
     </p:extLst>
   </p:cSld>
@@ -2790,7 +2791,7 @@
   <p:timing>
     <p:tnLst>
       <p:par>
-        <p:cTn id="1" dur="indefinite" restart="never" nodeType="tmRoot"/>
+        <p:cTn xmlns:p14="http://schemas.microsoft.com/office/powerpoint/2010/main" id="1" dur="indefinite" restart="never" nodeType="tmRoot"/>
       </p:par>
     </p:tnLst>
   </p:timing>
@@ -2975,7 +2976,7 @@
   <p:timing>
     <p:tnLst>
       <p:par>
-        <p:cTn id="1" dur="indefinite" restart="never" nodeType="tmRoot"/>
+        <p:cTn xmlns:p14="http://schemas.microsoft.com/office/powerpoint/2010/main" id="1" dur="indefinite" restart="never" nodeType="tmRoot"/>
       </p:par>
     </p:tnLst>
   </p:timing>
@@ -3246,7 +3247,7 @@
   <p:timing>
     <p:tnLst>
       <p:par>
-        <p:cTn id="1" dur="indefinite" restart="never" nodeType="tmRoot"/>
+        <p:cTn xmlns:p14="http://schemas.microsoft.com/office/powerpoint/2010/main" id="1" dur="indefinite" restart="never" nodeType="tmRoot"/>
       </p:par>
     </p:tnLst>
   </p:timing>
@@ -3413,7 +3414,7 @@
   <p:timing>
     <p:tnLst>
       <p:par>
-        <p:cTn id="1" dur="indefinite" restart="never" nodeType="tmRoot"/>
+        <p:cTn xmlns:p14="http://schemas.microsoft.com/office/powerpoint/2010/main" id="1" dur="indefinite" restart="never" nodeType="tmRoot"/>
       </p:par>
     </p:tnLst>
   </p:timing>
@@ -3809,7 +3810,7 @@
   <p:timing>
     <p:tnLst>
       <p:par>
-        <p:cTn id="1" dur="indefinite" restart="never" nodeType="tmRoot"/>
+        <p:cTn xmlns:p14="http://schemas.microsoft.com/office/powerpoint/2010/main" id="1" dur="indefinite" restart="never" nodeType="tmRoot"/>
       </p:par>
     </p:tnLst>
   </p:timing>
@@ -4061,7 +4062,7 @@
   <p:timing>
     <p:tnLst>
       <p:par>
-        <p:cTn id="1" dur="indefinite" restart="never" nodeType="tmRoot"/>
+        <p:cTn xmlns:p14="http://schemas.microsoft.com/office/powerpoint/2010/main" id="1" dur="indefinite" restart="never" nodeType="tmRoot"/>
       </p:par>
     </p:tnLst>
   </p:timing>
@@ -4455,7 +4456,7 @@
   <p:timing>
     <p:tnLst>
       <p:par>
-        <p:cTn id="1" dur="indefinite" restart="never" nodeType="tmRoot"/>
+        <p:cTn xmlns:p14="http://schemas.microsoft.com/office/powerpoint/2010/main" id="1" dur="indefinite" restart="never" nodeType="tmRoot"/>
       </p:par>
     </p:tnLst>
   </p:timing>
@@ -4588,7 +4589,7 @@
   <p:timing>
     <p:tnLst>
       <p:par>
-        <p:cTn id="1" dur="indefinite" restart="never" nodeType="tmRoot"/>
+        <p:cTn xmlns:p14="http://schemas.microsoft.com/office/powerpoint/2010/main" id="1" dur="indefinite" restart="never" nodeType="tmRoot"/>
       </p:par>
     </p:tnLst>
   </p:timing>
@@ -4783,7 +4784,7 @@
   <p:timing>
     <p:tnLst>
       <p:par>
-        <p:cTn id="1" dur="indefinite" restart="never" nodeType="tmRoot"/>
+        <p:cTn xmlns:p14="http://schemas.microsoft.com/office/powerpoint/2010/main" id="1" dur="indefinite" restart="never" nodeType="tmRoot"/>
       </p:par>
     </p:tnLst>
   </p:timing>
@@ -5161,7 +5162,7 @@
   <p:timing>
     <p:tnLst>
       <p:par>
-        <p:cTn id="1" dur="indefinite" restart="never" nodeType="tmRoot"/>
+        <p:cTn xmlns:p14="http://schemas.microsoft.com/office/powerpoint/2010/main" id="1" dur="indefinite" restart="never" nodeType="tmRoot"/>
       </p:par>
     </p:tnLst>
   </p:timing>
@@ -6108,7 +6109,7 @@
   <p:timing>
     <p:tnLst>
       <p:par>
-        <p:cTn id="1" dur="indefinite" restart="never" nodeType="tmRoot"/>
+        <p:cTn xmlns:p14="http://schemas.microsoft.com/office/powerpoint/2010/main" id="1" dur="indefinite" restart="never" nodeType="tmRoot"/>
       </p:par>
     </p:tnLst>
   </p:timing>
@@ -6554,15 +6555,7 @@
                   <a:schemeClr val="tx1"/>
                 </a:solidFill>
               </a:rPr>
-              <a:t>Link </a:t>
-            </a:r>
-            <a:r>
-              <a:rPr lang="en-US" altLang="ko-KR" sz="5400" b="1" dirty="0" smtClean="0">
-                <a:solidFill>
-                  <a:schemeClr val="tx1"/>
-                </a:solidFill>
-              </a:rPr>
-              <a:t>prefetching</a:t>
+              <a:t>Link prefetching</a:t>
             </a:r>
             <a:r>
               <a:rPr lang="en-US" altLang="ko-KR" sz="3800" dirty="0" smtClean="0">
@@ -6588,12 +6581,28 @@
               <a:t>: </a:t>
             </a:r>
             <a:r>
+              <a:rPr lang="en-US" altLang="ko-KR" sz="4000" dirty="0">
+                <a:solidFill>
+                  <a:schemeClr val="tx1"/>
+                </a:solidFill>
+              </a:rPr>
+              <a:t>A</a:t>
+            </a:r>
+            <a:r>
               <a:rPr lang="en-US" altLang="ko-KR" sz="4000" dirty="0" smtClean="0">
                 <a:solidFill>
                   <a:schemeClr val="tx1"/>
                 </a:solidFill>
               </a:rPr>
-              <a:t>a </a:t>
+              <a:t> </a:t>
+            </a:r>
+            <a:r>
+              <a:rPr lang="en-US" altLang="ko-KR" sz="4000" b="1" dirty="0">
+                <a:solidFill>
+                  <a:schemeClr val="tx1"/>
+                </a:solidFill>
+              </a:rPr>
+              <a:t>W</a:t>
             </a:r>
             <a:r>
               <a:rPr lang="en-US" altLang="ko-KR" sz="4000" b="1" dirty="0" smtClean="0">
@@ -6601,7 +6610,15 @@
                   <a:schemeClr val="tx1"/>
                 </a:solidFill>
               </a:rPr>
-              <a:t>website </a:t>
+              <a:t>ebsite </a:t>
+            </a:r>
+            <a:r>
+              <a:rPr lang="en-US" altLang="ko-KR" sz="4000" b="1" dirty="0">
+                <a:solidFill>
+                  <a:schemeClr val="tx1"/>
+                </a:solidFill>
+              </a:rPr>
+              <a:t>F</a:t>
             </a:r>
             <a:r>
               <a:rPr lang="en-US" altLang="ko-KR" sz="4000" b="1" dirty="0" smtClean="0">
@@ -6609,7 +6626,23 @@
                   <a:schemeClr val="tx1"/>
                 </a:solidFill>
               </a:rPr>
-              <a:t>fingerprinting defense</a:t>
+              <a:t>ingerprinting </a:t>
+            </a:r>
+            <a:r>
+              <a:rPr lang="en-US" altLang="ko-KR" sz="4000" b="1" dirty="0" smtClean="0">
+                <a:solidFill>
+                  <a:schemeClr val="tx1"/>
+                </a:solidFill>
+              </a:rPr>
+              <a:t>D</a:t>
+            </a:r>
+            <a:r>
+              <a:rPr lang="en-US" altLang="ko-KR" sz="4000" b="1" dirty="0" smtClean="0">
+                <a:solidFill>
+                  <a:schemeClr val="tx1"/>
+                </a:solidFill>
+              </a:rPr>
+              <a:t>efense</a:t>
             </a:r>
             <a:r>
               <a:rPr lang="en-US" altLang="ko-KR" sz="4000" dirty="0" smtClean="0">
@@ -6829,10 +6862,10 @@
                   </a:schemeClr>
                 </a:solidFill>
               </a:rPr>
-              <a:t>7</a:t>
-            </a:r>
-            <a:r>
-              <a:rPr lang="en-US" altLang="ko-KR" sz="2000" i="1" baseline="30000" dirty="0" smtClean="0">
+              <a:t> </a:t>
+            </a:r>
+            <a:r>
+              <a:rPr lang="en-US" altLang="ko-KR" sz="2000" i="1" dirty="0" smtClean="0">
                 <a:solidFill>
                   <a:schemeClr val="tx1">
                     <a:lumMod val="65000"/>
@@ -6840,7 +6873,7 @@
                   </a:schemeClr>
                 </a:solidFill>
               </a:rPr>
-              <a:t>th</a:t>
+              <a:t>December </a:t>
             </a:r>
             <a:r>
               <a:rPr lang="en-US" altLang="ko-KR" sz="2000" i="1" dirty="0" smtClean="0">
@@ -6851,7 +6884,7 @@
                   </a:schemeClr>
                 </a:solidFill>
               </a:rPr>
-              <a:t> December 2015</a:t>
+              <a:t>7,2015</a:t>
             </a:r>
             <a:endParaRPr lang="en-US" sz="4800" b="1" i="1" dirty="0">
               <a:solidFill>
@@ -6874,7 +6907,7 @@
   <p:timing>
     <p:tnLst>
       <p:par>
-        <p:cTn id="1" dur="indefinite" restart="never" nodeType="tmRoot"/>
+        <p:cTn xmlns:p14="http://schemas.microsoft.com/office/powerpoint/2010/main" id="1" dur="indefinite" restart="never" nodeType="tmRoot"/>
       </p:par>
     </p:tnLst>
   </p:timing>
@@ -6935,602 +6968,6 @@
         <p:spPr>
           <a:xfrm>
             <a:off x="349416" y="1026916"/>
-            <a:ext cx="8665188" cy="2800767"/>
-          </a:xfrm>
-          <a:prstGeom prst="rect">
-            <a:avLst/>
-          </a:prstGeom>
-        </p:spPr>
-        <p:txBody>
-          <a:bodyPr wrap="square">
-            <a:spAutoFit/>
-          </a:bodyPr>
-          <a:lstStyle/>
-          <a:p>
-            <a:pPr algn="just"/>
-            <a:r>
-              <a:rPr lang="en-US" altLang="ko-KR" sz="2800" b="1" dirty="0" smtClean="0"/>
-              <a:t>Attacks</a:t>
-            </a:r>
-          </a:p>
-          <a:p>
-            <a:pPr marL="342882" indent="-342882" algn="just">
-              <a:buFontTx/>
-              <a:buChar char="-"/>
-            </a:pPr>
-            <a:r>
-              <a:rPr lang="en-US" altLang="ko-KR" sz="2400" dirty="0" smtClean="0">
-                <a:solidFill>
-                  <a:schemeClr val="tx1">
-                    <a:lumMod val="75000"/>
-                    <a:lumOff val="25000"/>
-                  </a:schemeClr>
-                </a:solidFill>
-              </a:rPr>
-              <a:t>a</a:t>
-            </a:r>
-            <a:endParaRPr lang="en-US" altLang="ko-KR" sz="2400" dirty="0">
-              <a:solidFill>
-                <a:schemeClr val="tx1">
-                  <a:lumMod val="75000"/>
-                  <a:lumOff val="25000"/>
-                </a:schemeClr>
-              </a:solidFill>
-            </a:endParaRPr>
-          </a:p>
-          <a:p>
-            <a:pPr marL="800082" lvl="1" indent="-342882" algn="just">
-              <a:buFontTx/>
-              <a:buChar char="-"/>
-            </a:pPr>
-            <a:r>
-              <a:rPr lang="en-US" altLang="ko-KR" sz="2400" dirty="0" smtClean="0">
-                <a:solidFill>
-                  <a:schemeClr val="tx1">
-                    <a:lumMod val="75000"/>
-                    <a:lumOff val="25000"/>
-                  </a:schemeClr>
-                </a:solidFill>
-              </a:rPr>
-              <a:t>aa</a:t>
-            </a:r>
-            <a:endParaRPr lang="en-US" altLang="ko-KR" sz="2400" dirty="0">
-              <a:solidFill>
-                <a:schemeClr val="tx1">
-                  <a:lumMod val="75000"/>
-                  <a:lumOff val="25000"/>
-                </a:schemeClr>
-              </a:solidFill>
-            </a:endParaRPr>
-          </a:p>
-          <a:p>
-            <a:pPr marL="800082" lvl="1" indent="-342882" algn="just">
-              <a:buFontTx/>
-              <a:buChar char="-"/>
-            </a:pPr>
-            <a:r>
-              <a:rPr lang="en-US" altLang="ko-KR" sz="2400" dirty="0" smtClean="0">
-                <a:solidFill>
-                  <a:schemeClr val="tx1">
-                    <a:lumMod val="75000"/>
-                    <a:lumOff val="25000"/>
-                  </a:schemeClr>
-                </a:solidFill>
-              </a:rPr>
-              <a:t>ab</a:t>
-            </a:r>
-            <a:endParaRPr lang="en-US" altLang="ko-KR" sz="2800" b="1" dirty="0" smtClean="0">
-              <a:solidFill>
-                <a:schemeClr val="tx1">
-                  <a:lumMod val="75000"/>
-                  <a:lumOff val="25000"/>
-                </a:schemeClr>
-              </a:solidFill>
-            </a:endParaRPr>
-          </a:p>
-          <a:p>
-            <a:pPr algn="just"/>
-            <a:r>
-              <a:rPr lang="en-US" altLang="ko-KR" sz="2800" b="1" dirty="0" smtClean="0">
-                <a:solidFill>
-                  <a:schemeClr val="tx1">
-                    <a:lumMod val="75000"/>
-                    <a:lumOff val="25000"/>
-                  </a:schemeClr>
-                </a:solidFill>
-              </a:rPr>
-              <a:t>Defenses</a:t>
-            </a:r>
-          </a:p>
-          <a:p>
-            <a:pPr marL="342882" indent="-342882" algn="just">
-              <a:buFontTx/>
-              <a:buChar char="-"/>
-            </a:pPr>
-            <a:r>
-              <a:rPr lang="en-US" altLang="ko-KR" sz="2400" dirty="0">
-                <a:solidFill>
-                  <a:schemeClr val="tx1">
-                    <a:lumMod val="75000"/>
-                    <a:lumOff val="25000"/>
-                  </a:schemeClr>
-                </a:solidFill>
-              </a:rPr>
-              <a:t>a</a:t>
-            </a:r>
-          </a:p>
-          <a:p>
-            <a:pPr marL="800082" lvl="1" indent="-342882" algn="just">
-              <a:buFontTx/>
-              <a:buChar char="-"/>
-            </a:pPr>
-            <a:r>
-              <a:rPr lang="en-US" altLang="ko-KR" sz="2400" dirty="0" smtClean="0">
-                <a:solidFill>
-                  <a:schemeClr val="tx1">
-                    <a:lumMod val="75000"/>
-                    <a:lumOff val="25000"/>
-                  </a:schemeClr>
-                </a:solidFill>
-              </a:rPr>
-              <a:t>ac</a:t>
-            </a:r>
-            <a:endParaRPr lang="en-US" altLang="ko-KR" sz="2400" dirty="0">
-              <a:solidFill>
-                <a:schemeClr val="tx1">
-                  <a:lumMod val="75000"/>
-                  <a:lumOff val="25000"/>
-                </a:schemeClr>
-              </a:solidFill>
-            </a:endParaRPr>
-          </a:p>
-        </p:txBody>
-      </p:sp>
-      <p:sp>
-        <p:nvSpPr>
-          <p:cNvPr id="6" name="Title 1"/>
-          <p:cNvSpPr txBox="1">
-            <a:spLocks/>
-          </p:cNvSpPr>
-          <p:nvPr/>
-        </p:nvSpPr>
-        <p:spPr>
-          <a:xfrm>
-            <a:off x="409576" y="232031"/>
-            <a:ext cx="9479494" cy="734889"/>
-          </a:xfrm>
-          <a:prstGeom prst="rect">
-            <a:avLst/>
-          </a:prstGeom>
-        </p:spPr>
-        <p:txBody>
-          <a:bodyPr vert="horz" lIns="91440" tIns="45720" rIns="91440" bIns="45720" rtlCol="0" anchor="b">
-            <a:normAutofit/>
-          </a:bodyPr>
-          <a:lstStyle>
-            <a:lvl1pPr algn="l" defTabSz="914400" rtl="0" eaLnBrk="1" latinLnBrk="0" hangingPunct="1">
-              <a:lnSpc>
-                <a:spcPct val="85000"/>
-              </a:lnSpc>
-              <a:spcBef>
-                <a:spcPct val="0"/>
-              </a:spcBef>
-              <a:buNone/>
-              <a:defRPr sz="4800" kern="1200" spc="-50" baseline="0">
-                <a:solidFill>
-                  <a:schemeClr val="tx1">
-                    <a:lumMod val="75000"/>
-                    <a:lumOff val="25000"/>
-                  </a:schemeClr>
-                </a:solidFill>
-                <a:latin typeface="+mj-lt"/>
-                <a:ea typeface="+mj-ea"/>
-                <a:cs typeface="+mj-cs"/>
-              </a:defRPr>
-            </a:lvl1pPr>
-          </a:lstStyle>
-          <a:p>
-            <a:r>
-              <a:rPr lang="en-US" b="1" dirty="0" smtClean="0"/>
-              <a:t>Related Works (TODO)</a:t>
-            </a:r>
-            <a:endParaRPr lang="en-US" b="1" dirty="0"/>
-          </a:p>
-        </p:txBody>
-      </p:sp>
-    </p:spTree>
-    <p:extLst>
-      <p:ext uri="{BB962C8B-B14F-4D97-AF65-F5344CB8AC3E}">
-        <p14:creationId xmlns:p14="http://schemas.microsoft.com/office/powerpoint/2010/main" val="678010143"/>
-      </p:ext>
-    </p:extLst>
-  </p:cSld>
-  <p:clrMapOvr>
-    <a:masterClrMapping/>
-  </p:clrMapOvr>
-  <p:timing>
-    <p:tnLst>
-      <p:par>
-        <p:cTn id="1" dur="indefinite" restart="never" nodeType="tmRoot"/>
-      </p:par>
-    </p:tnLst>
-  </p:timing>
-</p:sld>
-</file>
-
-<file path=ppt/slides/slide11.xml><?xml version="1.0" encoding="utf-8"?>
-<p:sld xmlns:a="http://schemas.openxmlformats.org/drawingml/2006/main" xmlns:r="http://schemas.openxmlformats.org/officeDocument/2006/relationships" xmlns:p="http://schemas.openxmlformats.org/presentationml/2006/main">
-  <p:cSld>
-    <p:spTree>
-      <p:nvGrpSpPr>
-        <p:cNvPr id="1" name=""/>
-        <p:cNvGrpSpPr/>
-        <p:nvPr/>
-      </p:nvGrpSpPr>
-      <p:grpSpPr>
-        <a:xfrm>
-          <a:off x="0" y="0"/>
-          <a:ext cx="0" cy="0"/>
-          <a:chOff x="0" y="0"/>
-          <a:chExt cx="0" cy="0"/>
-        </a:xfrm>
-      </p:grpSpPr>
-      <p:sp>
-        <p:nvSpPr>
-          <p:cNvPr id="3" name="Slide Number Placeholder 2"/>
-          <p:cNvSpPr>
-            <a:spLocks noGrp="1"/>
-          </p:cNvSpPr>
-          <p:nvPr>
-            <p:ph type="sldNum" sz="quarter" idx="4294967295"/>
-          </p:nvPr>
-        </p:nvSpPr>
-        <p:spPr>
-          <a:xfrm>
-            <a:off x="-237705" y="6459786"/>
-            <a:ext cx="984019" cy="365125"/>
-          </a:xfrm>
-        </p:spPr>
-        <p:txBody>
-          <a:bodyPr/>
-          <a:lstStyle/>
-          <a:p>
-            <a:fld id="{629637A9-119A-49DA-BD12-AAC58B377D80}" type="slidenum">
-              <a:rPr lang="en-US" smtClean="0"/>
-              <a:t>11</a:t>
-            </a:fld>
-            <a:endParaRPr lang="en-US" dirty="0"/>
-          </a:p>
-        </p:txBody>
-      </p:sp>
-      <p:sp>
-        <p:nvSpPr>
-          <p:cNvPr id="4" name="Rectangle 3"/>
-          <p:cNvSpPr/>
-          <p:nvPr/>
-        </p:nvSpPr>
-        <p:spPr>
-          <a:xfrm>
-            <a:off x="349416" y="1026916"/>
-            <a:ext cx="8360830" cy="3970318"/>
-          </a:xfrm>
-          <a:prstGeom prst="rect">
-            <a:avLst/>
-          </a:prstGeom>
-        </p:spPr>
-        <p:txBody>
-          <a:bodyPr wrap="square">
-            <a:spAutoFit/>
-          </a:bodyPr>
-          <a:lstStyle/>
-          <a:p>
-            <a:pPr algn="just"/>
-            <a:r>
-              <a:rPr lang="en-US" altLang="ko-KR" sz="2800" b="1" dirty="0" smtClean="0"/>
-              <a:t>A simple and easy way to obfuscate eavesdropper?</a:t>
-            </a:r>
-            <a:endParaRPr lang="en-US" altLang="ko-KR" sz="2800" b="1" dirty="0" smtClean="0"/>
-          </a:p>
-          <a:p>
-            <a:pPr marL="342882" indent="-342882" algn="just">
-              <a:buFontTx/>
-              <a:buChar char="-"/>
-            </a:pPr>
-            <a:r>
-              <a:rPr lang="en-US" altLang="ko-KR" sz="2400" dirty="0" smtClean="0">
-                <a:solidFill>
-                  <a:schemeClr val="tx1">
-                    <a:lumMod val="75000"/>
-                    <a:lumOff val="25000"/>
-                  </a:schemeClr>
-                </a:solidFill>
-              </a:rPr>
-              <a:t>The accuracy of website fingerprinting attack depends on the predictability of website fingerprints.</a:t>
-            </a:r>
-          </a:p>
-          <a:p>
-            <a:pPr marL="342882" indent="-342882" algn="just">
-              <a:buFontTx/>
-              <a:buChar char="-"/>
-            </a:pPr>
-            <a:r>
-              <a:rPr lang="en-US" altLang="ko-KR" sz="2400" dirty="0" smtClean="0">
-                <a:solidFill>
-                  <a:schemeClr val="tx1">
-                    <a:lumMod val="75000"/>
-                    <a:lumOff val="25000"/>
-                  </a:schemeClr>
-                </a:solidFill>
-              </a:rPr>
-              <a:t>The attack assumes that the fingerprint of a visit to a website will be similar to the previous visits.</a:t>
-            </a:r>
-          </a:p>
-          <a:p>
-            <a:pPr marL="342882" indent="-342882" algn="just">
-              <a:buFontTx/>
-              <a:buChar char="-"/>
-            </a:pPr>
-            <a:r>
-              <a:rPr lang="en-US" altLang="ko-KR" sz="2400" dirty="0" smtClean="0">
-                <a:solidFill>
-                  <a:schemeClr val="tx1">
-                    <a:lumMod val="75000"/>
-                    <a:lumOff val="25000"/>
-                  </a:schemeClr>
-                </a:solidFill>
-              </a:rPr>
-              <a:t>What if it is not so?</a:t>
-            </a:r>
-          </a:p>
-          <a:p>
-            <a:pPr marL="342882" indent="-342882" algn="just">
-              <a:buFontTx/>
-              <a:buChar char="-"/>
-            </a:pPr>
-            <a:r>
-              <a:rPr lang="en-US" altLang="ko-KR" sz="2400" dirty="0" smtClean="0">
-                <a:solidFill>
-                  <a:schemeClr val="tx1">
-                    <a:lumMod val="75000"/>
-                    <a:lumOff val="25000"/>
-                  </a:schemeClr>
-                </a:solidFill>
-              </a:rPr>
-              <a:t>What if a fingerprint looks different for each visit?</a:t>
-            </a:r>
-          </a:p>
-          <a:p>
-            <a:pPr marL="342882" indent="-342882" algn="just">
-              <a:buFontTx/>
-              <a:buChar char="-"/>
-            </a:pPr>
-            <a:endParaRPr lang="en-US" altLang="ko-KR" sz="2400" dirty="0">
-              <a:solidFill>
-                <a:schemeClr val="tx1">
-                  <a:lumMod val="75000"/>
-                  <a:lumOff val="25000"/>
-                </a:schemeClr>
-              </a:solidFill>
-            </a:endParaRPr>
-          </a:p>
-          <a:p>
-            <a:pPr algn="just"/>
-            <a:r>
-              <a:rPr lang="en-US" altLang="ko-KR" sz="2800" b="1" dirty="0" smtClean="0">
-                <a:solidFill>
-                  <a:srgbClr val="7A0019"/>
-                </a:solidFill>
-              </a:rPr>
-              <a:t>Could </a:t>
-            </a:r>
-            <a:r>
-              <a:rPr lang="en-US" altLang="ko-KR" sz="2800" b="1" u="sng" dirty="0" smtClean="0">
-                <a:solidFill>
-                  <a:srgbClr val="7A0019"/>
-                </a:solidFill>
-              </a:rPr>
-              <a:t>randomized link prefetching</a:t>
-            </a:r>
-            <a:r>
-              <a:rPr lang="en-US" altLang="ko-KR" sz="2800" b="1" dirty="0" smtClean="0">
-                <a:solidFill>
-                  <a:srgbClr val="7A0019"/>
-                </a:solidFill>
-              </a:rPr>
-              <a:t> provide </a:t>
-            </a:r>
-            <a:r>
-              <a:rPr lang="en-US" altLang="ko-KR" sz="2800" b="1" u="sng" dirty="0" smtClean="0">
-                <a:solidFill>
-                  <a:srgbClr val="7A0019"/>
-                </a:solidFill>
-              </a:rPr>
-              <a:t>extra defense</a:t>
-            </a:r>
-            <a:r>
-              <a:rPr lang="en-US" altLang="ko-KR" sz="2800" b="1" dirty="0" smtClean="0">
-                <a:solidFill>
-                  <a:srgbClr val="7A0019"/>
-                </a:solidFill>
-              </a:rPr>
-              <a:t> against website </a:t>
-            </a:r>
-            <a:r>
-              <a:rPr lang="en-US" altLang="ko-KR" sz="2800" b="1" u="sng" dirty="0" smtClean="0">
-                <a:solidFill>
-                  <a:srgbClr val="7A0019"/>
-                </a:solidFill>
-              </a:rPr>
-              <a:t>fingerprinting attacks</a:t>
-            </a:r>
-            <a:r>
-              <a:rPr lang="en-US" altLang="ko-KR" sz="2800" b="1" dirty="0" smtClean="0">
-                <a:solidFill>
-                  <a:srgbClr val="7A0019"/>
-                </a:solidFill>
-              </a:rPr>
-              <a:t>?</a:t>
-            </a:r>
-            <a:endParaRPr lang="en-US" altLang="ko-KR" sz="2400" b="1" dirty="0">
-              <a:solidFill>
-                <a:srgbClr val="7A0019"/>
-              </a:solidFill>
-            </a:endParaRPr>
-          </a:p>
-        </p:txBody>
-      </p:sp>
-      <p:sp>
-        <p:nvSpPr>
-          <p:cNvPr id="6" name="Title 1"/>
-          <p:cNvSpPr txBox="1">
-            <a:spLocks/>
-          </p:cNvSpPr>
-          <p:nvPr/>
-        </p:nvSpPr>
-        <p:spPr>
-          <a:xfrm>
-            <a:off x="409576" y="232031"/>
-            <a:ext cx="9479494" cy="734889"/>
-          </a:xfrm>
-          <a:prstGeom prst="rect">
-            <a:avLst/>
-          </a:prstGeom>
-        </p:spPr>
-        <p:txBody>
-          <a:bodyPr vert="horz" lIns="91440" tIns="45720" rIns="91440" bIns="45720" rtlCol="0" anchor="b">
-            <a:normAutofit/>
-          </a:bodyPr>
-          <a:lstStyle>
-            <a:lvl1pPr algn="l" defTabSz="914400" rtl="0" eaLnBrk="1" latinLnBrk="0" hangingPunct="1">
-              <a:lnSpc>
-                <a:spcPct val="85000"/>
-              </a:lnSpc>
-              <a:spcBef>
-                <a:spcPct val="0"/>
-              </a:spcBef>
-              <a:buNone/>
-              <a:defRPr sz="4800" kern="1200" spc="-50" baseline="0">
-                <a:solidFill>
-                  <a:schemeClr val="tx1">
-                    <a:lumMod val="75000"/>
-                    <a:lumOff val="25000"/>
-                  </a:schemeClr>
-                </a:solidFill>
-                <a:latin typeface="+mj-lt"/>
-                <a:ea typeface="+mj-ea"/>
-                <a:cs typeface="+mj-cs"/>
-              </a:defRPr>
-            </a:lvl1pPr>
-          </a:lstStyle>
-          <a:p>
-            <a:r>
-              <a:rPr lang="en-US" b="1" dirty="0" smtClean="0"/>
-              <a:t>Idea</a:t>
-            </a:r>
-            <a:endParaRPr lang="en-US" b="1" dirty="0"/>
-          </a:p>
-        </p:txBody>
-      </p:sp>
-      <p:sp>
-        <p:nvSpPr>
-          <p:cNvPr id="8" name="TextBox 7"/>
-          <p:cNvSpPr txBox="1"/>
-          <p:nvPr/>
-        </p:nvSpPr>
-        <p:spPr>
-          <a:xfrm>
-            <a:off x="2614246" y="1266092"/>
-            <a:ext cx="184731" cy="369332"/>
-          </a:xfrm>
-          <a:prstGeom prst="rect">
-            <a:avLst/>
-          </a:prstGeom>
-          <a:noFill/>
-        </p:spPr>
-        <p:txBody>
-          <a:bodyPr wrap="none" rtlCol="0">
-            <a:spAutoFit/>
-          </a:bodyPr>
-          <a:lstStyle/>
-          <a:p>
-            <a:endParaRPr lang="en-US" dirty="0"/>
-          </a:p>
-        </p:txBody>
-      </p:sp>
-    </p:spTree>
-    <p:extLst>
-      <p:ext uri="{BB962C8B-B14F-4D97-AF65-F5344CB8AC3E}">
-        <p14:creationId xmlns:p14="http://schemas.microsoft.com/office/powerpoint/2010/main" val="118063317"/>
-      </p:ext>
-    </p:extLst>
-  </p:cSld>
-  <p:clrMapOvr>
-    <a:masterClrMapping/>
-  </p:clrMapOvr>
-  <p:timing>
-    <p:tnLst>
-      <p:par>
-        <p:cTn id="1" dur="indefinite" restart="never" nodeType="tmRoot"/>
-      </p:par>
-    </p:tnLst>
-  </p:timing>
-</p:sld>
-</file>
-
-<file path=ppt/slides/slide12.xml><?xml version="1.0" encoding="utf-8"?>
-<p:sld xmlns:a="http://schemas.openxmlformats.org/drawingml/2006/main" xmlns:r="http://schemas.openxmlformats.org/officeDocument/2006/relationships" xmlns:p="http://schemas.openxmlformats.org/presentationml/2006/main">
-  <p:cSld>
-    <p:spTree>
-      <p:nvGrpSpPr>
-        <p:cNvPr id="1" name=""/>
-        <p:cNvGrpSpPr/>
-        <p:nvPr/>
-      </p:nvGrpSpPr>
-      <p:grpSpPr>
-        <a:xfrm>
-          <a:off x="0" y="0"/>
-          <a:ext cx="0" cy="0"/>
-          <a:chOff x="0" y="0"/>
-          <a:chExt cx="0" cy="0"/>
-        </a:xfrm>
-      </p:grpSpPr>
-      <p:sp>
-        <p:nvSpPr>
-          <p:cNvPr id="3" name="Slide Number Placeholder 2"/>
-          <p:cNvSpPr>
-            <a:spLocks noGrp="1"/>
-          </p:cNvSpPr>
-          <p:nvPr>
-            <p:ph type="sldNum" sz="quarter" idx="4294967295"/>
-          </p:nvPr>
-        </p:nvSpPr>
-        <p:spPr>
-          <a:xfrm>
-            <a:off x="-237705" y="6459786"/>
-            <a:ext cx="984019" cy="365125"/>
-          </a:xfrm>
-        </p:spPr>
-        <p:txBody>
-          <a:bodyPr/>
-          <a:lstStyle/>
-          <a:p>
-            <a:fld id="{629637A9-119A-49DA-BD12-AAC58B377D80}" type="slidenum">
-              <a:rPr lang="en-US" smtClean="0"/>
-              <a:t>12</a:t>
-            </a:fld>
-            <a:endParaRPr lang="en-US" dirty="0"/>
-          </a:p>
-        </p:txBody>
-      </p:sp>
-      <p:sp>
-        <p:nvSpPr>
-          <p:cNvPr id="4" name="Rectangle 3"/>
-          <p:cNvSpPr/>
-          <p:nvPr/>
-        </p:nvSpPr>
-        <p:spPr>
-          <a:xfrm>
-            <a:off x="349416" y="1026916"/>
             <a:ext cx="8360830" cy="3108543"/>
           </a:xfrm>
           <a:prstGeom prst="rect">
@@ -7816,7 +7253,7 @@
   <p:timing>
     <p:tnLst>
       <p:par>
-        <p:cTn id="1" dur="indefinite" restart="never" nodeType="tmRoot">
+        <p:cTn xmlns:p14="http://schemas.microsoft.com/office/powerpoint/2010/main" id="1" dur="indefinite" restart="never" nodeType="tmRoot">
           <p:childTnLst>
             <p:seq concurrent="1" nextAc="seek">
               <p:cTn id="2" dur="indefinite" nodeType="mainSeq">
@@ -7972,7 +7409,7 @@
 </p:sld>
 </file>
 
-<file path=ppt/slides/slide13.xml><?xml version="1.0" encoding="utf-8"?>
+<file path=ppt/slides/slide11.xml><?xml version="1.0" encoding="utf-8"?>
 <p:sld xmlns:a="http://schemas.openxmlformats.org/drawingml/2006/main" xmlns:r="http://schemas.openxmlformats.org/officeDocument/2006/relationships" xmlns:p="http://schemas.openxmlformats.org/presentationml/2006/main">
   <p:cSld>
     <p:spTree>
@@ -8011,7 +7448,7 @@
           <a:p>
             <a:fld id="{629637A9-119A-49DA-BD12-AAC58B377D80}" type="slidenum">
               <a:rPr lang="en-US" smtClean="0"/>
-              <a:t>13</a:t>
+              <a:t>11</a:t>
             </a:fld>
             <a:endParaRPr lang="en-US" dirty="0"/>
           </a:p>
@@ -9127,7 +8564,693 @@
   <p:timing>
     <p:tnLst>
       <p:par>
-        <p:cTn id="1" dur="indefinite" restart="never" nodeType="tmRoot"/>
+        <p:cTn xmlns:p14="http://schemas.microsoft.com/office/powerpoint/2010/main" id="1" dur="indefinite" restart="never" nodeType="tmRoot"/>
+      </p:par>
+    </p:tnLst>
+  </p:timing>
+</p:sld>
+</file>
+
+<file path=ppt/slides/slide12.xml><?xml version="1.0" encoding="utf-8"?>
+<p:sld xmlns:a="http://schemas.openxmlformats.org/drawingml/2006/main" xmlns:r="http://schemas.openxmlformats.org/officeDocument/2006/relationships" xmlns:p="http://schemas.openxmlformats.org/presentationml/2006/main">
+  <p:cSld>
+    <p:spTree>
+      <p:nvGrpSpPr>
+        <p:cNvPr id="1" name=""/>
+        <p:cNvGrpSpPr/>
+        <p:nvPr/>
+      </p:nvGrpSpPr>
+      <p:grpSpPr>
+        <a:xfrm>
+          <a:off x="0" y="0"/>
+          <a:ext cx="0" cy="0"/>
+          <a:chOff x="0" y="0"/>
+          <a:chExt cx="0" cy="0"/>
+        </a:xfrm>
+      </p:grpSpPr>
+      <p:sp>
+        <p:nvSpPr>
+          <p:cNvPr id="3" name="Slide Number Placeholder 2"/>
+          <p:cNvSpPr>
+            <a:spLocks noGrp="1"/>
+          </p:cNvSpPr>
+          <p:nvPr>
+            <p:ph type="sldNum" sz="quarter" idx="4294967295"/>
+          </p:nvPr>
+        </p:nvSpPr>
+        <p:spPr>
+          <a:xfrm>
+            <a:off x="-237705" y="6459786"/>
+            <a:ext cx="984019" cy="365125"/>
+          </a:xfrm>
+        </p:spPr>
+        <p:txBody>
+          <a:bodyPr/>
+          <a:lstStyle/>
+          <a:p>
+            <a:fld id="{629637A9-119A-49DA-BD12-AAC58B377D80}" type="slidenum">
+              <a:rPr lang="en-US" smtClean="0"/>
+              <a:t>12</a:t>
+            </a:fld>
+            <a:endParaRPr lang="en-US" dirty="0"/>
+          </a:p>
+        </p:txBody>
+      </p:sp>
+      <p:sp>
+        <p:nvSpPr>
+          <p:cNvPr id="4" name="Rectangle 3"/>
+          <p:cNvSpPr/>
+          <p:nvPr/>
+        </p:nvSpPr>
+        <p:spPr>
+          <a:xfrm>
+            <a:off x="349416" y="1026916"/>
+            <a:ext cx="8360830" cy="523220"/>
+          </a:xfrm>
+          <a:prstGeom prst="rect">
+            <a:avLst/>
+          </a:prstGeom>
+        </p:spPr>
+        <p:txBody>
+          <a:bodyPr wrap="square">
+            <a:spAutoFit/>
+          </a:bodyPr>
+          <a:lstStyle/>
+          <a:p>
+            <a:pPr algn="just"/>
+            <a:r>
+              <a:rPr lang="en-US" altLang="ko-KR" sz="2800" b="1" dirty="0" smtClean="0"/>
+              <a:t>How does it look like?</a:t>
+            </a:r>
+            <a:endParaRPr lang="en-US" altLang="ko-KR" sz="2800" b="1" dirty="0"/>
+          </a:p>
+        </p:txBody>
+      </p:sp>
+      <p:sp>
+        <p:nvSpPr>
+          <p:cNvPr id="6" name="Title 1"/>
+          <p:cNvSpPr txBox="1">
+            <a:spLocks/>
+          </p:cNvSpPr>
+          <p:nvPr/>
+        </p:nvSpPr>
+        <p:spPr>
+          <a:xfrm>
+            <a:off x="409576" y="232031"/>
+            <a:ext cx="9479494" cy="734889"/>
+          </a:xfrm>
+          <a:prstGeom prst="rect">
+            <a:avLst/>
+          </a:prstGeom>
+        </p:spPr>
+        <p:txBody>
+          <a:bodyPr vert="horz" lIns="91440" tIns="45720" rIns="91440" bIns="45720" rtlCol="0" anchor="b">
+            <a:normAutofit/>
+          </a:bodyPr>
+          <a:lstStyle>
+            <a:lvl1pPr algn="l" defTabSz="914400" rtl="0" eaLnBrk="1" latinLnBrk="0" hangingPunct="1">
+              <a:lnSpc>
+                <a:spcPct val="85000"/>
+              </a:lnSpc>
+              <a:spcBef>
+                <a:spcPct val="0"/>
+              </a:spcBef>
+              <a:buNone/>
+              <a:defRPr sz="4800" kern="1200" spc="-50" baseline="0">
+                <a:solidFill>
+                  <a:schemeClr val="tx1">
+                    <a:lumMod val="75000"/>
+                    <a:lumOff val="25000"/>
+                  </a:schemeClr>
+                </a:solidFill>
+                <a:latin typeface="+mj-lt"/>
+                <a:ea typeface="+mj-ea"/>
+                <a:cs typeface="+mj-cs"/>
+              </a:defRPr>
+            </a:lvl1pPr>
+          </a:lstStyle>
+          <a:p>
+            <a:r>
+              <a:rPr lang="en-US" b="1" dirty="0" smtClean="0"/>
+              <a:t>Link Prefetching</a:t>
+            </a:r>
+            <a:endParaRPr lang="en-US" b="1" dirty="0"/>
+          </a:p>
+        </p:txBody>
+      </p:sp>
+      <p:sp>
+        <p:nvSpPr>
+          <p:cNvPr id="8" name="TextBox 7"/>
+          <p:cNvSpPr txBox="1"/>
+          <p:nvPr/>
+        </p:nvSpPr>
+        <p:spPr>
+          <a:xfrm>
+            <a:off x="2614246" y="1266092"/>
+            <a:ext cx="184731" cy="369332"/>
+          </a:xfrm>
+          <a:prstGeom prst="rect">
+            <a:avLst/>
+          </a:prstGeom>
+          <a:noFill/>
+        </p:spPr>
+        <p:txBody>
+          <a:bodyPr wrap="none" rtlCol="0">
+            <a:spAutoFit/>
+          </a:bodyPr>
+          <a:lstStyle/>
+          <a:p>
+            <a:endParaRPr lang="en-US" dirty="0"/>
+          </a:p>
+        </p:txBody>
+      </p:sp>
+      <p:pic>
+        <p:nvPicPr>
+          <p:cNvPr id="9" name="Picture 8"/>
+          <p:cNvPicPr>
+            <a:picLocks noChangeAspect="1"/>
+          </p:cNvPicPr>
+          <p:nvPr/>
+        </p:nvPicPr>
+        <p:blipFill rotWithShape="1">
+          <a:blip r:embed="rId3"/>
+          <a:srcRect b="5826"/>
+          <a:stretch/>
+        </p:blipFill>
+        <p:spPr>
+          <a:xfrm>
+            <a:off x="349416" y="1561859"/>
+            <a:ext cx="8405997" cy="4358295"/>
+          </a:xfrm>
+          <a:prstGeom prst="rect">
+            <a:avLst/>
+          </a:prstGeom>
+        </p:spPr>
+      </p:pic>
+      <p:sp>
+        <p:nvSpPr>
+          <p:cNvPr id="12" name="Rectangle 11"/>
+          <p:cNvSpPr/>
+          <p:nvPr/>
+        </p:nvSpPr>
+        <p:spPr>
+          <a:xfrm>
+            <a:off x="7075539" y="1023975"/>
+            <a:ext cx="1548501" cy="646331"/>
+          </a:xfrm>
+          <a:prstGeom prst="rect">
+            <a:avLst/>
+          </a:prstGeom>
+        </p:spPr>
+        <p:txBody>
+          <a:bodyPr wrap="none">
+            <a:spAutoFit/>
+          </a:bodyPr>
+          <a:lstStyle/>
+          <a:p>
+            <a:r>
+              <a:rPr lang="en-US" dirty="0" smtClean="0">
+                <a:solidFill>
+                  <a:srgbClr val="C00000"/>
+                </a:solidFill>
+              </a:rPr>
+              <a:t>-- pre-fetch off</a:t>
+            </a:r>
+          </a:p>
+          <a:p>
+            <a:r>
+              <a:rPr lang="en-US" dirty="0" smtClean="0">
+                <a:solidFill>
+                  <a:srgbClr val="0070C0"/>
+                </a:solidFill>
+              </a:rPr>
+              <a:t>-- pre-fetch on</a:t>
+            </a:r>
+            <a:endParaRPr lang="en-US" dirty="0">
+              <a:solidFill>
+                <a:srgbClr val="0070C0"/>
+              </a:solidFill>
+            </a:endParaRPr>
+          </a:p>
+        </p:txBody>
+      </p:sp>
+      <p:sp>
+        <p:nvSpPr>
+          <p:cNvPr id="13" name="Rectangle 12"/>
+          <p:cNvSpPr/>
+          <p:nvPr/>
+        </p:nvSpPr>
+        <p:spPr>
+          <a:xfrm>
+            <a:off x="7884958" y="5779478"/>
+            <a:ext cx="1111202" cy="369332"/>
+          </a:xfrm>
+          <a:prstGeom prst="rect">
+            <a:avLst/>
+          </a:prstGeom>
+        </p:spPr>
+        <p:txBody>
+          <a:bodyPr wrap="none">
+            <a:spAutoFit/>
+          </a:bodyPr>
+          <a:lstStyle/>
+          <a:p>
+            <a:r>
+              <a:rPr lang="en-US" i="1" dirty="0"/>
+              <a:t>t</a:t>
+            </a:r>
+            <a:r>
+              <a:rPr lang="en-US" i="1" dirty="0" smtClean="0"/>
+              <a:t>ime (sec)</a:t>
+            </a:r>
+            <a:endParaRPr lang="en-US" i="1" dirty="0"/>
+          </a:p>
+        </p:txBody>
+      </p:sp>
+      <p:sp>
+        <p:nvSpPr>
+          <p:cNvPr id="14" name="Rectangle 13"/>
+          <p:cNvSpPr/>
+          <p:nvPr/>
+        </p:nvSpPr>
+        <p:spPr>
+          <a:xfrm>
+            <a:off x="96946" y="1714632"/>
+            <a:ext cx="1060996" cy="369332"/>
+          </a:xfrm>
+          <a:prstGeom prst="rect">
+            <a:avLst/>
+          </a:prstGeom>
+        </p:spPr>
+        <p:txBody>
+          <a:bodyPr wrap="none">
+            <a:spAutoFit/>
+          </a:bodyPr>
+          <a:lstStyle/>
+          <a:p>
+            <a:r>
+              <a:rPr lang="en-US" i="1" dirty="0" smtClean="0"/>
+              <a:t># packets</a:t>
+            </a:r>
+            <a:endParaRPr lang="en-US" i="1" dirty="0"/>
+          </a:p>
+        </p:txBody>
+      </p:sp>
+      <p:sp>
+        <p:nvSpPr>
+          <p:cNvPr id="15" name="Rectangle 14"/>
+          <p:cNvSpPr/>
+          <p:nvPr/>
+        </p:nvSpPr>
+        <p:spPr>
+          <a:xfrm>
+            <a:off x="0" y="5964144"/>
+            <a:ext cx="2957605" cy="369332"/>
+          </a:xfrm>
+          <a:prstGeom prst="rect">
+            <a:avLst/>
+          </a:prstGeom>
+        </p:spPr>
+        <p:txBody>
+          <a:bodyPr wrap="none">
+            <a:spAutoFit/>
+          </a:bodyPr>
+          <a:lstStyle/>
+          <a:p>
+            <a:r>
+              <a:rPr lang="en-US" i="1" dirty="0" smtClean="0">
+                <a:solidFill>
+                  <a:schemeClr val="tx1">
+                    <a:lumMod val="65000"/>
+                    <a:lumOff val="35000"/>
+                  </a:schemeClr>
+                </a:solidFill>
+              </a:rPr>
+              <a:t>Packets from </a:t>
+            </a:r>
+            <a:r>
+              <a:rPr lang="en-US" i="1" dirty="0" err="1" smtClean="0">
+                <a:solidFill>
+                  <a:schemeClr val="tx1">
+                    <a:lumMod val="65000"/>
+                    <a:lumOff val="35000"/>
+                  </a:schemeClr>
+                </a:solidFill>
+              </a:rPr>
+              <a:t>www.wired.com</a:t>
+            </a:r>
+            <a:endParaRPr lang="en-US" i="1" dirty="0">
+              <a:solidFill>
+                <a:schemeClr val="tx1">
+                  <a:lumMod val="65000"/>
+                  <a:lumOff val="35000"/>
+                </a:schemeClr>
+              </a:solidFill>
+            </a:endParaRPr>
+          </a:p>
+        </p:txBody>
+      </p:sp>
+    </p:spTree>
+    <p:extLst>
+      <p:ext uri="{BB962C8B-B14F-4D97-AF65-F5344CB8AC3E}">
+        <p14:creationId xmlns:p14="http://schemas.microsoft.com/office/powerpoint/2010/main" val="446832417"/>
+      </p:ext>
+    </p:extLst>
+  </p:cSld>
+  <p:clrMapOvr>
+    <a:masterClrMapping/>
+  </p:clrMapOvr>
+  <p:timing>
+    <p:tnLst>
+      <p:par>
+        <p:cTn xmlns:p14="http://schemas.microsoft.com/office/powerpoint/2010/main" id="1" dur="indefinite" restart="never" nodeType="tmRoot"/>
+      </p:par>
+    </p:tnLst>
+  </p:timing>
+</p:sld>
+</file>
+
+<file path=ppt/slides/slide13.xml><?xml version="1.0" encoding="utf-8"?>
+<p:sld xmlns:a="http://schemas.openxmlformats.org/drawingml/2006/main" xmlns:r="http://schemas.openxmlformats.org/officeDocument/2006/relationships" xmlns:p="http://schemas.openxmlformats.org/presentationml/2006/main">
+  <p:cSld>
+    <p:spTree>
+      <p:nvGrpSpPr>
+        <p:cNvPr id="1" name=""/>
+        <p:cNvGrpSpPr/>
+        <p:nvPr/>
+      </p:nvGrpSpPr>
+      <p:grpSpPr>
+        <a:xfrm>
+          <a:off x="0" y="0"/>
+          <a:ext cx="0" cy="0"/>
+          <a:chOff x="0" y="0"/>
+          <a:chExt cx="0" cy="0"/>
+        </a:xfrm>
+      </p:grpSpPr>
+      <p:sp>
+        <p:nvSpPr>
+          <p:cNvPr id="3" name="Slide Number Placeholder 2"/>
+          <p:cNvSpPr>
+            <a:spLocks noGrp="1"/>
+          </p:cNvSpPr>
+          <p:nvPr>
+            <p:ph type="sldNum" sz="quarter" idx="4294967295"/>
+          </p:nvPr>
+        </p:nvSpPr>
+        <p:spPr>
+          <a:xfrm>
+            <a:off x="-237705" y="6459786"/>
+            <a:ext cx="984019" cy="365125"/>
+          </a:xfrm>
+        </p:spPr>
+        <p:txBody>
+          <a:bodyPr/>
+          <a:lstStyle/>
+          <a:p>
+            <a:fld id="{629637A9-119A-49DA-BD12-AAC58B377D80}" type="slidenum">
+              <a:rPr lang="en-US" smtClean="0"/>
+              <a:t>13</a:t>
+            </a:fld>
+            <a:endParaRPr lang="en-US" dirty="0"/>
+          </a:p>
+        </p:txBody>
+      </p:sp>
+      <p:sp>
+        <p:nvSpPr>
+          <p:cNvPr id="4" name="Rectangle 3"/>
+          <p:cNvSpPr/>
+          <p:nvPr/>
+        </p:nvSpPr>
+        <p:spPr>
+          <a:xfrm>
+            <a:off x="349416" y="1026916"/>
+            <a:ext cx="8360830" cy="3970318"/>
+          </a:xfrm>
+          <a:prstGeom prst="rect">
+            <a:avLst/>
+          </a:prstGeom>
+        </p:spPr>
+        <p:txBody>
+          <a:bodyPr wrap="square">
+            <a:spAutoFit/>
+          </a:bodyPr>
+          <a:lstStyle/>
+          <a:p>
+            <a:pPr algn="just"/>
+            <a:r>
+              <a:rPr lang="en-US" altLang="ko-KR" sz="2800" b="1" dirty="0" smtClean="0"/>
+              <a:t>RQ1</a:t>
+            </a:r>
+            <a:endParaRPr lang="en-US" altLang="ko-KR" sz="2400" dirty="0" smtClean="0">
+              <a:solidFill>
+                <a:schemeClr val="tx1">
+                  <a:lumMod val="75000"/>
+                  <a:lumOff val="25000"/>
+                </a:schemeClr>
+              </a:solidFill>
+              <a:latin typeface="Calibri" charset="0"/>
+              <a:ea typeface="Calibri" charset="0"/>
+              <a:cs typeface="Calibri" charset="0"/>
+            </a:endParaRPr>
+          </a:p>
+          <a:p>
+            <a:pPr marL="342900" indent="-342900" algn="just">
+              <a:buFontTx/>
+              <a:buChar char="-"/>
+            </a:pPr>
+            <a:r>
+              <a:rPr lang="en-US" altLang="ko-KR" sz="2400" dirty="0" smtClean="0">
+                <a:solidFill>
+                  <a:schemeClr val="tx1">
+                    <a:lumMod val="75000"/>
+                    <a:lumOff val="25000"/>
+                  </a:schemeClr>
+                </a:solidFill>
+                <a:latin typeface="Calibri" charset="0"/>
+                <a:ea typeface="Calibri" charset="0"/>
+                <a:cs typeface="Calibri" charset="0"/>
+              </a:rPr>
+              <a:t>Does prefetching itself provide an extra degree of defense?</a:t>
+            </a:r>
+          </a:p>
+          <a:p>
+            <a:pPr marL="342900" indent="-342900" algn="just">
+              <a:buFontTx/>
+              <a:buChar char="-"/>
+            </a:pPr>
+            <a:endParaRPr lang="en-US" altLang="ko-KR" sz="2400" dirty="0" smtClean="0">
+              <a:solidFill>
+                <a:schemeClr val="tx1">
+                  <a:lumMod val="75000"/>
+                  <a:lumOff val="25000"/>
+                </a:schemeClr>
+              </a:solidFill>
+              <a:latin typeface="Calibri" charset="0"/>
+              <a:ea typeface="Calibri" charset="0"/>
+              <a:cs typeface="Calibri" charset="0"/>
+            </a:endParaRPr>
+          </a:p>
+          <a:p>
+            <a:pPr algn="just"/>
+            <a:r>
+              <a:rPr lang="en-US" altLang="ko-KR" sz="2800" b="1" dirty="0" smtClean="0"/>
+              <a:t>RQ2</a:t>
+            </a:r>
+            <a:endParaRPr lang="en-US" altLang="ko-KR" sz="2400" dirty="0" smtClean="0">
+              <a:solidFill>
+                <a:schemeClr val="tx1">
+                  <a:lumMod val="75000"/>
+                  <a:lumOff val="25000"/>
+                </a:schemeClr>
+              </a:solidFill>
+              <a:latin typeface="Calibri" charset="0"/>
+              <a:ea typeface="Calibri" charset="0"/>
+              <a:cs typeface="Calibri" charset="0"/>
+            </a:endParaRPr>
+          </a:p>
+          <a:p>
+            <a:pPr marL="342900" indent="-342900" algn="just">
+              <a:buFontTx/>
+              <a:buChar char="-"/>
+            </a:pPr>
+            <a:r>
+              <a:rPr lang="en-US" altLang="ko-KR" sz="2400" dirty="0" smtClean="0">
+                <a:solidFill>
+                  <a:schemeClr val="tx1">
+                    <a:lumMod val="75000"/>
+                    <a:lumOff val="25000"/>
+                  </a:schemeClr>
+                </a:solidFill>
+                <a:latin typeface="Calibri" charset="0"/>
+                <a:ea typeface="Calibri" charset="0"/>
+                <a:cs typeface="Calibri" charset="0"/>
+              </a:rPr>
+              <a:t>Can a victim obfuscate eavesdropper by simply turning off prefetching in their browser?</a:t>
+            </a:r>
+          </a:p>
+          <a:p>
+            <a:pPr marL="342900" indent="-342900" algn="just">
+              <a:buFontTx/>
+              <a:buChar char="-"/>
+            </a:pPr>
+            <a:endParaRPr lang="en-US" altLang="ko-KR" sz="2400" dirty="0" smtClean="0">
+              <a:solidFill>
+                <a:schemeClr val="tx1">
+                  <a:lumMod val="75000"/>
+                  <a:lumOff val="25000"/>
+                </a:schemeClr>
+              </a:solidFill>
+              <a:latin typeface="Calibri" charset="0"/>
+              <a:ea typeface="Calibri" charset="0"/>
+              <a:cs typeface="Calibri" charset="0"/>
+            </a:endParaRPr>
+          </a:p>
+          <a:p>
+            <a:pPr algn="just"/>
+            <a:r>
+              <a:rPr lang="en-US" altLang="ko-KR" sz="2800" b="1" dirty="0" smtClean="0"/>
+              <a:t>RQ3</a:t>
+            </a:r>
+            <a:endParaRPr lang="en-US" altLang="ko-KR" sz="2400" dirty="0" smtClean="0">
+              <a:solidFill>
+                <a:schemeClr val="tx1">
+                  <a:lumMod val="75000"/>
+                  <a:lumOff val="25000"/>
+                </a:schemeClr>
+              </a:solidFill>
+              <a:latin typeface="Calibri" charset="0"/>
+              <a:ea typeface="Calibri" charset="0"/>
+              <a:cs typeface="Calibri" charset="0"/>
+            </a:endParaRPr>
+          </a:p>
+          <a:p>
+            <a:pPr marL="342900" indent="-342900" algn="just">
+              <a:buFontTx/>
+              <a:buChar char="-"/>
+            </a:pPr>
+            <a:r>
+              <a:rPr lang="en-US" altLang="ko-KR" sz="2400" dirty="0" smtClean="0">
+                <a:solidFill>
+                  <a:schemeClr val="tx1">
+                    <a:lumMod val="75000"/>
+                    <a:lumOff val="25000"/>
+                  </a:schemeClr>
+                </a:solidFill>
+                <a:latin typeface="Calibri" charset="0"/>
+                <a:ea typeface="Calibri" charset="0"/>
+                <a:cs typeface="Calibri" charset="0"/>
+              </a:rPr>
+              <a:t>Can prefetching be used as a browser-side defense mechanism?</a:t>
+            </a:r>
+          </a:p>
+          <a:p>
+            <a:pPr algn="just"/>
+            <a:endParaRPr lang="en-US" altLang="ko-KR" sz="2400" dirty="0">
+              <a:solidFill>
+                <a:schemeClr val="tx1">
+                  <a:lumMod val="75000"/>
+                  <a:lumOff val="25000"/>
+                </a:schemeClr>
+              </a:solidFill>
+              <a:latin typeface="Calibri" charset="0"/>
+              <a:ea typeface="Calibri" charset="0"/>
+              <a:cs typeface="Calibri" charset="0"/>
+            </a:endParaRPr>
+          </a:p>
+        </p:txBody>
+      </p:sp>
+      <p:sp>
+        <p:nvSpPr>
+          <p:cNvPr id="6" name="Title 1"/>
+          <p:cNvSpPr txBox="1">
+            <a:spLocks/>
+          </p:cNvSpPr>
+          <p:nvPr/>
+        </p:nvSpPr>
+        <p:spPr>
+          <a:xfrm>
+            <a:off x="409576" y="232031"/>
+            <a:ext cx="9479494" cy="734889"/>
+          </a:xfrm>
+          <a:prstGeom prst="rect">
+            <a:avLst/>
+          </a:prstGeom>
+        </p:spPr>
+        <p:txBody>
+          <a:bodyPr vert="horz" lIns="91440" tIns="45720" rIns="91440" bIns="45720" rtlCol="0" anchor="b">
+            <a:normAutofit/>
+          </a:bodyPr>
+          <a:lstStyle>
+            <a:lvl1pPr algn="l" defTabSz="914400" rtl="0" eaLnBrk="1" latinLnBrk="0" hangingPunct="1">
+              <a:lnSpc>
+                <a:spcPct val="85000"/>
+              </a:lnSpc>
+              <a:spcBef>
+                <a:spcPct val="0"/>
+              </a:spcBef>
+              <a:buNone/>
+              <a:defRPr sz="4800" kern="1200" spc="-50" baseline="0">
+                <a:solidFill>
+                  <a:schemeClr val="tx1">
+                    <a:lumMod val="75000"/>
+                    <a:lumOff val="25000"/>
+                  </a:schemeClr>
+                </a:solidFill>
+                <a:latin typeface="+mj-lt"/>
+                <a:ea typeface="+mj-ea"/>
+                <a:cs typeface="+mj-cs"/>
+              </a:defRPr>
+            </a:lvl1pPr>
+          </a:lstStyle>
+          <a:p>
+            <a:r>
+              <a:rPr lang="en-US" b="1" dirty="0" smtClean="0"/>
+              <a:t>Research Questions</a:t>
+            </a:r>
+            <a:endParaRPr lang="en-US" b="1" dirty="0"/>
+          </a:p>
+        </p:txBody>
+      </p:sp>
+      <p:sp>
+        <p:nvSpPr>
+          <p:cNvPr id="8" name="TextBox 7"/>
+          <p:cNvSpPr txBox="1"/>
+          <p:nvPr/>
+        </p:nvSpPr>
+        <p:spPr>
+          <a:xfrm>
+            <a:off x="2614246" y="1266092"/>
+            <a:ext cx="184731" cy="369332"/>
+          </a:xfrm>
+          <a:prstGeom prst="rect">
+            <a:avLst/>
+          </a:prstGeom>
+          <a:noFill/>
+        </p:spPr>
+        <p:txBody>
+          <a:bodyPr wrap="none" rtlCol="0">
+            <a:spAutoFit/>
+          </a:bodyPr>
+          <a:lstStyle/>
+          <a:p>
+            <a:endParaRPr lang="en-US" dirty="0"/>
+          </a:p>
+        </p:txBody>
+      </p:sp>
+    </p:spTree>
+    <p:extLst>
+      <p:ext uri="{BB962C8B-B14F-4D97-AF65-F5344CB8AC3E}">
+        <p14:creationId xmlns:p14="http://schemas.microsoft.com/office/powerpoint/2010/main" val="1631667967"/>
+      </p:ext>
+    </p:extLst>
+  </p:cSld>
+  <p:clrMapOvr>
+    <a:masterClrMapping/>
+  </p:clrMapOvr>
+  <p:timing>
+    <p:tnLst>
+      <p:par>
+        <p:cTn xmlns:p14="http://schemas.microsoft.com/office/powerpoint/2010/main" id="1" dur="indefinite" restart="never" nodeType="tmRoot"/>
       </p:par>
     </p:tnLst>
   </p:timing>
@@ -9188,7 +9311,7 @@
         <p:spPr>
           <a:xfrm>
             <a:off x="349416" y="1026916"/>
-            <a:ext cx="8360830" cy="523220"/>
+            <a:ext cx="8360830" cy="954107"/>
           </a:xfrm>
           <a:prstGeom prst="rect">
             <a:avLst/>
@@ -9203,9 +9326,22 @@
             <a:pPr algn="just"/>
             <a:r>
               <a:rPr lang="en-US" altLang="ko-KR" sz="2800" b="1" dirty="0" smtClean="0"/>
-              <a:t>How does it look like?</a:t>
-            </a:r>
-            <a:endParaRPr lang="en-US" altLang="ko-KR" sz="2800" b="1" dirty="0"/>
+              <a:t>RQ1</a:t>
+            </a:r>
+            <a:r>
+              <a:rPr lang="en-US" altLang="ko-KR" sz="2800" dirty="0" smtClean="0">
+                <a:solidFill>
+                  <a:schemeClr val="tx1">
+                    <a:lumMod val="75000"/>
+                    <a:lumOff val="25000"/>
+                  </a:schemeClr>
+                </a:solidFill>
+                <a:latin typeface="Calibri" charset="0"/>
+                <a:ea typeface="Calibri" charset="0"/>
+                <a:cs typeface="Calibri" charset="0"/>
+              </a:rPr>
+              <a:t>: Does prefetching itself provide an extra degree of defense?</a:t>
+            </a:r>
           </a:p>
         </p:txBody>
       </p:sp>
@@ -9255,7 +9391,7 @@
           <a:p>
             <a:r>
               <a:rPr lang="en-US" b="1" dirty="0" smtClean="0"/>
-              <a:t>Link Prefetching</a:t>
+              <a:t>Experiment</a:t>
             </a:r>
             <a:endParaRPr lang="en-US" b="1" dirty="0"/>
           </a:p>
@@ -9287,196 +9423,10 @@
           </a:p>
         </p:txBody>
       </p:sp>
-      <p:pic>
-        <p:nvPicPr>
-          <p:cNvPr id="9" name="Picture 8"/>
-          <p:cNvPicPr>
-            <a:picLocks noChangeAspect="1"/>
-          </p:cNvPicPr>
-          <p:nvPr/>
-        </p:nvPicPr>
-        <p:blipFill rotWithShape="1">
-          <a:blip r:embed="rId3"/>
-          <a:srcRect b="5826"/>
-          <a:stretch/>
-        </p:blipFill>
-        <p:spPr>
-          <a:xfrm>
-            <a:off x="349416" y="1561859"/>
-            <a:ext cx="8405997" cy="4358295"/>
-          </a:xfrm>
-          <a:prstGeom prst="rect">
-            <a:avLst/>
-          </a:prstGeom>
-        </p:spPr>
-      </p:pic>
-      <p:sp>
-        <p:nvSpPr>
-          <p:cNvPr id="12" name="Rectangle 11"/>
-          <p:cNvSpPr/>
-          <p:nvPr/>
-        </p:nvSpPr>
-        <p:spPr>
-          <a:xfrm>
-            <a:off x="7075539" y="1023975"/>
-            <a:ext cx="1548501" cy="646331"/>
-          </a:xfrm>
-          <a:prstGeom prst="rect">
-            <a:avLst/>
-          </a:prstGeom>
-        </p:spPr>
-        <p:txBody>
-          <a:bodyPr wrap="none">
-            <a:spAutoFit/>
-          </a:bodyPr>
-          <a:lstStyle/>
-          <a:p>
-            <a:r>
-              <a:rPr lang="en-US" dirty="0" smtClean="0">
-                <a:solidFill>
-                  <a:srgbClr val="C00000"/>
-                </a:solidFill>
-              </a:rPr>
-              <a:t>-- pre-fetch off</a:t>
-            </a:r>
-          </a:p>
-          <a:p>
-            <a:r>
-              <a:rPr lang="en-US" dirty="0" smtClean="0">
-                <a:solidFill>
-                  <a:srgbClr val="0070C0"/>
-                </a:solidFill>
-              </a:rPr>
-              <a:t>-- pre-fetch on</a:t>
-            </a:r>
-            <a:endParaRPr lang="en-US" dirty="0">
-              <a:solidFill>
-                <a:srgbClr val="0070C0"/>
-              </a:solidFill>
-            </a:endParaRPr>
-          </a:p>
-        </p:txBody>
-      </p:sp>
-      <p:sp>
-        <p:nvSpPr>
-          <p:cNvPr id="13" name="Rectangle 12"/>
-          <p:cNvSpPr/>
-          <p:nvPr/>
-        </p:nvSpPr>
-        <p:spPr>
-          <a:xfrm>
-            <a:off x="7884958" y="5779478"/>
-            <a:ext cx="1111202" cy="369332"/>
-          </a:xfrm>
-          <a:prstGeom prst="rect">
-            <a:avLst/>
-          </a:prstGeom>
-        </p:spPr>
-        <p:txBody>
-          <a:bodyPr wrap="none">
-            <a:spAutoFit/>
-          </a:bodyPr>
-          <a:lstStyle/>
-          <a:p>
-            <a:r>
-              <a:rPr lang="en-US" i="1" dirty="0"/>
-              <a:t>t</a:t>
-            </a:r>
-            <a:r>
-              <a:rPr lang="en-US" i="1" dirty="0" smtClean="0"/>
-              <a:t>ime (sec)</a:t>
-            </a:r>
-            <a:endParaRPr lang="en-US" i="1" dirty="0"/>
-          </a:p>
-        </p:txBody>
-      </p:sp>
-      <p:sp>
-        <p:nvSpPr>
-          <p:cNvPr id="14" name="Rectangle 13"/>
-          <p:cNvSpPr/>
-          <p:nvPr/>
-        </p:nvSpPr>
-        <p:spPr>
-          <a:xfrm>
-            <a:off x="96946" y="1714632"/>
-            <a:ext cx="1060996" cy="369332"/>
-          </a:xfrm>
-          <a:prstGeom prst="rect">
-            <a:avLst/>
-          </a:prstGeom>
-        </p:spPr>
-        <p:txBody>
-          <a:bodyPr wrap="none">
-            <a:spAutoFit/>
-          </a:bodyPr>
-          <a:lstStyle/>
-          <a:p>
-            <a:r>
-              <a:rPr lang="en-US" i="1" dirty="0" smtClean="0"/>
-              <a:t># packets</a:t>
-            </a:r>
-            <a:endParaRPr lang="en-US" i="1" dirty="0"/>
-          </a:p>
-        </p:txBody>
-      </p:sp>
-      <p:sp>
-        <p:nvSpPr>
-          <p:cNvPr id="15" name="Rectangle 14"/>
-          <p:cNvSpPr/>
-          <p:nvPr/>
-        </p:nvSpPr>
-        <p:spPr>
-          <a:xfrm>
-            <a:off x="0" y="5964144"/>
-            <a:ext cx="2957605" cy="369332"/>
-          </a:xfrm>
-          <a:prstGeom prst="rect">
-            <a:avLst/>
-          </a:prstGeom>
-        </p:spPr>
-        <p:txBody>
-          <a:bodyPr wrap="none">
-            <a:spAutoFit/>
-          </a:bodyPr>
-          <a:lstStyle/>
-          <a:p>
-            <a:r>
-              <a:rPr lang="en-US" i="1" dirty="0" smtClean="0">
-                <a:solidFill>
-                  <a:schemeClr val="tx1">
-                    <a:lumMod val="65000"/>
-                    <a:lumOff val="35000"/>
-                  </a:schemeClr>
-                </a:solidFill>
-              </a:rPr>
-              <a:t>Packets from </a:t>
-            </a:r>
-            <a:r>
-              <a:rPr lang="en-US" i="1" dirty="0" err="1" smtClean="0">
-                <a:solidFill>
-                  <a:schemeClr val="tx1">
-                    <a:lumMod val="65000"/>
-                    <a:lumOff val="35000"/>
-                  </a:schemeClr>
-                </a:solidFill>
-              </a:rPr>
-              <a:t>www.wired.com</a:t>
-            </a:r>
-            <a:endParaRPr lang="en-US" i="1" dirty="0">
-              <a:solidFill>
-                <a:schemeClr val="tx1">
-                  <a:lumMod val="65000"/>
-                  <a:lumOff val="35000"/>
-                </a:schemeClr>
-              </a:solidFill>
-            </a:endParaRPr>
-          </a:p>
-        </p:txBody>
-      </p:sp>
     </p:spTree>
     <p:extLst>
       <p:ext uri="{BB962C8B-B14F-4D97-AF65-F5344CB8AC3E}">
-        <p14:creationId xmlns:p14="http://schemas.microsoft.com/office/powerpoint/2010/main" val="446832417"/>
+        <p14:creationId xmlns:p14="http://schemas.microsoft.com/office/powerpoint/2010/main" val="152326244"/>
       </p:ext>
     </p:extLst>
   </p:cSld>
@@ -9486,7 +9436,7 @@
   <p:timing>
     <p:tnLst>
       <p:par>
-        <p:cTn id="1" dur="indefinite" restart="never" nodeType="tmRoot"/>
+        <p:cTn xmlns:p14="http://schemas.microsoft.com/office/powerpoint/2010/main" id="1" dur="indefinite" restart="never" nodeType="tmRoot"/>
       </p:par>
     </p:tnLst>
   </p:timing>
@@ -9547,7 +9497,7 @@
         <p:spPr>
           <a:xfrm>
             <a:off x="349416" y="1026916"/>
-            <a:ext cx="8360830" cy="3970318"/>
+            <a:ext cx="8360830" cy="892552"/>
           </a:xfrm>
           <a:prstGeom prst="rect">
             <a:avLst/>
@@ -9562,80 +9512,8 @@
             <a:pPr algn="just"/>
             <a:r>
               <a:rPr lang="en-US" altLang="ko-KR" sz="2800" b="1" dirty="0" smtClean="0"/>
-              <a:t>RQ1</a:t>
-            </a:r>
-            <a:endParaRPr lang="en-US" altLang="ko-KR" sz="2400" dirty="0" smtClean="0">
-              <a:solidFill>
-                <a:schemeClr val="tx1">
-                  <a:lumMod val="75000"/>
-                  <a:lumOff val="25000"/>
-                </a:schemeClr>
-              </a:solidFill>
-              <a:latin typeface="Calibri" charset="0"/>
-              <a:ea typeface="Calibri" charset="0"/>
-              <a:cs typeface="Calibri" charset="0"/>
-            </a:endParaRPr>
-          </a:p>
-          <a:p>
-            <a:pPr marL="342900" indent="-342900" algn="just">
-              <a:buFontTx/>
-              <a:buChar char="-"/>
-            </a:pPr>
-            <a:r>
-              <a:rPr lang="en-US" altLang="ko-KR" sz="2400" dirty="0" smtClean="0">
-                <a:solidFill>
-                  <a:schemeClr val="tx1">
-                    <a:lumMod val="75000"/>
-                    <a:lumOff val="25000"/>
-                  </a:schemeClr>
-                </a:solidFill>
-                <a:latin typeface="Calibri" charset="0"/>
-                <a:ea typeface="Calibri" charset="0"/>
-                <a:cs typeface="Calibri" charset="0"/>
-              </a:rPr>
-              <a:t>Does prefetching itself provide an extra degree of defense?</a:t>
-            </a:r>
-          </a:p>
-          <a:p>
-            <a:pPr marL="342900" indent="-342900" algn="just">
-              <a:buFontTx/>
-              <a:buChar char="-"/>
-            </a:pPr>
-            <a:endParaRPr lang="en-US" altLang="ko-KR" sz="2400" dirty="0" smtClean="0">
-              <a:solidFill>
-                <a:schemeClr val="tx1">
-                  <a:lumMod val="75000"/>
-                  <a:lumOff val="25000"/>
-                </a:schemeClr>
-              </a:solidFill>
-              <a:latin typeface="Calibri" charset="0"/>
-              <a:ea typeface="Calibri" charset="0"/>
-              <a:cs typeface="Calibri" charset="0"/>
-            </a:endParaRPr>
-          </a:p>
-          <a:p>
-            <a:pPr algn="just"/>
-            <a:r>
-              <a:rPr lang="en-US" altLang="ko-KR" sz="2800" b="1" dirty="0" smtClean="0"/>
-              <a:t>RQ2</a:t>
-            </a:r>
-            <a:endParaRPr lang="en-US" altLang="ko-KR" sz="2400" dirty="0" smtClean="0">
-              <a:solidFill>
-                <a:schemeClr val="tx1">
-                  <a:lumMod val="75000"/>
-                  <a:lumOff val="25000"/>
-                </a:schemeClr>
-              </a:solidFill>
-              <a:latin typeface="Calibri" charset="0"/>
-              <a:ea typeface="Calibri" charset="0"/>
-              <a:cs typeface="Calibri" charset="0"/>
-            </a:endParaRPr>
-          </a:p>
-          <a:p>
-            <a:pPr marL="342900" indent="-342900" algn="just">
-              <a:buFontTx/>
-              <a:buChar char="-"/>
-            </a:pPr>
+              <a:t>RQ2: </a:t>
+            </a:r>
             <a:r>
               <a:rPr lang="en-US" altLang="ko-KR" sz="2400" dirty="0" smtClean="0">
                 <a:solidFill>
@@ -9650,75 +9528,6 @@
               </a:rPr>
               <a:t>Can a victim obfuscate eavesdropper by simply turning off prefetching in their browser?</a:t>
             </a:r>
-          </a:p>
-          <a:p>
-            <a:pPr marL="342900" indent="-342900" algn="just">
-              <a:buFontTx/>
-              <a:buChar char="-"/>
-            </a:pPr>
-            <a:endParaRPr lang="en-US" altLang="ko-KR" sz="2400" dirty="0" smtClean="0">
-              <a:solidFill>
-                <a:schemeClr val="tx1">
-                  <a:lumMod val="75000"/>
-                  <a:lumOff val="25000"/>
-                </a:schemeClr>
-              </a:solidFill>
-              <a:latin typeface="Calibri" charset="0"/>
-              <a:ea typeface="Calibri" charset="0"/>
-              <a:cs typeface="Calibri" charset="0"/>
-            </a:endParaRPr>
-          </a:p>
-          <a:p>
-            <a:pPr algn="just"/>
-            <a:r>
-              <a:rPr lang="en-US" altLang="ko-KR" sz="2800" b="1" dirty="0" smtClean="0"/>
-              <a:t>RQ3</a:t>
-            </a:r>
-            <a:endParaRPr lang="en-US" altLang="ko-KR" sz="2400" dirty="0" smtClean="0">
-              <a:solidFill>
-                <a:schemeClr val="tx1">
-                  <a:lumMod val="75000"/>
-                  <a:lumOff val="25000"/>
-                </a:schemeClr>
-              </a:solidFill>
-              <a:latin typeface="Calibri" charset="0"/>
-              <a:ea typeface="Calibri" charset="0"/>
-              <a:cs typeface="Calibri" charset="0"/>
-            </a:endParaRPr>
-          </a:p>
-          <a:p>
-            <a:pPr marL="342900" indent="-342900" algn="just">
-              <a:buFontTx/>
-              <a:buChar char="-"/>
-            </a:pPr>
-            <a:r>
-              <a:rPr lang="en-US" altLang="ko-KR" sz="2400" dirty="0" smtClean="0">
-                <a:solidFill>
-                  <a:schemeClr val="tx1">
-                    <a:lumMod val="75000"/>
-                    <a:lumOff val="25000"/>
-                  </a:schemeClr>
-                </a:solidFill>
-                <a:latin typeface="Calibri" charset="0"/>
-                <a:ea typeface="Calibri" charset="0"/>
-                <a:cs typeface="Calibri" charset="0"/>
-              </a:rPr>
-              <a:t>Can prefetching be used as a browser-side defense mechanism?</a:t>
-            </a:r>
-          </a:p>
-          <a:p>
-            <a:pPr algn="just"/>
-            <a:endParaRPr lang="en-US" altLang="ko-KR" sz="2400" dirty="0">
-              <a:solidFill>
-                <a:schemeClr val="tx1">
-                  <a:lumMod val="75000"/>
-                  <a:lumOff val="25000"/>
-                </a:schemeClr>
-              </a:solidFill>
-              <a:latin typeface="Calibri" charset="0"/>
-              <a:ea typeface="Calibri" charset="0"/>
-              <a:cs typeface="Calibri" charset="0"/>
-            </a:endParaRPr>
           </a:p>
         </p:txBody>
       </p:sp>
@@ -9768,7 +9577,7 @@
           <a:p>
             <a:r>
               <a:rPr lang="en-US" b="1" dirty="0" smtClean="0"/>
-              <a:t>Research Questions</a:t>
+              <a:t>Experiment</a:t>
             </a:r>
             <a:endParaRPr lang="en-US" b="1" dirty="0"/>
           </a:p>
@@ -9803,7 +9612,7 @@
     </p:spTree>
     <p:extLst>
       <p:ext uri="{BB962C8B-B14F-4D97-AF65-F5344CB8AC3E}">
-        <p14:creationId xmlns:p14="http://schemas.microsoft.com/office/powerpoint/2010/main" val="1631667967"/>
+        <p14:creationId xmlns:p14="http://schemas.microsoft.com/office/powerpoint/2010/main" val="530846660"/>
       </p:ext>
     </p:extLst>
   </p:cSld>
@@ -9813,7 +9622,7 @@
   <p:timing>
     <p:tnLst>
       <p:par>
-        <p:cTn id="1" dur="indefinite" restart="never" nodeType="tmRoot"/>
+        <p:cTn xmlns:p14="http://schemas.microsoft.com/office/powerpoint/2010/main" id="1" dur="indefinite" restart="never" nodeType="tmRoot"/>
       </p:par>
     </p:tnLst>
   </p:timing>
@@ -9874,7 +9683,7 @@
         <p:spPr>
           <a:xfrm>
             <a:off x="349416" y="1026916"/>
-            <a:ext cx="8360830" cy="954107"/>
+            <a:ext cx="8360830" cy="1261884"/>
           </a:xfrm>
           <a:prstGeom prst="rect">
             <a:avLst/>
@@ -9889,10 +9698,10 @@
             <a:pPr algn="just"/>
             <a:r>
               <a:rPr lang="en-US" altLang="ko-KR" sz="2800" b="1" dirty="0" smtClean="0"/>
-              <a:t>RQ1</a:t>
-            </a:r>
-            <a:r>
-              <a:rPr lang="en-US" altLang="ko-KR" sz="2800" dirty="0" smtClean="0">
+              <a:t>RQ3:</a:t>
+            </a:r>
+            <a:r>
+              <a:rPr lang="en-US" altLang="ko-KR" sz="2400" dirty="0" smtClean="0">
                 <a:solidFill>
                   <a:schemeClr val="tx1">
                     <a:lumMod val="75000"/>
@@ -9903,8 +9712,22 @@
                 <a:ea typeface="Calibri" charset="0"/>
                 <a:cs typeface="Calibri" charset="0"/>
               </a:rPr>
-              <a:t>: Does prefetching itself provide an extra degree of defense?</a:t>
-            </a:r>
+              <a:t> Can prefetching be used as a browser-side defense mechanism?</a:t>
+            </a:r>
+          </a:p>
+          <a:p>
+            <a:pPr algn="just"/>
+            <a:endParaRPr lang="en-US" altLang="ko-KR" sz="2400" dirty="0">
+              <a:solidFill>
+                <a:schemeClr val="tx1">
+                  <a:lumMod val="75000"/>
+                  <a:lumOff val="25000"/>
+                </a:schemeClr>
+              </a:solidFill>
+              <a:latin typeface="Calibri" charset="0"/>
+              <a:ea typeface="Calibri" charset="0"/>
+              <a:cs typeface="Calibri" charset="0"/>
+            </a:endParaRPr>
           </a:p>
         </p:txBody>
       </p:sp>
@@ -9989,7 +9812,7 @@
     </p:spTree>
     <p:extLst>
       <p:ext uri="{BB962C8B-B14F-4D97-AF65-F5344CB8AC3E}">
-        <p14:creationId xmlns:p14="http://schemas.microsoft.com/office/powerpoint/2010/main" val="152326244"/>
+        <p14:creationId xmlns:p14="http://schemas.microsoft.com/office/powerpoint/2010/main" val="1374652450"/>
       </p:ext>
     </p:extLst>
   </p:cSld>
@@ -9999,7 +9822,7 @@
   <p:timing>
     <p:tnLst>
       <p:par>
-        <p:cTn id="1" dur="indefinite" restart="never" nodeType="tmRoot"/>
+        <p:cTn xmlns:p14="http://schemas.microsoft.com/office/powerpoint/2010/main" id="1" dur="indefinite" restart="never" nodeType="tmRoot"/>
       </p:par>
     </p:tnLst>
   </p:timing>
@@ -10025,6 +9848,46 @@
       </p:grpSpPr>
       <p:sp>
         <p:nvSpPr>
+          <p:cNvPr id="9" name="Rectangle 8"/>
+          <p:cNvSpPr/>
+          <p:nvPr/>
+        </p:nvSpPr>
+        <p:spPr>
+          <a:xfrm>
+            <a:off x="319925" y="966920"/>
+            <a:ext cx="8331015" cy="769441"/>
+          </a:xfrm>
+          <a:prstGeom prst="rect">
+            <a:avLst/>
+          </a:prstGeom>
+        </p:spPr>
+        <p:txBody>
+          <a:bodyPr wrap="square">
+            <a:spAutoFit/>
+          </a:bodyPr>
+          <a:lstStyle/>
+          <a:p>
+            <a:pPr lvl="0" algn="just" latinLnBrk="1"/>
+            <a:r>
+              <a:rPr lang="en-US" sz="2400" b="1" dirty="0" smtClean="0"/>
+              <a:t>For</a:t>
+            </a:r>
+          </a:p>
+          <a:p>
+            <a:pPr marL="342900" lvl="0" indent="-342900" algn="just" latinLnBrk="1">
+              <a:buFont typeface="Arial" panose="020B0604020202020204" pitchFamily="34" charset="0"/>
+              <a:buChar char="•"/>
+            </a:pPr>
+            <a:r>
+              <a:rPr lang="en-US" sz="2000" dirty="0" smtClean="0"/>
+              <a:t>document</a:t>
+            </a:r>
+            <a:endParaRPr lang="en-US" sz="2000" dirty="0"/>
+          </a:p>
+        </p:txBody>
+      </p:sp>
+      <p:sp>
+        <p:nvSpPr>
           <p:cNvPr id="3" name="Slide Number Placeholder 2"/>
           <p:cNvSpPr>
             <a:spLocks noGrp="1"/>
@@ -10053,50 +9916,7 @@
       </p:sp>
       <p:sp>
         <p:nvSpPr>
-          <p:cNvPr id="4" name="Rectangle 3"/>
-          <p:cNvSpPr/>
-          <p:nvPr/>
-        </p:nvSpPr>
-        <p:spPr>
-          <a:xfrm>
-            <a:off x="349416" y="1026916"/>
-            <a:ext cx="8360830" cy="892552"/>
-          </a:xfrm>
-          <a:prstGeom prst="rect">
-            <a:avLst/>
-          </a:prstGeom>
-        </p:spPr>
-        <p:txBody>
-          <a:bodyPr wrap="square">
-            <a:spAutoFit/>
-          </a:bodyPr>
-          <a:lstStyle/>
-          <a:p>
-            <a:pPr algn="just"/>
-            <a:r>
-              <a:rPr lang="en-US" altLang="ko-KR" sz="2800" b="1" dirty="0" smtClean="0"/>
-              <a:t>RQ2: </a:t>
-            </a:r>
-            <a:r>
-              <a:rPr lang="en-US" altLang="ko-KR" sz="2400" dirty="0" smtClean="0">
-                <a:solidFill>
-                  <a:schemeClr val="tx1">
-                    <a:lumMod val="75000"/>
-                    <a:lumOff val="25000"/>
-                  </a:schemeClr>
-                </a:solidFill>
-                <a:latin typeface="Calibri" charset="0"/>
-                <a:ea typeface="Calibri" charset="0"/>
-                <a:cs typeface="Calibri" charset="0"/>
-              </a:rPr>
-              <a:t>Can a victim obfuscate eavesdropper by simply turning off prefetching in their browser?</a:t>
-            </a:r>
-          </a:p>
-        </p:txBody>
-      </p:sp>
-      <p:sp>
-        <p:nvSpPr>
-          <p:cNvPr id="6" name="Title 1"/>
+          <p:cNvPr id="8" name="Title 1"/>
           <p:cNvSpPr txBox="1">
             <a:spLocks/>
           </p:cNvSpPr>
@@ -10105,7 +9925,7 @@
         <p:spPr>
           <a:xfrm>
             <a:off x="409576" y="232031"/>
-            <a:ext cx="9479494" cy="734889"/>
+            <a:ext cx="8626848" cy="734889"/>
           </a:xfrm>
           <a:prstGeom prst="rect">
             <a:avLst/>
@@ -10140,42 +9960,16 @@
           <a:p>
             <a:r>
               <a:rPr lang="en-US" b="1" dirty="0" smtClean="0"/>
-              <a:t>Experiment</a:t>
+              <a:t>Ongoing Works</a:t>
             </a:r>
             <a:endParaRPr lang="en-US" b="1" dirty="0"/>
-          </a:p>
-        </p:txBody>
-      </p:sp>
-      <p:sp>
-        <p:nvSpPr>
-          <p:cNvPr id="8" name="TextBox 7"/>
-          <p:cNvSpPr txBox="1"/>
-          <p:nvPr/>
-        </p:nvSpPr>
-        <p:spPr>
-          <a:xfrm>
-            <a:off x="2614246" y="1266092"/>
-            <a:ext cx="184731" cy="369332"/>
-          </a:xfrm>
-          <a:prstGeom prst="rect">
-            <a:avLst/>
-          </a:prstGeom>
-          <a:noFill/>
-        </p:spPr>
-        <p:txBody>
-          <a:bodyPr wrap="none" rtlCol="0">
-            <a:spAutoFit/>
-          </a:bodyPr>
-          <a:lstStyle/>
-          <a:p>
-            <a:endParaRPr lang="en-US" dirty="0"/>
           </a:p>
         </p:txBody>
       </p:sp>
     </p:spTree>
     <p:extLst>
       <p:ext uri="{BB962C8B-B14F-4D97-AF65-F5344CB8AC3E}">
-        <p14:creationId xmlns:p14="http://schemas.microsoft.com/office/powerpoint/2010/main" val="530846660"/>
+        <p14:creationId xmlns:p14="http://schemas.microsoft.com/office/powerpoint/2010/main" val="1482431112"/>
       </p:ext>
     </p:extLst>
   </p:cSld>
@@ -10185,7 +9979,7 @@
   <p:timing>
     <p:tnLst>
       <p:par>
-        <p:cTn id="1" dur="indefinite" restart="never" nodeType="tmRoot"/>
+        <p:cTn xmlns:p14="http://schemas.microsoft.com/office/powerpoint/2010/main" id="1" dur="indefinite" restart="never" nodeType="tmRoot"/>
       </p:par>
     </p:tnLst>
   </p:timing>
@@ -10211,184 +10005,56 @@
       </p:grpSpPr>
       <p:sp>
         <p:nvSpPr>
-          <p:cNvPr id="3" name="Slide Number Placeholder 2"/>
+          <p:cNvPr id="2" name="Title 1"/>
           <p:cNvSpPr>
             <a:spLocks noGrp="1"/>
           </p:cNvSpPr>
           <p:nvPr>
-            <p:ph type="sldNum" sz="quarter" idx="4294967295"/>
+            <p:ph type="title"/>
           </p:nvPr>
         </p:nvSpPr>
-        <p:spPr>
-          <a:xfrm>
-            <a:off x="-237705" y="6459786"/>
-            <a:ext cx="984019" cy="365125"/>
-          </a:xfrm>
-        </p:spPr>
+        <p:spPr/>
         <p:txBody>
           <a:bodyPr/>
           <a:lstStyle/>
           <a:p>
-            <a:fld id="{629637A9-119A-49DA-BD12-AAC58B377D80}" type="slidenum">
-              <a:rPr lang="en-US" smtClean="0"/>
-              <a:t>18</a:t>
-            </a:fld>
+            <a:r>
+              <a:rPr lang="en-US" dirty="0" smtClean="0"/>
+              <a:t>References</a:t>
+            </a:r>
             <a:endParaRPr lang="en-US" dirty="0"/>
           </a:p>
         </p:txBody>
       </p:sp>
       <p:sp>
         <p:nvSpPr>
-          <p:cNvPr id="4" name="Rectangle 3"/>
-          <p:cNvSpPr/>
-          <p:nvPr/>
-        </p:nvSpPr>
-        <p:spPr>
-          <a:xfrm>
-            <a:off x="349416" y="1026916"/>
-            <a:ext cx="8360830" cy="1261884"/>
-          </a:xfrm>
-          <a:prstGeom prst="rect">
-            <a:avLst/>
-          </a:prstGeom>
-        </p:spPr>
-        <p:txBody>
-          <a:bodyPr wrap="square">
-            <a:spAutoFit/>
-          </a:bodyPr>
-          <a:lstStyle/>
-          <a:p>
-            <a:pPr algn="just"/>
-            <a:r>
-              <a:rPr lang="en-US" altLang="ko-KR" sz="2800" b="1" dirty="0" smtClean="0"/>
-              <a:t>RQ3:</a:t>
-            </a:r>
-            <a:r>
-              <a:rPr lang="en-US" altLang="ko-KR" sz="2400" dirty="0" smtClean="0">
-                <a:solidFill>
-                  <a:schemeClr val="tx1">
-                    <a:lumMod val="75000"/>
-                    <a:lumOff val="25000"/>
-                  </a:schemeClr>
-                </a:solidFill>
-                <a:latin typeface="Calibri" charset="0"/>
-                <a:ea typeface="Calibri" charset="0"/>
-                <a:cs typeface="Calibri" charset="0"/>
-              </a:rPr>
-              <a:t> Can prefetching be used as a browser-side defense mechanism?</a:t>
-            </a:r>
-          </a:p>
-          <a:p>
-            <a:pPr algn="just"/>
-            <a:endParaRPr lang="en-US" altLang="ko-KR" sz="2400" dirty="0">
-              <a:solidFill>
-                <a:schemeClr val="tx1">
-                  <a:lumMod val="75000"/>
-                  <a:lumOff val="25000"/>
-                </a:schemeClr>
-              </a:solidFill>
-              <a:latin typeface="Calibri" charset="0"/>
-              <a:ea typeface="Calibri" charset="0"/>
-              <a:cs typeface="Calibri" charset="0"/>
-            </a:endParaRPr>
-          </a:p>
-        </p:txBody>
-      </p:sp>
-      <p:sp>
-        <p:nvSpPr>
-          <p:cNvPr id="6" name="Title 1"/>
-          <p:cNvSpPr txBox="1">
-            <a:spLocks/>
+          <p:cNvPr id="3" name="Content Placeholder 2"/>
+          <p:cNvSpPr>
+            <a:spLocks noGrp="1"/>
           </p:cNvSpPr>
-          <p:nvPr/>
-        </p:nvSpPr>
-        <p:spPr>
-          <a:xfrm>
-            <a:off x="409576" y="232031"/>
-            <a:ext cx="9479494" cy="734889"/>
-          </a:xfrm>
-          <a:prstGeom prst="rect">
-            <a:avLst/>
-          </a:prstGeom>
-        </p:spPr>
-        <p:txBody>
-          <a:bodyPr vert="horz" lIns="91440" tIns="45720" rIns="91440" bIns="45720" rtlCol="0" anchor="b">
-            <a:normAutofit/>
-          </a:bodyPr>
-          <a:lstStyle>
-            <a:lvl1pPr algn="l" defTabSz="914400" rtl="0" eaLnBrk="1" latinLnBrk="0" hangingPunct="1">
-              <a:lnSpc>
-                <a:spcPct val="85000"/>
-              </a:lnSpc>
-              <a:spcBef>
-                <a:spcPct val="0"/>
-              </a:spcBef>
-              <a:buNone/>
-              <a:defRPr sz="4800" kern="1200" spc="-50" baseline="0">
-                <a:solidFill>
-                  <a:schemeClr val="tx1">
-                    <a:lumMod val="75000"/>
-                    <a:lumOff val="25000"/>
-                  </a:schemeClr>
-                </a:solidFill>
-                <a:latin typeface="+mj-lt"/>
-                <a:ea typeface="+mj-ea"/>
-                <a:cs typeface="+mj-cs"/>
-              </a:defRPr>
-            </a:lvl1pPr>
-          </a:lstStyle>
-          <a:p>
-            <a:r>
-              <a:rPr lang="en-US" b="1" dirty="0" smtClean="0"/>
-              <a:t>Experiment</a:t>
-            </a:r>
-            <a:endParaRPr lang="en-US" b="1" dirty="0"/>
-          </a:p>
-        </p:txBody>
-      </p:sp>
-      <p:sp>
-        <p:nvSpPr>
-          <p:cNvPr id="8" name="TextBox 7"/>
-          <p:cNvSpPr txBox="1"/>
-          <p:nvPr/>
-        </p:nvSpPr>
-        <p:spPr>
-          <a:xfrm>
-            <a:off x="2614246" y="1266092"/>
-            <a:ext cx="184731" cy="369332"/>
-          </a:xfrm>
-          <a:prstGeom prst="rect">
-            <a:avLst/>
-          </a:prstGeom>
-          <a:noFill/>
-        </p:spPr>
-        <p:txBody>
-          <a:bodyPr wrap="none" rtlCol="0">
-            <a:spAutoFit/>
-          </a:bodyPr>
-          <a:lstStyle/>
-          <a:p>
-            <a:endParaRPr lang="en-US" dirty="0"/>
+          <p:nvPr>
+            <p:ph idx="1"/>
+          </p:nvPr>
+        </p:nvSpPr>
+        <p:spPr/>
+        <p:txBody>
+          <a:bodyPr/>
+          <a:lstStyle/>
+          <a:p>
+            <a:endParaRPr lang="en-US"/>
           </a:p>
         </p:txBody>
       </p:sp>
     </p:spTree>
     <p:extLst>
       <p:ext uri="{BB962C8B-B14F-4D97-AF65-F5344CB8AC3E}">
-        <p14:creationId xmlns:p14="http://schemas.microsoft.com/office/powerpoint/2010/main" val="1374652450"/>
+        <p14:creationId xmlns:p14="http://schemas.microsoft.com/office/powerpoint/2010/main" val="1767335562"/>
       </p:ext>
     </p:extLst>
   </p:cSld>
   <p:clrMapOvr>
     <a:masterClrMapping/>
   </p:clrMapOvr>
-  <p:timing>
-    <p:tnLst>
-      <p:par>
-        <p:cTn id="1" dur="indefinite" restart="never" nodeType="tmRoot"/>
-      </p:par>
-    </p:tnLst>
-  </p:timing>
 </p:sld>
 </file>
 
@@ -10411,128 +10077,132 @@
       </p:grpSpPr>
       <p:sp>
         <p:nvSpPr>
-          <p:cNvPr id="9" name="Rectangle 8"/>
-          <p:cNvSpPr/>
-          <p:nvPr/>
-        </p:nvSpPr>
-        <p:spPr>
-          <a:xfrm>
-            <a:off x="319925" y="966920"/>
-            <a:ext cx="8331015" cy="769441"/>
-          </a:xfrm>
-          <a:prstGeom prst="rect">
-            <a:avLst/>
-          </a:prstGeom>
-        </p:spPr>
-        <p:txBody>
-          <a:bodyPr wrap="square">
-            <a:spAutoFit/>
-          </a:bodyPr>
-          <a:lstStyle/>
-          <a:p>
-            <a:pPr lvl="0" algn="just" latinLnBrk="1"/>
-            <a:r>
-              <a:rPr lang="en-US" sz="2400" b="1" dirty="0" smtClean="0"/>
-              <a:t>For</a:t>
-            </a:r>
-          </a:p>
-          <a:p>
-            <a:pPr marL="342900" lvl="0" indent="-342900" algn="just" latinLnBrk="1">
-              <a:buFont typeface="Arial" panose="020B0604020202020204" pitchFamily="34" charset="0"/>
-              <a:buChar char="•"/>
-            </a:pPr>
-            <a:r>
-              <a:rPr lang="en-US" sz="2000" dirty="0" smtClean="0"/>
-              <a:t>document</a:t>
-            </a:r>
-            <a:endParaRPr lang="en-US" sz="2000" dirty="0"/>
-          </a:p>
-        </p:txBody>
-      </p:sp>
-      <p:sp>
-        <p:nvSpPr>
-          <p:cNvPr id="3" name="Slide Number Placeholder 2"/>
+          <p:cNvPr id="2" name="Title 1"/>
           <p:cNvSpPr>
             <a:spLocks noGrp="1"/>
           </p:cNvSpPr>
           <p:nvPr>
-            <p:ph type="sldNum" sz="quarter" idx="4294967295"/>
+            <p:ph type="title"/>
           </p:nvPr>
         </p:nvSpPr>
-        <p:spPr>
-          <a:xfrm>
-            <a:off x="-237705" y="6459786"/>
-            <a:ext cx="984019" cy="365125"/>
-          </a:xfrm>
-        </p:spPr>
+        <p:spPr/>
         <p:txBody>
           <a:bodyPr/>
           <a:lstStyle/>
           <a:p>
-            <a:fld id="{629637A9-119A-49DA-BD12-AAC58B377D80}" type="slidenum">
-              <a:rPr lang="en-US" smtClean="0"/>
-              <a:t>19</a:t>
-            </a:fld>
-            <a:endParaRPr lang="en-US" dirty="0"/>
-          </a:p>
-        </p:txBody>
-      </p:sp>
-      <p:sp>
-        <p:nvSpPr>
-          <p:cNvPr id="8" name="Title 1"/>
-          <p:cNvSpPr txBox="1">
-            <a:spLocks/>
+            <a:endParaRPr lang="en-US"/>
+          </a:p>
+        </p:txBody>
+      </p:sp>
+      <p:sp>
+        <p:nvSpPr>
+          <p:cNvPr id="3" name="Content Placeholder 2"/>
+          <p:cNvSpPr>
+            <a:spLocks noGrp="1"/>
           </p:cNvSpPr>
+          <p:nvPr>
+            <p:ph idx="1"/>
+          </p:nvPr>
+        </p:nvSpPr>
+        <p:spPr/>
+        <p:txBody>
+          <a:bodyPr/>
+          <a:lstStyle/>
+          <a:p>
+            <a:endParaRPr lang="en-US"/>
+          </a:p>
+        </p:txBody>
+      </p:sp>
+      <p:sp>
+        <p:nvSpPr>
+          <p:cNvPr id="4" name="Rectangle 3"/>
+          <p:cNvSpPr/>
           <p:nvPr/>
         </p:nvSpPr>
         <p:spPr>
           <a:xfrm>
-            <a:off x="409576" y="232031"/>
-            <a:ext cx="8626848" cy="734889"/>
+            <a:off x="0" y="0"/>
+            <a:ext cx="9144000" cy="6858000"/>
           </a:xfrm>
           <a:prstGeom prst="rect">
             <a:avLst/>
           </a:prstGeom>
-        </p:spPr>
-        <p:txBody>
-          <a:bodyPr vert="horz" lIns="91440" tIns="45720" rIns="91440" bIns="45720" rtlCol="0" anchor="b">
-            <a:normAutofit/>
+          <a:solidFill>
+            <a:schemeClr val="tx1"/>
+          </a:solidFill>
+          <a:ln>
+            <a:solidFill>
+              <a:schemeClr val="tx1"/>
+            </a:solidFill>
+          </a:ln>
+        </p:spPr>
+        <p:style>
+          <a:lnRef idx="2">
+            <a:schemeClr val="accent1">
+              <a:shade val="50000"/>
+            </a:schemeClr>
+          </a:lnRef>
+          <a:fillRef idx="1">
+            <a:schemeClr val="accent1"/>
+          </a:fillRef>
+          <a:effectRef idx="0">
+            <a:schemeClr val="accent1"/>
+          </a:effectRef>
+          <a:fontRef idx="minor">
+            <a:schemeClr val="lt1"/>
+          </a:fontRef>
+        </p:style>
+        <p:txBody>
+          <a:bodyPr rtlCol="0" anchor="ctr"/>
+          <a:lstStyle/>
+          <a:p>
+            <a:pPr algn="ctr"/>
+            <a:endParaRPr lang="en-US"/>
+          </a:p>
+        </p:txBody>
+      </p:sp>
+      <p:sp>
+        <p:nvSpPr>
+          <p:cNvPr id="5" name="TextBox 4"/>
+          <p:cNvSpPr txBox="1"/>
+          <p:nvPr/>
+        </p:nvSpPr>
+        <p:spPr>
+          <a:xfrm>
+            <a:off x="2854412" y="2798234"/>
+            <a:ext cx="3855308" cy="923330"/>
+          </a:xfrm>
+          <a:prstGeom prst="rect">
+            <a:avLst/>
+          </a:prstGeom>
+          <a:noFill/>
+        </p:spPr>
+        <p:txBody>
+          <a:bodyPr wrap="square" rtlCol="0">
+            <a:spAutoFit/>
           </a:bodyPr>
-          <a:lstStyle>
-            <a:lvl1pPr algn="l" defTabSz="914400" rtl="0" eaLnBrk="1" latinLnBrk="0" hangingPunct="1">
-              <a:lnSpc>
-                <a:spcPct val="85000"/>
-              </a:lnSpc>
-              <a:spcBef>
-                <a:spcPct val="0"/>
-              </a:spcBef>
-              <a:buNone/>
-              <a:defRPr sz="4800" kern="1200" spc="-50" baseline="0">
-                <a:solidFill>
-                  <a:schemeClr val="tx1">
-                    <a:lumMod val="75000"/>
-                    <a:lumOff val="25000"/>
-                  </a:schemeClr>
-                </a:solidFill>
-                <a:latin typeface="+mj-lt"/>
-                <a:ea typeface="+mj-ea"/>
-                <a:cs typeface="+mj-cs"/>
-              </a:defRPr>
-            </a:lvl1pPr>
-          </a:lstStyle>
-          <a:p>
-            <a:r>
-              <a:rPr lang="en-US" b="1" dirty="0" smtClean="0"/>
-              <a:t>Ongoing Works</a:t>
-            </a:r>
-            <a:endParaRPr lang="en-US" b="1" dirty="0"/>
+          <a:lstStyle/>
+          <a:p>
+            <a:r>
+              <a:rPr lang="en-US" sz="5400" b="1" dirty="0" smtClean="0">
+                <a:solidFill>
+                  <a:schemeClr val="bg1"/>
+                </a:solidFill>
+              </a:rPr>
+              <a:t>THANK YOU</a:t>
+            </a:r>
+            <a:endParaRPr lang="en-US" sz="5400" b="1" dirty="0">
+              <a:solidFill>
+                <a:schemeClr val="bg1"/>
+              </a:solidFill>
+            </a:endParaRPr>
           </a:p>
         </p:txBody>
       </p:sp>
     </p:spTree>
     <p:extLst>
       <p:ext uri="{BB962C8B-B14F-4D97-AF65-F5344CB8AC3E}">
-        <p14:creationId xmlns:p14="http://schemas.microsoft.com/office/powerpoint/2010/main" val="1482431112"/>
+        <p14:creationId xmlns:p14="http://schemas.microsoft.com/office/powerpoint/2010/main" val="1695459882"/>
       </p:ext>
     </p:extLst>
   </p:cSld>
@@ -10542,7 +10212,7 @@
   <p:timing>
     <p:tnLst>
       <p:par>
-        <p:cTn id="1" dur="indefinite" restart="never" nodeType="tmRoot"/>
+        <p:cTn xmlns:p14="http://schemas.microsoft.com/office/powerpoint/2010/main" id="1" dur="indefinite" restart="never" nodeType="tmRoot"/>
       </p:par>
     </p:tnLst>
   </p:timing>
@@ -10603,7 +10273,7 @@
         <p:spPr>
           <a:xfrm>
             <a:off x="409576" y="1026916"/>
-            <a:ext cx="8467005" cy="3539430"/>
+            <a:ext cx="8467005" cy="4580741"/>
           </a:xfrm>
           <a:prstGeom prst="rect">
             <a:avLst/>
@@ -10616,14 +10286,13 @@
           </a:bodyPr>
           <a:lstStyle/>
           <a:p>
-            <a:pPr algn="just"/>
-            <a:r>
-              <a:rPr lang="en-US" altLang="ko-KR" sz="2800" dirty="0" smtClean="0"/>
-              <a:t>Overview</a:t>
-            </a:r>
-          </a:p>
-          <a:p>
-            <a:pPr algn="just"/>
+            <a:pPr marL="457200" indent="-457200" algn="just">
+              <a:lnSpc>
+                <a:spcPct val="150000"/>
+              </a:lnSpc>
+              <a:buFont typeface="Arial"/>
+              <a:buChar char="•"/>
+            </a:pPr>
             <a:r>
               <a:rPr lang="en-US" altLang="ko-KR" sz="2800" dirty="0" smtClean="0"/>
               <a:t>Anonymity </a:t>
@@ -10634,43 +10303,78 @@
             </a:r>
           </a:p>
           <a:p>
-            <a:pPr algn="just"/>
+            <a:pPr marL="457200" indent="-457200" algn="just">
+              <a:lnSpc>
+                <a:spcPct val="150000"/>
+              </a:lnSpc>
+              <a:buFont typeface="Arial"/>
+              <a:buChar char="•"/>
+            </a:pPr>
             <a:r>
               <a:rPr lang="en-US" altLang="ko-KR" sz="2800" dirty="0" smtClean="0"/>
               <a:t>Website fingerprinting attack</a:t>
             </a:r>
           </a:p>
           <a:p>
-            <a:pPr algn="just"/>
+            <a:pPr marL="457200" indent="-457200" algn="just">
+              <a:lnSpc>
+                <a:spcPct val="150000"/>
+              </a:lnSpc>
+              <a:buFont typeface="Arial"/>
+              <a:buChar char="•"/>
+            </a:pPr>
             <a:r>
               <a:rPr lang="en-US" altLang="ko-KR" sz="2800" dirty="0" smtClean="0"/>
               <a:t>Related works</a:t>
             </a:r>
           </a:p>
           <a:p>
-            <a:pPr algn="just"/>
+            <a:pPr marL="457200" indent="-457200" algn="just">
+              <a:lnSpc>
+                <a:spcPct val="150000"/>
+              </a:lnSpc>
+              <a:buFont typeface="Arial"/>
+              <a:buChar char="•"/>
+            </a:pPr>
             <a:r>
               <a:rPr lang="en-US" altLang="ko-KR" sz="2800" dirty="0" smtClean="0"/>
               <a:t>Link prefetching</a:t>
             </a:r>
           </a:p>
           <a:p>
-            <a:pPr algn="just"/>
+            <a:pPr marL="457200" indent="-457200" algn="just">
+              <a:lnSpc>
+                <a:spcPct val="150000"/>
+              </a:lnSpc>
+              <a:buFont typeface="Arial"/>
+              <a:buChar char="•"/>
+            </a:pPr>
             <a:r>
               <a:rPr lang="en-US" altLang="ko-KR" sz="2800" dirty="0" smtClean="0"/>
               <a:t>Experiments</a:t>
             </a:r>
           </a:p>
           <a:p>
-            <a:pPr algn="just"/>
+            <a:pPr marL="457200" indent="-457200" algn="just">
+              <a:lnSpc>
+                <a:spcPct val="150000"/>
+              </a:lnSpc>
+              <a:buFont typeface="Arial"/>
+              <a:buChar char="•"/>
+            </a:pPr>
             <a:r>
               <a:rPr lang="en-US" altLang="ko-KR" sz="2800" dirty="0" smtClean="0"/>
               <a:t>Conclusion</a:t>
             </a:r>
-            <a:endParaRPr lang="en-US" altLang="ko-KR" sz="2800" dirty="0" smtClean="0"/>
-          </a:p>
-          <a:p>
-            <a:pPr algn="just"/>
+          </a:p>
+          <a:p>
+            <a:pPr marL="457200" indent="-457200" algn="just">
+              <a:lnSpc>
+                <a:spcPct val="150000"/>
+              </a:lnSpc>
+              <a:buFont typeface="Arial"/>
+              <a:buChar char="•"/>
+            </a:pPr>
             <a:r>
               <a:rPr lang="en-US" altLang="ko-KR" sz="2800" dirty="0"/>
               <a:t>F</a:t>
@@ -10747,7 +10451,7 @@
   <p:timing>
     <p:tnLst>
       <p:par>
-        <p:cTn id="1" dur="indefinite" restart="never" nodeType="tmRoot"/>
+        <p:cTn xmlns:p14="http://schemas.microsoft.com/office/powerpoint/2010/main" id="1" dur="indefinite" restart="never" nodeType="tmRoot"/>
       </p:par>
     </p:tnLst>
   </p:timing>
@@ -10773,39 +10477,29 @@
       </p:grpSpPr>
       <p:sp>
         <p:nvSpPr>
-          <p:cNvPr id="2" name="Title 1"/>
+          <p:cNvPr id="3" name="Slide Number Placeholder 2"/>
           <p:cNvSpPr>
             <a:spLocks noGrp="1"/>
           </p:cNvSpPr>
           <p:nvPr>
-            <p:ph type="title"/>
+            <p:ph type="sldNum" sz="quarter" idx="4294967295"/>
           </p:nvPr>
         </p:nvSpPr>
-        <p:spPr/>
+        <p:spPr>
+          <a:xfrm>
+            <a:off x="-237705" y="6459786"/>
+            <a:ext cx="984019" cy="365125"/>
+          </a:xfrm>
+        </p:spPr>
         <p:txBody>
           <a:bodyPr/>
           <a:lstStyle/>
           <a:p>
-            <a:endParaRPr lang="en-US"/>
-          </a:p>
-        </p:txBody>
-      </p:sp>
-      <p:sp>
-        <p:nvSpPr>
-          <p:cNvPr id="3" name="Content Placeholder 2"/>
-          <p:cNvSpPr>
-            <a:spLocks noGrp="1"/>
-          </p:cNvSpPr>
-          <p:nvPr>
-            <p:ph idx="1"/>
-          </p:nvPr>
-        </p:nvSpPr>
-        <p:spPr/>
-        <p:txBody>
-          <a:bodyPr/>
-          <a:lstStyle/>
-          <a:p>
-            <a:endParaRPr lang="en-US"/>
+            <a:fld id="{629637A9-119A-49DA-BD12-AAC58B377D80}" type="slidenum">
+              <a:rPr lang="en-US" smtClean="0"/>
+              <a:t>20</a:t>
+            </a:fld>
+            <a:endParaRPr lang="en-US" dirty="0"/>
           </a:p>
         </p:txBody>
       </p:sp>
@@ -10817,79 +10511,187 @@
         </p:nvSpPr>
         <p:spPr>
           <a:xfrm>
-            <a:off x="0" y="0"/>
-            <a:ext cx="9144000" cy="6858000"/>
+            <a:off x="349416" y="1026916"/>
+            <a:ext cx="8665188" cy="1384995"/>
           </a:xfrm>
           <a:prstGeom prst="rect">
             <a:avLst/>
           </a:prstGeom>
-          <a:solidFill>
-            <a:schemeClr val="tx1"/>
-          </a:solidFill>
-          <a:ln>
-            <a:solidFill>
-              <a:schemeClr val="tx1"/>
-            </a:solidFill>
-          </a:ln>
-        </p:spPr>
-        <p:style>
-          <a:lnRef idx="2">
-            <a:schemeClr val="accent1">
-              <a:shade val="50000"/>
-            </a:schemeClr>
-          </a:lnRef>
-          <a:fillRef idx="1">
-            <a:schemeClr val="accent1"/>
-          </a:fillRef>
-          <a:effectRef idx="0">
-            <a:schemeClr val="accent1"/>
-          </a:effectRef>
-          <a:fontRef idx="minor">
-            <a:schemeClr val="lt1"/>
-          </a:fontRef>
-        </p:style>
-        <p:txBody>
-          <a:bodyPr rtlCol="0" anchor="ctr"/>
-          <a:lstStyle/>
-          <a:p>
-            <a:pPr algn="ctr"/>
-            <a:endParaRPr lang="en-US"/>
-          </a:p>
-        </p:txBody>
-      </p:sp>
-      <p:sp>
-        <p:nvSpPr>
-          <p:cNvPr id="5" name="TextBox 4"/>
-          <p:cNvSpPr txBox="1"/>
-          <p:nvPr/>
-        </p:nvSpPr>
-        <p:spPr>
-          <a:xfrm>
-            <a:off x="2854412" y="2798234"/>
-            <a:ext cx="3855308" cy="923330"/>
-          </a:xfrm>
-          <a:prstGeom prst="rect">
-            <a:avLst/>
-          </a:prstGeom>
-          <a:noFill/>
-        </p:spPr>
-        <p:txBody>
-          <a:bodyPr wrap="square" rtlCol="0">
+        </p:spPr>
+        <p:txBody>
+          <a:bodyPr wrap="square">
             <a:spAutoFit/>
           </a:bodyPr>
           <a:lstStyle/>
           <a:p>
-            <a:r>
-              <a:rPr lang="en-US" sz="5400" b="1" dirty="0" smtClean="0">
-                <a:solidFill>
-                  <a:schemeClr val="bg1"/>
+            <a:pPr algn="just"/>
+            <a:r>
+              <a:rPr lang="en-US" altLang="ko-KR" sz="2400" b="1" dirty="0" smtClean="0"/>
+              <a:t>Do we need an overview slide?</a:t>
+            </a:r>
+          </a:p>
+          <a:p>
+            <a:pPr marL="342882" indent="-342882" algn="just">
+              <a:buFontTx/>
+              <a:buChar char="-"/>
+            </a:pPr>
+            <a:r>
+              <a:rPr lang="en-US" altLang="ko-KR" sz="2000" dirty="0" smtClean="0">
+                <a:solidFill>
+                  <a:schemeClr val="tx1">
+                    <a:lumMod val="75000"/>
+                    <a:lumOff val="25000"/>
+                  </a:schemeClr>
                 </a:solidFill>
               </a:rPr>
-              <a:t>THANK YOU</a:t>
-            </a:r>
-            <a:endParaRPr lang="en-US" sz="5400" b="1" dirty="0">
+              <a:t>CFAR is an a</a:t>
+            </a:r>
+          </a:p>
+          <a:p>
+            <a:pPr marL="342882" indent="-342882" algn="just">
+              <a:buFontTx/>
+              <a:buChar char="-"/>
+            </a:pPr>
+            <a:endParaRPr lang="en-US" altLang="ko-KR" sz="2000" dirty="0">
               <a:solidFill>
-                <a:schemeClr val="bg1"/>
+                <a:schemeClr val="tx1">
+                  <a:lumMod val="75000"/>
+                  <a:lumOff val="25000"/>
+                </a:schemeClr>
+              </a:solidFill>
+            </a:endParaRPr>
+          </a:p>
+          <a:p>
+            <a:pPr marL="342882" indent="-342882" algn="just">
+              <a:buFontTx/>
+              <a:buChar char="-"/>
+            </a:pPr>
+            <a:r>
+              <a:rPr lang="en-US" altLang="ko-KR" sz="2000" dirty="0" smtClean="0">
+                <a:solidFill>
+                  <a:schemeClr val="tx1">
+                    <a:lumMod val="75000"/>
+                    <a:lumOff val="25000"/>
+                  </a:schemeClr>
+                </a:solidFill>
+              </a:rPr>
+              <a:t>Do we </a:t>
+            </a:r>
+          </a:p>
+        </p:txBody>
+      </p:sp>
+      <p:sp>
+        <p:nvSpPr>
+          <p:cNvPr id="6" name="Title 1"/>
+          <p:cNvSpPr txBox="1">
+            <a:spLocks/>
+          </p:cNvSpPr>
+          <p:nvPr/>
+        </p:nvSpPr>
+        <p:spPr>
+          <a:xfrm>
+            <a:off x="409576" y="232031"/>
+            <a:ext cx="9479494" cy="734889"/>
+          </a:xfrm>
+          <a:prstGeom prst="rect">
+            <a:avLst/>
+          </a:prstGeom>
+        </p:spPr>
+        <p:txBody>
+          <a:bodyPr vert="horz" lIns="91440" tIns="45720" rIns="91440" bIns="45720" rtlCol="0" anchor="b">
+            <a:normAutofit/>
+          </a:bodyPr>
+          <a:lstStyle>
+            <a:lvl1pPr algn="l" defTabSz="914400" rtl="0" eaLnBrk="1" latinLnBrk="0" hangingPunct="1">
+              <a:lnSpc>
+                <a:spcPct val="85000"/>
+              </a:lnSpc>
+              <a:spcBef>
+                <a:spcPct val="0"/>
+              </a:spcBef>
+              <a:buNone/>
+              <a:defRPr sz="4800" kern="1200" spc="-50" baseline="0">
+                <a:solidFill>
+                  <a:schemeClr val="tx1">
+                    <a:lumMod val="75000"/>
+                    <a:lumOff val="25000"/>
+                  </a:schemeClr>
+                </a:solidFill>
+                <a:latin typeface="+mj-lt"/>
+                <a:ea typeface="+mj-ea"/>
+                <a:cs typeface="+mj-cs"/>
+              </a:defRPr>
+            </a:lvl1pPr>
+          </a:lstStyle>
+          <a:p>
+            <a:r>
+              <a:rPr lang="en-US" b="1" dirty="0" smtClean="0"/>
+              <a:t>Overview (TODO)</a:t>
+            </a:r>
+            <a:endParaRPr lang="en-US" b="1" dirty="0"/>
+          </a:p>
+        </p:txBody>
+      </p:sp>
+      <p:sp>
+        <p:nvSpPr>
+          <p:cNvPr id="2" name="Rectangle 1"/>
+          <p:cNvSpPr/>
+          <p:nvPr/>
+        </p:nvSpPr>
+        <p:spPr>
+          <a:xfrm>
+            <a:off x="1863289" y="5927149"/>
+            <a:ext cx="7280711" cy="369332"/>
+          </a:xfrm>
+          <a:prstGeom prst="rect">
+            <a:avLst/>
+          </a:prstGeom>
+        </p:spPr>
+        <p:txBody>
+          <a:bodyPr wrap="none">
+            <a:spAutoFit/>
+          </a:bodyPr>
+          <a:lstStyle/>
+          <a:p>
+            <a:r>
+              <a:rPr lang="en-US" i="1" smtClean="0">
+                <a:solidFill>
+                  <a:schemeClr val="tx1">
+                    <a:lumMod val="65000"/>
+                    <a:lumOff val="35000"/>
+                  </a:schemeClr>
+                </a:solidFill>
+              </a:rPr>
+              <a:t>[1] </a:t>
+            </a:r>
+            <a:r>
+              <a:rPr lang="en-US" i="1" dirty="0" err="1" smtClean="0">
+                <a:solidFill>
+                  <a:schemeClr val="tx1">
+                    <a:lumMod val="65000"/>
+                    <a:lumOff val="35000"/>
+                  </a:schemeClr>
+                </a:solidFill>
+              </a:rPr>
+              <a:t>Carzaniga</a:t>
+            </a:r>
+            <a:r>
+              <a:rPr lang="en-US" i="1" dirty="0" smtClean="0">
+                <a:solidFill>
+                  <a:schemeClr val="tx1">
+                    <a:lumMod val="65000"/>
+                    <a:lumOff val="35000"/>
+                  </a:schemeClr>
+                </a:solidFill>
+              </a:rPr>
+              <a:t> et al., “Automatic Recovery from Runtime Failures”, ICSE, 2013.</a:t>
+            </a:r>
+            <a:endParaRPr lang="en-US" i="1" dirty="0">
+              <a:solidFill>
+                <a:schemeClr val="tx1">
+                  <a:lumMod val="65000"/>
+                  <a:lumOff val="35000"/>
+                </a:schemeClr>
               </a:solidFill>
             </a:endParaRPr>
           </a:p>
@@ -10898,7 +10700,7 @@
     </p:spTree>
     <p:extLst>
       <p:ext uri="{BB962C8B-B14F-4D97-AF65-F5344CB8AC3E}">
-        <p14:creationId xmlns:p14="http://schemas.microsoft.com/office/powerpoint/2010/main" val="1695459882"/>
+        <p14:creationId xmlns:p14="http://schemas.microsoft.com/office/powerpoint/2010/main" val="2419819132"/>
       </p:ext>
     </p:extLst>
   </p:cSld>
@@ -10908,7 +10710,202 @@
   <p:timing>
     <p:tnLst>
       <p:par>
-        <p:cTn id="1" dur="indefinite" restart="never" nodeType="tmRoot"/>
+        <p:cTn xmlns:p14="http://schemas.microsoft.com/office/powerpoint/2010/main" id="1" dur="indefinite" restart="never" nodeType="tmRoot"/>
+      </p:par>
+    </p:tnLst>
+  </p:timing>
+</p:sld>
+</file>
+
+<file path=ppt/slides/slide21.xml><?xml version="1.0" encoding="utf-8"?>
+<p:sld xmlns:a="http://schemas.openxmlformats.org/drawingml/2006/main" xmlns:r="http://schemas.openxmlformats.org/officeDocument/2006/relationships" xmlns:p="http://schemas.openxmlformats.org/presentationml/2006/main">
+  <p:cSld>
+    <p:spTree>
+      <p:nvGrpSpPr>
+        <p:cNvPr id="1" name=""/>
+        <p:cNvGrpSpPr/>
+        <p:nvPr/>
+      </p:nvGrpSpPr>
+      <p:grpSpPr>
+        <a:xfrm>
+          <a:off x="0" y="0"/>
+          <a:ext cx="0" cy="0"/>
+          <a:chOff x="0" y="0"/>
+          <a:chExt cx="0" cy="0"/>
+        </a:xfrm>
+      </p:grpSpPr>
+      <p:sp>
+        <p:nvSpPr>
+          <p:cNvPr id="3" name="Slide Number Placeholder 2"/>
+          <p:cNvSpPr>
+            <a:spLocks noGrp="1"/>
+          </p:cNvSpPr>
+          <p:nvPr>
+            <p:ph type="sldNum" sz="quarter" idx="4294967295"/>
+          </p:nvPr>
+        </p:nvSpPr>
+        <p:spPr>
+          <a:xfrm>
+            <a:off x="-237705" y="6459786"/>
+            <a:ext cx="984019" cy="365125"/>
+          </a:xfrm>
+        </p:spPr>
+        <p:txBody>
+          <a:bodyPr/>
+          <a:lstStyle/>
+          <a:p>
+            <a:fld id="{629637A9-119A-49DA-BD12-AAC58B377D80}" type="slidenum">
+              <a:rPr lang="en-US" smtClean="0"/>
+              <a:t>21</a:t>
+            </a:fld>
+            <a:endParaRPr lang="en-US" dirty="0"/>
+          </a:p>
+        </p:txBody>
+      </p:sp>
+      <p:sp>
+        <p:nvSpPr>
+          <p:cNvPr id="4" name="Rectangle 3"/>
+          <p:cNvSpPr/>
+          <p:nvPr/>
+        </p:nvSpPr>
+        <p:spPr>
+          <a:xfrm>
+            <a:off x="349416" y="1026916"/>
+            <a:ext cx="8665188" cy="1631216"/>
+          </a:xfrm>
+          <a:prstGeom prst="rect">
+            <a:avLst/>
+          </a:prstGeom>
+        </p:spPr>
+        <p:txBody>
+          <a:bodyPr wrap="square">
+            <a:spAutoFit/>
+          </a:bodyPr>
+          <a:lstStyle/>
+          <a:p>
+            <a:pPr algn="just"/>
+            <a:r>
+              <a:rPr lang="en-US" altLang="ko-KR" sz="2800" b="1" dirty="0" smtClean="0"/>
+              <a:t>What is anonymity network?</a:t>
+            </a:r>
+          </a:p>
+          <a:p>
+            <a:pPr marL="342882" indent="-342882" algn="just">
+              <a:buFontTx/>
+              <a:buChar char="-"/>
+            </a:pPr>
+            <a:r>
+              <a:rPr lang="en-US" altLang="ko-KR" sz="2400" dirty="0" smtClean="0">
+                <a:solidFill>
+                  <a:schemeClr val="tx1">
+                    <a:lumMod val="75000"/>
+                    <a:lumOff val="25000"/>
+                  </a:schemeClr>
+                </a:solidFill>
+              </a:rPr>
+              <a:t>Internet is not anonymous by its design</a:t>
+            </a:r>
+          </a:p>
+          <a:p>
+            <a:pPr marL="342882" indent="-342882" algn="just">
+              <a:buFontTx/>
+              <a:buChar char="-"/>
+            </a:pPr>
+            <a:r>
+              <a:rPr lang="en-US" altLang="ko-KR" sz="2400" dirty="0" smtClean="0">
+                <a:solidFill>
+                  <a:schemeClr val="tx1">
+                    <a:lumMod val="75000"/>
+                    <a:lumOff val="25000"/>
+                  </a:schemeClr>
+                </a:solidFill>
+              </a:rPr>
+              <a:t>HTTP traffic </a:t>
+            </a:r>
+          </a:p>
+          <a:p>
+            <a:pPr algn="just"/>
+            <a:endParaRPr lang="en-US" altLang="ko-KR" sz="2400" dirty="0" smtClean="0">
+              <a:solidFill>
+                <a:schemeClr val="tx1">
+                  <a:lumMod val="75000"/>
+                  <a:lumOff val="25000"/>
+                </a:schemeClr>
+              </a:solidFill>
+            </a:endParaRPr>
+          </a:p>
+        </p:txBody>
+      </p:sp>
+      <p:sp>
+        <p:nvSpPr>
+          <p:cNvPr id="6" name="Title 1"/>
+          <p:cNvSpPr txBox="1">
+            <a:spLocks/>
+          </p:cNvSpPr>
+          <p:nvPr/>
+        </p:nvSpPr>
+        <p:spPr>
+          <a:xfrm>
+            <a:off x="409576" y="232031"/>
+            <a:ext cx="9479494" cy="734889"/>
+          </a:xfrm>
+          <a:prstGeom prst="rect">
+            <a:avLst/>
+          </a:prstGeom>
+        </p:spPr>
+        <p:txBody>
+          <a:bodyPr vert="horz" lIns="91440" tIns="45720" rIns="91440" bIns="45720" rtlCol="0" anchor="b">
+            <a:normAutofit/>
+          </a:bodyPr>
+          <a:lstStyle>
+            <a:lvl1pPr algn="l" defTabSz="914400" rtl="0" eaLnBrk="1" latinLnBrk="0" hangingPunct="1">
+              <a:lnSpc>
+                <a:spcPct val="85000"/>
+              </a:lnSpc>
+              <a:spcBef>
+                <a:spcPct val="0"/>
+              </a:spcBef>
+              <a:buNone/>
+              <a:defRPr sz="4800" kern="1200" spc="-50" baseline="0">
+                <a:solidFill>
+                  <a:schemeClr val="tx1">
+                    <a:lumMod val="75000"/>
+                    <a:lumOff val="25000"/>
+                  </a:schemeClr>
+                </a:solidFill>
+                <a:latin typeface="+mj-lt"/>
+                <a:ea typeface="+mj-ea"/>
+                <a:cs typeface="+mj-cs"/>
+              </a:defRPr>
+            </a:lvl1pPr>
+          </a:lstStyle>
+          <a:p>
+            <a:r>
+              <a:rPr lang="en-US" b="1" dirty="0" smtClean="0"/>
+              <a:t>Anonymity </a:t>
+            </a:r>
+            <a:r>
+              <a:rPr lang="en-US" b="1" dirty="0" smtClean="0"/>
+              <a:t>Network</a:t>
+            </a:r>
+            <a:endParaRPr lang="en-US" b="1" dirty="0"/>
+          </a:p>
+        </p:txBody>
+      </p:sp>
+    </p:spTree>
+    <p:extLst>
+      <p:ext uri="{BB962C8B-B14F-4D97-AF65-F5344CB8AC3E}">
+        <p14:creationId xmlns:p14="http://schemas.microsoft.com/office/powerpoint/2010/main" val="3996726416"/>
+      </p:ext>
+    </p:extLst>
+  </p:cSld>
+  <p:clrMapOvr>
+    <a:masterClrMapping/>
+  </p:clrMapOvr>
+  <p:timing>
+    <p:tnLst>
+      <p:par>
+        <p:cTn xmlns:p14="http://schemas.microsoft.com/office/powerpoint/2010/main" id="1" dur="indefinite" restart="never" nodeType="tmRoot"/>
       </p:par>
     </p:tnLst>
   </p:timing>
@@ -10969,7 +10966,7 @@
         <p:spPr>
           <a:xfrm>
             <a:off x="349416" y="1026916"/>
-            <a:ext cx="8665188" cy="1384995"/>
+            <a:ext cx="8665188" cy="4905958"/>
           </a:xfrm>
           <a:prstGeom prst="rect">
             <a:avLst/>
@@ -10981,19 +10978,26 @@
           </a:bodyPr>
           <a:lstStyle/>
           <a:p>
-            <a:pPr algn="just"/>
-            <a:r>
-              <a:rPr lang="en-US" altLang="ko-KR" sz="2400" b="1" dirty="0" smtClean="0"/>
-              <a:t>Do we need an overview slide?</a:t>
+            <a:pPr algn="just">
+              <a:lnSpc>
+                <a:spcPct val="120000"/>
+              </a:lnSpc>
+            </a:pPr>
+            <a:r>
+              <a:rPr lang="en-US" altLang="ko-KR" sz="2800" b="1" dirty="0" smtClean="0"/>
+              <a:t>Anonymity use case</a:t>
             </a:r>
           </a:p>
           <a:p>
             <a:pPr marL="342882" indent="-342882" algn="just">
+              <a:lnSpc>
+                <a:spcPct val="120000"/>
+              </a:lnSpc>
               <a:buFontTx/>
               <a:buChar char="-"/>
             </a:pPr>
             <a:r>
-              <a:rPr lang="en-US" altLang="ko-KR" sz="2000" dirty="0" smtClean="0">
+              <a:rPr lang="en-US" altLang="ko-KR" sz="2400" dirty="0" smtClean="0">
                 <a:solidFill>
                   <a:schemeClr val="tx1">
                     <a:lumMod val="75000"/>
@@ -11001,15 +11005,186 @@
                   </a:schemeClr>
                 </a:solidFill>
               </a:rPr>
-              <a:t>CFAR is an a</a:t>
-            </a:r>
-          </a:p>
-          <a:p>
-            <a:pPr marL="342882" indent="-342882" algn="just">
+              <a:t>Normal people</a:t>
+            </a:r>
+          </a:p>
+          <a:p>
+            <a:pPr marL="800082" lvl="1" indent="-342882" algn="just">
+              <a:lnSpc>
+                <a:spcPct val="120000"/>
+              </a:lnSpc>
               <a:buFontTx/>
               <a:buChar char="-"/>
             </a:pPr>
-            <a:endParaRPr lang="en-US" altLang="ko-KR" sz="2000" dirty="0">
+            <a:r>
+              <a:rPr lang="en-US" altLang="ko-KR" sz="2400" dirty="0" smtClean="0">
+                <a:solidFill>
+                  <a:schemeClr val="tx1">
+                    <a:lumMod val="75000"/>
+                    <a:lumOff val="25000"/>
+                  </a:schemeClr>
+                </a:solidFill>
+              </a:rPr>
+              <a:t>Circumvent censorship</a:t>
+            </a:r>
+          </a:p>
+          <a:p>
+            <a:pPr marL="800082" lvl="1" indent="-342882" algn="just">
+              <a:lnSpc>
+                <a:spcPct val="120000"/>
+              </a:lnSpc>
+              <a:buFontTx/>
+              <a:buChar char="-"/>
+            </a:pPr>
+            <a:r>
+              <a:rPr lang="en-US" altLang="ko-KR" sz="2400" dirty="0" smtClean="0">
+                <a:solidFill>
+                  <a:schemeClr val="tx1">
+                    <a:lumMod val="75000"/>
+                    <a:lumOff val="25000"/>
+                  </a:schemeClr>
+                </a:solidFill>
+              </a:rPr>
+              <a:t>Skirt surveillance</a:t>
+            </a:r>
+          </a:p>
+          <a:p>
+            <a:pPr marL="800082" lvl="1" indent="-342882" algn="just">
+              <a:lnSpc>
+                <a:spcPct val="120000"/>
+              </a:lnSpc>
+              <a:buFontTx/>
+              <a:buChar char="-"/>
+            </a:pPr>
+            <a:r>
+              <a:rPr lang="en-US" altLang="ko-KR" sz="2400" dirty="0" smtClean="0">
+                <a:solidFill>
+                  <a:schemeClr val="tx1">
+                    <a:lumMod val="75000"/>
+                    <a:lumOff val="25000"/>
+                  </a:schemeClr>
+                </a:solidFill>
+              </a:rPr>
+              <a:t>Protect privacy from identity theft (ISP, websites </a:t>
+            </a:r>
+            <a:r>
+              <a:rPr lang="is-IS" altLang="ko-KR" sz="2400" dirty="0" smtClean="0">
+                <a:solidFill>
+                  <a:schemeClr val="tx1">
+                    <a:lumMod val="75000"/>
+                    <a:lumOff val="25000"/>
+                  </a:schemeClr>
+                </a:solidFill>
+              </a:rPr>
+              <a:t>…)</a:t>
+            </a:r>
+          </a:p>
+          <a:p>
+            <a:pPr marL="342882" indent="-342882" algn="just">
+              <a:lnSpc>
+                <a:spcPct val="120000"/>
+              </a:lnSpc>
+              <a:buFontTx/>
+              <a:buChar char="-"/>
+            </a:pPr>
+            <a:r>
+              <a:rPr lang="is-IS" altLang="ko-KR" sz="2400" dirty="0" smtClean="0">
+                <a:solidFill>
+                  <a:schemeClr val="tx1">
+                    <a:lumMod val="75000"/>
+                    <a:lumOff val="25000"/>
+                  </a:schemeClr>
+                </a:solidFill>
+              </a:rPr>
+              <a:t>Citizen journalists (in repressive nations)</a:t>
+            </a:r>
+          </a:p>
+          <a:p>
+            <a:pPr marL="342882" indent="-342882" algn="just">
+              <a:lnSpc>
+                <a:spcPct val="120000"/>
+              </a:lnSpc>
+              <a:buFontTx/>
+              <a:buChar char="-"/>
+            </a:pPr>
+            <a:r>
+              <a:rPr lang="en-US" altLang="ko-KR" sz="2400" dirty="0" smtClean="0">
+                <a:solidFill>
+                  <a:schemeClr val="tx1">
+                    <a:lumMod val="75000"/>
+                    <a:lumOff val="25000"/>
+                  </a:schemeClr>
+                </a:solidFill>
+              </a:rPr>
+              <a:t>Activist and whistleblowers</a:t>
+            </a:r>
+          </a:p>
+          <a:p>
+            <a:pPr marL="342882" indent="-342882" algn="just">
+              <a:lnSpc>
+                <a:spcPct val="120000"/>
+              </a:lnSpc>
+              <a:buFontTx/>
+              <a:buChar char="-"/>
+            </a:pPr>
+            <a:r>
+              <a:rPr lang="en-US" altLang="ko-KR" sz="2400" dirty="0" smtClean="0">
+                <a:solidFill>
+                  <a:schemeClr val="tx1">
+                    <a:lumMod val="75000"/>
+                    <a:lumOff val="25000"/>
+                  </a:schemeClr>
+                </a:solidFill>
+              </a:rPr>
+              <a:t>Military</a:t>
+            </a:r>
+          </a:p>
+          <a:p>
+            <a:pPr marL="800082" lvl="1" indent="-342882" algn="just">
+              <a:lnSpc>
+                <a:spcPct val="120000"/>
+              </a:lnSpc>
+              <a:buFontTx/>
+              <a:buChar char="-"/>
+            </a:pPr>
+            <a:r>
+              <a:rPr lang="en-US" altLang="ko-KR" sz="2400" dirty="0" smtClean="0">
+                <a:solidFill>
+                  <a:schemeClr val="tx1">
+                    <a:lumMod val="75000"/>
+                    <a:lumOff val="25000"/>
+                  </a:schemeClr>
+                </a:solidFill>
+              </a:rPr>
+              <a:t>Intelligence gathering</a:t>
+            </a:r>
+          </a:p>
+          <a:p>
+            <a:pPr marL="800082" lvl="1" indent="-342882" algn="just">
+              <a:lnSpc>
+                <a:spcPct val="120000"/>
+              </a:lnSpc>
+              <a:buFontTx/>
+              <a:buChar char="-"/>
+            </a:pPr>
+            <a:r>
+              <a:rPr lang="en-US" altLang="ko-KR" sz="2400" dirty="0" smtClean="0">
+                <a:solidFill>
+                  <a:schemeClr val="tx1">
+                    <a:lumMod val="75000"/>
+                    <a:lumOff val="25000"/>
+                  </a:schemeClr>
+                </a:solidFill>
+              </a:rPr>
+              <a:t>(geographically) Hidden services</a:t>
+            </a:r>
+          </a:p>
+          <a:p>
+            <a:pPr marL="800082" lvl="1" indent="-342882" algn="just">
+              <a:buFontTx/>
+              <a:buChar char="-"/>
+            </a:pPr>
+            <a:endParaRPr lang="en-US" altLang="ko-KR" sz="2000" dirty="0" smtClean="0">
               <a:solidFill>
                 <a:schemeClr val="tx1">
                   <a:lumMod val="75000"/>
@@ -11017,23 +11192,6 @@
                 </a:schemeClr>
               </a:solidFill>
             </a:endParaRPr>
-          </a:p>
-          <a:p>
-            <a:pPr marL="342882" indent="-342882" algn="just">
-              <a:buFontTx/>
-              <a:buChar char="-"/>
-            </a:pPr>
-            <a:r>
-              <a:rPr lang="en-US" altLang="ko-KR" sz="2000" dirty="0" smtClean="0">
-                <a:solidFill>
-                  <a:schemeClr val="tx1">
-                    <a:lumMod val="75000"/>
-                    <a:lumOff val="25000"/>
-                  </a:schemeClr>
-                </a:solidFill>
-              </a:rPr>
-              <a:t>Do we </a:t>
-            </a:r>
           </a:p>
         </p:txBody>
       </p:sp>
@@ -11083,7 +11241,7 @@
           <a:p>
             <a:r>
               <a:rPr lang="en-US" b="1" dirty="0" smtClean="0"/>
-              <a:t>Overview (TODO)</a:t>
+              <a:t>Anonymity Network</a:t>
             </a:r>
             <a:endParaRPr lang="en-US" b="1" dirty="0"/>
           </a:p>
@@ -11097,8 +11255,8 @@
         </p:nvSpPr>
         <p:spPr>
           <a:xfrm>
-            <a:off x="1863289" y="5927149"/>
-            <a:ext cx="7280711" cy="369332"/>
+            <a:off x="3940651" y="5927149"/>
+            <a:ext cx="5073953" cy="369332"/>
           </a:xfrm>
           <a:prstGeom prst="rect">
             <a:avLst/>
@@ -11119,10 +11277,10 @@
                   </a:schemeClr>
                 </a:solidFill>
               </a:rPr>
-              <a:t>[1] </a:t>
-            </a:r>
-            <a:r>
-              <a:rPr lang="en-US" i="1" dirty="0" err="1" smtClean="0">
+              <a:t>https</a:t>
+            </a:r>
+            <a:r>
+              <a:rPr lang="en-US" i="1">
                 <a:solidFill>
                   <a:schemeClr val="tx1">
                     <a:lumMod val="65000"/>
@@ -11130,10 +11288,10 @@
                   </a:schemeClr>
                 </a:solidFill>
               </a:rPr>
-              <a:t>Carzaniga</a:t>
-            </a:r>
-            <a:r>
-              <a:rPr lang="en-US" i="1" dirty="0" smtClean="0">
+              <a:t>://</a:t>
+            </a:r>
+            <a:r>
+              <a:rPr lang="en-US" i="1" dirty="0" err="1">
                 <a:solidFill>
                   <a:schemeClr val="tx1">
                     <a:lumMod val="65000"/>
@@ -11141,7 +11299,29 @@
                   </a:schemeClr>
                 </a:solidFill>
               </a:rPr>
-              <a:t> et al., “Automatic Recovery from Runtime Failures”, ICSE, 2013.</a:t>
+              <a:t>www.torproject.org</a:t>
+            </a:r>
+            <a:r>
+              <a:rPr lang="en-US" i="1" dirty="0">
+                <a:solidFill>
+                  <a:schemeClr val="tx1">
+                    <a:lumMod val="65000"/>
+                    <a:lumOff val="35000"/>
+                  </a:schemeClr>
+                </a:solidFill>
+              </a:rPr>
+              <a:t>/about/</a:t>
+            </a:r>
+            <a:r>
+              <a:rPr lang="en-US" i="1" dirty="0" err="1">
+                <a:solidFill>
+                  <a:schemeClr val="tx1">
+                    <a:lumMod val="65000"/>
+                    <a:lumOff val="35000"/>
+                  </a:schemeClr>
+                </a:solidFill>
+              </a:rPr>
+              <a:t>torusers.html.en</a:t>
             </a:r>
             <a:endParaRPr lang="en-US" i="1" dirty="0">
               <a:solidFill>
@@ -11157,7 +11337,7 @@
     </p:spTree>
     <p:extLst>
       <p:ext uri="{BB962C8B-B14F-4D97-AF65-F5344CB8AC3E}">
-        <p14:creationId xmlns:p14="http://schemas.microsoft.com/office/powerpoint/2010/main" val="1791470131"/>
+        <p14:creationId xmlns:p14="http://schemas.microsoft.com/office/powerpoint/2010/main" val="894209473"/>
       </p:ext>
     </p:extLst>
   </p:cSld>
@@ -11167,7 +11347,7 @@
   <p:timing>
     <p:tnLst>
       <p:par>
-        <p:cTn id="1" dur="indefinite" restart="never" nodeType="tmRoot"/>
+        <p:cTn xmlns:p14="http://schemas.microsoft.com/office/powerpoint/2010/main" id="1" dur="indefinite" restart="never" nodeType="tmRoot"/>
       </p:par>
     </p:tnLst>
   </p:timing>
@@ -11193,598 +11373,6 @@
       </p:grpSpPr>
       <p:sp>
         <p:nvSpPr>
-          <p:cNvPr id="3" name="Slide Number Placeholder 2"/>
-          <p:cNvSpPr>
-            <a:spLocks noGrp="1"/>
-          </p:cNvSpPr>
-          <p:nvPr>
-            <p:ph type="sldNum" sz="quarter" idx="4294967295"/>
-          </p:nvPr>
-        </p:nvSpPr>
-        <p:spPr>
-          <a:xfrm>
-            <a:off x="-237705" y="6459786"/>
-            <a:ext cx="984019" cy="365125"/>
-          </a:xfrm>
-        </p:spPr>
-        <p:txBody>
-          <a:bodyPr/>
-          <a:lstStyle/>
-          <a:p>
-            <a:fld id="{629637A9-119A-49DA-BD12-AAC58B377D80}" type="slidenum">
-              <a:rPr lang="en-US" smtClean="0"/>
-              <a:t>4</a:t>
-            </a:fld>
-            <a:endParaRPr lang="en-US" dirty="0"/>
-          </a:p>
-        </p:txBody>
-      </p:sp>
-      <p:sp>
-        <p:nvSpPr>
-          <p:cNvPr id="4" name="Rectangle 3"/>
-          <p:cNvSpPr/>
-          <p:nvPr/>
-        </p:nvSpPr>
-        <p:spPr>
-          <a:xfrm>
-            <a:off x="349416" y="1026916"/>
-            <a:ext cx="8665188" cy="1261884"/>
-          </a:xfrm>
-          <a:prstGeom prst="rect">
-            <a:avLst/>
-          </a:prstGeom>
-        </p:spPr>
-        <p:txBody>
-          <a:bodyPr wrap="square">
-            <a:spAutoFit/>
-          </a:bodyPr>
-          <a:lstStyle/>
-          <a:p>
-            <a:pPr algn="just"/>
-            <a:r>
-              <a:rPr lang="en-US" altLang="ko-KR" sz="2800" b="1" dirty="0" smtClean="0"/>
-              <a:t>What is anonymity network?</a:t>
-            </a:r>
-          </a:p>
-          <a:p>
-            <a:pPr marL="342882" indent="-342882" algn="just">
-              <a:buFontTx/>
-              <a:buChar char="-"/>
-            </a:pPr>
-            <a:r>
-              <a:rPr lang="en-US" altLang="ko-KR" sz="2400" dirty="0" smtClean="0">
-                <a:solidFill>
-                  <a:schemeClr val="tx1">
-                    <a:lumMod val="75000"/>
-                    <a:lumOff val="25000"/>
-                  </a:schemeClr>
-                </a:solidFill>
-              </a:rPr>
-              <a:t>Internet is not anonymous by its design</a:t>
-            </a:r>
-          </a:p>
-          <a:p>
-            <a:pPr marL="342882" indent="-342882" algn="just">
-              <a:buFontTx/>
-              <a:buChar char="-"/>
-            </a:pPr>
-            <a:endParaRPr lang="en-US" altLang="ko-KR" sz="2400" dirty="0" smtClean="0">
-              <a:solidFill>
-                <a:schemeClr val="tx1">
-                  <a:lumMod val="75000"/>
-                  <a:lumOff val="25000"/>
-                </a:schemeClr>
-              </a:solidFill>
-            </a:endParaRPr>
-          </a:p>
-        </p:txBody>
-      </p:sp>
-      <p:sp>
-        <p:nvSpPr>
-          <p:cNvPr id="6" name="Title 1"/>
-          <p:cNvSpPr txBox="1">
-            <a:spLocks/>
-          </p:cNvSpPr>
-          <p:nvPr/>
-        </p:nvSpPr>
-        <p:spPr>
-          <a:xfrm>
-            <a:off x="409576" y="232031"/>
-            <a:ext cx="9479494" cy="734889"/>
-          </a:xfrm>
-          <a:prstGeom prst="rect">
-            <a:avLst/>
-          </a:prstGeom>
-        </p:spPr>
-        <p:txBody>
-          <a:bodyPr vert="horz" lIns="91440" tIns="45720" rIns="91440" bIns="45720" rtlCol="0" anchor="b">
-            <a:normAutofit/>
-          </a:bodyPr>
-          <a:lstStyle>
-            <a:lvl1pPr algn="l" defTabSz="914400" rtl="0" eaLnBrk="1" latinLnBrk="0" hangingPunct="1">
-              <a:lnSpc>
-                <a:spcPct val="85000"/>
-              </a:lnSpc>
-              <a:spcBef>
-                <a:spcPct val="0"/>
-              </a:spcBef>
-              <a:buNone/>
-              <a:defRPr sz="4800" kern="1200" spc="-50" baseline="0">
-                <a:solidFill>
-                  <a:schemeClr val="tx1">
-                    <a:lumMod val="75000"/>
-                    <a:lumOff val="25000"/>
-                  </a:schemeClr>
-                </a:solidFill>
-                <a:latin typeface="+mj-lt"/>
-                <a:ea typeface="+mj-ea"/>
-                <a:cs typeface="+mj-cs"/>
-              </a:defRPr>
-            </a:lvl1pPr>
-          </a:lstStyle>
-          <a:p>
-            <a:r>
-              <a:rPr lang="en-US" b="1" dirty="0" smtClean="0"/>
-              <a:t>Anonymity </a:t>
-            </a:r>
-            <a:r>
-              <a:rPr lang="en-US" b="1" dirty="0" smtClean="0"/>
-              <a:t>Network (TODO)</a:t>
-            </a:r>
-            <a:endParaRPr lang="en-US" b="1" dirty="0"/>
-          </a:p>
-        </p:txBody>
-      </p:sp>
-    </p:spTree>
-    <p:extLst>
-      <p:ext uri="{BB962C8B-B14F-4D97-AF65-F5344CB8AC3E}">
-        <p14:creationId xmlns:p14="http://schemas.microsoft.com/office/powerpoint/2010/main" val="602415027"/>
-      </p:ext>
-    </p:extLst>
-  </p:cSld>
-  <p:clrMapOvr>
-    <a:masterClrMapping/>
-  </p:clrMapOvr>
-  <p:timing>
-    <p:tnLst>
-      <p:par>
-        <p:cTn id="1" dur="indefinite" restart="never" nodeType="tmRoot"/>
-      </p:par>
-    </p:tnLst>
-  </p:timing>
-</p:sld>
-</file>
-
-<file path=ppt/slides/slide5.xml><?xml version="1.0" encoding="utf-8"?>
-<p:sld xmlns:a="http://schemas.openxmlformats.org/drawingml/2006/main" xmlns:r="http://schemas.openxmlformats.org/officeDocument/2006/relationships" xmlns:p="http://schemas.openxmlformats.org/presentationml/2006/main">
-  <p:cSld>
-    <p:spTree>
-      <p:nvGrpSpPr>
-        <p:cNvPr id="1" name=""/>
-        <p:cNvGrpSpPr/>
-        <p:nvPr/>
-      </p:nvGrpSpPr>
-      <p:grpSpPr>
-        <a:xfrm>
-          <a:off x="0" y="0"/>
-          <a:ext cx="0" cy="0"/>
-          <a:chOff x="0" y="0"/>
-          <a:chExt cx="0" cy="0"/>
-        </a:xfrm>
-      </p:grpSpPr>
-      <p:sp>
-        <p:nvSpPr>
-          <p:cNvPr id="3" name="Slide Number Placeholder 2"/>
-          <p:cNvSpPr>
-            <a:spLocks noGrp="1"/>
-          </p:cNvSpPr>
-          <p:nvPr>
-            <p:ph type="sldNum" sz="quarter" idx="4294967295"/>
-          </p:nvPr>
-        </p:nvSpPr>
-        <p:spPr>
-          <a:xfrm>
-            <a:off x="-237705" y="6459786"/>
-            <a:ext cx="984019" cy="365125"/>
-          </a:xfrm>
-        </p:spPr>
-        <p:txBody>
-          <a:bodyPr/>
-          <a:lstStyle/>
-          <a:p>
-            <a:fld id="{629637A9-119A-49DA-BD12-AAC58B377D80}" type="slidenum">
-              <a:rPr lang="en-US" smtClean="0"/>
-              <a:t>5</a:t>
-            </a:fld>
-            <a:endParaRPr lang="en-US" dirty="0"/>
-          </a:p>
-        </p:txBody>
-      </p:sp>
-      <p:sp>
-        <p:nvSpPr>
-          <p:cNvPr id="4" name="Rectangle 3"/>
-          <p:cNvSpPr/>
-          <p:nvPr/>
-        </p:nvSpPr>
-        <p:spPr>
-          <a:xfrm>
-            <a:off x="349416" y="1026916"/>
-            <a:ext cx="8665188" cy="4154984"/>
-          </a:xfrm>
-          <a:prstGeom prst="rect">
-            <a:avLst/>
-          </a:prstGeom>
-        </p:spPr>
-        <p:txBody>
-          <a:bodyPr wrap="square">
-            <a:spAutoFit/>
-          </a:bodyPr>
-          <a:lstStyle/>
-          <a:p>
-            <a:pPr algn="just"/>
-            <a:r>
-              <a:rPr lang="en-US" altLang="ko-KR" sz="2800" b="1" dirty="0" smtClean="0"/>
-              <a:t>Anonymity use case</a:t>
-            </a:r>
-          </a:p>
-          <a:p>
-            <a:pPr marL="342882" indent="-342882" algn="just">
-              <a:buFontTx/>
-              <a:buChar char="-"/>
-            </a:pPr>
-            <a:r>
-              <a:rPr lang="en-US" altLang="ko-KR" sz="2400" dirty="0" smtClean="0">
-                <a:solidFill>
-                  <a:schemeClr val="tx1">
-                    <a:lumMod val="75000"/>
-                    <a:lumOff val="25000"/>
-                  </a:schemeClr>
-                </a:solidFill>
-              </a:rPr>
-              <a:t>Normal people</a:t>
-            </a:r>
-          </a:p>
-          <a:p>
-            <a:pPr marL="800082" lvl="1" indent="-342882" algn="just">
-              <a:buFontTx/>
-              <a:buChar char="-"/>
-            </a:pPr>
-            <a:r>
-              <a:rPr lang="en-US" altLang="ko-KR" sz="2400" dirty="0" smtClean="0">
-                <a:solidFill>
-                  <a:schemeClr val="tx1">
-                    <a:lumMod val="75000"/>
-                    <a:lumOff val="25000"/>
-                  </a:schemeClr>
-                </a:solidFill>
-              </a:rPr>
-              <a:t>Circumvent censorship</a:t>
-            </a:r>
-          </a:p>
-          <a:p>
-            <a:pPr marL="800082" lvl="1" indent="-342882" algn="just">
-              <a:buFontTx/>
-              <a:buChar char="-"/>
-            </a:pPr>
-            <a:r>
-              <a:rPr lang="en-US" altLang="ko-KR" sz="2400" dirty="0" smtClean="0">
-                <a:solidFill>
-                  <a:schemeClr val="tx1">
-                    <a:lumMod val="75000"/>
-                    <a:lumOff val="25000"/>
-                  </a:schemeClr>
-                </a:solidFill>
-              </a:rPr>
-              <a:t>Skirt surveillance</a:t>
-            </a:r>
-          </a:p>
-          <a:p>
-            <a:pPr marL="800082" lvl="1" indent="-342882" algn="just">
-              <a:buFontTx/>
-              <a:buChar char="-"/>
-            </a:pPr>
-            <a:r>
-              <a:rPr lang="en-US" altLang="ko-KR" sz="2400" dirty="0" smtClean="0">
-                <a:solidFill>
-                  <a:schemeClr val="tx1">
-                    <a:lumMod val="75000"/>
-                    <a:lumOff val="25000"/>
-                  </a:schemeClr>
-                </a:solidFill>
-              </a:rPr>
-              <a:t>Protect privacy from identity theft (ISP, websites </a:t>
-            </a:r>
-            <a:r>
-              <a:rPr lang="is-IS" altLang="ko-KR" sz="2400" dirty="0" smtClean="0">
-                <a:solidFill>
-                  <a:schemeClr val="tx1">
-                    <a:lumMod val="75000"/>
-                    <a:lumOff val="25000"/>
-                  </a:schemeClr>
-                </a:solidFill>
-              </a:rPr>
-              <a:t>…)</a:t>
-            </a:r>
-          </a:p>
-          <a:p>
-            <a:pPr marL="342882" indent="-342882" algn="just">
-              <a:buFontTx/>
-              <a:buChar char="-"/>
-            </a:pPr>
-            <a:r>
-              <a:rPr lang="is-IS" altLang="ko-KR" sz="2400" dirty="0" smtClean="0">
-                <a:solidFill>
-                  <a:schemeClr val="tx1">
-                    <a:lumMod val="75000"/>
-                    <a:lumOff val="25000"/>
-                  </a:schemeClr>
-                </a:solidFill>
-              </a:rPr>
-              <a:t>Citizen journalists (in repressive nations)</a:t>
-            </a:r>
-          </a:p>
-          <a:p>
-            <a:pPr marL="342882" indent="-342882" algn="just">
-              <a:buFontTx/>
-              <a:buChar char="-"/>
-            </a:pPr>
-            <a:r>
-              <a:rPr lang="en-US" altLang="ko-KR" sz="2400" dirty="0" smtClean="0">
-                <a:solidFill>
-                  <a:schemeClr val="tx1">
-                    <a:lumMod val="75000"/>
-                    <a:lumOff val="25000"/>
-                  </a:schemeClr>
-                </a:solidFill>
-              </a:rPr>
-              <a:t>Activist and whistleblowers</a:t>
-            </a:r>
-          </a:p>
-          <a:p>
-            <a:pPr marL="342882" indent="-342882" algn="just">
-              <a:buFontTx/>
-              <a:buChar char="-"/>
-            </a:pPr>
-            <a:r>
-              <a:rPr lang="en-US" altLang="ko-KR" sz="2400" dirty="0" smtClean="0">
-                <a:solidFill>
-                  <a:schemeClr val="tx1">
-                    <a:lumMod val="75000"/>
-                    <a:lumOff val="25000"/>
-                  </a:schemeClr>
-                </a:solidFill>
-              </a:rPr>
-              <a:t>Military</a:t>
-            </a:r>
-          </a:p>
-          <a:p>
-            <a:pPr marL="800082" lvl="1" indent="-342882" algn="just">
-              <a:buFontTx/>
-              <a:buChar char="-"/>
-            </a:pPr>
-            <a:r>
-              <a:rPr lang="en-US" altLang="ko-KR" sz="2400" dirty="0" smtClean="0">
-                <a:solidFill>
-                  <a:schemeClr val="tx1">
-                    <a:lumMod val="75000"/>
-                    <a:lumOff val="25000"/>
-                  </a:schemeClr>
-                </a:solidFill>
-              </a:rPr>
-              <a:t>Intelligence gathering</a:t>
-            </a:r>
-          </a:p>
-          <a:p>
-            <a:pPr marL="800082" lvl="1" indent="-342882" algn="just">
-              <a:buFontTx/>
-              <a:buChar char="-"/>
-            </a:pPr>
-            <a:r>
-              <a:rPr lang="en-US" altLang="ko-KR" sz="2400" dirty="0" smtClean="0">
-                <a:solidFill>
-                  <a:schemeClr val="tx1">
-                    <a:lumMod val="75000"/>
-                    <a:lumOff val="25000"/>
-                  </a:schemeClr>
-                </a:solidFill>
-              </a:rPr>
-              <a:t>(geographically) Hidden services</a:t>
-            </a:r>
-          </a:p>
-          <a:p>
-            <a:pPr marL="800082" lvl="1" indent="-342882" algn="just">
-              <a:buFontTx/>
-              <a:buChar char="-"/>
-            </a:pPr>
-            <a:endParaRPr lang="en-US" altLang="ko-KR" sz="2000" dirty="0" smtClean="0">
-              <a:solidFill>
-                <a:schemeClr val="tx1">
-                  <a:lumMod val="75000"/>
-                  <a:lumOff val="25000"/>
-                </a:schemeClr>
-              </a:solidFill>
-            </a:endParaRPr>
-          </a:p>
-        </p:txBody>
-      </p:sp>
-      <p:sp>
-        <p:nvSpPr>
-          <p:cNvPr id="6" name="Title 1"/>
-          <p:cNvSpPr txBox="1">
-            <a:spLocks/>
-          </p:cNvSpPr>
-          <p:nvPr/>
-        </p:nvSpPr>
-        <p:spPr>
-          <a:xfrm>
-            <a:off x="409576" y="232031"/>
-            <a:ext cx="9479494" cy="734889"/>
-          </a:xfrm>
-          <a:prstGeom prst="rect">
-            <a:avLst/>
-          </a:prstGeom>
-        </p:spPr>
-        <p:txBody>
-          <a:bodyPr vert="horz" lIns="91440" tIns="45720" rIns="91440" bIns="45720" rtlCol="0" anchor="b">
-            <a:normAutofit/>
-          </a:bodyPr>
-          <a:lstStyle>
-            <a:lvl1pPr algn="l" defTabSz="914400" rtl="0" eaLnBrk="1" latinLnBrk="0" hangingPunct="1">
-              <a:lnSpc>
-                <a:spcPct val="85000"/>
-              </a:lnSpc>
-              <a:spcBef>
-                <a:spcPct val="0"/>
-              </a:spcBef>
-              <a:buNone/>
-              <a:defRPr sz="4800" kern="1200" spc="-50" baseline="0">
-                <a:solidFill>
-                  <a:schemeClr val="tx1">
-                    <a:lumMod val="75000"/>
-                    <a:lumOff val="25000"/>
-                  </a:schemeClr>
-                </a:solidFill>
-                <a:latin typeface="+mj-lt"/>
-                <a:ea typeface="+mj-ea"/>
-                <a:cs typeface="+mj-cs"/>
-              </a:defRPr>
-            </a:lvl1pPr>
-          </a:lstStyle>
-          <a:p>
-            <a:r>
-              <a:rPr lang="en-US" b="1" dirty="0" smtClean="0"/>
-              <a:t>Anonymity Network</a:t>
-            </a:r>
-            <a:endParaRPr lang="en-US" b="1" dirty="0"/>
-          </a:p>
-        </p:txBody>
-      </p:sp>
-      <p:sp>
-        <p:nvSpPr>
-          <p:cNvPr id="2" name="Rectangle 1"/>
-          <p:cNvSpPr/>
-          <p:nvPr/>
-        </p:nvSpPr>
-        <p:spPr>
-          <a:xfrm>
-            <a:off x="3940651" y="5927149"/>
-            <a:ext cx="5073953" cy="369332"/>
-          </a:xfrm>
-          <a:prstGeom prst="rect">
-            <a:avLst/>
-          </a:prstGeom>
-        </p:spPr>
-        <p:txBody>
-          <a:bodyPr wrap="none">
-            <a:spAutoFit/>
-          </a:bodyPr>
-          <a:lstStyle/>
-          <a:p>
-            <a:r>
-              <a:rPr lang="en-US" i="1" smtClean="0">
-                <a:solidFill>
-                  <a:schemeClr val="tx1">
-                    <a:lumMod val="65000"/>
-                    <a:lumOff val="35000"/>
-                  </a:schemeClr>
-                </a:solidFill>
-              </a:rPr>
-              <a:t>https</a:t>
-            </a:r>
-            <a:r>
-              <a:rPr lang="en-US" i="1">
-                <a:solidFill>
-                  <a:schemeClr val="tx1">
-                    <a:lumMod val="65000"/>
-                    <a:lumOff val="35000"/>
-                  </a:schemeClr>
-                </a:solidFill>
-              </a:rPr>
-              <a:t>://</a:t>
-            </a:r>
-            <a:r>
-              <a:rPr lang="en-US" i="1" dirty="0" err="1">
-                <a:solidFill>
-                  <a:schemeClr val="tx1">
-                    <a:lumMod val="65000"/>
-                    <a:lumOff val="35000"/>
-                  </a:schemeClr>
-                </a:solidFill>
-              </a:rPr>
-              <a:t>www.torproject.org</a:t>
-            </a:r>
-            <a:r>
-              <a:rPr lang="en-US" i="1" dirty="0">
-                <a:solidFill>
-                  <a:schemeClr val="tx1">
-                    <a:lumMod val="65000"/>
-                    <a:lumOff val="35000"/>
-                  </a:schemeClr>
-                </a:solidFill>
-              </a:rPr>
-              <a:t>/about/</a:t>
-            </a:r>
-            <a:r>
-              <a:rPr lang="en-US" i="1" dirty="0" err="1">
-                <a:solidFill>
-                  <a:schemeClr val="tx1">
-                    <a:lumMod val="65000"/>
-                    <a:lumOff val="35000"/>
-                  </a:schemeClr>
-                </a:solidFill>
-              </a:rPr>
-              <a:t>torusers.html.en</a:t>
-            </a:r>
-            <a:endParaRPr lang="en-US" i="1" dirty="0">
-              <a:solidFill>
-                <a:schemeClr val="tx1">
-                  <a:lumMod val="65000"/>
-                  <a:lumOff val="35000"/>
-                </a:schemeClr>
-              </a:solidFill>
-            </a:endParaRPr>
-          </a:p>
-        </p:txBody>
-      </p:sp>
-    </p:spTree>
-    <p:extLst>
-      <p:ext uri="{BB962C8B-B14F-4D97-AF65-F5344CB8AC3E}">
-        <p14:creationId xmlns:p14="http://schemas.microsoft.com/office/powerpoint/2010/main" val="894209473"/>
-      </p:ext>
-    </p:extLst>
-  </p:cSld>
-  <p:clrMapOvr>
-    <a:masterClrMapping/>
-  </p:clrMapOvr>
-  <p:timing>
-    <p:tnLst>
-      <p:par>
-        <p:cTn id="1" dur="indefinite" restart="never" nodeType="tmRoot"/>
-      </p:par>
-    </p:tnLst>
-  </p:timing>
-</p:sld>
-</file>
-
-<file path=ppt/slides/slide6.xml><?xml version="1.0" encoding="utf-8"?>
-<p:sld xmlns:a="http://schemas.openxmlformats.org/drawingml/2006/main" xmlns:r="http://schemas.openxmlformats.org/officeDocument/2006/relationships" xmlns:p="http://schemas.openxmlformats.org/presentationml/2006/main">
-  <p:cSld>
-    <p:spTree>
-      <p:nvGrpSpPr>
-        <p:cNvPr id="1" name=""/>
-        <p:cNvGrpSpPr/>
-        <p:nvPr/>
-      </p:nvGrpSpPr>
-      <p:grpSpPr>
-        <a:xfrm>
-          <a:off x="0" y="0"/>
-          <a:ext cx="0" cy="0"/>
-          <a:chOff x="0" y="0"/>
-          <a:chExt cx="0" cy="0"/>
-        </a:xfrm>
-      </p:grpSpPr>
-      <p:sp>
-        <p:nvSpPr>
           <p:cNvPr id="42" name="Rectangle 41"/>
           <p:cNvSpPr/>
           <p:nvPr/>
@@ -11862,7 +11450,7 @@
           <a:p>
             <a:fld id="{629637A9-119A-49DA-BD12-AAC58B377D80}" type="slidenum">
               <a:rPr lang="en-US" smtClean="0"/>
-              <a:t>6</a:t>
+              <a:t>4</a:t>
             </a:fld>
             <a:endParaRPr lang="en-US" dirty="0"/>
           </a:p>
@@ -13015,7 +12603,7 @@
   <p:timing>
     <p:tnLst>
       <p:par>
-        <p:cTn id="1" dur="indefinite" restart="never" nodeType="tmRoot">
+        <p:cTn xmlns:p14="http://schemas.microsoft.com/office/powerpoint/2010/main" id="1" dur="indefinite" restart="never" nodeType="tmRoot">
           <p:childTnLst>
             <p:seq concurrent="1" nextAc="seek">
               <p:cTn id="2" dur="indefinite" nodeType="mainSeq">
@@ -13101,7 +12689,7 @@
 </p:sld>
 </file>
 
-<file path=ppt/slides/slide7.xml><?xml version="1.0" encoding="utf-8"?>
+<file path=ppt/slides/slide5.xml><?xml version="1.0" encoding="utf-8"?>
 <p:sld xmlns:a="http://schemas.openxmlformats.org/drawingml/2006/main" xmlns:r="http://schemas.openxmlformats.org/officeDocument/2006/relationships" xmlns:p="http://schemas.openxmlformats.org/presentationml/2006/main">
   <p:cSld>
     <p:spTree>
@@ -13197,7 +12785,7 @@
           <a:p>
             <a:fld id="{629637A9-119A-49DA-BD12-AAC58B377D80}" type="slidenum">
               <a:rPr lang="en-US" smtClean="0"/>
-              <a:t>7</a:t>
+              <a:t>5</a:t>
             </a:fld>
             <a:endParaRPr lang="en-US" dirty="0"/>
           </a:p>
@@ -14447,7 +14035,7 @@
   <p:timing>
     <p:tnLst>
       <p:par>
-        <p:cTn id="1" dur="indefinite" restart="never" nodeType="tmRoot">
+        <p:cTn xmlns:p14="http://schemas.microsoft.com/office/powerpoint/2010/main" id="1" dur="indefinite" restart="never" nodeType="tmRoot">
           <p:childTnLst>
             <p:seq concurrent="1" nextAc="seek">
               <p:cTn id="2" dur="indefinite" nodeType="mainSeq">
@@ -14665,7 +14253,7 @@
 </p:sld>
 </file>
 
-<file path=ppt/slides/slide8.xml><?xml version="1.0" encoding="utf-8"?>
+<file path=ppt/slides/slide6.xml><?xml version="1.0" encoding="utf-8"?>
 <p:sld xmlns:a="http://schemas.openxmlformats.org/drawingml/2006/main" xmlns:r="http://schemas.openxmlformats.org/officeDocument/2006/relationships" xmlns:p="http://schemas.openxmlformats.org/presentationml/2006/main">
   <p:cSld>
     <p:spTree>
@@ -14800,7 +14388,7 @@
           <a:p>
             <a:fld id="{629637A9-119A-49DA-BD12-AAC58B377D80}" type="slidenum">
               <a:rPr lang="en-US" smtClean="0"/>
-              <a:t>8</a:t>
+              <a:t>6</a:t>
             </a:fld>
             <a:endParaRPr lang="en-US" dirty="0"/>
           </a:p>
@@ -16013,7 +15601,7 @@
   <p:timing>
     <p:tnLst>
       <p:par>
-        <p:cTn id="1" dur="indefinite" restart="never" nodeType="tmRoot">
+        <p:cTn xmlns:p14="http://schemas.microsoft.com/office/powerpoint/2010/main" id="1" dur="indefinite" restart="never" nodeType="tmRoot">
           <p:childTnLst>
             <p:seq concurrent="1" nextAc="seek">
               <p:cTn id="2" dur="indefinite" nodeType="mainSeq">
@@ -16231,7 +15819,7 @@
 </p:sld>
 </file>
 
-<file path=ppt/slides/slide9.xml><?xml version="1.0" encoding="utf-8"?>
+<file path=ppt/slides/slide7.xml><?xml version="1.0" encoding="utf-8"?>
 <p:sld xmlns:a="http://schemas.openxmlformats.org/drawingml/2006/main" xmlns:r="http://schemas.openxmlformats.org/officeDocument/2006/relationships" xmlns:p="http://schemas.openxmlformats.org/presentationml/2006/main">
   <p:cSld>
     <p:spTree>
@@ -16270,7 +15858,7 @@
           <a:p>
             <a:fld id="{629637A9-119A-49DA-BD12-AAC58B377D80}" type="slidenum">
               <a:rPr lang="en-US" smtClean="0"/>
-              <a:t>9</a:t>
+              <a:t>7</a:t>
             </a:fld>
             <a:endParaRPr lang="en-US" dirty="0"/>
           </a:p>
@@ -16787,7 +16375,7 @@
   <p:timing>
     <p:tnLst>
       <p:par>
-        <p:cTn id="1" dur="indefinite" restart="never" nodeType="tmRoot">
+        <p:cTn xmlns:p14="http://schemas.microsoft.com/office/powerpoint/2010/main" id="1" dur="indefinite" restart="never" nodeType="tmRoot">
           <p:childTnLst>
             <p:seq concurrent="1" nextAc="seek">
               <p:cTn id="2" dur="indefinite" nodeType="mainSeq">
@@ -16999,6 +16587,601 @@
 </p:sld>
 </file>
 
+<file path=ppt/slides/slide8.xml><?xml version="1.0" encoding="utf-8"?>
+<p:sld xmlns:a="http://schemas.openxmlformats.org/drawingml/2006/main" xmlns:r="http://schemas.openxmlformats.org/officeDocument/2006/relationships" xmlns:p="http://schemas.openxmlformats.org/presentationml/2006/main">
+  <p:cSld>
+    <p:spTree>
+      <p:nvGrpSpPr>
+        <p:cNvPr id="1" name=""/>
+        <p:cNvGrpSpPr/>
+        <p:nvPr/>
+      </p:nvGrpSpPr>
+      <p:grpSpPr>
+        <a:xfrm>
+          <a:off x="0" y="0"/>
+          <a:ext cx="0" cy="0"/>
+          <a:chOff x="0" y="0"/>
+          <a:chExt cx="0" cy="0"/>
+        </a:xfrm>
+      </p:grpSpPr>
+      <p:sp>
+        <p:nvSpPr>
+          <p:cNvPr id="3" name="Slide Number Placeholder 2"/>
+          <p:cNvSpPr>
+            <a:spLocks noGrp="1"/>
+          </p:cNvSpPr>
+          <p:nvPr>
+            <p:ph type="sldNum" sz="quarter" idx="4294967295"/>
+          </p:nvPr>
+        </p:nvSpPr>
+        <p:spPr>
+          <a:xfrm>
+            <a:off x="-237705" y="6459786"/>
+            <a:ext cx="984019" cy="365125"/>
+          </a:xfrm>
+        </p:spPr>
+        <p:txBody>
+          <a:bodyPr/>
+          <a:lstStyle/>
+          <a:p>
+            <a:fld id="{629637A9-119A-49DA-BD12-AAC58B377D80}" type="slidenum">
+              <a:rPr lang="en-US" smtClean="0"/>
+              <a:t>8</a:t>
+            </a:fld>
+            <a:endParaRPr lang="en-US" dirty="0"/>
+          </a:p>
+        </p:txBody>
+      </p:sp>
+      <p:sp>
+        <p:nvSpPr>
+          <p:cNvPr id="4" name="Rectangle 3"/>
+          <p:cNvSpPr/>
+          <p:nvPr/>
+        </p:nvSpPr>
+        <p:spPr>
+          <a:xfrm>
+            <a:off x="349416" y="1026916"/>
+            <a:ext cx="8665188" cy="2800767"/>
+          </a:xfrm>
+          <a:prstGeom prst="rect">
+            <a:avLst/>
+          </a:prstGeom>
+        </p:spPr>
+        <p:txBody>
+          <a:bodyPr wrap="square">
+            <a:spAutoFit/>
+          </a:bodyPr>
+          <a:lstStyle/>
+          <a:p>
+            <a:pPr algn="just"/>
+            <a:r>
+              <a:rPr lang="en-US" altLang="ko-KR" sz="2800" b="1" dirty="0" smtClean="0"/>
+              <a:t>Attacks</a:t>
+            </a:r>
+          </a:p>
+          <a:p>
+            <a:pPr marL="342882" indent="-342882" algn="just">
+              <a:buFontTx/>
+              <a:buChar char="-"/>
+            </a:pPr>
+            <a:r>
+              <a:rPr lang="en-US" altLang="ko-KR" sz="2400" dirty="0" smtClean="0">
+                <a:solidFill>
+                  <a:schemeClr val="tx1">
+                    <a:lumMod val="75000"/>
+                    <a:lumOff val="25000"/>
+                  </a:schemeClr>
+                </a:solidFill>
+              </a:rPr>
+              <a:t>a</a:t>
+            </a:r>
+            <a:endParaRPr lang="en-US" altLang="ko-KR" sz="2400" dirty="0">
+              <a:solidFill>
+                <a:schemeClr val="tx1">
+                  <a:lumMod val="75000"/>
+                  <a:lumOff val="25000"/>
+                </a:schemeClr>
+              </a:solidFill>
+            </a:endParaRPr>
+          </a:p>
+          <a:p>
+            <a:pPr marL="800082" lvl="1" indent="-342882" algn="just">
+              <a:buFontTx/>
+              <a:buChar char="-"/>
+            </a:pPr>
+            <a:r>
+              <a:rPr lang="en-US" altLang="ko-KR" sz="2400" dirty="0" smtClean="0">
+                <a:solidFill>
+                  <a:schemeClr val="tx1">
+                    <a:lumMod val="75000"/>
+                    <a:lumOff val="25000"/>
+                  </a:schemeClr>
+                </a:solidFill>
+              </a:rPr>
+              <a:t>aa</a:t>
+            </a:r>
+            <a:endParaRPr lang="en-US" altLang="ko-KR" sz="2400" dirty="0">
+              <a:solidFill>
+                <a:schemeClr val="tx1">
+                  <a:lumMod val="75000"/>
+                  <a:lumOff val="25000"/>
+                </a:schemeClr>
+              </a:solidFill>
+            </a:endParaRPr>
+          </a:p>
+          <a:p>
+            <a:pPr marL="800082" lvl="1" indent="-342882" algn="just">
+              <a:buFontTx/>
+              <a:buChar char="-"/>
+            </a:pPr>
+            <a:r>
+              <a:rPr lang="en-US" altLang="ko-KR" sz="2400" dirty="0" smtClean="0">
+                <a:solidFill>
+                  <a:schemeClr val="tx1">
+                    <a:lumMod val="75000"/>
+                    <a:lumOff val="25000"/>
+                  </a:schemeClr>
+                </a:solidFill>
+              </a:rPr>
+              <a:t>ab</a:t>
+            </a:r>
+            <a:endParaRPr lang="en-US" altLang="ko-KR" sz="2800" b="1" dirty="0" smtClean="0">
+              <a:solidFill>
+                <a:schemeClr val="tx1">
+                  <a:lumMod val="75000"/>
+                  <a:lumOff val="25000"/>
+                </a:schemeClr>
+              </a:solidFill>
+            </a:endParaRPr>
+          </a:p>
+          <a:p>
+            <a:pPr algn="just"/>
+            <a:r>
+              <a:rPr lang="en-US" altLang="ko-KR" sz="2800" b="1" dirty="0" smtClean="0">
+                <a:solidFill>
+                  <a:schemeClr val="tx1">
+                    <a:lumMod val="75000"/>
+                    <a:lumOff val="25000"/>
+                  </a:schemeClr>
+                </a:solidFill>
+              </a:rPr>
+              <a:t>Defenses</a:t>
+            </a:r>
+          </a:p>
+          <a:p>
+            <a:pPr marL="342882" indent="-342882" algn="just">
+              <a:buFontTx/>
+              <a:buChar char="-"/>
+            </a:pPr>
+            <a:r>
+              <a:rPr lang="en-US" altLang="ko-KR" sz="2400" dirty="0">
+                <a:solidFill>
+                  <a:schemeClr val="tx1">
+                    <a:lumMod val="75000"/>
+                    <a:lumOff val="25000"/>
+                  </a:schemeClr>
+                </a:solidFill>
+              </a:rPr>
+              <a:t>a</a:t>
+            </a:r>
+          </a:p>
+          <a:p>
+            <a:pPr marL="800082" lvl="1" indent="-342882" algn="just">
+              <a:buFontTx/>
+              <a:buChar char="-"/>
+            </a:pPr>
+            <a:r>
+              <a:rPr lang="en-US" altLang="ko-KR" sz="2400" dirty="0" smtClean="0">
+                <a:solidFill>
+                  <a:schemeClr val="tx1">
+                    <a:lumMod val="75000"/>
+                    <a:lumOff val="25000"/>
+                  </a:schemeClr>
+                </a:solidFill>
+              </a:rPr>
+              <a:t>ac</a:t>
+            </a:r>
+            <a:endParaRPr lang="en-US" altLang="ko-KR" sz="2400" dirty="0">
+              <a:solidFill>
+                <a:schemeClr val="tx1">
+                  <a:lumMod val="75000"/>
+                  <a:lumOff val="25000"/>
+                </a:schemeClr>
+              </a:solidFill>
+            </a:endParaRPr>
+          </a:p>
+        </p:txBody>
+      </p:sp>
+      <p:sp>
+        <p:nvSpPr>
+          <p:cNvPr id="6" name="Title 1"/>
+          <p:cNvSpPr txBox="1">
+            <a:spLocks/>
+          </p:cNvSpPr>
+          <p:nvPr/>
+        </p:nvSpPr>
+        <p:spPr>
+          <a:xfrm>
+            <a:off x="409576" y="232031"/>
+            <a:ext cx="9479494" cy="734889"/>
+          </a:xfrm>
+          <a:prstGeom prst="rect">
+            <a:avLst/>
+          </a:prstGeom>
+        </p:spPr>
+        <p:txBody>
+          <a:bodyPr vert="horz" lIns="91440" tIns="45720" rIns="91440" bIns="45720" rtlCol="0" anchor="b">
+            <a:normAutofit/>
+          </a:bodyPr>
+          <a:lstStyle>
+            <a:lvl1pPr algn="l" defTabSz="914400" rtl="0" eaLnBrk="1" latinLnBrk="0" hangingPunct="1">
+              <a:lnSpc>
+                <a:spcPct val="85000"/>
+              </a:lnSpc>
+              <a:spcBef>
+                <a:spcPct val="0"/>
+              </a:spcBef>
+              <a:buNone/>
+              <a:defRPr sz="4800" kern="1200" spc="-50" baseline="0">
+                <a:solidFill>
+                  <a:schemeClr val="tx1">
+                    <a:lumMod val="75000"/>
+                    <a:lumOff val="25000"/>
+                  </a:schemeClr>
+                </a:solidFill>
+                <a:latin typeface="+mj-lt"/>
+                <a:ea typeface="+mj-ea"/>
+                <a:cs typeface="+mj-cs"/>
+              </a:defRPr>
+            </a:lvl1pPr>
+          </a:lstStyle>
+          <a:p>
+            <a:r>
+              <a:rPr lang="en-US" b="1" dirty="0" smtClean="0"/>
+              <a:t>Related Works (TODO)</a:t>
+            </a:r>
+            <a:endParaRPr lang="en-US" b="1" dirty="0"/>
+          </a:p>
+        </p:txBody>
+      </p:sp>
+    </p:spTree>
+    <p:extLst>
+      <p:ext uri="{BB962C8B-B14F-4D97-AF65-F5344CB8AC3E}">
+        <p14:creationId xmlns:p14="http://schemas.microsoft.com/office/powerpoint/2010/main" val="678010143"/>
+      </p:ext>
+    </p:extLst>
+  </p:cSld>
+  <p:clrMapOvr>
+    <a:masterClrMapping/>
+  </p:clrMapOvr>
+  <p:timing>
+    <p:tnLst>
+      <p:par>
+        <p:cTn xmlns:p14="http://schemas.microsoft.com/office/powerpoint/2010/main" id="1" dur="indefinite" restart="never" nodeType="tmRoot"/>
+      </p:par>
+    </p:tnLst>
+  </p:timing>
+</p:sld>
+</file>
+
+<file path=ppt/slides/slide9.xml><?xml version="1.0" encoding="utf-8"?>
+<p:sld xmlns:a="http://schemas.openxmlformats.org/drawingml/2006/main" xmlns:r="http://schemas.openxmlformats.org/officeDocument/2006/relationships" xmlns:p="http://schemas.openxmlformats.org/presentationml/2006/main">
+  <p:cSld>
+    <p:spTree>
+      <p:nvGrpSpPr>
+        <p:cNvPr id="1" name=""/>
+        <p:cNvGrpSpPr/>
+        <p:nvPr/>
+      </p:nvGrpSpPr>
+      <p:grpSpPr>
+        <a:xfrm>
+          <a:off x="0" y="0"/>
+          <a:ext cx="0" cy="0"/>
+          <a:chOff x="0" y="0"/>
+          <a:chExt cx="0" cy="0"/>
+        </a:xfrm>
+      </p:grpSpPr>
+      <p:sp>
+        <p:nvSpPr>
+          <p:cNvPr id="3" name="Slide Number Placeholder 2"/>
+          <p:cNvSpPr>
+            <a:spLocks noGrp="1"/>
+          </p:cNvSpPr>
+          <p:nvPr>
+            <p:ph type="sldNum" sz="quarter" idx="4294967295"/>
+          </p:nvPr>
+        </p:nvSpPr>
+        <p:spPr>
+          <a:xfrm>
+            <a:off x="-237705" y="6459786"/>
+            <a:ext cx="984019" cy="365125"/>
+          </a:xfrm>
+        </p:spPr>
+        <p:txBody>
+          <a:bodyPr/>
+          <a:lstStyle/>
+          <a:p>
+            <a:fld id="{629637A9-119A-49DA-BD12-AAC58B377D80}" type="slidenum">
+              <a:rPr lang="en-US" smtClean="0"/>
+              <a:t>9</a:t>
+            </a:fld>
+            <a:endParaRPr lang="en-US" dirty="0"/>
+          </a:p>
+        </p:txBody>
+      </p:sp>
+      <p:sp>
+        <p:nvSpPr>
+          <p:cNvPr id="4" name="Rectangle 3"/>
+          <p:cNvSpPr/>
+          <p:nvPr/>
+        </p:nvSpPr>
+        <p:spPr>
+          <a:xfrm>
+            <a:off x="349416" y="1026916"/>
+            <a:ext cx="8360830" cy="3970318"/>
+          </a:xfrm>
+          <a:prstGeom prst="rect">
+            <a:avLst/>
+          </a:prstGeom>
+        </p:spPr>
+        <p:txBody>
+          <a:bodyPr wrap="square">
+            <a:spAutoFit/>
+          </a:bodyPr>
+          <a:lstStyle/>
+          <a:p>
+            <a:pPr algn="just"/>
+            <a:r>
+              <a:rPr lang="en-US" altLang="ko-KR" sz="2800" b="1" dirty="0" smtClean="0"/>
+              <a:t>A simple and easy way to obfuscate eavesdropper?</a:t>
+            </a:r>
+          </a:p>
+          <a:p>
+            <a:pPr marL="342882" indent="-342882" algn="just">
+              <a:buFontTx/>
+              <a:buChar char="-"/>
+            </a:pPr>
+            <a:r>
+              <a:rPr lang="en-US" altLang="ko-KR" sz="2400" dirty="0" smtClean="0">
+                <a:solidFill>
+                  <a:schemeClr val="tx1">
+                    <a:lumMod val="75000"/>
+                    <a:lumOff val="25000"/>
+                  </a:schemeClr>
+                </a:solidFill>
+              </a:rPr>
+              <a:t>The accuracy of website fingerprinting attack depends on the predictability of website fingerprints.</a:t>
+            </a:r>
+          </a:p>
+          <a:p>
+            <a:pPr marL="342882" indent="-342882" algn="just">
+              <a:buFontTx/>
+              <a:buChar char="-"/>
+            </a:pPr>
+            <a:r>
+              <a:rPr lang="en-US" altLang="ko-KR" sz="2400" dirty="0" smtClean="0">
+                <a:solidFill>
+                  <a:schemeClr val="tx1">
+                    <a:lumMod val="75000"/>
+                    <a:lumOff val="25000"/>
+                  </a:schemeClr>
+                </a:solidFill>
+              </a:rPr>
+              <a:t>The attack assumes that the fingerprint of a visit to a website will be similar to the previous visits.</a:t>
+            </a:r>
+          </a:p>
+          <a:p>
+            <a:pPr marL="342882" indent="-342882" algn="just">
+              <a:buFontTx/>
+              <a:buChar char="-"/>
+            </a:pPr>
+            <a:r>
+              <a:rPr lang="en-US" altLang="ko-KR" sz="2400" dirty="0" smtClean="0">
+                <a:solidFill>
+                  <a:schemeClr val="tx1">
+                    <a:lumMod val="75000"/>
+                    <a:lumOff val="25000"/>
+                  </a:schemeClr>
+                </a:solidFill>
+              </a:rPr>
+              <a:t>What if it is not so?</a:t>
+            </a:r>
+          </a:p>
+          <a:p>
+            <a:pPr marL="342882" indent="-342882" algn="just">
+              <a:buFontTx/>
+              <a:buChar char="-"/>
+            </a:pPr>
+            <a:r>
+              <a:rPr lang="en-US" altLang="ko-KR" sz="2400" dirty="0" smtClean="0">
+                <a:solidFill>
+                  <a:schemeClr val="tx1">
+                    <a:lumMod val="75000"/>
+                    <a:lumOff val="25000"/>
+                  </a:schemeClr>
+                </a:solidFill>
+              </a:rPr>
+              <a:t>What if a fingerprint looks different for each visit?</a:t>
+            </a:r>
+          </a:p>
+          <a:p>
+            <a:pPr marL="342882" indent="-342882" algn="just">
+              <a:buFontTx/>
+              <a:buChar char="-"/>
+            </a:pPr>
+            <a:endParaRPr lang="en-US" altLang="ko-KR" sz="2400" dirty="0">
+              <a:solidFill>
+                <a:schemeClr val="tx1">
+                  <a:lumMod val="75000"/>
+                  <a:lumOff val="25000"/>
+                </a:schemeClr>
+              </a:solidFill>
+            </a:endParaRPr>
+          </a:p>
+          <a:p>
+            <a:pPr algn="just"/>
+            <a:r>
+              <a:rPr lang="en-US" altLang="ko-KR" sz="2800" b="1" dirty="0" smtClean="0">
+                <a:solidFill>
+                  <a:srgbClr val="7A0019"/>
+                </a:solidFill>
+              </a:rPr>
+              <a:t>Could </a:t>
+            </a:r>
+            <a:r>
+              <a:rPr lang="en-US" altLang="ko-KR" sz="2800" b="1" u="sng" dirty="0" smtClean="0">
+                <a:solidFill>
+                  <a:srgbClr val="7A0019"/>
+                </a:solidFill>
+              </a:rPr>
+              <a:t>randomized link prefetching</a:t>
+            </a:r>
+            <a:r>
+              <a:rPr lang="en-US" altLang="ko-KR" sz="2800" b="1" dirty="0" smtClean="0">
+                <a:solidFill>
+                  <a:srgbClr val="7A0019"/>
+                </a:solidFill>
+              </a:rPr>
+              <a:t> provide </a:t>
+            </a:r>
+            <a:r>
+              <a:rPr lang="en-US" altLang="ko-KR" sz="2800" b="1" u="sng" dirty="0" smtClean="0">
+                <a:solidFill>
+                  <a:srgbClr val="7A0019"/>
+                </a:solidFill>
+              </a:rPr>
+              <a:t>extra defense</a:t>
+            </a:r>
+            <a:r>
+              <a:rPr lang="en-US" altLang="ko-KR" sz="2800" b="1" dirty="0" smtClean="0">
+                <a:solidFill>
+                  <a:srgbClr val="7A0019"/>
+                </a:solidFill>
+              </a:rPr>
+              <a:t> against website </a:t>
+            </a:r>
+            <a:r>
+              <a:rPr lang="en-US" altLang="ko-KR" sz="2800" b="1" u="sng" dirty="0" smtClean="0">
+                <a:solidFill>
+                  <a:srgbClr val="7A0019"/>
+                </a:solidFill>
+              </a:rPr>
+              <a:t>fingerprinting attacks</a:t>
+            </a:r>
+            <a:r>
+              <a:rPr lang="en-US" altLang="ko-KR" sz="2800" b="1" dirty="0" smtClean="0">
+                <a:solidFill>
+                  <a:srgbClr val="7A0019"/>
+                </a:solidFill>
+              </a:rPr>
+              <a:t>?</a:t>
+            </a:r>
+            <a:endParaRPr lang="en-US" altLang="ko-KR" sz="2400" b="1" dirty="0">
+              <a:solidFill>
+                <a:srgbClr val="7A0019"/>
+              </a:solidFill>
+            </a:endParaRPr>
+          </a:p>
+        </p:txBody>
+      </p:sp>
+      <p:sp>
+        <p:nvSpPr>
+          <p:cNvPr id="6" name="Title 1"/>
+          <p:cNvSpPr txBox="1">
+            <a:spLocks/>
+          </p:cNvSpPr>
+          <p:nvPr/>
+        </p:nvSpPr>
+        <p:spPr>
+          <a:xfrm>
+            <a:off x="409576" y="232031"/>
+            <a:ext cx="9479494" cy="734889"/>
+          </a:xfrm>
+          <a:prstGeom prst="rect">
+            <a:avLst/>
+          </a:prstGeom>
+        </p:spPr>
+        <p:txBody>
+          <a:bodyPr vert="horz" lIns="91440" tIns="45720" rIns="91440" bIns="45720" rtlCol="0" anchor="b">
+            <a:normAutofit/>
+          </a:bodyPr>
+          <a:lstStyle>
+            <a:lvl1pPr algn="l" defTabSz="914400" rtl="0" eaLnBrk="1" latinLnBrk="0" hangingPunct="1">
+              <a:lnSpc>
+                <a:spcPct val="85000"/>
+              </a:lnSpc>
+              <a:spcBef>
+                <a:spcPct val="0"/>
+              </a:spcBef>
+              <a:buNone/>
+              <a:defRPr sz="4800" kern="1200" spc="-50" baseline="0">
+                <a:solidFill>
+                  <a:schemeClr val="tx1">
+                    <a:lumMod val="75000"/>
+                    <a:lumOff val="25000"/>
+                  </a:schemeClr>
+                </a:solidFill>
+                <a:latin typeface="+mj-lt"/>
+                <a:ea typeface="+mj-ea"/>
+                <a:cs typeface="+mj-cs"/>
+              </a:defRPr>
+            </a:lvl1pPr>
+          </a:lstStyle>
+          <a:p>
+            <a:r>
+              <a:rPr lang="en-US" b="1" dirty="0" smtClean="0"/>
+              <a:t>Idea</a:t>
+            </a:r>
+            <a:endParaRPr lang="en-US" b="1" dirty="0"/>
+          </a:p>
+        </p:txBody>
+      </p:sp>
+      <p:sp>
+        <p:nvSpPr>
+          <p:cNvPr id="8" name="TextBox 7"/>
+          <p:cNvSpPr txBox="1"/>
+          <p:nvPr/>
+        </p:nvSpPr>
+        <p:spPr>
+          <a:xfrm>
+            <a:off x="2614246" y="1266092"/>
+            <a:ext cx="184731" cy="369332"/>
+          </a:xfrm>
+          <a:prstGeom prst="rect">
+            <a:avLst/>
+          </a:prstGeom>
+          <a:noFill/>
+        </p:spPr>
+        <p:txBody>
+          <a:bodyPr wrap="none" rtlCol="0">
+            <a:spAutoFit/>
+          </a:bodyPr>
+          <a:lstStyle/>
+          <a:p>
+            <a:endParaRPr lang="en-US" dirty="0"/>
+          </a:p>
+        </p:txBody>
+      </p:sp>
+    </p:spTree>
+    <p:extLst>
+      <p:ext uri="{BB962C8B-B14F-4D97-AF65-F5344CB8AC3E}">
+        <p14:creationId xmlns:p14="http://schemas.microsoft.com/office/powerpoint/2010/main" val="118063317"/>
+      </p:ext>
+    </p:extLst>
+  </p:cSld>
+  <p:clrMapOvr>
+    <a:masterClrMapping/>
+  </p:clrMapOvr>
+  <p:timing>
+    <p:tnLst>
+      <p:par>
+        <p:cTn xmlns:p14="http://schemas.microsoft.com/office/powerpoint/2010/main" id="1" dur="indefinite" restart="never" nodeType="tmRoot"/>
+      </p:par>
+    </p:tnLst>
+  </p:timing>
+</p:sld>
+</file>
+
 <file path=ppt/theme/theme1.xml><?xml version="1.0" encoding="utf-8"?>
 <a:theme xmlns:a="http://schemas.openxmlformats.org/drawingml/2006/main" name="Retrospect">
   <a:themeElements>
@@ -17042,7 +17225,7 @@
     </a:clrScheme>
     <a:fontScheme name="Retrospect">
       <a:majorFont>
-        <a:latin typeface="Calibri Light" panose="020F0302020204030204"/>
+        <a:latin typeface="Calibri Light"/>
         <a:ea typeface=""/>
         <a:cs typeface=""/>
         <a:font script="Jpan" typeface="ＭＳ Ｐゴシック"/>
@@ -17077,7 +17260,7 @@
         <a:font script="Geor" typeface="Sylfaen"/>
       </a:majorFont>
       <a:minorFont>
-        <a:latin typeface="Calibri" panose="020F0502020204030204"/>
+        <a:latin typeface="Calibri"/>
         <a:ea typeface=""/>
         <a:cs typeface=""/>
         <a:font script="Jpan" typeface="ＭＳ Ｐゴシック"/>
@@ -17276,7 +17459,7 @@
   <a:extraClrSchemeLst/>
   <a:extLst>
     <a:ext uri="{05A4C25C-085E-4340-85A3-A5531E510DB2}">
-      <thm15:themeFamily xmlns:thm15="http://schemas.microsoft.com/office/thememl/2012/main" name="Retrospect" id="{5F128B03-DCCA-4EEB-AB3B-CF2899314A46}" vid="{D26EA377-59BD-4C9C-9D94-EE8416EE4C79}"/>
+      <thm15:themeFamily xmlns:thm15="http://schemas.microsoft.com/office/thememl/2012/main" xmlns="" name="Retrospect" id="{5F128B03-DCCA-4EEB-AB3B-CF2899314A46}" vid="{D26EA377-59BD-4C9C-9D94-EE8416EE4C79}"/>
     </a:ext>
   </a:extLst>
 </a:theme>
@@ -17325,7 +17508,7 @@
     </a:clrScheme>
     <a:fontScheme name="Office">
       <a:majorFont>
-        <a:latin typeface="Calibri Light" panose="020F0302020204030204"/>
+        <a:latin typeface="Calibri Light"/>
         <a:ea typeface=""/>
         <a:cs typeface=""/>
         <a:font script="Jpan" typeface="ＭＳ Ｐゴシック"/>
@@ -17360,7 +17543,7 @@
         <a:font script="Geor" typeface="Sylfaen"/>
       </a:majorFont>
       <a:minorFont>
-        <a:latin typeface="Calibri" panose="020F0502020204030204"/>
+        <a:latin typeface="Calibri"/>
         <a:ea typeface=""/>
         <a:cs typeface=""/>
         <a:font script="Jpan" typeface="ＭＳ Ｐゴシック"/>
@@ -17537,7 +17720,7 @@
   <a:extraClrSchemeLst/>
   <a:extLst>
     <a:ext uri="{05A4C25C-085E-4340-85A3-A5531E510DB2}">
-      <thm15:themeFamily xmlns:thm15="http://schemas.microsoft.com/office/thememl/2012/main" name="Office Theme" id="{62F939B6-93AF-4DB8-9C6B-D6C7DFDC589F}" vid="{4A3C46E8-61CC-4603-A589-7422A47A8E4A}"/>
+      <thm15:themeFamily xmlns:thm15="http://schemas.microsoft.com/office/thememl/2012/main" xmlns="" name="Office Theme" id="{62F939B6-93AF-4DB8-9C6B-D6C7DFDC589F}" vid="{4A3C46E8-61CC-4603-A589-7422A47A8E4A}"/>
     </a:ext>
   </a:extLst>
 </a:theme>
@@ -17586,7 +17769,7 @@
     </a:clrScheme>
     <a:fontScheme name="Office">
       <a:majorFont>
-        <a:latin typeface="Calibri Light" panose="020F0302020204030204"/>
+        <a:latin typeface="Calibri Light"/>
         <a:ea typeface=""/>
         <a:cs typeface=""/>
         <a:font script="Jpan" typeface="ＭＳ Ｐゴシック"/>
@@ -17621,7 +17804,7 @@
         <a:font script="Geor" typeface="Sylfaen"/>
       </a:majorFont>
       <a:minorFont>
-        <a:latin typeface="Calibri" panose="020F0502020204030204"/>
+        <a:latin typeface="Calibri"/>
         <a:ea typeface=""/>
         <a:cs typeface=""/>
         <a:font script="Jpan" typeface="ＭＳ Ｐゴシック"/>
@@ -17798,7 +17981,7 @@
   <a:extraClrSchemeLst/>
   <a:extLst>
     <a:ext uri="{05A4C25C-085E-4340-85A3-A5531E510DB2}">
-      <thm15:themeFamily xmlns:thm15="http://schemas.microsoft.com/office/thememl/2012/main" name="Office Theme" id="{62F939B6-93AF-4DB8-9C6B-D6C7DFDC589F}" vid="{4A3C46E8-61CC-4603-A589-7422A47A8E4A}"/>
+      <thm15:themeFamily xmlns:thm15="http://schemas.microsoft.com/office/thememl/2012/main" xmlns="" name="Office Theme" id="{62F939B6-93AF-4DB8-9C6B-D6C7DFDC589F}" vid="{4A3C46E8-61CC-4603-A589-7422A47A8E4A}"/>
     </a:ext>
   </a:extLst>
 </a:theme>

--- a/final_presentation.pptx
+++ b/final_presentation.pptx
@@ -5,10 +5,10 @@
     <p:sldMasterId id="2147483661" r:id="rId1"/>
   </p:sldMasterIdLst>
   <p:notesMasterIdLst>
-    <p:notesMasterId r:id="rId23"/>
+    <p:notesMasterId r:id="rId27"/>
   </p:notesMasterIdLst>
   <p:handoutMasterIdLst>
-    <p:handoutMasterId r:id="rId24"/>
+    <p:handoutMasterId r:id="rId28"/>
   </p:handoutMasterIdLst>
   <p:sldIdLst>
     <p:sldId id="256" r:id="rId2"/>
@@ -18,20 +18,24 @@
     <p:sldId id="430" r:id="rId6"/>
     <p:sldId id="431" r:id="rId7"/>
     <p:sldId id="433" r:id="rId8"/>
-    <p:sldId id="434" r:id="rId9"/>
-    <p:sldId id="435" r:id="rId10"/>
-    <p:sldId id="436" r:id="rId11"/>
-    <p:sldId id="437" r:id="rId12"/>
-    <p:sldId id="442" r:id="rId13"/>
-    <p:sldId id="438" r:id="rId14"/>
-    <p:sldId id="439" r:id="rId15"/>
-    <p:sldId id="440" r:id="rId16"/>
-    <p:sldId id="441" r:id="rId17"/>
-    <p:sldId id="420" r:id="rId18"/>
-    <p:sldId id="445" r:id="rId19"/>
-    <p:sldId id="425" r:id="rId20"/>
-    <p:sldId id="443" r:id="rId21"/>
-    <p:sldId id="444" r:id="rId22"/>
+    <p:sldId id="446" r:id="rId9"/>
+    <p:sldId id="434" r:id="rId10"/>
+    <p:sldId id="435" r:id="rId11"/>
+    <p:sldId id="436" r:id="rId12"/>
+    <p:sldId id="437" r:id="rId13"/>
+    <p:sldId id="442" r:id="rId14"/>
+    <p:sldId id="438" r:id="rId15"/>
+    <p:sldId id="439" r:id="rId16"/>
+    <p:sldId id="447" r:id="rId17"/>
+    <p:sldId id="448" r:id="rId18"/>
+    <p:sldId id="440" r:id="rId19"/>
+    <p:sldId id="441" r:id="rId20"/>
+    <p:sldId id="420" r:id="rId21"/>
+    <p:sldId id="449" r:id="rId22"/>
+    <p:sldId id="445" r:id="rId23"/>
+    <p:sldId id="425" r:id="rId24"/>
+    <p:sldId id="443" r:id="rId25"/>
+    <p:sldId id="444" r:id="rId26"/>
   </p:sldIdLst>
   <p:sldSz cx="9144000" cy="6858000" type="screen4x3"/>
   <p:notesSz cx="9926638" cy="6797675"/>
@@ -132,7 +136,7 @@
   </p:defaultTextStyle>
   <p:extLst>
     <p:ext uri="{EFAFB233-063F-42B5-8137-9DF3F51BA10A}">
-      <p15:sldGuideLst xmlns:p15="http://schemas.microsoft.com/office/powerpoint/2012/main" xmlns="">
+      <p15:sldGuideLst xmlns:p15="http://schemas.microsoft.com/office/powerpoint/2012/main">
         <p15:guide id="1" orient="horz" pos="2160">
           <p15:clr>
             <a:srgbClr val="A4A3A4"/>
@@ -146,7 +150,7 @@
       </p15:sldGuideLst>
     </p:ext>
     <p:ext uri="{2D200454-40CA-4A62-9FC3-DE9A4176ACB9}">
-      <p15:notesGuideLst xmlns:p15="http://schemas.microsoft.com/office/powerpoint/2012/main" xmlns=""/>
+      <p15:notesGuideLst xmlns:p15="http://schemas.microsoft.com/office/powerpoint/2012/main"/>
     </p:ext>
   </p:extLst>
 </p:presentation>
@@ -835,7 +839,7 @@
     </p:spTree>
     <p:extLst>
       <p:ext uri="{BB962C8B-B14F-4D97-AF65-F5344CB8AC3E}">
-        <p14:creationId xmlns:p14="http://schemas.microsoft.com/office/powerpoint/2010/main" val="1601033775"/>
+        <p14:creationId xmlns:p14="http://schemas.microsoft.com/office/powerpoint/2010/main" val="15278991"/>
       </p:ext>
     </p:extLst>
   </p:cSld>
@@ -924,7 +928,7 @@
     </p:spTree>
     <p:extLst>
       <p:ext uri="{BB962C8B-B14F-4D97-AF65-F5344CB8AC3E}">
-        <p14:creationId xmlns:p14="http://schemas.microsoft.com/office/powerpoint/2010/main" val="346269536"/>
+        <p14:creationId xmlns:p14="http://schemas.microsoft.com/office/powerpoint/2010/main" val="1601033775"/>
       </p:ext>
     </p:extLst>
   </p:cSld>
@@ -1013,7 +1017,7 @@
     </p:spTree>
     <p:extLst>
       <p:ext uri="{BB962C8B-B14F-4D97-AF65-F5344CB8AC3E}">
-        <p14:creationId xmlns:p14="http://schemas.microsoft.com/office/powerpoint/2010/main" val="162118960"/>
+        <p14:creationId xmlns:p14="http://schemas.microsoft.com/office/powerpoint/2010/main" val="346269536"/>
       </p:ext>
     </p:extLst>
   </p:cSld>
@@ -1102,7 +1106,7 @@
     </p:spTree>
     <p:extLst>
       <p:ext uri="{BB962C8B-B14F-4D97-AF65-F5344CB8AC3E}">
-        <p14:creationId xmlns:p14="http://schemas.microsoft.com/office/powerpoint/2010/main" val="77349179"/>
+        <p14:creationId xmlns:p14="http://schemas.microsoft.com/office/powerpoint/2010/main" val="162118960"/>
       </p:ext>
     </p:extLst>
   </p:cSld>
@@ -1191,7 +1195,7 @@
     </p:spTree>
     <p:extLst>
       <p:ext uri="{BB962C8B-B14F-4D97-AF65-F5344CB8AC3E}">
-        <p14:creationId xmlns:p14="http://schemas.microsoft.com/office/powerpoint/2010/main" val="346675684"/>
+        <p14:creationId xmlns:p14="http://schemas.microsoft.com/office/powerpoint/2010/main" val="77349179"/>
       </p:ext>
     </p:extLst>
   </p:cSld>
@@ -1280,7 +1284,7 @@
     </p:spTree>
     <p:extLst>
       <p:ext uri="{BB962C8B-B14F-4D97-AF65-F5344CB8AC3E}">
-        <p14:creationId xmlns:p14="http://schemas.microsoft.com/office/powerpoint/2010/main" val="1292744982"/>
+        <p14:creationId xmlns:p14="http://schemas.microsoft.com/office/powerpoint/2010/main" val="346675684"/>
       </p:ext>
     </p:extLst>
   </p:cSld>
@@ -1369,7 +1373,7 @@
     </p:spTree>
     <p:extLst>
       <p:ext uri="{BB962C8B-B14F-4D97-AF65-F5344CB8AC3E}">
-        <p14:creationId xmlns:p14="http://schemas.microsoft.com/office/powerpoint/2010/main" val="1154652724"/>
+        <p14:creationId xmlns:p14="http://schemas.microsoft.com/office/powerpoint/2010/main" val="178455540"/>
       </p:ext>
     </p:extLst>
   </p:cSld>
@@ -1428,7 +1432,7 @@
           <a:bodyPr/>
           <a:lstStyle/>
           <a:p>
-            <a:endParaRPr lang="en-US" dirty="0"/>
+            <a:endParaRPr lang="en-US"/>
           </a:p>
         </p:txBody>
       </p:sp>
@@ -1451,14 +1455,14 @@
               <a:rPr lang="en-US" smtClean="0"/>
               <a:t>17</a:t>
             </a:fld>
-            <a:endParaRPr lang="en-US" dirty="0"/>
+            <a:endParaRPr lang="en-US"/>
           </a:p>
         </p:txBody>
       </p:sp>
     </p:spTree>
     <p:extLst>
       <p:ext uri="{BB962C8B-B14F-4D97-AF65-F5344CB8AC3E}">
-        <p14:creationId xmlns:p14="http://schemas.microsoft.com/office/powerpoint/2010/main" val="114426890"/>
+        <p14:creationId xmlns:p14="http://schemas.microsoft.com/office/powerpoint/2010/main" val="1641702622"/>
       </p:ext>
     </p:extLst>
   </p:cSld>
@@ -1538,7 +1542,7 @@
           <a:p>
             <a:fld id="{B4A3401A-85D7-4E8B-A870-E455B7B50306}" type="slidenum">
               <a:rPr lang="en-US" smtClean="0"/>
-              <a:t>20</a:t>
+              <a:t>18</a:t>
             </a:fld>
             <a:endParaRPr lang="en-US"/>
           </a:p>
@@ -1547,7 +1551,7 @@
     </p:spTree>
     <p:extLst>
       <p:ext uri="{BB962C8B-B14F-4D97-AF65-F5344CB8AC3E}">
-        <p14:creationId xmlns:p14="http://schemas.microsoft.com/office/powerpoint/2010/main" val="1517760777"/>
+        <p14:creationId xmlns:p14="http://schemas.microsoft.com/office/powerpoint/2010/main" val="1292744982"/>
       </p:ext>
     </p:extLst>
   </p:cSld>
@@ -1627,7 +1631,7 @@
           <a:p>
             <a:fld id="{B4A3401A-85D7-4E8B-A870-E455B7B50306}" type="slidenum">
               <a:rPr lang="en-US" smtClean="0"/>
-              <a:t>21</a:t>
+              <a:t>19</a:t>
             </a:fld>
             <a:endParaRPr lang="en-US"/>
           </a:p>
@@ -1636,7 +1640,7 @@
     </p:spTree>
     <p:extLst>
       <p:ext uri="{BB962C8B-B14F-4D97-AF65-F5344CB8AC3E}">
-        <p14:creationId xmlns:p14="http://schemas.microsoft.com/office/powerpoint/2010/main" val="1551446831"/>
+        <p14:creationId xmlns:p14="http://schemas.microsoft.com/office/powerpoint/2010/main" val="1154652724"/>
       </p:ext>
     </p:extLst>
   </p:cSld>
@@ -1726,6 +1730,362 @@
     <p:extLst>
       <p:ext uri="{BB962C8B-B14F-4D97-AF65-F5344CB8AC3E}">
         <p14:creationId xmlns:p14="http://schemas.microsoft.com/office/powerpoint/2010/main" val="2195877934"/>
+      </p:ext>
+    </p:extLst>
+  </p:cSld>
+  <p:clrMapOvr>
+    <a:masterClrMapping/>
+  </p:clrMapOvr>
+</p:notes>
+</file>
+
+<file path=ppt/notesSlides/notesSlide20.xml><?xml version="1.0" encoding="utf-8"?>
+<p:notes xmlns:a="http://schemas.openxmlformats.org/drawingml/2006/main" xmlns:r="http://schemas.openxmlformats.org/officeDocument/2006/relationships" xmlns:p="http://schemas.openxmlformats.org/presentationml/2006/main">
+  <p:cSld>
+    <p:spTree>
+      <p:nvGrpSpPr>
+        <p:cNvPr id="1" name=""/>
+        <p:cNvGrpSpPr/>
+        <p:nvPr/>
+      </p:nvGrpSpPr>
+      <p:grpSpPr>
+        <a:xfrm>
+          <a:off x="0" y="0"/>
+          <a:ext cx="0" cy="0"/>
+          <a:chOff x="0" y="0"/>
+          <a:chExt cx="0" cy="0"/>
+        </a:xfrm>
+      </p:grpSpPr>
+      <p:sp>
+        <p:nvSpPr>
+          <p:cNvPr id="2" name="Slide Image Placeholder 1"/>
+          <p:cNvSpPr>
+            <a:spLocks noGrp="1" noRot="1" noChangeAspect="1"/>
+          </p:cNvSpPr>
+          <p:nvPr>
+            <p:ph type="sldImg"/>
+          </p:nvPr>
+        </p:nvSpPr>
+        <p:spPr>
+          <a:xfrm>
+            <a:off x="3433763" y="849313"/>
+            <a:ext cx="3059112" cy="2293937"/>
+          </a:xfrm>
+        </p:spPr>
+      </p:sp>
+      <p:sp>
+        <p:nvSpPr>
+          <p:cNvPr id="3" name="Notes Placeholder 2"/>
+          <p:cNvSpPr>
+            <a:spLocks noGrp="1"/>
+          </p:cNvSpPr>
+          <p:nvPr>
+            <p:ph type="body" idx="1"/>
+          </p:nvPr>
+        </p:nvSpPr>
+        <p:spPr/>
+        <p:txBody>
+          <a:bodyPr/>
+          <a:lstStyle/>
+          <a:p>
+            <a:endParaRPr lang="en-US" dirty="0"/>
+          </a:p>
+        </p:txBody>
+      </p:sp>
+      <p:sp>
+        <p:nvSpPr>
+          <p:cNvPr id="4" name="Slide Number Placeholder 3"/>
+          <p:cNvSpPr>
+            <a:spLocks noGrp="1"/>
+          </p:cNvSpPr>
+          <p:nvPr>
+            <p:ph type="sldNum" sz="quarter" idx="10"/>
+          </p:nvPr>
+        </p:nvSpPr>
+        <p:spPr/>
+        <p:txBody>
+          <a:bodyPr/>
+          <a:lstStyle/>
+          <a:p>
+            <a:fld id="{B4A3401A-85D7-4E8B-A870-E455B7B50306}" type="slidenum">
+              <a:rPr lang="en-US" smtClean="0"/>
+              <a:t>20</a:t>
+            </a:fld>
+            <a:endParaRPr lang="en-US" dirty="0"/>
+          </a:p>
+        </p:txBody>
+      </p:sp>
+    </p:spTree>
+    <p:extLst>
+      <p:ext uri="{BB962C8B-B14F-4D97-AF65-F5344CB8AC3E}">
+        <p14:creationId xmlns:p14="http://schemas.microsoft.com/office/powerpoint/2010/main" val="114426890"/>
+      </p:ext>
+    </p:extLst>
+  </p:cSld>
+  <p:clrMapOvr>
+    <a:masterClrMapping/>
+  </p:clrMapOvr>
+</p:notes>
+</file>
+
+<file path=ppt/notesSlides/notesSlide21.xml><?xml version="1.0" encoding="utf-8"?>
+<p:notes xmlns:a="http://schemas.openxmlformats.org/drawingml/2006/main" xmlns:r="http://schemas.openxmlformats.org/officeDocument/2006/relationships" xmlns:p="http://schemas.openxmlformats.org/presentationml/2006/main">
+  <p:cSld>
+    <p:spTree>
+      <p:nvGrpSpPr>
+        <p:cNvPr id="1" name=""/>
+        <p:cNvGrpSpPr/>
+        <p:nvPr/>
+      </p:nvGrpSpPr>
+      <p:grpSpPr>
+        <a:xfrm>
+          <a:off x="0" y="0"/>
+          <a:ext cx="0" cy="0"/>
+          <a:chOff x="0" y="0"/>
+          <a:chExt cx="0" cy="0"/>
+        </a:xfrm>
+      </p:grpSpPr>
+      <p:sp>
+        <p:nvSpPr>
+          <p:cNvPr id="2" name="Slide Image Placeholder 1"/>
+          <p:cNvSpPr>
+            <a:spLocks noGrp="1" noRot="1" noChangeAspect="1"/>
+          </p:cNvSpPr>
+          <p:nvPr>
+            <p:ph type="sldImg"/>
+          </p:nvPr>
+        </p:nvSpPr>
+        <p:spPr>
+          <a:xfrm>
+            <a:off x="3433763" y="849313"/>
+            <a:ext cx="3059112" cy="2293937"/>
+          </a:xfrm>
+        </p:spPr>
+      </p:sp>
+      <p:sp>
+        <p:nvSpPr>
+          <p:cNvPr id="3" name="Notes Placeholder 2"/>
+          <p:cNvSpPr>
+            <a:spLocks noGrp="1"/>
+          </p:cNvSpPr>
+          <p:nvPr>
+            <p:ph type="body" idx="1"/>
+          </p:nvPr>
+        </p:nvSpPr>
+        <p:spPr/>
+        <p:txBody>
+          <a:bodyPr/>
+          <a:lstStyle/>
+          <a:p>
+            <a:endParaRPr lang="en-US" dirty="0"/>
+          </a:p>
+        </p:txBody>
+      </p:sp>
+      <p:sp>
+        <p:nvSpPr>
+          <p:cNvPr id="4" name="Slide Number Placeholder 3"/>
+          <p:cNvSpPr>
+            <a:spLocks noGrp="1"/>
+          </p:cNvSpPr>
+          <p:nvPr>
+            <p:ph type="sldNum" sz="quarter" idx="10"/>
+          </p:nvPr>
+        </p:nvSpPr>
+        <p:spPr/>
+        <p:txBody>
+          <a:bodyPr/>
+          <a:lstStyle/>
+          <a:p>
+            <a:fld id="{B4A3401A-85D7-4E8B-A870-E455B7B50306}" type="slidenum">
+              <a:rPr lang="en-US" smtClean="0"/>
+              <a:t>21</a:t>
+            </a:fld>
+            <a:endParaRPr lang="en-US" dirty="0"/>
+          </a:p>
+        </p:txBody>
+      </p:sp>
+    </p:spTree>
+    <p:extLst>
+      <p:ext uri="{BB962C8B-B14F-4D97-AF65-F5344CB8AC3E}">
+        <p14:creationId xmlns:p14="http://schemas.microsoft.com/office/powerpoint/2010/main" val="563068683"/>
+      </p:ext>
+    </p:extLst>
+  </p:cSld>
+  <p:clrMapOvr>
+    <a:masterClrMapping/>
+  </p:clrMapOvr>
+</p:notes>
+</file>
+
+<file path=ppt/notesSlides/notesSlide22.xml><?xml version="1.0" encoding="utf-8"?>
+<p:notes xmlns:a="http://schemas.openxmlformats.org/drawingml/2006/main" xmlns:r="http://schemas.openxmlformats.org/officeDocument/2006/relationships" xmlns:p="http://schemas.openxmlformats.org/presentationml/2006/main">
+  <p:cSld>
+    <p:spTree>
+      <p:nvGrpSpPr>
+        <p:cNvPr id="1" name=""/>
+        <p:cNvGrpSpPr/>
+        <p:nvPr/>
+      </p:nvGrpSpPr>
+      <p:grpSpPr>
+        <a:xfrm>
+          <a:off x="0" y="0"/>
+          <a:ext cx="0" cy="0"/>
+          <a:chOff x="0" y="0"/>
+          <a:chExt cx="0" cy="0"/>
+        </a:xfrm>
+      </p:grpSpPr>
+      <p:sp>
+        <p:nvSpPr>
+          <p:cNvPr id="2" name="Slide Image Placeholder 1"/>
+          <p:cNvSpPr>
+            <a:spLocks noGrp="1" noRot="1" noChangeAspect="1"/>
+          </p:cNvSpPr>
+          <p:nvPr>
+            <p:ph type="sldImg"/>
+          </p:nvPr>
+        </p:nvSpPr>
+        <p:spPr>
+          <a:xfrm>
+            <a:off x="3433763" y="849313"/>
+            <a:ext cx="3059112" cy="2293937"/>
+          </a:xfrm>
+        </p:spPr>
+      </p:sp>
+      <p:sp>
+        <p:nvSpPr>
+          <p:cNvPr id="3" name="Notes Placeholder 2"/>
+          <p:cNvSpPr>
+            <a:spLocks noGrp="1"/>
+          </p:cNvSpPr>
+          <p:nvPr>
+            <p:ph type="body" idx="1"/>
+          </p:nvPr>
+        </p:nvSpPr>
+        <p:spPr/>
+        <p:txBody>
+          <a:bodyPr/>
+          <a:lstStyle/>
+          <a:p>
+            <a:endParaRPr lang="en-US"/>
+          </a:p>
+        </p:txBody>
+      </p:sp>
+      <p:sp>
+        <p:nvSpPr>
+          <p:cNvPr id="4" name="Slide Number Placeholder 3"/>
+          <p:cNvSpPr>
+            <a:spLocks noGrp="1"/>
+          </p:cNvSpPr>
+          <p:nvPr>
+            <p:ph type="sldNum" sz="quarter" idx="10"/>
+          </p:nvPr>
+        </p:nvSpPr>
+        <p:spPr/>
+        <p:txBody>
+          <a:bodyPr/>
+          <a:lstStyle/>
+          <a:p>
+            <a:fld id="{B4A3401A-85D7-4E8B-A870-E455B7B50306}" type="slidenum">
+              <a:rPr lang="en-US" smtClean="0"/>
+              <a:t>24</a:t>
+            </a:fld>
+            <a:endParaRPr lang="en-US"/>
+          </a:p>
+        </p:txBody>
+      </p:sp>
+    </p:spTree>
+    <p:extLst>
+      <p:ext uri="{BB962C8B-B14F-4D97-AF65-F5344CB8AC3E}">
+        <p14:creationId xmlns:p14="http://schemas.microsoft.com/office/powerpoint/2010/main" val="1517760777"/>
+      </p:ext>
+    </p:extLst>
+  </p:cSld>
+  <p:clrMapOvr>
+    <a:masterClrMapping/>
+  </p:clrMapOvr>
+</p:notes>
+</file>
+
+<file path=ppt/notesSlides/notesSlide23.xml><?xml version="1.0" encoding="utf-8"?>
+<p:notes xmlns:a="http://schemas.openxmlformats.org/drawingml/2006/main" xmlns:r="http://schemas.openxmlformats.org/officeDocument/2006/relationships" xmlns:p="http://schemas.openxmlformats.org/presentationml/2006/main">
+  <p:cSld>
+    <p:spTree>
+      <p:nvGrpSpPr>
+        <p:cNvPr id="1" name=""/>
+        <p:cNvGrpSpPr/>
+        <p:nvPr/>
+      </p:nvGrpSpPr>
+      <p:grpSpPr>
+        <a:xfrm>
+          <a:off x="0" y="0"/>
+          <a:ext cx="0" cy="0"/>
+          <a:chOff x="0" y="0"/>
+          <a:chExt cx="0" cy="0"/>
+        </a:xfrm>
+      </p:grpSpPr>
+      <p:sp>
+        <p:nvSpPr>
+          <p:cNvPr id="2" name="Slide Image Placeholder 1"/>
+          <p:cNvSpPr>
+            <a:spLocks noGrp="1" noRot="1" noChangeAspect="1"/>
+          </p:cNvSpPr>
+          <p:nvPr>
+            <p:ph type="sldImg"/>
+          </p:nvPr>
+        </p:nvSpPr>
+        <p:spPr>
+          <a:xfrm>
+            <a:off x="3433763" y="849313"/>
+            <a:ext cx="3059112" cy="2293937"/>
+          </a:xfrm>
+        </p:spPr>
+      </p:sp>
+      <p:sp>
+        <p:nvSpPr>
+          <p:cNvPr id="3" name="Notes Placeholder 2"/>
+          <p:cNvSpPr>
+            <a:spLocks noGrp="1"/>
+          </p:cNvSpPr>
+          <p:nvPr>
+            <p:ph type="body" idx="1"/>
+          </p:nvPr>
+        </p:nvSpPr>
+        <p:spPr/>
+        <p:txBody>
+          <a:bodyPr/>
+          <a:lstStyle/>
+          <a:p>
+            <a:endParaRPr lang="en-US"/>
+          </a:p>
+        </p:txBody>
+      </p:sp>
+      <p:sp>
+        <p:nvSpPr>
+          <p:cNvPr id="4" name="Slide Number Placeholder 3"/>
+          <p:cNvSpPr>
+            <a:spLocks noGrp="1"/>
+          </p:cNvSpPr>
+          <p:nvPr>
+            <p:ph type="sldNum" sz="quarter" idx="10"/>
+          </p:nvPr>
+        </p:nvSpPr>
+        <p:spPr/>
+        <p:txBody>
+          <a:bodyPr/>
+          <a:lstStyle/>
+          <a:p>
+            <a:fld id="{B4A3401A-85D7-4E8B-A870-E455B7B50306}" type="slidenum">
+              <a:rPr lang="en-US" smtClean="0"/>
+              <a:t>25</a:t>
+            </a:fld>
+            <a:endParaRPr lang="en-US"/>
+          </a:p>
+        </p:txBody>
+      </p:sp>
+    </p:spTree>
+    <p:extLst>
+      <p:ext uri="{BB962C8B-B14F-4D97-AF65-F5344CB8AC3E}">
+        <p14:creationId xmlns:p14="http://schemas.microsoft.com/office/powerpoint/2010/main" val="1551446831"/>
       </p:ext>
     </p:extLst>
   </p:cSld>
@@ -2140,7 +2500,7 @@
           <a:bodyPr/>
           <a:lstStyle/>
           <a:p>
-            <a:endParaRPr lang="en-US"/>
+            <a:endParaRPr lang="en-US" dirty="0"/>
           </a:p>
         </p:txBody>
       </p:sp>
@@ -2259,7 +2619,7 @@
     </p:spTree>
     <p:extLst>
       <p:ext uri="{BB962C8B-B14F-4D97-AF65-F5344CB8AC3E}">
-        <p14:creationId xmlns:p14="http://schemas.microsoft.com/office/powerpoint/2010/main" val="768242419"/>
+        <p14:creationId xmlns:p14="http://schemas.microsoft.com/office/powerpoint/2010/main" val="256506032"/>
       </p:ext>
     </p:extLst>
   </p:cSld>
@@ -2348,7 +2708,7 @@
     </p:spTree>
     <p:extLst>
       <p:ext uri="{BB962C8B-B14F-4D97-AF65-F5344CB8AC3E}">
-        <p14:creationId xmlns:p14="http://schemas.microsoft.com/office/powerpoint/2010/main" val="15278991"/>
+        <p14:creationId xmlns:p14="http://schemas.microsoft.com/office/powerpoint/2010/main" val="768242419"/>
       </p:ext>
     </p:extLst>
   </p:cSld>
@@ -2791,7 +3151,7 @@
   <p:timing>
     <p:tnLst>
       <p:par>
-        <p:cTn xmlns:p14="http://schemas.microsoft.com/office/powerpoint/2010/main" id="1" dur="indefinite" restart="never" nodeType="tmRoot"/>
+        <p:cTn id="1" dur="indefinite" restart="never" nodeType="tmRoot"/>
       </p:par>
     </p:tnLst>
   </p:timing>
@@ -2976,7 +3336,7 @@
   <p:timing>
     <p:tnLst>
       <p:par>
-        <p:cTn xmlns:p14="http://schemas.microsoft.com/office/powerpoint/2010/main" id="1" dur="indefinite" restart="never" nodeType="tmRoot"/>
+        <p:cTn id="1" dur="indefinite" restart="never" nodeType="tmRoot"/>
       </p:par>
     </p:tnLst>
   </p:timing>
@@ -3247,7 +3607,7 @@
   <p:timing>
     <p:tnLst>
       <p:par>
-        <p:cTn xmlns:p14="http://schemas.microsoft.com/office/powerpoint/2010/main" id="1" dur="indefinite" restart="never" nodeType="tmRoot"/>
+        <p:cTn id="1" dur="indefinite" restart="never" nodeType="tmRoot"/>
       </p:par>
     </p:tnLst>
   </p:timing>
@@ -3414,7 +3774,7 @@
   <p:timing>
     <p:tnLst>
       <p:par>
-        <p:cTn xmlns:p14="http://schemas.microsoft.com/office/powerpoint/2010/main" id="1" dur="indefinite" restart="never" nodeType="tmRoot"/>
+        <p:cTn id="1" dur="indefinite" restart="never" nodeType="tmRoot"/>
       </p:par>
     </p:tnLst>
   </p:timing>
@@ -3810,7 +4170,7 @@
   <p:timing>
     <p:tnLst>
       <p:par>
-        <p:cTn xmlns:p14="http://schemas.microsoft.com/office/powerpoint/2010/main" id="1" dur="indefinite" restart="never" nodeType="tmRoot"/>
+        <p:cTn id="1" dur="indefinite" restart="never" nodeType="tmRoot"/>
       </p:par>
     </p:tnLst>
   </p:timing>
@@ -4062,7 +4422,7 @@
   <p:timing>
     <p:tnLst>
       <p:par>
-        <p:cTn xmlns:p14="http://schemas.microsoft.com/office/powerpoint/2010/main" id="1" dur="indefinite" restart="never" nodeType="tmRoot"/>
+        <p:cTn id="1" dur="indefinite" restart="never" nodeType="tmRoot"/>
       </p:par>
     </p:tnLst>
   </p:timing>
@@ -4456,7 +4816,7 @@
   <p:timing>
     <p:tnLst>
       <p:par>
-        <p:cTn xmlns:p14="http://schemas.microsoft.com/office/powerpoint/2010/main" id="1" dur="indefinite" restart="never" nodeType="tmRoot"/>
+        <p:cTn id="1" dur="indefinite" restart="never" nodeType="tmRoot"/>
       </p:par>
     </p:tnLst>
   </p:timing>
@@ -4589,7 +4949,7 @@
   <p:timing>
     <p:tnLst>
       <p:par>
-        <p:cTn xmlns:p14="http://schemas.microsoft.com/office/powerpoint/2010/main" id="1" dur="indefinite" restart="never" nodeType="tmRoot"/>
+        <p:cTn id="1" dur="indefinite" restart="never" nodeType="tmRoot"/>
       </p:par>
     </p:tnLst>
   </p:timing>
@@ -4784,7 +5144,7 @@
   <p:timing>
     <p:tnLst>
       <p:par>
-        <p:cTn xmlns:p14="http://schemas.microsoft.com/office/powerpoint/2010/main" id="1" dur="indefinite" restart="never" nodeType="tmRoot"/>
+        <p:cTn id="1" dur="indefinite" restart="never" nodeType="tmRoot"/>
       </p:par>
     </p:tnLst>
   </p:timing>
@@ -5162,7 +5522,7 @@
   <p:timing>
     <p:tnLst>
       <p:par>
-        <p:cTn xmlns:p14="http://schemas.microsoft.com/office/powerpoint/2010/main" id="1" dur="indefinite" restart="never" nodeType="tmRoot"/>
+        <p:cTn id="1" dur="indefinite" restart="never" nodeType="tmRoot"/>
       </p:par>
     </p:tnLst>
   </p:timing>
@@ -6109,7 +6469,7 @@
   <p:timing>
     <p:tnLst>
       <p:par>
-        <p:cTn xmlns:p14="http://schemas.microsoft.com/office/powerpoint/2010/main" id="1" dur="indefinite" restart="never" nodeType="tmRoot"/>
+        <p:cTn id="1" dur="indefinite" restart="never" nodeType="tmRoot"/>
       </p:par>
     </p:tnLst>
   </p:timing>
@@ -6626,39 +6986,15 @@
                   <a:schemeClr val="tx1"/>
                 </a:solidFill>
               </a:rPr>
-              <a:t>ingerprinting </a:t>
-            </a:r>
-            <a:r>
-              <a:rPr lang="en-US" altLang="ko-KR" sz="4000" b="1" dirty="0" smtClean="0">
+              <a:t>ingerprinting Defense</a:t>
+            </a:r>
+            <a:r>
+              <a:rPr lang="en-US" altLang="ko-KR" sz="4000" dirty="0" smtClean="0">
                 <a:solidFill>
                   <a:schemeClr val="tx1"/>
                 </a:solidFill>
               </a:rPr>
-              <a:t>D</a:t>
-            </a:r>
-            <a:r>
-              <a:rPr lang="en-US" altLang="ko-KR" sz="4000" b="1" dirty="0" smtClean="0">
-                <a:solidFill>
-                  <a:schemeClr val="tx1"/>
-                </a:solidFill>
-              </a:rPr>
-              <a:t>efense</a:t>
-            </a:r>
-            <a:r>
-              <a:rPr lang="en-US" altLang="ko-KR" sz="4000" dirty="0" smtClean="0">
-                <a:solidFill>
-                  <a:schemeClr val="tx1"/>
-                </a:solidFill>
-              </a:rPr>
-              <a:t> </a:t>
-            </a:r>
-            <a:r>
-              <a:rPr lang="en-US" altLang="ko-KR" sz="4000" dirty="0" smtClean="0">
-                <a:solidFill>
-                  <a:schemeClr val="tx1"/>
-                </a:solidFill>
-              </a:rPr>
-              <a:t>for Tor</a:t>
+              <a:t> for Tor</a:t>
             </a:r>
             <a:r>
               <a:rPr lang="en-US" altLang="ko-KR" sz="3800" b="1" dirty="0" smtClean="0">
@@ -6862,29 +7198,7 @@
                   </a:schemeClr>
                 </a:solidFill>
               </a:rPr>
-              <a:t> </a:t>
-            </a:r>
-            <a:r>
-              <a:rPr lang="en-US" altLang="ko-KR" sz="2000" i="1" dirty="0" smtClean="0">
-                <a:solidFill>
-                  <a:schemeClr val="tx1">
-                    <a:lumMod val="65000"/>
-                    <a:lumOff val="35000"/>
-                  </a:schemeClr>
-                </a:solidFill>
-              </a:rPr>
-              <a:t>December </a:t>
-            </a:r>
-            <a:r>
-              <a:rPr lang="en-US" altLang="ko-KR" sz="2000" i="1" dirty="0" smtClean="0">
-                <a:solidFill>
-                  <a:schemeClr val="tx1">
-                    <a:lumMod val="65000"/>
-                    <a:lumOff val="35000"/>
-                  </a:schemeClr>
-                </a:solidFill>
-              </a:rPr>
-              <a:t>7,2015</a:t>
+              <a:t> December 7,2015</a:t>
             </a:r>
             <a:endParaRPr lang="en-US" sz="4800" b="1" i="1" dirty="0">
               <a:solidFill>
@@ -6907,7 +7221,7 @@
   <p:timing>
     <p:tnLst>
       <p:par>
-        <p:cTn xmlns:p14="http://schemas.microsoft.com/office/powerpoint/2010/main" id="1" dur="indefinite" restart="never" nodeType="tmRoot"/>
+        <p:cTn id="1" dur="indefinite" restart="never" nodeType="tmRoot"/>
       </p:par>
     </p:tnLst>
   </p:timing>
@@ -6968,6 +7282,324 @@
         <p:spPr>
           <a:xfrm>
             <a:off x="349416" y="1026916"/>
+            <a:ext cx="8360830" cy="3970318"/>
+          </a:xfrm>
+          <a:prstGeom prst="rect">
+            <a:avLst/>
+          </a:prstGeom>
+        </p:spPr>
+        <p:txBody>
+          <a:bodyPr wrap="square">
+            <a:spAutoFit/>
+          </a:bodyPr>
+          <a:lstStyle/>
+          <a:p>
+            <a:pPr algn="just"/>
+            <a:r>
+              <a:rPr lang="en-US" altLang="ko-KR" sz="2800" b="1" dirty="0" smtClean="0"/>
+              <a:t>A simple and easy way to obfuscate eavesdropper?</a:t>
+            </a:r>
+          </a:p>
+          <a:p>
+            <a:pPr marL="342882" indent="-342882" algn="just">
+              <a:buFontTx/>
+              <a:buChar char="-"/>
+            </a:pPr>
+            <a:r>
+              <a:rPr lang="en-US" altLang="ko-KR" sz="2400" dirty="0" smtClean="0">
+                <a:solidFill>
+                  <a:schemeClr val="tx1">
+                    <a:lumMod val="75000"/>
+                    <a:lumOff val="25000"/>
+                  </a:schemeClr>
+                </a:solidFill>
+              </a:rPr>
+              <a:t>The accuracy of website fingerprinting attack depends on the predictability of website fingerprints.</a:t>
+            </a:r>
+          </a:p>
+          <a:p>
+            <a:pPr marL="342882" indent="-342882" algn="just">
+              <a:buFontTx/>
+              <a:buChar char="-"/>
+            </a:pPr>
+            <a:r>
+              <a:rPr lang="en-US" altLang="ko-KR" sz="2400" dirty="0" smtClean="0">
+                <a:solidFill>
+                  <a:schemeClr val="tx1">
+                    <a:lumMod val="75000"/>
+                    <a:lumOff val="25000"/>
+                  </a:schemeClr>
+                </a:solidFill>
+              </a:rPr>
+              <a:t>The attack assumes that the fingerprint of a visit to a website will be similar to the previous visits.</a:t>
+            </a:r>
+          </a:p>
+          <a:p>
+            <a:pPr marL="342882" indent="-342882" algn="just">
+              <a:buFontTx/>
+              <a:buChar char="-"/>
+            </a:pPr>
+            <a:r>
+              <a:rPr lang="en-US" altLang="ko-KR" sz="2400" dirty="0" smtClean="0">
+                <a:solidFill>
+                  <a:schemeClr val="tx1">
+                    <a:lumMod val="75000"/>
+                    <a:lumOff val="25000"/>
+                  </a:schemeClr>
+                </a:solidFill>
+              </a:rPr>
+              <a:t>What if it is not so?</a:t>
+            </a:r>
+          </a:p>
+          <a:p>
+            <a:pPr marL="342882" indent="-342882" algn="just">
+              <a:buFontTx/>
+              <a:buChar char="-"/>
+            </a:pPr>
+            <a:r>
+              <a:rPr lang="en-US" altLang="ko-KR" sz="2400" dirty="0" smtClean="0">
+                <a:solidFill>
+                  <a:schemeClr val="tx1">
+                    <a:lumMod val="75000"/>
+                    <a:lumOff val="25000"/>
+                  </a:schemeClr>
+                </a:solidFill>
+              </a:rPr>
+              <a:t>What if a fingerprint looks different for each visit?</a:t>
+            </a:r>
+          </a:p>
+          <a:p>
+            <a:pPr marL="342882" indent="-342882" algn="just">
+              <a:buFontTx/>
+              <a:buChar char="-"/>
+            </a:pPr>
+            <a:endParaRPr lang="en-US" altLang="ko-KR" sz="2400" dirty="0">
+              <a:solidFill>
+                <a:schemeClr val="tx1">
+                  <a:lumMod val="75000"/>
+                  <a:lumOff val="25000"/>
+                </a:schemeClr>
+              </a:solidFill>
+            </a:endParaRPr>
+          </a:p>
+          <a:p>
+            <a:pPr algn="just"/>
+            <a:r>
+              <a:rPr lang="en-US" altLang="ko-KR" sz="2800" b="1" dirty="0" smtClean="0">
+                <a:solidFill>
+                  <a:srgbClr val="7A0019"/>
+                </a:solidFill>
+              </a:rPr>
+              <a:t>Could </a:t>
+            </a:r>
+            <a:r>
+              <a:rPr lang="en-US" altLang="ko-KR" sz="2800" b="1" u="sng" dirty="0" smtClean="0">
+                <a:solidFill>
+                  <a:srgbClr val="7A0019"/>
+                </a:solidFill>
+              </a:rPr>
+              <a:t>randomized link prefetching</a:t>
+            </a:r>
+            <a:r>
+              <a:rPr lang="en-US" altLang="ko-KR" sz="2800" b="1" dirty="0" smtClean="0">
+                <a:solidFill>
+                  <a:srgbClr val="7A0019"/>
+                </a:solidFill>
+              </a:rPr>
+              <a:t> provide </a:t>
+            </a:r>
+            <a:r>
+              <a:rPr lang="en-US" altLang="ko-KR" sz="2800" b="1" u="sng" dirty="0" smtClean="0">
+                <a:solidFill>
+                  <a:srgbClr val="7A0019"/>
+                </a:solidFill>
+              </a:rPr>
+              <a:t>extra defense</a:t>
+            </a:r>
+            <a:r>
+              <a:rPr lang="en-US" altLang="ko-KR" sz="2800" b="1" dirty="0" smtClean="0">
+                <a:solidFill>
+                  <a:srgbClr val="7A0019"/>
+                </a:solidFill>
+              </a:rPr>
+              <a:t> against website </a:t>
+            </a:r>
+            <a:r>
+              <a:rPr lang="en-US" altLang="ko-KR" sz="2800" b="1" u="sng" dirty="0" smtClean="0">
+                <a:solidFill>
+                  <a:srgbClr val="7A0019"/>
+                </a:solidFill>
+              </a:rPr>
+              <a:t>fingerprinting attacks</a:t>
+            </a:r>
+            <a:r>
+              <a:rPr lang="en-US" altLang="ko-KR" sz="2800" b="1" dirty="0" smtClean="0">
+                <a:solidFill>
+                  <a:srgbClr val="7A0019"/>
+                </a:solidFill>
+              </a:rPr>
+              <a:t>?</a:t>
+            </a:r>
+            <a:endParaRPr lang="en-US" altLang="ko-KR" sz="2400" b="1" dirty="0">
+              <a:solidFill>
+                <a:srgbClr val="7A0019"/>
+              </a:solidFill>
+            </a:endParaRPr>
+          </a:p>
+        </p:txBody>
+      </p:sp>
+      <p:sp>
+        <p:nvSpPr>
+          <p:cNvPr id="6" name="Title 1"/>
+          <p:cNvSpPr txBox="1">
+            <a:spLocks/>
+          </p:cNvSpPr>
+          <p:nvPr/>
+        </p:nvSpPr>
+        <p:spPr>
+          <a:xfrm>
+            <a:off x="409576" y="232031"/>
+            <a:ext cx="9479494" cy="734889"/>
+          </a:xfrm>
+          <a:prstGeom prst="rect">
+            <a:avLst/>
+          </a:prstGeom>
+        </p:spPr>
+        <p:txBody>
+          <a:bodyPr vert="horz" lIns="91440" tIns="45720" rIns="91440" bIns="45720" rtlCol="0" anchor="b">
+            <a:normAutofit/>
+          </a:bodyPr>
+          <a:lstStyle>
+            <a:lvl1pPr algn="l" defTabSz="914400" rtl="0" eaLnBrk="1" latinLnBrk="0" hangingPunct="1">
+              <a:lnSpc>
+                <a:spcPct val="85000"/>
+              </a:lnSpc>
+              <a:spcBef>
+                <a:spcPct val="0"/>
+              </a:spcBef>
+              <a:buNone/>
+              <a:defRPr sz="4800" kern="1200" spc="-50" baseline="0">
+                <a:solidFill>
+                  <a:schemeClr val="tx1">
+                    <a:lumMod val="75000"/>
+                    <a:lumOff val="25000"/>
+                  </a:schemeClr>
+                </a:solidFill>
+                <a:latin typeface="+mj-lt"/>
+                <a:ea typeface="+mj-ea"/>
+                <a:cs typeface="+mj-cs"/>
+              </a:defRPr>
+            </a:lvl1pPr>
+          </a:lstStyle>
+          <a:p>
+            <a:r>
+              <a:rPr lang="en-US" b="1" dirty="0" smtClean="0"/>
+              <a:t>Idea</a:t>
+            </a:r>
+            <a:endParaRPr lang="en-US" b="1" dirty="0"/>
+          </a:p>
+        </p:txBody>
+      </p:sp>
+      <p:sp>
+        <p:nvSpPr>
+          <p:cNvPr id="8" name="TextBox 7"/>
+          <p:cNvSpPr txBox="1"/>
+          <p:nvPr/>
+        </p:nvSpPr>
+        <p:spPr>
+          <a:xfrm>
+            <a:off x="2614246" y="1266092"/>
+            <a:ext cx="184731" cy="369332"/>
+          </a:xfrm>
+          <a:prstGeom prst="rect">
+            <a:avLst/>
+          </a:prstGeom>
+          <a:noFill/>
+        </p:spPr>
+        <p:txBody>
+          <a:bodyPr wrap="none" rtlCol="0">
+            <a:spAutoFit/>
+          </a:bodyPr>
+          <a:lstStyle/>
+          <a:p>
+            <a:endParaRPr lang="en-US" dirty="0"/>
+          </a:p>
+        </p:txBody>
+      </p:sp>
+    </p:spTree>
+    <p:extLst>
+      <p:ext uri="{BB962C8B-B14F-4D97-AF65-F5344CB8AC3E}">
+        <p14:creationId xmlns:p14="http://schemas.microsoft.com/office/powerpoint/2010/main" val="118063317"/>
+      </p:ext>
+    </p:extLst>
+  </p:cSld>
+  <p:clrMapOvr>
+    <a:masterClrMapping/>
+  </p:clrMapOvr>
+  <p:timing>
+    <p:tnLst>
+      <p:par>
+        <p:cTn id="1" dur="indefinite" restart="never" nodeType="tmRoot"/>
+      </p:par>
+    </p:tnLst>
+  </p:timing>
+</p:sld>
+</file>
+
+<file path=ppt/slides/slide11.xml><?xml version="1.0" encoding="utf-8"?>
+<p:sld xmlns:a="http://schemas.openxmlformats.org/drawingml/2006/main" xmlns:r="http://schemas.openxmlformats.org/officeDocument/2006/relationships" xmlns:p="http://schemas.openxmlformats.org/presentationml/2006/main">
+  <p:cSld>
+    <p:spTree>
+      <p:nvGrpSpPr>
+        <p:cNvPr id="1" name=""/>
+        <p:cNvGrpSpPr/>
+        <p:nvPr/>
+      </p:nvGrpSpPr>
+      <p:grpSpPr>
+        <a:xfrm>
+          <a:off x="0" y="0"/>
+          <a:ext cx="0" cy="0"/>
+          <a:chOff x="0" y="0"/>
+          <a:chExt cx="0" cy="0"/>
+        </a:xfrm>
+      </p:grpSpPr>
+      <p:sp>
+        <p:nvSpPr>
+          <p:cNvPr id="3" name="Slide Number Placeholder 2"/>
+          <p:cNvSpPr>
+            <a:spLocks noGrp="1"/>
+          </p:cNvSpPr>
+          <p:nvPr>
+            <p:ph type="sldNum" sz="quarter" idx="4294967295"/>
+          </p:nvPr>
+        </p:nvSpPr>
+        <p:spPr>
+          <a:xfrm>
+            <a:off x="-237705" y="6459786"/>
+            <a:ext cx="984019" cy="365125"/>
+          </a:xfrm>
+        </p:spPr>
+        <p:txBody>
+          <a:bodyPr/>
+          <a:lstStyle/>
+          <a:p>
+            <a:fld id="{629637A9-119A-49DA-BD12-AAC58B377D80}" type="slidenum">
+              <a:rPr lang="en-US" smtClean="0"/>
+              <a:t>11</a:t>
+            </a:fld>
+            <a:endParaRPr lang="en-US" dirty="0"/>
+          </a:p>
+        </p:txBody>
+      </p:sp>
+      <p:sp>
+        <p:nvSpPr>
+          <p:cNvPr id="4" name="Rectangle 3"/>
+          <p:cNvSpPr/>
+          <p:nvPr/>
+        </p:nvSpPr>
+        <p:spPr>
+          <a:xfrm>
+            <a:off x="349416" y="1026916"/>
             <a:ext cx="8360830" cy="3108543"/>
           </a:xfrm>
           <a:prstGeom prst="rect">
@@ -7253,7 +7885,7 @@
   <p:timing>
     <p:tnLst>
       <p:par>
-        <p:cTn xmlns:p14="http://schemas.microsoft.com/office/powerpoint/2010/main" id="1" dur="indefinite" restart="never" nodeType="tmRoot">
+        <p:cTn id="1" dur="indefinite" restart="never" nodeType="tmRoot">
           <p:childTnLst>
             <p:seq concurrent="1" nextAc="seek">
               <p:cTn id="2" dur="indefinite" nodeType="mainSeq">
@@ -7409,7 +8041,7 @@
 </p:sld>
 </file>
 
-<file path=ppt/slides/slide11.xml><?xml version="1.0" encoding="utf-8"?>
+<file path=ppt/slides/slide12.xml><?xml version="1.0" encoding="utf-8"?>
 <p:sld xmlns:a="http://schemas.openxmlformats.org/drawingml/2006/main" xmlns:r="http://schemas.openxmlformats.org/officeDocument/2006/relationships" xmlns:p="http://schemas.openxmlformats.org/presentationml/2006/main">
   <p:cSld>
     <p:spTree>
@@ -7448,7 +8080,7 @@
           <a:p>
             <a:fld id="{629637A9-119A-49DA-BD12-AAC58B377D80}" type="slidenum">
               <a:rPr lang="en-US" smtClean="0"/>
-              <a:t>11</a:t>
+              <a:t>12</a:t>
             </a:fld>
             <a:endParaRPr lang="en-US" dirty="0"/>
           </a:p>
@@ -8564,366 +9196,7 @@
   <p:timing>
     <p:tnLst>
       <p:par>
-        <p:cTn xmlns:p14="http://schemas.microsoft.com/office/powerpoint/2010/main" id="1" dur="indefinite" restart="never" nodeType="tmRoot"/>
-      </p:par>
-    </p:tnLst>
-  </p:timing>
-</p:sld>
-</file>
-
-<file path=ppt/slides/slide12.xml><?xml version="1.0" encoding="utf-8"?>
-<p:sld xmlns:a="http://schemas.openxmlformats.org/drawingml/2006/main" xmlns:r="http://schemas.openxmlformats.org/officeDocument/2006/relationships" xmlns:p="http://schemas.openxmlformats.org/presentationml/2006/main">
-  <p:cSld>
-    <p:spTree>
-      <p:nvGrpSpPr>
-        <p:cNvPr id="1" name=""/>
-        <p:cNvGrpSpPr/>
-        <p:nvPr/>
-      </p:nvGrpSpPr>
-      <p:grpSpPr>
-        <a:xfrm>
-          <a:off x="0" y="0"/>
-          <a:ext cx="0" cy="0"/>
-          <a:chOff x="0" y="0"/>
-          <a:chExt cx="0" cy="0"/>
-        </a:xfrm>
-      </p:grpSpPr>
-      <p:sp>
-        <p:nvSpPr>
-          <p:cNvPr id="3" name="Slide Number Placeholder 2"/>
-          <p:cNvSpPr>
-            <a:spLocks noGrp="1"/>
-          </p:cNvSpPr>
-          <p:nvPr>
-            <p:ph type="sldNum" sz="quarter" idx="4294967295"/>
-          </p:nvPr>
-        </p:nvSpPr>
-        <p:spPr>
-          <a:xfrm>
-            <a:off x="-237705" y="6459786"/>
-            <a:ext cx="984019" cy="365125"/>
-          </a:xfrm>
-        </p:spPr>
-        <p:txBody>
-          <a:bodyPr/>
-          <a:lstStyle/>
-          <a:p>
-            <a:fld id="{629637A9-119A-49DA-BD12-AAC58B377D80}" type="slidenum">
-              <a:rPr lang="en-US" smtClean="0"/>
-              <a:t>12</a:t>
-            </a:fld>
-            <a:endParaRPr lang="en-US" dirty="0"/>
-          </a:p>
-        </p:txBody>
-      </p:sp>
-      <p:sp>
-        <p:nvSpPr>
-          <p:cNvPr id="4" name="Rectangle 3"/>
-          <p:cNvSpPr/>
-          <p:nvPr/>
-        </p:nvSpPr>
-        <p:spPr>
-          <a:xfrm>
-            <a:off x="349416" y="1026916"/>
-            <a:ext cx="8360830" cy="523220"/>
-          </a:xfrm>
-          <a:prstGeom prst="rect">
-            <a:avLst/>
-          </a:prstGeom>
-        </p:spPr>
-        <p:txBody>
-          <a:bodyPr wrap="square">
-            <a:spAutoFit/>
-          </a:bodyPr>
-          <a:lstStyle/>
-          <a:p>
-            <a:pPr algn="just"/>
-            <a:r>
-              <a:rPr lang="en-US" altLang="ko-KR" sz="2800" b="1" dirty="0" smtClean="0"/>
-              <a:t>How does it look like?</a:t>
-            </a:r>
-            <a:endParaRPr lang="en-US" altLang="ko-KR" sz="2800" b="1" dirty="0"/>
-          </a:p>
-        </p:txBody>
-      </p:sp>
-      <p:sp>
-        <p:nvSpPr>
-          <p:cNvPr id="6" name="Title 1"/>
-          <p:cNvSpPr txBox="1">
-            <a:spLocks/>
-          </p:cNvSpPr>
-          <p:nvPr/>
-        </p:nvSpPr>
-        <p:spPr>
-          <a:xfrm>
-            <a:off x="409576" y="232031"/>
-            <a:ext cx="9479494" cy="734889"/>
-          </a:xfrm>
-          <a:prstGeom prst="rect">
-            <a:avLst/>
-          </a:prstGeom>
-        </p:spPr>
-        <p:txBody>
-          <a:bodyPr vert="horz" lIns="91440" tIns="45720" rIns="91440" bIns="45720" rtlCol="0" anchor="b">
-            <a:normAutofit/>
-          </a:bodyPr>
-          <a:lstStyle>
-            <a:lvl1pPr algn="l" defTabSz="914400" rtl="0" eaLnBrk="1" latinLnBrk="0" hangingPunct="1">
-              <a:lnSpc>
-                <a:spcPct val="85000"/>
-              </a:lnSpc>
-              <a:spcBef>
-                <a:spcPct val="0"/>
-              </a:spcBef>
-              <a:buNone/>
-              <a:defRPr sz="4800" kern="1200" spc="-50" baseline="0">
-                <a:solidFill>
-                  <a:schemeClr val="tx1">
-                    <a:lumMod val="75000"/>
-                    <a:lumOff val="25000"/>
-                  </a:schemeClr>
-                </a:solidFill>
-                <a:latin typeface="+mj-lt"/>
-                <a:ea typeface="+mj-ea"/>
-                <a:cs typeface="+mj-cs"/>
-              </a:defRPr>
-            </a:lvl1pPr>
-          </a:lstStyle>
-          <a:p>
-            <a:r>
-              <a:rPr lang="en-US" b="1" dirty="0" smtClean="0"/>
-              <a:t>Link Prefetching</a:t>
-            </a:r>
-            <a:endParaRPr lang="en-US" b="1" dirty="0"/>
-          </a:p>
-        </p:txBody>
-      </p:sp>
-      <p:sp>
-        <p:nvSpPr>
-          <p:cNvPr id="8" name="TextBox 7"/>
-          <p:cNvSpPr txBox="1"/>
-          <p:nvPr/>
-        </p:nvSpPr>
-        <p:spPr>
-          <a:xfrm>
-            <a:off x="2614246" y="1266092"/>
-            <a:ext cx="184731" cy="369332"/>
-          </a:xfrm>
-          <a:prstGeom prst="rect">
-            <a:avLst/>
-          </a:prstGeom>
-          <a:noFill/>
-        </p:spPr>
-        <p:txBody>
-          <a:bodyPr wrap="none" rtlCol="0">
-            <a:spAutoFit/>
-          </a:bodyPr>
-          <a:lstStyle/>
-          <a:p>
-            <a:endParaRPr lang="en-US" dirty="0"/>
-          </a:p>
-        </p:txBody>
-      </p:sp>
-      <p:pic>
-        <p:nvPicPr>
-          <p:cNvPr id="9" name="Picture 8"/>
-          <p:cNvPicPr>
-            <a:picLocks noChangeAspect="1"/>
-          </p:cNvPicPr>
-          <p:nvPr/>
-        </p:nvPicPr>
-        <p:blipFill rotWithShape="1">
-          <a:blip r:embed="rId3"/>
-          <a:srcRect b="5826"/>
-          <a:stretch/>
-        </p:blipFill>
-        <p:spPr>
-          <a:xfrm>
-            <a:off x="349416" y="1561859"/>
-            <a:ext cx="8405997" cy="4358295"/>
-          </a:xfrm>
-          <a:prstGeom prst="rect">
-            <a:avLst/>
-          </a:prstGeom>
-        </p:spPr>
-      </p:pic>
-      <p:sp>
-        <p:nvSpPr>
-          <p:cNvPr id="12" name="Rectangle 11"/>
-          <p:cNvSpPr/>
-          <p:nvPr/>
-        </p:nvSpPr>
-        <p:spPr>
-          <a:xfrm>
-            <a:off x="7075539" y="1023975"/>
-            <a:ext cx="1548501" cy="646331"/>
-          </a:xfrm>
-          <a:prstGeom prst="rect">
-            <a:avLst/>
-          </a:prstGeom>
-        </p:spPr>
-        <p:txBody>
-          <a:bodyPr wrap="none">
-            <a:spAutoFit/>
-          </a:bodyPr>
-          <a:lstStyle/>
-          <a:p>
-            <a:r>
-              <a:rPr lang="en-US" dirty="0" smtClean="0">
-                <a:solidFill>
-                  <a:srgbClr val="C00000"/>
-                </a:solidFill>
-              </a:rPr>
-              <a:t>-- pre-fetch off</a:t>
-            </a:r>
-          </a:p>
-          <a:p>
-            <a:r>
-              <a:rPr lang="en-US" dirty="0" smtClean="0">
-                <a:solidFill>
-                  <a:srgbClr val="0070C0"/>
-                </a:solidFill>
-              </a:rPr>
-              <a:t>-- pre-fetch on</a:t>
-            </a:r>
-            <a:endParaRPr lang="en-US" dirty="0">
-              <a:solidFill>
-                <a:srgbClr val="0070C0"/>
-              </a:solidFill>
-            </a:endParaRPr>
-          </a:p>
-        </p:txBody>
-      </p:sp>
-      <p:sp>
-        <p:nvSpPr>
-          <p:cNvPr id="13" name="Rectangle 12"/>
-          <p:cNvSpPr/>
-          <p:nvPr/>
-        </p:nvSpPr>
-        <p:spPr>
-          <a:xfrm>
-            <a:off x="7884958" y="5779478"/>
-            <a:ext cx="1111202" cy="369332"/>
-          </a:xfrm>
-          <a:prstGeom prst="rect">
-            <a:avLst/>
-          </a:prstGeom>
-        </p:spPr>
-        <p:txBody>
-          <a:bodyPr wrap="none">
-            <a:spAutoFit/>
-          </a:bodyPr>
-          <a:lstStyle/>
-          <a:p>
-            <a:r>
-              <a:rPr lang="en-US" i="1" dirty="0"/>
-              <a:t>t</a:t>
-            </a:r>
-            <a:r>
-              <a:rPr lang="en-US" i="1" dirty="0" smtClean="0"/>
-              <a:t>ime (sec)</a:t>
-            </a:r>
-            <a:endParaRPr lang="en-US" i="1" dirty="0"/>
-          </a:p>
-        </p:txBody>
-      </p:sp>
-      <p:sp>
-        <p:nvSpPr>
-          <p:cNvPr id="14" name="Rectangle 13"/>
-          <p:cNvSpPr/>
-          <p:nvPr/>
-        </p:nvSpPr>
-        <p:spPr>
-          <a:xfrm>
-            <a:off x="96946" y="1714632"/>
-            <a:ext cx="1060996" cy="369332"/>
-          </a:xfrm>
-          <a:prstGeom prst="rect">
-            <a:avLst/>
-          </a:prstGeom>
-        </p:spPr>
-        <p:txBody>
-          <a:bodyPr wrap="none">
-            <a:spAutoFit/>
-          </a:bodyPr>
-          <a:lstStyle/>
-          <a:p>
-            <a:r>
-              <a:rPr lang="en-US" i="1" dirty="0" smtClean="0"/>
-              <a:t># packets</a:t>
-            </a:r>
-            <a:endParaRPr lang="en-US" i="1" dirty="0"/>
-          </a:p>
-        </p:txBody>
-      </p:sp>
-      <p:sp>
-        <p:nvSpPr>
-          <p:cNvPr id="15" name="Rectangle 14"/>
-          <p:cNvSpPr/>
-          <p:nvPr/>
-        </p:nvSpPr>
-        <p:spPr>
-          <a:xfrm>
-            <a:off x="0" y="5964144"/>
-            <a:ext cx="2957605" cy="369332"/>
-          </a:xfrm>
-          <a:prstGeom prst="rect">
-            <a:avLst/>
-          </a:prstGeom>
-        </p:spPr>
-        <p:txBody>
-          <a:bodyPr wrap="none">
-            <a:spAutoFit/>
-          </a:bodyPr>
-          <a:lstStyle/>
-          <a:p>
-            <a:r>
-              <a:rPr lang="en-US" i="1" dirty="0" smtClean="0">
-                <a:solidFill>
-                  <a:schemeClr val="tx1">
-                    <a:lumMod val="65000"/>
-                    <a:lumOff val="35000"/>
-                  </a:schemeClr>
-                </a:solidFill>
-              </a:rPr>
-              <a:t>Packets from </a:t>
-            </a:r>
-            <a:r>
-              <a:rPr lang="en-US" i="1" dirty="0" err="1" smtClean="0">
-                <a:solidFill>
-                  <a:schemeClr val="tx1">
-                    <a:lumMod val="65000"/>
-                    <a:lumOff val="35000"/>
-                  </a:schemeClr>
-                </a:solidFill>
-              </a:rPr>
-              <a:t>www.wired.com</a:t>
-            </a:r>
-            <a:endParaRPr lang="en-US" i="1" dirty="0">
-              <a:solidFill>
-                <a:schemeClr val="tx1">
-                  <a:lumMod val="65000"/>
-                  <a:lumOff val="35000"/>
-                </a:schemeClr>
-              </a:solidFill>
-            </a:endParaRPr>
-          </a:p>
-        </p:txBody>
-      </p:sp>
-    </p:spTree>
-    <p:extLst>
-      <p:ext uri="{BB962C8B-B14F-4D97-AF65-F5344CB8AC3E}">
-        <p14:creationId xmlns:p14="http://schemas.microsoft.com/office/powerpoint/2010/main" val="446832417"/>
-      </p:ext>
-    </p:extLst>
-  </p:cSld>
-  <p:clrMapOvr>
-    <a:masterClrMapping/>
-  </p:clrMapOvr>
-  <p:timing>
-    <p:tnLst>
-      <p:par>
-        <p:cTn xmlns:p14="http://schemas.microsoft.com/office/powerpoint/2010/main" id="1" dur="indefinite" restart="never" nodeType="tmRoot"/>
+        <p:cTn id="1" dur="indefinite" restart="never" nodeType="tmRoot"/>
       </p:par>
     </p:tnLst>
   </p:timing>
@@ -8947,6 +9220,30 @@
           <a:chExt cx="0" cy="0"/>
         </a:xfrm>
       </p:grpSpPr>
+      <p:pic>
+        <p:nvPicPr>
+          <p:cNvPr id="2" name="Picture 1"/>
+          <p:cNvPicPr>
+            <a:picLocks noChangeAspect="1"/>
+          </p:cNvPicPr>
+          <p:nvPr/>
+        </p:nvPicPr>
+        <p:blipFill>
+          <a:blip r:embed="rId3"/>
+          <a:stretch>
+            <a:fillRect/>
+          </a:stretch>
+        </p:blipFill>
+        <p:spPr>
+          <a:xfrm>
+            <a:off x="409577" y="1545328"/>
+            <a:ext cx="8216278" cy="4504104"/>
+          </a:xfrm>
+          <a:prstGeom prst="rect">
+            <a:avLst/>
+          </a:prstGeom>
+        </p:spPr>
+      </p:pic>
       <p:sp>
         <p:nvSpPr>
           <p:cNvPr id="3" name="Slide Number Placeholder 2"/>
@@ -8984,7 +9281,7 @@
         <p:spPr>
           <a:xfrm>
             <a:off x="349416" y="1026916"/>
-            <a:ext cx="8360830" cy="3970318"/>
+            <a:ext cx="8360830" cy="523220"/>
           </a:xfrm>
           <a:prstGeom prst="rect">
             <a:avLst/>
@@ -8999,163 +9296,9 @@
             <a:pPr algn="just"/>
             <a:r>
               <a:rPr lang="en-US" altLang="ko-KR" sz="2800" b="1" dirty="0" smtClean="0"/>
-              <a:t>RQ1</a:t>
-            </a:r>
-            <a:endParaRPr lang="en-US" altLang="ko-KR" sz="2400" dirty="0" smtClean="0">
-              <a:solidFill>
-                <a:schemeClr val="tx1">
-                  <a:lumMod val="75000"/>
-                  <a:lumOff val="25000"/>
-                </a:schemeClr>
-              </a:solidFill>
-              <a:latin typeface="Calibri" charset="0"/>
-              <a:ea typeface="Calibri" charset="0"/>
-              <a:cs typeface="Calibri" charset="0"/>
-            </a:endParaRPr>
-          </a:p>
-          <a:p>
-            <a:pPr marL="342900" indent="-342900" algn="just">
-              <a:buFontTx/>
-              <a:buChar char="-"/>
-            </a:pPr>
-            <a:r>
-              <a:rPr lang="en-US" altLang="ko-KR" sz="2400" dirty="0" smtClean="0">
-                <a:solidFill>
-                  <a:schemeClr val="tx1">
-                    <a:lumMod val="75000"/>
-                    <a:lumOff val="25000"/>
-                  </a:schemeClr>
-                </a:solidFill>
-                <a:latin typeface="Calibri" charset="0"/>
-                <a:ea typeface="Calibri" charset="0"/>
-                <a:cs typeface="Calibri" charset="0"/>
-              </a:rPr>
-              <a:t>Does prefetching itself provide an extra degree of defense?</a:t>
-            </a:r>
-          </a:p>
-          <a:p>
-            <a:pPr marL="342900" indent="-342900" algn="just">
-              <a:buFontTx/>
-              <a:buChar char="-"/>
-            </a:pPr>
-            <a:endParaRPr lang="en-US" altLang="ko-KR" sz="2400" dirty="0" smtClean="0">
-              <a:solidFill>
-                <a:schemeClr val="tx1">
-                  <a:lumMod val="75000"/>
-                  <a:lumOff val="25000"/>
-                </a:schemeClr>
-              </a:solidFill>
-              <a:latin typeface="Calibri" charset="0"/>
-              <a:ea typeface="Calibri" charset="0"/>
-              <a:cs typeface="Calibri" charset="0"/>
-            </a:endParaRPr>
-          </a:p>
-          <a:p>
-            <a:pPr algn="just"/>
-            <a:r>
-              <a:rPr lang="en-US" altLang="ko-KR" sz="2800" b="1" dirty="0" smtClean="0"/>
-              <a:t>RQ2</a:t>
-            </a:r>
-            <a:endParaRPr lang="en-US" altLang="ko-KR" sz="2400" dirty="0" smtClean="0">
-              <a:solidFill>
-                <a:schemeClr val="tx1">
-                  <a:lumMod val="75000"/>
-                  <a:lumOff val="25000"/>
-                </a:schemeClr>
-              </a:solidFill>
-              <a:latin typeface="Calibri" charset="0"/>
-              <a:ea typeface="Calibri" charset="0"/>
-              <a:cs typeface="Calibri" charset="0"/>
-            </a:endParaRPr>
-          </a:p>
-          <a:p>
-            <a:pPr marL="342900" indent="-342900" algn="just">
-              <a:buFontTx/>
-              <a:buChar char="-"/>
-            </a:pPr>
-            <a:r>
-              <a:rPr lang="en-US" altLang="ko-KR" sz="2400" dirty="0" smtClean="0">
-                <a:solidFill>
-                  <a:schemeClr val="tx1">
-                    <a:lumMod val="75000"/>
-                    <a:lumOff val="25000"/>
-                  </a:schemeClr>
-                </a:solidFill>
-                <a:latin typeface="Calibri" charset="0"/>
-                <a:ea typeface="Calibri" charset="0"/>
-                <a:cs typeface="Calibri" charset="0"/>
-              </a:rPr>
-              <a:t>Can a victim obfuscate eavesdropper by simply turning off prefetching in their browser?</a:t>
-            </a:r>
-          </a:p>
-          <a:p>
-            <a:pPr marL="342900" indent="-342900" algn="just">
-              <a:buFontTx/>
-              <a:buChar char="-"/>
-            </a:pPr>
-            <a:endParaRPr lang="en-US" altLang="ko-KR" sz="2400" dirty="0" smtClean="0">
-              <a:solidFill>
-                <a:schemeClr val="tx1">
-                  <a:lumMod val="75000"/>
-                  <a:lumOff val="25000"/>
-                </a:schemeClr>
-              </a:solidFill>
-              <a:latin typeface="Calibri" charset="0"/>
-              <a:ea typeface="Calibri" charset="0"/>
-              <a:cs typeface="Calibri" charset="0"/>
-            </a:endParaRPr>
-          </a:p>
-          <a:p>
-            <a:pPr algn="just"/>
-            <a:r>
-              <a:rPr lang="en-US" altLang="ko-KR" sz="2800" b="1" dirty="0" smtClean="0"/>
-              <a:t>RQ3</a:t>
-            </a:r>
-            <a:endParaRPr lang="en-US" altLang="ko-KR" sz="2400" dirty="0" smtClean="0">
-              <a:solidFill>
-                <a:schemeClr val="tx1">
-                  <a:lumMod val="75000"/>
-                  <a:lumOff val="25000"/>
-                </a:schemeClr>
-              </a:solidFill>
-              <a:latin typeface="Calibri" charset="0"/>
-              <a:ea typeface="Calibri" charset="0"/>
-              <a:cs typeface="Calibri" charset="0"/>
-            </a:endParaRPr>
-          </a:p>
-          <a:p>
-            <a:pPr marL="342900" indent="-342900" algn="just">
-              <a:buFontTx/>
-              <a:buChar char="-"/>
-            </a:pPr>
-            <a:r>
-              <a:rPr lang="en-US" altLang="ko-KR" sz="2400" dirty="0" smtClean="0">
-                <a:solidFill>
-                  <a:schemeClr val="tx1">
-                    <a:lumMod val="75000"/>
-                    <a:lumOff val="25000"/>
-                  </a:schemeClr>
-                </a:solidFill>
-                <a:latin typeface="Calibri" charset="0"/>
-                <a:ea typeface="Calibri" charset="0"/>
-                <a:cs typeface="Calibri" charset="0"/>
-              </a:rPr>
-              <a:t>Can prefetching be used as a browser-side defense mechanism?</a:t>
-            </a:r>
-          </a:p>
-          <a:p>
-            <a:pPr algn="just"/>
-            <a:endParaRPr lang="en-US" altLang="ko-KR" sz="2400" dirty="0">
-              <a:solidFill>
-                <a:schemeClr val="tx1">
-                  <a:lumMod val="75000"/>
-                  <a:lumOff val="25000"/>
-                </a:schemeClr>
-              </a:solidFill>
-              <a:latin typeface="Calibri" charset="0"/>
-              <a:ea typeface="Calibri" charset="0"/>
-              <a:cs typeface="Calibri" charset="0"/>
-            </a:endParaRPr>
+              <a:t>How does it look like?</a:t>
+            </a:r>
+            <a:endParaRPr lang="en-US" altLang="ko-KR" sz="2800" b="1" dirty="0"/>
           </a:p>
         </p:txBody>
       </p:sp>
@@ -9205,7 +9348,7 @@
           <a:p>
             <a:r>
               <a:rPr lang="en-US" b="1" dirty="0" smtClean="0"/>
-              <a:t>Research Questions</a:t>
+              <a:t>Link Prefetching</a:t>
             </a:r>
             <a:endParaRPr lang="en-US" b="1" dirty="0"/>
           </a:p>
@@ -9237,10 +9380,226 @@
           </a:p>
         </p:txBody>
       </p:sp>
+      <p:sp>
+        <p:nvSpPr>
+          <p:cNvPr id="12" name="Rectangle 11"/>
+          <p:cNvSpPr/>
+          <p:nvPr/>
+        </p:nvSpPr>
+        <p:spPr>
+          <a:xfrm>
+            <a:off x="7075539" y="1023975"/>
+            <a:ext cx="1548501" cy="646331"/>
+          </a:xfrm>
+          <a:prstGeom prst="rect">
+            <a:avLst/>
+          </a:prstGeom>
+        </p:spPr>
+        <p:txBody>
+          <a:bodyPr wrap="none">
+            <a:spAutoFit/>
+          </a:bodyPr>
+          <a:lstStyle/>
+          <a:p>
+            <a:r>
+              <a:rPr lang="en-US" dirty="0" smtClean="0">
+                <a:solidFill>
+                  <a:srgbClr val="C00000"/>
+                </a:solidFill>
+              </a:rPr>
+              <a:t>-- pre-fetch off</a:t>
+            </a:r>
+          </a:p>
+          <a:p>
+            <a:r>
+              <a:rPr lang="en-US" dirty="0" smtClean="0">
+                <a:solidFill>
+                  <a:srgbClr val="0070C0"/>
+                </a:solidFill>
+              </a:rPr>
+              <a:t>-- pre-fetch on</a:t>
+            </a:r>
+            <a:endParaRPr lang="en-US" dirty="0">
+              <a:solidFill>
+                <a:srgbClr val="0070C0"/>
+              </a:solidFill>
+            </a:endParaRPr>
+          </a:p>
+        </p:txBody>
+      </p:sp>
+      <p:sp>
+        <p:nvSpPr>
+          <p:cNvPr id="13" name="Rectangle 12"/>
+          <p:cNvSpPr/>
+          <p:nvPr/>
+        </p:nvSpPr>
+        <p:spPr>
+          <a:xfrm>
+            <a:off x="7827284" y="5900721"/>
+            <a:ext cx="1111202" cy="369332"/>
+          </a:xfrm>
+          <a:prstGeom prst="rect">
+            <a:avLst/>
+          </a:prstGeom>
+        </p:spPr>
+        <p:txBody>
+          <a:bodyPr wrap="none">
+            <a:spAutoFit/>
+          </a:bodyPr>
+          <a:lstStyle/>
+          <a:p>
+            <a:r>
+              <a:rPr lang="en-US" i="1" dirty="0"/>
+              <a:t>t</a:t>
+            </a:r>
+            <a:r>
+              <a:rPr lang="en-US" i="1" dirty="0" smtClean="0"/>
+              <a:t>ime (sec)</a:t>
+            </a:r>
+            <a:endParaRPr lang="en-US" i="1" dirty="0"/>
+          </a:p>
+        </p:txBody>
+      </p:sp>
+      <p:sp>
+        <p:nvSpPr>
+          <p:cNvPr id="14" name="Rectangle 13"/>
+          <p:cNvSpPr/>
+          <p:nvPr/>
+        </p:nvSpPr>
+        <p:spPr>
+          <a:xfrm>
+            <a:off x="96946" y="1714632"/>
+            <a:ext cx="1060996" cy="369332"/>
+          </a:xfrm>
+          <a:prstGeom prst="rect">
+            <a:avLst/>
+          </a:prstGeom>
+        </p:spPr>
+        <p:txBody>
+          <a:bodyPr wrap="none">
+            <a:spAutoFit/>
+          </a:bodyPr>
+          <a:lstStyle/>
+          <a:p>
+            <a:r>
+              <a:rPr lang="en-US" i="1" dirty="0" smtClean="0"/>
+              <a:t># packets</a:t>
+            </a:r>
+            <a:endParaRPr lang="en-US" i="1" dirty="0"/>
+          </a:p>
+        </p:txBody>
+      </p:sp>
+      <p:sp>
+        <p:nvSpPr>
+          <p:cNvPr id="15" name="Rectangle 14"/>
+          <p:cNvSpPr/>
+          <p:nvPr/>
+        </p:nvSpPr>
+        <p:spPr>
+          <a:xfrm>
+            <a:off x="0" y="5964144"/>
+            <a:ext cx="2957605" cy="369332"/>
+          </a:xfrm>
+          <a:prstGeom prst="rect">
+            <a:avLst/>
+          </a:prstGeom>
+        </p:spPr>
+        <p:txBody>
+          <a:bodyPr wrap="none">
+            <a:spAutoFit/>
+          </a:bodyPr>
+          <a:lstStyle/>
+          <a:p>
+            <a:r>
+              <a:rPr lang="en-US" i="1" dirty="0" smtClean="0">
+                <a:solidFill>
+                  <a:schemeClr val="tx1">
+                    <a:lumMod val="65000"/>
+                    <a:lumOff val="35000"/>
+                  </a:schemeClr>
+                </a:solidFill>
+              </a:rPr>
+              <a:t>Packets from </a:t>
+            </a:r>
+            <a:r>
+              <a:rPr lang="en-US" i="1" dirty="0" err="1" smtClean="0">
+                <a:solidFill>
+                  <a:schemeClr val="tx1">
+                    <a:lumMod val="65000"/>
+                    <a:lumOff val="35000"/>
+                  </a:schemeClr>
+                </a:solidFill>
+              </a:rPr>
+              <a:t>www.wired.com</a:t>
+            </a:r>
+            <a:endParaRPr lang="en-US" i="1" dirty="0">
+              <a:solidFill>
+                <a:schemeClr val="tx1">
+                  <a:lumMod val="65000"/>
+                  <a:lumOff val="35000"/>
+                </a:schemeClr>
+              </a:solidFill>
+            </a:endParaRPr>
+          </a:p>
+        </p:txBody>
+      </p:sp>
+      <p:sp>
+        <p:nvSpPr>
+          <p:cNvPr id="5" name="Oval 4"/>
+          <p:cNvSpPr/>
+          <p:nvPr/>
+        </p:nvSpPr>
+        <p:spPr>
+          <a:xfrm>
+            <a:off x="5149323" y="4220308"/>
+            <a:ext cx="2954376" cy="1825499"/>
+          </a:xfrm>
+          <a:prstGeom prst="ellipse">
+            <a:avLst/>
+          </a:prstGeom>
+          <a:noFill/>
+          <a:ln w="38100">
+            <a:solidFill>
+              <a:srgbClr val="FF0000"/>
+            </a:solidFill>
+          </a:ln>
+          <a:effectLst>
+            <a:outerShdw blurRad="50800" dist="76200" dir="2700000" algn="tl" rotWithShape="0">
+              <a:prstClr val="black">
+                <a:alpha val="40000"/>
+              </a:prstClr>
+            </a:outerShdw>
+          </a:effectLst>
+        </p:spPr>
+        <p:style>
+          <a:lnRef idx="2">
+            <a:schemeClr val="accent1">
+              <a:shade val="50000"/>
+            </a:schemeClr>
+          </a:lnRef>
+          <a:fillRef idx="1">
+            <a:schemeClr val="accent1"/>
+          </a:fillRef>
+          <a:effectRef idx="0">
+            <a:schemeClr val="accent1"/>
+          </a:effectRef>
+          <a:fontRef idx="minor">
+            <a:schemeClr val="lt1"/>
+          </a:fontRef>
+        </p:style>
+        <p:txBody>
+          <a:bodyPr rtlCol="0" anchor="ctr"/>
+          <a:lstStyle/>
+          <a:p>
+            <a:pPr algn="ctr"/>
+            <a:endParaRPr lang="en-US"/>
+          </a:p>
+        </p:txBody>
+      </p:sp>
     </p:spTree>
     <p:extLst>
       <p:ext uri="{BB962C8B-B14F-4D97-AF65-F5344CB8AC3E}">
-        <p14:creationId xmlns:p14="http://schemas.microsoft.com/office/powerpoint/2010/main" val="1631667967"/>
+        <p14:creationId xmlns:p14="http://schemas.microsoft.com/office/powerpoint/2010/main" val="446832417"/>
       </p:ext>
     </p:extLst>
   </p:cSld>
@@ -9250,9 +9609,88 @@
   <p:timing>
     <p:tnLst>
       <p:par>
-        <p:cTn xmlns:p14="http://schemas.microsoft.com/office/powerpoint/2010/main" id="1" dur="indefinite" restart="never" nodeType="tmRoot"/>
+        <p:cTn id="1" dur="indefinite" restart="never" nodeType="tmRoot">
+          <p:childTnLst>
+            <p:seq concurrent="1" nextAc="seek">
+              <p:cTn id="2" dur="indefinite" nodeType="mainSeq">
+                <p:childTnLst>
+                  <p:par>
+                    <p:cTn id="3" fill="hold">
+                      <p:stCondLst>
+                        <p:cond delay="indefinite"/>
+                      </p:stCondLst>
+                      <p:childTnLst>
+                        <p:par>
+                          <p:cTn id="4" fill="hold">
+                            <p:stCondLst>
+                              <p:cond delay="0"/>
+                            </p:stCondLst>
+                            <p:childTnLst>
+                              <p:par>
+                                <p:cTn id="5" presetID="21" presetClass="entr" presetSubtype="1" fill="hold" grpId="0" nodeType="clickEffect">
+                                  <p:stCondLst>
+                                    <p:cond delay="0"/>
+                                  </p:stCondLst>
+                                  <p:childTnLst>
+                                    <p:set>
+                                      <p:cBhvr>
+                                        <p:cTn id="6" dur="1" fill="hold">
+                                          <p:stCondLst>
+                                            <p:cond delay="0"/>
+                                          </p:stCondLst>
+                                        </p:cTn>
+                                        <p:tgtEl>
+                                          <p:spTgt spid="5"/>
+                                        </p:tgtEl>
+                                        <p:attrNameLst>
+                                          <p:attrName>style.visibility</p:attrName>
+                                        </p:attrNameLst>
+                                      </p:cBhvr>
+                                      <p:to>
+                                        <p:strVal val="visible"/>
+                                      </p:to>
+                                    </p:set>
+                                    <p:animEffect transition="in" filter="wheel(1)">
+                                      <p:cBhvr>
+                                        <p:cTn id="7" dur="1000"/>
+                                        <p:tgtEl>
+                                          <p:spTgt spid="5"/>
+                                        </p:tgtEl>
+                                      </p:cBhvr>
+                                    </p:animEffect>
+                                  </p:childTnLst>
+                                </p:cTn>
+                              </p:par>
+                            </p:childTnLst>
+                          </p:cTn>
+                        </p:par>
+                      </p:childTnLst>
+                    </p:cTn>
+                  </p:par>
+                </p:childTnLst>
+              </p:cTn>
+              <p:prevCondLst>
+                <p:cond evt="onPrev" delay="0">
+                  <p:tgtEl>
+                    <p:sldTgt/>
+                  </p:tgtEl>
+                </p:cond>
+              </p:prevCondLst>
+              <p:nextCondLst>
+                <p:cond evt="onNext" delay="0">
+                  <p:tgtEl>
+                    <p:sldTgt/>
+                  </p:tgtEl>
+                </p:cond>
+              </p:nextCondLst>
+            </p:seq>
+          </p:childTnLst>
+        </p:cTn>
       </p:par>
     </p:tnLst>
+    <p:bldLst>
+      <p:bldP spid="5" grpId="0" animBg="1"/>
+    </p:bldLst>
   </p:timing>
 </p:sld>
 </file>
@@ -9311,7 +9749,7 @@
         <p:spPr>
           <a:xfrm>
             <a:off x="349416" y="1026916"/>
-            <a:ext cx="8360830" cy="954107"/>
+            <a:ext cx="8360830" cy="5262979"/>
           </a:xfrm>
           <a:prstGeom prst="rect">
             <a:avLst/>
@@ -9323,11 +9761,27 @@
           </a:bodyPr>
           <a:lstStyle/>
           <a:p>
-            <a:pPr algn="just"/>
             <a:r>
               <a:rPr lang="en-US" altLang="ko-KR" sz="2800" b="1" dirty="0" smtClean="0"/>
               <a:t>RQ1</a:t>
             </a:r>
+            <a:endParaRPr lang="en-US" altLang="ko-KR" sz="2800" dirty="0" smtClean="0">
+              <a:solidFill>
+                <a:schemeClr val="tx1">
+                  <a:lumMod val="75000"/>
+                  <a:lumOff val="25000"/>
+                </a:schemeClr>
+              </a:solidFill>
+              <a:latin typeface="Calibri" charset="0"/>
+              <a:ea typeface="Calibri" charset="0"/>
+              <a:cs typeface="Calibri" charset="0"/>
+            </a:endParaRPr>
+          </a:p>
+          <a:p>
+            <a:pPr marL="342900" indent="-342900">
+              <a:buFontTx/>
+              <a:buChar char="-"/>
+            </a:pPr>
             <a:r>
               <a:rPr lang="en-US" altLang="ko-KR" sz="2800" dirty="0" smtClean="0">
                 <a:solidFill>
@@ -9340,8 +9794,129 @@
                 <a:ea typeface="Calibri" charset="0"/>
                 <a:cs typeface="Calibri" charset="0"/>
               </a:rPr>
-              <a:t>: Does prefetching itself provide an extra degree of defense?</a:t>
-            </a:r>
+              <a:t>Does prefetching itself provide an extra degree of defense?</a:t>
+            </a:r>
+          </a:p>
+          <a:p>
+            <a:pPr marL="342900" indent="-342900">
+              <a:buFontTx/>
+              <a:buChar char="-"/>
+            </a:pPr>
+            <a:endParaRPr lang="en-US" altLang="ko-KR" sz="2800" dirty="0" smtClean="0">
+              <a:solidFill>
+                <a:schemeClr val="tx1">
+                  <a:lumMod val="75000"/>
+                  <a:lumOff val="25000"/>
+                </a:schemeClr>
+              </a:solidFill>
+              <a:latin typeface="Calibri" charset="0"/>
+              <a:ea typeface="Calibri" charset="0"/>
+              <a:cs typeface="Calibri" charset="0"/>
+            </a:endParaRPr>
+          </a:p>
+          <a:p>
+            <a:r>
+              <a:rPr lang="en-US" altLang="ko-KR" sz="2800" b="1" dirty="0" smtClean="0"/>
+              <a:t>RQ2</a:t>
+            </a:r>
+            <a:endParaRPr lang="en-US" altLang="ko-KR" sz="2800" dirty="0" smtClean="0">
+              <a:solidFill>
+                <a:schemeClr val="tx1">
+                  <a:lumMod val="75000"/>
+                  <a:lumOff val="25000"/>
+                </a:schemeClr>
+              </a:solidFill>
+              <a:latin typeface="Calibri" charset="0"/>
+              <a:ea typeface="Calibri" charset="0"/>
+              <a:cs typeface="Calibri" charset="0"/>
+            </a:endParaRPr>
+          </a:p>
+          <a:p>
+            <a:pPr marL="342900" indent="-342900">
+              <a:buFontTx/>
+              <a:buChar char="-"/>
+            </a:pPr>
+            <a:r>
+              <a:rPr lang="en-US" altLang="ko-KR" sz="2800" dirty="0" smtClean="0">
+                <a:solidFill>
+                  <a:schemeClr val="tx1">
+                    <a:lumMod val="75000"/>
+                    <a:lumOff val="25000"/>
+                  </a:schemeClr>
+                </a:solidFill>
+                <a:latin typeface="Calibri" charset="0"/>
+                <a:ea typeface="Calibri" charset="0"/>
+                <a:cs typeface="Calibri" charset="0"/>
+              </a:rPr>
+              <a:t>Can a victim obfuscate eavesdropper by simply turning off prefetching in their browser?</a:t>
+            </a:r>
+          </a:p>
+          <a:p>
+            <a:pPr marL="342900" indent="-342900">
+              <a:buFontTx/>
+              <a:buChar char="-"/>
+            </a:pPr>
+            <a:endParaRPr lang="en-US" altLang="ko-KR" sz="2800" dirty="0" smtClean="0">
+              <a:solidFill>
+                <a:schemeClr val="tx1">
+                  <a:lumMod val="75000"/>
+                  <a:lumOff val="25000"/>
+                </a:schemeClr>
+              </a:solidFill>
+              <a:latin typeface="Calibri" charset="0"/>
+              <a:ea typeface="Calibri" charset="0"/>
+              <a:cs typeface="Calibri" charset="0"/>
+            </a:endParaRPr>
+          </a:p>
+          <a:p>
+            <a:r>
+              <a:rPr lang="en-US" altLang="ko-KR" sz="2800" b="1" dirty="0" smtClean="0"/>
+              <a:t>RQ3</a:t>
+            </a:r>
+            <a:endParaRPr lang="en-US" altLang="ko-KR" sz="2800" dirty="0" smtClean="0">
+              <a:solidFill>
+                <a:schemeClr val="tx1">
+                  <a:lumMod val="75000"/>
+                  <a:lumOff val="25000"/>
+                </a:schemeClr>
+              </a:solidFill>
+              <a:latin typeface="Calibri" charset="0"/>
+              <a:ea typeface="Calibri" charset="0"/>
+              <a:cs typeface="Calibri" charset="0"/>
+            </a:endParaRPr>
+          </a:p>
+          <a:p>
+            <a:pPr marL="342900" indent="-342900">
+              <a:buFontTx/>
+              <a:buChar char="-"/>
+            </a:pPr>
+            <a:r>
+              <a:rPr lang="en-US" altLang="ko-KR" sz="2800" dirty="0" smtClean="0">
+                <a:solidFill>
+                  <a:schemeClr val="tx1">
+                    <a:lumMod val="75000"/>
+                    <a:lumOff val="25000"/>
+                  </a:schemeClr>
+                </a:solidFill>
+                <a:latin typeface="Calibri" charset="0"/>
+                <a:ea typeface="Calibri" charset="0"/>
+                <a:cs typeface="Calibri" charset="0"/>
+              </a:rPr>
+              <a:t>Can prefetching be used as a browser-side defense mechanism?</a:t>
+            </a:r>
+          </a:p>
+          <a:p>
+            <a:endParaRPr lang="en-US" altLang="ko-KR" sz="2800" dirty="0">
+              <a:solidFill>
+                <a:schemeClr val="tx1">
+                  <a:lumMod val="75000"/>
+                  <a:lumOff val="25000"/>
+                </a:schemeClr>
+              </a:solidFill>
+              <a:latin typeface="Calibri" charset="0"/>
+              <a:ea typeface="Calibri" charset="0"/>
+              <a:cs typeface="Calibri" charset="0"/>
+            </a:endParaRPr>
           </a:p>
         </p:txBody>
       </p:sp>
@@ -9391,7 +9966,7 @@
           <a:p>
             <a:r>
               <a:rPr lang="en-US" b="1" dirty="0" smtClean="0"/>
-              <a:t>Experiment</a:t>
+              <a:t>Research Questions</a:t>
             </a:r>
             <a:endParaRPr lang="en-US" b="1" dirty="0"/>
           </a:p>
@@ -9426,7 +10001,7 @@
     </p:spTree>
     <p:extLst>
       <p:ext uri="{BB962C8B-B14F-4D97-AF65-F5344CB8AC3E}">
-        <p14:creationId xmlns:p14="http://schemas.microsoft.com/office/powerpoint/2010/main" val="152326244"/>
+        <p14:creationId xmlns:p14="http://schemas.microsoft.com/office/powerpoint/2010/main" val="1631667967"/>
       </p:ext>
     </p:extLst>
   </p:cSld>
@@ -9436,7 +10011,7 @@
   <p:timing>
     <p:tnLst>
       <p:par>
-        <p:cTn xmlns:p14="http://schemas.microsoft.com/office/powerpoint/2010/main" id="1" dur="indefinite" restart="never" nodeType="tmRoot"/>
+        <p:cTn id="1" dur="indefinite" restart="never" nodeType="tmRoot"/>
       </p:par>
     </p:tnLst>
   </p:timing>
@@ -9497,7 +10072,7 @@
         <p:spPr>
           <a:xfrm>
             <a:off x="349416" y="1026916"/>
-            <a:ext cx="8360830" cy="892552"/>
+            <a:ext cx="8360830" cy="3293209"/>
           </a:xfrm>
           <a:prstGeom prst="rect">
             <a:avLst/>
@@ -9512,10 +10087,10 @@
             <a:pPr algn="just"/>
             <a:r>
               <a:rPr lang="en-US" altLang="ko-KR" sz="2800" b="1" dirty="0" smtClean="0"/>
-              <a:t>RQ2: </a:t>
-            </a:r>
-            <a:r>
-              <a:rPr lang="en-US" altLang="ko-KR" sz="2400" dirty="0" smtClean="0">
+              <a:t>RQ1</a:t>
+            </a:r>
+            <a:r>
+              <a:rPr lang="en-US" altLang="ko-KR" sz="2800" dirty="0" smtClean="0">
                 <a:solidFill>
                   <a:schemeClr val="tx1">
                     <a:lumMod val="75000"/>
@@ -9526,8 +10101,269 @@
                 <a:ea typeface="Calibri" charset="0"/>
                 <a:cs typeface="Calibri" charset="0"/>
               </a:rPr>
-              <a:t>Can a victim obfuscate eavesdropper by simply turning off prefetching in their browser?</a:t>
-            </a:r>
+              <a:t>: Does prefetching itself provide an extra degree of defense</a:t>
+            </a:r>
+            <a:r>
+              <a:rPr lang="en-US" altLang="ko-KR" sz="2800" dirty="0" smtClean="0">
+                <a:solidFill>
+                  <a:schemeClr val="tx1">
+                    <a:lumMod val="75000"/>
+                    <a:lumOff val="25000"/>
+                  </a:schemeClr>
+                </a:solidFill>
+                <a:latin typeface="Calibri" charset="0"/>
+                <a:ea typeface="Calibri" charset="0"/>
+                <a:cs typeface="Calibri" charset="0"/>
+              </a:rPr>
+              <a:t>?</a:t>
+            </a:r>
+            <a:endParaRPr lang="ko-KR" altLang="en-US" sz="2800" dirty="0" smtClean="0">
+              <a:solidFill>
+                <a:schemeClr val="tx1">
+                  <a:lumMod val="75000"/>
+                  <a:lumOff val="25000"/>
+                </a:schemeClr>
+              </a:solidFill>
+              <a:latin typeface="Calibri" charset="0"/>
+              <a:ea typeface="Calibri" charset="0"/>
+              <a:cs typeface="Calibri" charset="0"/>
+            </a:endParaRPr>
+          </a:p>
+          <a:p>
+            <a:pPr algn="just"/>
+            <a:endParaRPr lang="ko-KR" altLang="en-US" sz="2800" dirty="0">
+              <a:solidFill>
+                <a:schemeClr val="tx1">
+                  <a:lumMod val="75000"/>
+                  <a:lumOff val="25000"/>
+                </a:schemeClr>
+              </a:solidFill>
+              <a:latin typeface="Calibri" charset="0"/>
+              <a:ea typeface="Calibri" charset="0"/>
+              <a:cs typeface="Calibri" charset="0"/>
+            </a:endParaRPr>
+          </a:p>
+          <a:p>
+            <a:pPr algn="just"/>
+            <a:r>
+              <a:rPr lang="en-US" altLang="ko-KR" sz="2800" b="1" dirty="0" smtClean="0">
+                <a:solidFill>
+                  <a:schemeClr val="tx1">
+                    <a:lumMod val="75000"/>
+                    <a:lumOff val="25000"/>
+                  </a:schemeClr>
+                </a:solidFill>
+                <a:latin typeface="Calibri" charset="0"/>
+                <a:ea typeface="Calibri" charset="0"/>
+                <a:cs typeface="Calibri" charset="0"/>
+              </a:rPr>
+              <a:t>Method</a:t>
+            </a:r>
+            <a:endParaRPr lang="ko-KR" altLang="en-US" sz="2800" b="1" dirty="0" smtClean="0">
+              <a:solidFill>
+                <a:schemeClr val="tx1">
+                  <a:lumMod val="75000"/>
+                  <a:lumOff val="25000"/>
+                </a:schemeClr>
+              </a:solidFill>
+              <a:latin typeface="Calibri" charset="0"/>
+              <a:ea typeface="Calibri" charset="0"/>
+              <a:cs typeface="Calibri" charset="0"/>
+            </a:endParaRPr>
+          </a:p>
+          <a:p>
+            <a:pPr marL="457200" indent="-457200" algn="just">
+              <a:buFont typeface="Arial" charset="0"/>
+              <a:buChar char="•"/>
+            </a:pPr>
+            <a:r>
+              <a:rPr lang="en-US" altLang="ko-KR" sz="2400" dirty="0" smtClean="0">
+                <a:solidFill>
+                  <a:schemeClr val="tx1">
+                    <a:lumMod val="75000"/>
+                    <a:lumOff val="25000"/>
+                  </a:schemeClr>
+                </a:solidFill>
+                <a:latin typeface="Calibri" charset="0"/>
+                <a:ea typeface="Calibri" charset="0"/>
+                <a:cs typeface="Calibri" charset="0"/>
+              </a:rPr>
+              <a:t>Capture 1:  Capture packets for a</a:t>
+            </a:r>
+            <a:r>
+              <a:rPr lang="ko-KR" altLang="en-US" sz="2400" dirty="0" smtClean="0">
+                <a:solidFill>
+                  <a:schemeClr val="tx1">
+                    <a:lumMod val="75000"/>
+                    <a:lumOff val="25000"/>
+                  </a:schemeClr>
+                </a:solidFill>
+                <a:latin typeface="Calibri" charset="0"/>
+                <a:ea typeface="Calibri" charset="0"/>
+                <a:cs typeface="Calibri" charset="0"/>
+              </a:rPr>
+              <a:t> </a:t>
+            </a:r>
+            <a:r>
+              <a:rPr lang="en-US" altLang="ko-KR" sz="2400" dirty="0" smtClean="0">
+                <a:solidFill>
+                  <a:schemeClr val="tx1">
+                    <a:lumMod val="75000"/>
+                    <a:lumOff val="25000"/>
+                  </a:schemeClr>
+                </a:solidFill>
+                <a:latin typeface="Calibri" charset="0"/>
+                <a:ea typeface="Calibri" charset="0"/>
+                <a:cs typeface="Calibri" charset="0"/>
+              </a:rPr>
+              <a:t>list</a:t>
+            </a:r>
+            <a:r>
+              <a:rPr lang="ko-KR" altLang="en-US" sz="2400" dirty="0" smtClean="0">
+                <a:solidFill>
+                  <a:schemeClr val="tx1">
+                    <a:lumMod val="75000"/>
+                    <a:lumOff val="25000"/>
+                  </a:schemeClr>
+                </a:solidFill>
+                <a:latin typeface="Calibri" charset="0"/>
+                <a:ea typeface="Calibri" charset="0"/>
+                <a:cs typeface="Calibri" charset="0"/>
+              </a:rPr>
+              <a:t> </a:t>
+            </a:r>
+            <a:r>
+              <a:rPr lang="en-US" altLang="ko-KR" sz="2400" dirty="0" smtClean="0">
+                <a:solidFill>
+                  <a:schemeClr val="tx1">
+                    <a:lumMod val="75000"/>
+                    <a:lumOff val="25000"/>
+                  </a:schemeClr>
+                </a:solidFill>
+                <a:latin typeface="Calibri" charset="0"/>
+                <a:ea typeface="Calibri" charset="0"/>
+                <a:cs typeface="Calibri" charset="0"/>
+              </a:rPr>
+              <a:t>of</a:t>
+            </a:r>
+            <a:r>
+              <a:rPr lang="ko-KR" altLang="en-US" sz="2400" dirty="0" smtClean="0">
+                <a:solidFill>
+                  <a:schemeClr val="tx1">
+                    <a:lumMod val="75000"/>
+                    <a:lumOff val="25000"/>
+                  </a:schemeClr>
+                </a:solidFill>
+                <a:latin typeface="Calibri" charset="0"/>
+                <a:ea typeface="Calibri" charset="0"/>
+                <a:cs typeface="Calibri" charset="0"/>
+              </a:rPr>
+              <a:t> </a:t>
+            </a:r>
+            <a:r>
+              <a:rPr lang="en-US" altLang="ko-KR" sz="2400" dirty="0" smtClean="0">
+                <a:solidFill>
+                  <a:schemeClr val="tx1">
+                    <a:lumMod val="75000"/>
+                    <a:lumOff val="25000"/>
+                  </a:schemeClr>
+                </a:solidFill>
+                <a:latin typeface="Calibri" charset="0"/>
+                <a:ea typeface="Calibri" charset="0"/>
+                <a:cs typeface="Calibri" charset="0"/>
+              </a:rPr>
+              <a:t>prefetching</a:t>
+            </a:r>
+            <a:r>
+              <a:rPr lang="ko-KR" altLang="en-US" sz="2400" dirty="0" smtClean="0">
+                <a:solidFill>
+                  <a:schemeClr val="tx1">
+                    <a:lumMod val="75000"/>
+                    <a:lumOff val="25000"/>
+                  </a:schemeClr>
+                </a:solidFill>
+                <a:latin typeface="Calibri" charset="0"/>
+                <a:ea typeface="Calibri" charset="0"/>
+                <a:cs typeface="Calibri" charset="0"/>
+              </a:rPr>
+              <a:t> </a:t>
+            </a:r>
+            <a:r>
+              <a:rPr lang="en-US" altLang="ko-KR" sz="2400" dirty="0" smtClean="0">
+                <a:solidFill>
+                  <a:schemeClr val="tx1">
+                    <a:lumMod val="75000"/>
+                    <a:lumOff val="25000"/>
+                  </a:schemeClr>
+                </a:solidFill>
+                <a:latin typeface="Calibri" charset="0"/>
+                <a:ea typeface="Calibri" charset="0"/>
+                <a:cs typeface="Calibri" charset="0"/>
+              </a:rPr>
+              <a:t>websites.</a:t>
+            </a:r>
+            <a:endParaRPr lang="ko-KR" altLang="en-US" sz="2400" dirty="0" smtClean="0">
+              <a:solidFill>
+                <a:schemeClr val="tx1">
+                  <a:lumMod val="75000"/>
+                  <a:lumOff val="25000"/>
+                </a:schemeClr>
+              </a:solidFill>
+              <a:latin typeface="Calibri" charset="0"/>
+              <a:ea typeface="Calibri" charset="0"/>
+              <a:cs typeface="Calibri" charset="0"/>
+            </a:endParaRPr>
+          </a:p>
+          <a:p>
+            <a:pPr marL="457200" indent="-457200" algn="just">
+              <a:buFont typeface="Arial" charset="0"/>
+              <a:buChar char="•"/>
+            </a:pPr>
+            <a:r>
+              <a:rPr lang="en-US" altLang="ko-KR" sz="2400" dirty="0" smtClean="0">
+                <a:solidFill>
+                  <a:schemeClr val="tx1">
+                    <a:lumMod val="75000"/>
+                    <a:lumOff val="25000"/>
+                  </a:schemeClr>
+                </a:solidFill>
+                <a:latin typeface="Calibri" charset="0"/>
+                <a:ea typeface="Calibri" charset="0"/>
+                <a:cs typeface="Calibri" charset="0"/>
+              </a:rPr>
+              <a:t>Capture 2: Capture packets for a list of prefetching website, while the prefetching is turned off on the browser side.</a:t>
+            </a:r>
+          </a:p>
+          <a:p>
+            <a:pPr marL="457200" indent="-457200" algn="just">
+              <a:buFont typeface="Arial" charset="0"/>
+              <a:buChar char="•"/>
+            </a:pPr>
+            <a:r>
+              <a:rPr lang="en-US" altLang="ko-KR" sz="2400" dirty="0" smtClean="0">
+                <a:solidFill>
+                  <a:schemeClr val="tx1">
+                    <a:lumMod val="75000"/>
+                    <a:lumOff val="25000"/>
+                  </a:schemeClr>
+                </a:solidFill>
+                <a:latin typeface="Calibri" charset="0"/>
+                <a:ea typeface="Calibri" charset="0"/>
+                <a:cs typeface="Calibri" charset="0"/>
+              </a:rPr>
+              <a:t>Compare the two</a:t>
+            </a:r>
+            <a:endParaRPr lang="ko-KR" altLang="en-US" sz="2400" dirty="0" smtClean="0">
+              <a:solidFill>
+                <a:schemeClr val="tx1">
+                  <a:lumMod val="75000"/>
+                  <a:lumOff val="25000"/>
+                </a:schemeClr>
+              </a:solidFill>
+              <a:latin typeface="Calibri" charset="0"/>
+              <a:ea typeface="Calibri" charset="0"/>
+              <a:cs typeface="Calibri" charset="0"/>
+            </a:endParaRPr>
           </a:p>
         </p:txBody>
       </p:sp>
@@ -9612,7 +10448,7 @@
     </p:spTree>
     <p:extLst>
       <p:ext uri="{BB962C8B-B14F-4D97-AF65-F5344CB8AC3E}">
-        <p14:creationId xmlns:p14="http://schemas.microsoft.com/office/powerpoint/2010/main" val="530846660"/>
+        <p14:creationId xmlns:p14="http://schemas.microsoft.com/office/powerpoint/2010/main" val="152326244"/>
       </p:ext>
     </p:extLst>
   </p:cSld>
@@ -9622,7 +10458,7 @@
   <p:timing>
     <p:tnLst>
       <p:par>
-        <p:cTn xmlns:p14="http://schemas.microsoft.com/office/powerpoint/2010/main" id="1" dur="indefinite" restart="never" nodeType="tmRoot"/>
+        <p:cTn id="1" dur="indefinite" restart="never" nodeType="tmRoot"/>
       </p:par>
     </p:tnLst>
   </p:timing>
@@ -9683,7 +10519,7 @@
         <p:spPr>
           <a:xfrm>
             <a:off x="349416" y="1026916"/>
-            <a:ext cx="8360830" cy="1261884"/>
+            <a:ext cx="8360830" cy="3477875"/>
           </a:xfrm>
           <a:prstGeom prst="rect">
             <a:avLst/>
@@ -9695,11 +10531,27 @@
           </a:bodyPr>
           <a:lstStyle/>
           <a:p>
-            <a:pPr algn="just"/>
             <a:r>
               <a:rPr lang="en-US" altLang="ko-KR" sz="2800" b="1" dirty="0" smtClean="0"/>
-              <a:t>RQ3:</a:t>
-            </a:r>
+              <a:t>Experimental Setup</a:t>
+            </a:r>
+            <a:endParaRPr lang="ko-KR" altLang="en-US" sz="2800" dirty="0">
+              <a:solidFill>
+                <a:schemeClr val="tx1">
+                  <a:lumMod val="75000"/>
+                  <a:lumOff val="25000"/>
+                </a:schemeClr>
+              </a:solidFill>
+              <a:latin typeface="Calibri" charset="0"/>
+              <a:ea typeface="Calibri" charset="0"/>
+              <a:cs typeface="Calibri" charset="0"/>
+            </a:endParaRPr>
+          </a:p>
+          <a:p>
+            <a:pPr marL="457200" indent="-457200">
+              <a:buFont typeface="Arial" charset="0"/>
+              <a:buChar char="•"/>
+            </a:pPr>
             <a:r>
               <a:rPr lang="en-US" altLang="ko-KR" sz="2400" dirty="0" smtClean="0">
                 <a:solidFill>
@@ -9712,12 +10564,178 @@
                 <a:ea typeface="Calibri" charset="0"/>
                 <a:cs typeface="Calibri" charset="0"/>
               </a:rPr>
-              <a:t> Can prefetching be used as a browser-side defense mechanism?</a:t>
-            </a:r>
-          </a:p>
-          <a:p>
-            <a:pPr algn="just"/>
-            <a:endParaRPr lang="en-US" altLang="ko-KR" sz="2400" dirty="0">
+              <a:t>Configured two separate virtual machines to capture packets for 60 prefetching websites.</a:t>
+            </a:r>
+            <a:endParaRPr lang="ko-KR" altLang="en-US" sz="2000" dirty="0" smtClean="0">
+              <a:solidFill>
+                <a:schemeClr val="tx1">
+                  <a:lumMod val="75000"/>
+                  <a:lumOff val="25000"/>
+                </a:schemeClr>
+              </a:solidFill>
+              <a:latin typeface="Calibri" charset="0"/>
+              <a:ea typeface="Calibri" charset="0"/>
+              <a:cs typeface="Calibri" charset="0"/>
+            </a:endParaRPr>
+          </a:p>
+          <a:p>
+            <a:pPr marL="914400" lvl="1" indent="-457200">
+              <a:buFont typeface="Arial" charset="0"/>
+              <a:buChar char="•"/>
+            </a:pPr>
+            <a:r>
+              <a:rPr lang="en-US" altLang="ko-KR" sz="2400" dirty="0" smtClean="0">
+                <a:solidFill>
+                  <a:schemeClr val="tx1">
+                    <a:lumMod val="75000"/>
+                    <a:lumOff val="25000"/>
+                  </a:schemeClr>
+                </a:solidFill>
+                <a:latin typeface="Calibri" charset="0"/>
+                <a:ea typeface="Calibri" charset="0"/>
+                <a:cs typeface="Calibri" charset="0"/>
+              </a:rPr>
+              <a:t>VM </a:t>
+            </a:r>
+            <a:r>
+              <a:rPr lang="en-US" altLang="ko-KR" sz="2400" u="sng" dirty="0" smtClean="0">
+                <a:solidFill>
+                  <a:schemeClr val="tx1">
+                    <a:lumMod val="75000"/>
+                    <a:lumOff val="25000"/>
+                  </a:schemeClr>
+                </a:solidFill>
+                <a:latin typeface="Calibri" charset="0"/>
+                <a:ea typeface="Calibri" charset="0"/>
+                <a:cs typeface="Calibri" charset="0"/>
+              </a:rPr>
+              <a:t>isolates</a:t>
+            </a:r>
+            <a:r>
+              <a:rPr lang="en-US" altLang="ko-KR" sz="2400" dirty="0" smtClean="0">
+                <a:solidFill>
+                  <a:schemeClr val="tx1">
+                    <a:lumMod val="75000"/>
+                    <a:lumOff val="25000"/>
+                  </a:schemeClr>
+                </a:solidFill>
+                <a:latin typeface="Calibri" charset="0"/>
+                <a:ea typeface="Calibri" charset="0"/>
+                <a:cs typeface="Calibri" charset="0"/>
+              </a:rPr>
+              <a:t> experiment environment, </a:t>
+            </a:r>
+            <a:r>
+              <a:rPr lang="en-US" altLang="ko-KR" sz="2400" u="sng" dirty="0" smtClean="0">
+                <a:solidFill>
+                  <a:schemeClr val="tx1">
+                    <a:lumMod val="75000"/>
+                    <a:lumOff val="25000"/>
+                  </a:schemeClr>
+                </a:solidFill>
+                <a:latin typeface="Calibri" charset="0"/>
+                <a:ea typeface="Calibri" charset="0"/>
+                <a:cs typeface="Calibri" charset="0"/>
+              </a:rPr>
+              <a:t>remov</a:t>
+            </a:r>
+            <a:r>
+              <a:rPr lang="en-US" altLang="ko-KR" sz="2400" u="sng" dirty="0" smtClean="0">
+                <a:solidFill>
+                  <a:schemeClr val="tx1">
+                    <a:lumMod val="75000"/>
+                    <a:lumOff val="25000"/>
+                  </a:schemeClr>
+                </a:solidFill>
+                <a:latin typeface="Calibri" charset="0"/>
+                <a:ea typeface="Calibri" charset="0"/>
+                <a:cs typeface="Calibri" charset="0"/>
+              </a:rPr>
+              <a:t>es</a:t>
+            </a:r>
+            <a:r>
+              <a:rPr lang="en-US" altLang="ko-KR" sz="2400" u="sng" dirty="0" smtClean="0">
+                <a:solidFill>
+                  <a:schemeClr val="tx1">
+                    <a:lumMod val="75000"/>
+                    <a:lumOff val="25000"/>
+                  </a:schemeClr>
+                </a:solidFill>
+                <a:latin typeface="Calibri" charset="0"/>
+                <a:ea typeface="Calibri" charset="0"/>
+                <a:cs typeface="Calibri" charset="0"/>
+              </a:rPr>
+              <a:t> all background noises</a:t>
+            </a:r>
+            <a:r>
+              <a:rPr lang="en-US" altLang="ko-KR" sz="2400" dirty="0" smtClean="0">
+                <a:solidFill>
+                  <a:schemeClr val="tx1">
+                    <a:lumMod val="75000"/>
+                    <a:lumOff val="25000"/>
+                  </a:schemeClr>
+                </a:solidFill>
+                <a:latin typeface="Calibri" charset="0"/>
+                <a:ea typeface="Calibri" charset="0"/>
+                <a:cs typeface="Calibri" charset="0"/>
+              </a:rPr>
+              <a:t>.</a:t>
+            </a:r>
+          </a:p>
+          <a:p>
+            <a:pPr marL="914400" lvl="1" indent="-457200">
+              <a:buFont typeface="Arial" charset="0"/>
+              <a:buChar char="•"/>
+            </a:pPr>
+            <a:r>
+              <a:rPr lang="en-US" altLang="ko-KR" sz="2400" dirty="0" smtClean="0">
+                <a:solidFill>
+                  <a:schemeClr val="tx1">
+                    <a:lumMod val="75000"/>
+                    <a:lumOff val="25000"/>
+                  </a:schemeClr>
+                </a:solidFill>
+                <a:latin typeface="Calibri" charset="0"/>
+                <a:ea typeface="Calibri" charset="0"/>
+                <a:cs typeface="Calibri" charset="0"/>
+              </a:rPr>
+              <a:t>By configuring two VMs and running them in parallel, we can minimize getting affected by the changes </a:t>
+            </a:r>
+            <a:r>
+              <a:rPr lang="en-US" altLang="ko-KR" sz="2400" dirty="0" smtClean="0">
+                <a:solidFill>
+                  <a:schemeClr val="tx1">
+                    <a:lumMod val="75000"/>
+                    <a:lumOff val="25000"/>
+                  </a:schemeClr>
+                </a:solidFill>
+                <a:latin typeface="Calibri" charset="0"/>
+                <a:ea typeface="Calibri" charset="0"/>
+                <a:cs typeface="Calibri" charset="0"/>
+              </a:rPr>
+              <a:t>of websites </a:t>
+            </a:r>
+            <a:r>
+              <a:rPr lang="en-US" altLang="ko-KR" sz="2400" dirty="0" smtClean="0">
+                <a:solidFill>
+                  <a:schemeClr val="tx1">
+                    <a:lumMod val="75000"/>
+                    <a:lumOff val="25000"/>
+                  </a:schemeClr>
+                </a:solidFill>
+                <a:latin typeface="Calibri" charset="0"/>
+                <a:ea typeface="Calibri" charset="0"/>
+                <a:cs typeface="Calibri" charset="0"/>
+              </a:rPr>
+              <a:t>over time.</a:t>
+            </a:r>
+          </a:p>
+          <a:p>
+            <a:pPr marL="457200" indent="-457200">
+              <a:buFont typeface="Arial" charset="0"/>
+              <a:buChar char="•"/>
+            </a:pPr>
+            <a:endParaRPr lang="ko-KR" altLang="en-US" sz="2400" dirty="0" smtClean="0">
               <a:solidFill>
                 <a:schemeClr val="tx1">
                   <a:lumMod val="75000"/>
@@ -9809,10 +10827,336 @@
           </a:p>
         </p:txBody>
       </p:sp>
+      <p:pic>
+        <p:nvPicPr>
+          <p:cNvPr id="9" name="Picture 8"/>
+          <p:cNvPicPr>
+            <a:picLocks noChangeAspect="1"/>
+          </p:cNvPicPr>
+          <p:nvPr/>
+        </p:nvPicPr>
+        <p:blipFill>
+          <a:blip r:embed="rId3"/>
+          <a:stretch>
+            <a:fillRect/>
+          </a:stretch>
+        </p:blipFill>
+        <p:spPr>
+          <a:xfrm>
+            <a:off x="2184905" y="4876331"/>
+            <a:ext cx="858681" cy="858681"/>
+          </a:xfrm>
+          <a:prstGeom prst="rect">
+            <a:avLst/>
+          </a:prstGeom>
+        </p:spPr>
+      </p:pic>
+      <p:pic>
+        <p:nvPicPr>
+          <p:cNvPr id="10" name="Picture 9"/>
+          <p:cNvPicPr>
+            <a:picLocks noChangeAspect="1"/>
+          </p:cNvPicPr>
+          <p:nvPr/>
+        </p:nvPicPr>
+        <p:blipFill>
+          <a:blip r:embed="rId3"/>
+          <a:stretch>
+            <a:fillRect/>
+          </a:stretch>
+        </p:blipFill>
+        <p:spPr>
+          <a:xfrm>
+            <a:off x="6016076" y="4876331"/>
+            <a:ext cx="858681" cy="858681"/>
+          </a:xfrm>
+          <a:prstGeom prst="rect">
+            <a:avLst/>
+          </a:prstGeom>
+        </p:spPr>
+      </p:pic>
+      <p:pic>
+        <p:nvPicPr>
+          <p:cNvPr id="11" name="Picture 10"/>
+          <p:cNvPicPr>
+            <a:picLocks noChangeAspect="1"/>
+          </p:cNvPicPr>
+          <p:nvPr/>
+        </p:nvPicPr>
+        <p:blipFill>
+          <a:blip r:embed="rId4"/>
+          <a:stretch>
+            <a:fillRect/>
+          </a:stretch>
+        </p:blipFill>
+        <p:spPr>
+          <a:xfrm>
+            <a:off x="4215636" y="4918340"/>
+            <a:ext cx="628390" cy="628390"/>
+          </a:xfrm>
+          <a:prstGeom prst="rect">
+            <a:avLst/>
+          </a:prstGeom>
+        </p:spPr>
+      </p:pic>
+      <p:cxnSp>
+        <p:nvCxnSpPr>
+          <p:cNvPr id="12" name="Straight Arrow Connector 11"/>
+          <p:cNvCxnSpPr/>
+          <p:nvPr/>
+        </p:nvCxnSpPr>
+        <p:spPr>
+          <a:xfrm flipV="1">
+            <a:off x="3155403" y="5267704"/>
+            <a:ext cx="935951" cy="3672"/>
+          </a:xfrm>
+          <a:prstGeom prst="straightConnector1">
+            <a:avLst/>
+          </a:prstGeom>
+          <a:ln w="28575">
+            <a:solidFill>
+              <a:srgbClr val="FFCC33"/>
+            </a:solidFill>
+            <a:headEnd type="none"/>
+            <a:tailEnd type="triangle" w="lg" len="med"/>
+          </a:ln>
+        </p:spPr>
+        <p:style>
+          <a:lnRef idx="1">
+            <a:schemeClr val="accent1"/>
+          </a:lnRef>
+          <a:fillRef idx="0">
+            <a:schemeClr val="accent1"/>
+          </a:fillRef>
+          <a:effectRef idx="0">
+            <a:schemeClr val="accent1"/>
+          </a:effectRef>
+          <a:fontRef idx="minor">
+            <a:schemeClr val="tx1"/>
+          </a:fontRef>
+        </p:style>
+      </p:cxnSp>
+      <p:cxnSp>
+        <p:nvCxnSpPr>
+          <p:cNvPr id="13" name="Straight Arrow Connector 12"/>
+          <p:cNvCxnSpPr/>
+          <p:nvPr/>
+        </p:nvCxnSpPr>
+        <p:spPr>
+          <a:xfrm flipH="1">
+            <a:off x="4891737" y="5267704"/>
+            <a:ext cx="969801" cy="2798"/>
+          </a:xfrm>
+          <a:prstGeom prst="straightConnector1">
+            <a:avLst/>
+          </a:prstGeom>
+          <a:ln w="28575">
+            <a:solidFill>
+              <a:srgbClr val="FFCC33"/>
+            </a:solidFill>
+            <a:headEnd type="none"/>
+            <a:tailEnd type="triangle" w="lg" len="med"/>
+          </a:ln>
+        </p:spPr>
+        <p:style>
+          <a:lnRef idx="1">
+            <a:schemeClr val="accent1"/>
+          </a:lnRef>
+          <a:fillRef idx="0">
+            <a:schemeClr val="accent1"/>
+          </a:fillRef>
+          <a:effectRef idx="0">
+            <a:schemeClr val="accent1"/>
+          </a:effectRef>
+          <a:fontRef idx="minor">
+            <a:schemeClr val="tx1"/>
+          </a:fontRef>
+        </p:style>
+      </p:cxnSp>
+      <p:sp>
+        <p:nvSpPr>
+          <p:cNvPr id="15" name="Rectangle 14"/>
+          <p:cNvSpPr/>
+          <p:nvPr/>
+        </p:nvSpPr>
+        <p:spPr>
+          <a:xfrm>
+            <a:off x="6157819" y="5639343"/>
+            <a:ext cx="691215" cy="400110"/>
+          </a:xfrm>
+          <a:prstGeom prst="rect">
+            <a:avLst/>
+          </a:prstGeom>
+        </p:spPr>
+        <p:txBody>
+          <a:bodyPr wrap="none">
+            <a:spAutoFit/>
+          </a:bodyPr>
+          <a:lstStyle/>
+          <a:p>
+            <a:r>
+              <a:rPr lang="en-US" sz="2000" b="1" smtClean="0">
+                <a:solidFill>
+                  <a:srgbClr val="000000"/>
+                </a:solidFill>
+                <a:latin typeface="Calibri" charset="0"/>
+                <a:ea typeface="Calibri" charset="0"/>
+                <a:cs typeface="Calibri" charset="0"/>
+              </a:rPr>
+              <a:t>VM2</a:t>
+            </a:r>
+            <a:endParaRPr lang="en-US" sz="2000" b="1" dirty="0"/>
+          </a:p>
+        </p:txBody>
+      </p:sp>
+      <p:sp>
+        <p:nvSpPr>
+          <p:cNvPr id="16" name="Rectangle 15"/>
+          <p:cNvSpPr/>
+          <p:nvPr/>
+        </p:nvSpPr>
+        <p:spPr>
+          <a:xfrm>
+            <a:off x="2326218" y="5628791"/>
+            <a:ext cx="691215" cy="400110"/>
+          </a:xfrm>
+          <a:prstGeom prst="rect">
+            <a:avLst/>
+          </a:prstGeom>
+        </p:spPr>
+        <p:txBody>
+          <a:bodyPr wrap="none">
+            <a:spAutoFit/>
+          </a:bodyPr>
+          <a:lstStyle/>
+          <a:p>
+            <a:r>
+              <a:rPr lang="en-US" sz="2000" b="1" dirty="0" smtClean="0">
+                <a:solidFill>
+                  <a:srgbClr val="000000"/>
+                </a:solidFill>
+                <a:latin typeface="Calibri" charset="0"/>
+                <a:ea typeface="Calibri" charset="0"/>
+                <a:cs typeface="Calibri" charset="0"/>
+              </a:rPr>
+              <a:t>VM1</a:t>
+            </a:r>
+            <a:endParaRPr lang="en-US" sz="2000" b="1" dirty="0"/>
+          </a:p>
+        </p:txBody>
+      </p:sp>
+      <p:sp>
+        <p:nvSpPr>
+          <p:cNvPr id="17" name="Rectangle 16"/>
+          <p:cNvSpPr/>
+          <p:nvPr/>
+        </p:nvSpPr>
+        <p:spPr>
+          <a:xfrm>
+            <a:off x="3804295" y="5499838"/>
+            <a:ext cx="1440331" cy="400110"/>
+          </a:xfrm>
+          <a:prstGeom prst="rect">
+            <a:avLst/>
+          </a:prstGeom>
+        </p:spPr>
+        <p:txBody>
+          <a:bodyPr wrap="none">
+            <a:spAutoFit/>
+          </a:bodyPr>
+          <a:lstStyle/>
+          <a:p>
+            <a:r>
+              <a:rPr lang="en-US" sz="2000" b="1" smtClean="0">
+                <a:solidFill>
+                  <a:srgbClr val="000000"/>
+                </a:solidFill>
+                <a:latin typeface="Calibri" charset="0"/>
+                <a:ea typeface="Calibri" charset="0"/>
+                <a:cs typeface="Calibri" charset="0"/>
+              </a:rPr>
+              <a:t>60 websites</a:t>
+            </a:r>
+            <a:endParaRPr lang="en-US" sz="2000" b="1" dirty="0"/>
+          </a:p>
+        </p:txBody>
+      </p:sp>
+      <p:sp>
+        <p:nvSpPr>
+          <p:cNvPr id="18" name="Rectangle 17"/>
+          <p:cNvSpPr/>
+          <p:nvPr/>
+        </p:nvSpPr>
+        <p:spPr>
+          <a:xfrm>
+            <a:off x="1929186" y="4500912"/>
+            <a:ext cx="1485278" cy="400110"/>
+          </a:xfrm>
+          <a:prstGeom prst="rect">
+            <a:avLst/>
+          </a:prstGeom>
+        </p:spPr>
+        <p:txBody>
+          <a:bodyPr wrap="none">
+            <a:spAutoFit/>
+          </a:bodyPr>
+          <a:lstStyle/>
+          <a:p>
+            <a:r>
+              <a:rPr lang="en-US" sz="2000" b="1" smtClean="0">
+                <a:solidFill>
+                  <a:srgbClr val="000000"/>
+                </a:solidFill>
+                <a:latin typeface="Calibri" charset="0"/>
+                <a:ea typeface="Calibri" charset="0"/>
+                <a:cs typeface="Calibri" charset="0"/>
+              </a:rPr>
+              <a:t>Pre-fetch on</a:t>
+            </a:r>
+            <a:endParaRPr lang="en-US" sz="2000" b="1" dirty="0"/>
+          </a:p>
+        </p:txBody>
+      </p:sp>
+      <p:sp>
+        <p:nvSpPr>
+          <p:cNvPr id="19" name="Rectangle 18"/>
+          <p:cNvSpPr/>
+          <p:nvPr/>
+        </p:nvSpPr>
+        <p:spPr>
+          <a:xfrm>
+            <a:off x="5702777" y="4476221"/>
+            <a:ext cx="1510926" cy="400110"/>
+          </a:xfrm>
+          <a:prstGeom prst="rect">
+            <a:avLst/>
+          </a:prstGeom>
+        </p:spPr>
+        <p:txBody>
+          <a:bodyPr wrap="none">
+            <a:spAutoFit/>
+          </a:bodyPr>
+          <a:lstStyle/>
+          <a:p>
+            <a:r>
+              <a:rPr lang="en-US" sz="2000" b="1" dirty="0" smtClean="0">
+                <a:solidFill>
+                  <a:srgbClr val="000000"/>
+                </a:solidFill>
+                <a:latin typeface="Calibri" charset="0"/>
+                <a:ea typeface="Calibri" charset="0"/>
+                <a:cs typeface="Calibri" charset="0"/>
+              </a:rPr>
+              <a:t>Pre-fetch off</a:t>
+            </a:r>
+            <a:endParaRPr lang="en-US" sz="2000" b="1" dirty="0"/>
+          </a:p>
+        </p:txBody>
+      </p:sp>
     </p:spTree>
     <p:extLst>
       <p:ext uri="{BB962C8B-B14F-4D97-AF65-F5344CB8AC3E}">
-        <p14:creationId xmlns:p14="http://schemas.microsoft.com/office/powerpoint/2010/main" val="1374652450"/>
+        <p14:creationId xmlns:p14="http://schemas.microsoft.com/office/powerpoint/2010/main" val="1237365984"/>
       </p:ext>
     </p:extLst>
   </p:cSld>
@@ -9822,7 +11166,7 @@
   <p:timing>
     <p:tnLst>
       <p:par>
-        <p:cTn xmlns:p14="http://schemas.microsoft.com/office/powerpoint/2010/main" id="1" dur="indefinite" restart="never" nodeType="tmRoot"/>
+        <p:cTn id="1" dur="indefinite" restart="never" nodeType="tmRoot"/>
       </p:par>
     </p:tnLst>
   </p:timing>
@@ -9848,46 +11192,6 @@
       </p:grpSpPr>
       <p:sp>
         <p:nvSpPr>
-          <p:cNvPr id="9" name="Rectangle 8"/>
-          <p:cNvSpPr/>
-          <p:nvPr/>
-        </p:nvSpPr>
-        <p:spPr>
-          <a:xfrm>
-            <a:off x="319925" y="966920"/>
-            <a:ext cx="8331015" cy="769441"/>
-          </a:xfrm>
-          <a:prstGeom prst="rect">
-            <a:avLst/>
-          </a:prstGeom>
-        </p:spPr>
-        <p:txBody>
-          <a:bodyPr wrap="square">
-            <a:spAutoFit/>
-          </a:bodyPr>
-          <a:lstStyle/>
-          <a:p>
-            <a:pPr lvl="0" algn="just" latinLnBrk="1"/>
-            <a:r>
-              <a:rPr lang="en-US" sz="2400" b="1" dirty="0" smtClean="0"/>
-              <a:t>For</a:t>
-            </a:r>
-          </a:p>
-          <a:p>
-            <a:pPr marL="342900" lvl="0" indent="-342900" algn="just" latinLnBrk="1">
-              <a:buFont typeface="Arial" panose="020B0604020202020204" pitchFamily="34" charset="0"/>
-              <a:buChar char="•"/>
-            </a:pPr>
-            <a:r>
-              <a:rPr lang="en-US" sz="2000" dirty="0" smtClean="0"/>
-              <a:t>document</a:t>
-            </a:r>
-            <a:endParaRPr lang="en-US" sz="2000" dirty="0"/>
-          </a:p>
-        </p:txBody>
-      </p:sp>
-      <p:sp>
-        <p:nvSpPr>
           <p:cNvPr id="3" name="Slide Number Placeholder 2"/>
           <p:cNvSpPr>
             <a:spLocks noGrp="1"/>
@@ -9916,7 +11220,145 @@
       </p:sp>
       <p:sp>
         <p:nvSpPr>
-          <p:cNvPr id="8" name="Title 1"/>
+          <p:cNvPr id="4" name="Rectangle 3"/>
+          <p:cNvSpPr/>
+          <p:nvPr/>
+        </p:nvSpPr>
+        <p:spPr>
+          <a:xfrm>
+            <a:off x="349416" y="1026916"/>
+            <a:ext cx="8360830" cy="2739211"/>
+          </a:xfrm>
+          <a:prstGeom prst="rect">
+            <a:avLst/>
+          </a:prstGeom>
+        </p:spPr>
+        <p:txBody>
+          <a:bodyPr wrap="square">
+            <a:spAutoFit/>
+          </a:bodyPr>
+          <a:lstStyle/>
+          <a:p>
+            <a:r>
+              <a:rPr lang="en-US" altLang="ko-KR" sz="2800" b="1" dirty="0" smtClean="0"/>
+              <a:t>Experimental Setup</a:t>
+            </a:r>
+            <a:endParaRPr lang="ko-KR" altLang="en-US" sz="2800" dirty="0">
+              <a:solidFill>
+                <a:schemeClr val="tx1">
+                  <a:lumMod val="75000"/>
+                  <a:lumOff val="25000"/>
+                </a:schemeClr>
+              </a:solidFill>
+              <a:latin typeface="Calibri" charset="0"/>
+              <a:ea typeface="Calibri" charset="0"/>
+              <a:cs typeface="Calibri" charset="0"/>
+            </a:endParaRPr>
+          </a:p>
+          <a:p>
+            <a:pPr marL="457200" indent="-457200">
+              <a:buFont typeface="Arial" charset="0"/>
+              <a:buChar char="•"/>
+            </a:pPr>
+            <a:r>
+              <a:rPr lang="en-US" altLang="ko-KR" sz="2400" dirty="0" smtClean="0">
+                <a:solidFill>
+                  <a:schemeClr val="tx1">
+                    <a:lumMod val="75000"/>
+                    <a:lumOff val="25000"/>
+                  </a:schemeClr>
+                </a:solidFill>
+                <a:latin typeface="Calibri" charset="0"/>
+                <a:ea typeface="Calibri" charset="0"/>
+                <a:cs typeface="Calibri" charset="0"/>
+              </a:rPr>
+              <a:t>Used a python script (implemented by Juarez M et al.*) to automatically execute Tor browser multiple times and capture incoming/outgoing packets for each sessions.</a:t>
+            </a:r>
+          </a:p>
+          <a:p>
+            <a:pPr marL="457200" indent="-457200">
+              <a:buFont typeface="Arial" charset="0"/>
+              <a:buChar char="•"/>
+            </a:pPr>
+            <a:r>
+              <a:rPr lang="en-US" altLang="ko-KR" sz="2400" dirty="0" smtClean="0">
+                <a:solidFill>
+                  <a:schemeClr val="tx1">
+                    <a:lumMod val="75000"/>
+                    <a:lumOff val="25000"/>
+                  </a:schemeClr>
+                </a:solidFill>
+                <a:latin typeface="Calibri" charset="0"/>
+                <a:ea typeface="Calibri" charset="0"/>
+                <a:cs typeface="Calibri" charset="0"/>
+              </a:rPr>
+              <a:t>Captured each </a:t>
+            </a:r>
+            <a:r>
+              <a:rPr lang="en-US" altLang="ko-KR" sz="2400" dirty="0" err="1" smtClean="0">
+                <a:solidFill>
+                  <a:schemeClr val="tx1">
+                    <a:lumMod val="75000"/>
+                    <a:lumOff val="25000"/>
+                  </a:schemeClr>
+                </a:solidFill>
+                <a:latin typeface="Calibri" charset="0"/>
+                <a:ea typeface="Calibri" charset="0"/>
+                <a:cs typeface="Calibri" charset="0"/>
+              </a:rPr>
+              <a:t>url</a:t>
+            </a:r>
+            <a:r>
+              <a:rPr lang="en-US" altLang="ko-KR" sz="2400" dirty="0" smtClean="0">
+                <a:solidFill>
+                  <a:schemeClr val="tx1">
+                    <a:lumMod val="75000"/>
+                    <a:lumOff val="25000"/>
+                  </a:schemeClr>
+                </a:solidFill>
+                <a:latin typeface="Calibri" charset="0"/>
+                <a:ea typeface="Calibri" charset="0"/>
+                <a:cs typeface="Calibri" charset="0"/>
+              </a:rPr>
+              <a:t> for 15 times.</a:t>
+            </a:r>
+          </a:p>
+          <a:p>
+            <a:pPr marL="457200" indent="-457200">
+              <a:buFont typeface="Arial" charset="0"/>
+              <a:buChar char="•"/>
+            </a:pPr>
+            <a:r>
+              <a:rPr lang="en-US" altLang="ko-KR" sz="2400" dirty="0" smtClean="0">
+                <a:solidFill>
+                  <a:schemeClr val="tx1">
+                    <a:lumMod val="75000"/>
+                    <a:lumOff val="25000"/>
+                  </a:schemeClr>
+                </a:solidFill>
+                <a:latin typeface="Calibri" charset="0"/>
+                <a:ea typeface="Calibri" charset="0"/>
+                <a:cs typeface="Calibri" charset="0"/>
+              </a:rPr>
+              <a:t>Capture for each connection finishes when the site is fully loaded or exceeds timeout (120s)</a:t>
+            </a:r>
+            <a:endParaRPr lang="ko-KR" altLang="en-US" sz="2400" dirty="0" smtClean="0">
+              <a:solidFill>
+                <a:schemeClr val="tx1">
+                  <a:lumMod val="75000"/>
+                  <a:lumOff val="25000"/>
+                </a:schemeClr>
+              </a:solidFill>
+              <a:latin typeface="Calibri" charset="0"/>
+              <a:ea typeface="Calibri" charset="0"/>
+              <a:cs typeface="Calibri" charset="0"/>
+            </a:endParaRPr>
+          </a:p>
+        </p:txBody>
+      </p:sp>
+      <p:sp>
+        <p:nvSpPr>
+          <p:cNvPr id="6" name="Title 1"/>
           <p:cNvSpPr txBox="1">
             <a:spLocks/>
           </p:cNvSpPr>
@@ -9925,7 +11367,7 @@
         <p:spPr>
           <a:xfrm>
             <a:off x="409576" y="232031"/>
-            <a:ext cx="8626848" cy="734889"/>
+            <a:ext cx="9479494" cy="734889"/>
           </a:xfrm>
           <a:prstGeom prst="rect">
             <a:avLst/>
@@ -9960,16 +11402,110 @@
           <a:p>
             <a:r>
               <a:rPr lang="en-US" b="1" dirty="0" smtClean="0"/>
-              <a:t>Ongoing Works</a:t>
+              <a:t>Experiment</a:t>
             </a:r>
             <a:endParaRPr lang="en-US" b="1" dirty="0"/>
+          </a:p>
+        </p:txBody>
+      </p:sp>
+      <p:sp>
+        <p:nvSpPr>
+          <p:cNvPr id="8" name="TextBox 7"/>
+          <p:cNvSpPr txBox="1"/>
+          <p:nvPr/>
+        </p:nvSpPr>
+        <p:spPr>
+          <a:xfrm>
+            <a:off x="2614246" y="1266092"/>
+            <a:ext cx="184731" cy="369332"/>
+          </a:xfrm>
+          <a:prstGeom prst="rect">
+            <a:avLst/>
+          </a:prstGeom>
+          <a:noFill/>
+        </p:spPr>
+        <p:txBody>
+          <a:bodyPr wrap="none" rtlCol="0">
+            <a:spAutoFit/>
+          </a:bodyPr>
+          <a:lstStyle/>
+          <a:p>
+            <a:endParaRPr lang="en-US" dirty="0"/>
+          </a:p>
+        </p:txBody>
+      </p:sp>
+      <p:sp>
+        <p:nvSpPr>
+          <p:cNvPr id="7" name="Rectangle 6"/>
+          <p:cNvSpPr/>
+          <p:nvPr/>
+        </p:nvSpPr>
+        <p:spPr>
+          <a:xfrm>
+            <a:off x="1485482" y="5938872"/>
+            <a:ext cx="7690119" cy="369332"/>
+          </a:xfrm>
+          <a:prstGeom prst="rect">
+            <a:avLst/>
+          </a:prstGeom>
+        </p:spPr>
+        <p:txBody>
+          <a:bodyPr wrap="none">
+            <a:spAutoFit/>
+          </a:bodyPr>
+          <a:lstStyle/>
+          <a:p>
+            <a:r>
+              <a:rPr lang="en-US" i="1" smtClean="0">
+                <a:solidFill>
+                  <a:schemeClr val="tx1">
+                    <a:lumMod val="65000"/>
+                    <a:lumOff val="35000"/>
+                  </a:schemeClr>
+                </a:solidFill>
+              </a:rPr>
+              <a:t>*Juarez</a:t>
+            </a:r>
+            <a:r>
+              <a:rPr lang="en-US" i="1" dirty="0">
+                <a:solidFill>
+                  <a:schemeClr val="tx1">
+                    <a:lumMod val="65000"/>
+                    <a:lumOff val="35000"/>
+                  </a:schemeClr>
+                </a:solidFill>
+              </a:rPr>
+              <a:t>, M. et al.: A Critical Evaluation of Website Fingerprinting Attacks. </a:t>
+            </a:r>
+            <a:r>
+              <a:rPr lang="en-US" i="1" dirty="0" smtClean="0">
+                <a:solidFill>
+                  <a:schemeClr val="tx1">
+                    <a:lumMod val="65000"/>
+                    <a:lumOff val="35000"/>
+                  </a:schemeClr>
+                </a:solidFill>
+              </a:rPr>
+              <a:t>(</a:t>
+            </a:r>
+            <a:r>
+              <a:rPr lang="en-US" i="1" dirty="0">
+                <a:solidFill>
+                  <a:schemeClr val="tx1">
+                    <a:lumMod val="65000"/>
+                    <a:lumOff val="35000"/>
+                  </a:schemeClr>
+                </a:solidFill>
+              </a:rPr>
+              <a:t>2014).</a:t>
+            </a:r>
           </a:p>
         </p:txBody>
       </p:sp>
     </p:spTree>
     <p:extLst>
       <p:ext uri="{BB962C8B-B14F-4D97-AF65-F5344CB8AC3E}">
-        <p14:creationId xmlns:p14="http://schemas.microsoft.com/office/powerpoint/2010/main" val="1482431112"/>
+        <p14:creationId xmlns:p14="http://schemas.microsoft.com/office/powerpoint/2010/main" val="80594776"/>
       </p:ext>
     </p:extLst>
   </p:cSld>
@@ -9979,7 +11515,7 @@
   <p:timing>
     <p:tnLst>
       <p:par>
-        <p:cTn xmlns:p14="http://schemas.microsoft.com/office/powerpoint/2010/main" id="1" dur="indefinite" restart="never" nodeType="tmRoot"/>
+        <p:cTn id="1" dur="indefinite" restart="never" nodeType="tmRoot"/>
       </p:par>
     </p:tnLst>
   </p:timing>
@@ -10005,56 +11541,397 @@
       </p:grpSpPr>
       <p:sp>
         <p:nvSpPr>
-          <p:cNvPr id="2" name="Title 1"/>
+          <p:cNvPr id="3" name="Slide Number Placeholder 2"/>
           <p:cNvSpPr>
             <a:spLocks noGrp="1"/>
           </p:cNvSpPr>
           <p:nvPr>
-            <p:ph type="title"/>
+            <p:ph type="sldNum" sz="quarter" idx="4294967295"/>
           </p:nvPr>
         </p:nvSpPr>
-        <p:spPr/>
+        <p:spPr>
+          <a:xfrm>
+            <a:off x="-237705" y="6459786"/>
+            <a:ext cx="984019" cy="365125"/>
+          </a:xfrm>
+        </p:spPr>
         <p:txBody>
           <a:bodyPr/>
           <a:lstStyle/>
           <a:p>
-            <a:r>
-              <a:rPr lang="en-US" dirty="0" smtClean="0"/>
-              <a:t>References</a:t>
-            </a:r>
+            <a:fld id="{629637A9-119A-49DA-BD12-AAC58B377D80}" type="slidenum">
+              <a:rPr lang="en-US" smtClean="0"/>
+              <a:t>18</a:t>
+            </a:fld>
             <a:endParaRPr lang="en-US" dirty="0"/>
           </a:p>
         </p:txBody>
       </p:sp>
       <p:sp>
         <p:nvSpPr>
-          <p:cNvPr id="3" name="Content Placeholder 2"/>
-          <p:cNvSpPr>
-            <a:spLocks noGrp="1"/>
+          <p:cNvPr id="4" name="Rectangle 3"/>
+          <p:cNvSpPr/>
+          <p:nvPr/>
+        </p:nvSpPr>
+        <p:spPr>
+          <a:xfrm>
+            <a:off x="349416" y="1026916"/>
+            <a:ext cx="8360830" cy="5755422"/>
+          </a:xfrm>
+          <a:prstGeom prst="rect">
+            <a:avLst/>
+          </a:prstGeom>
+        </p:spPr>
+        <p:txBody>
+          <a:bodyPr wrap="square">
+            <a:spAutoFit/>
+          </a:bodyPr>
+          <a:lstStyle/>
+          <a:p>
+            <a:r>
+              <a:rPr lang="en-US" altLang="ko-KR" sz="2800" b="1" dirty="0" smtClean="0"/>
+              <a:t>RQ2: </a:t>
+            </a:r>
+            <a:r>
+              <a:rPr lang="en-US" altLang="ko-KR" sz="2800" dirty="0" smtClean="0">
+                <a:solidFill>
+                  <a:schemeClr val="tx1">
+                    <a:lumMod val="75000"/>
+                    <a:lumOff val="25000"/>
+                  </a:schemeClr>
+                </a:solidFill>
+                <a:latin typeface="Calibri" charset="0"/>
+                <a:ea typeface="Calibri" charset="0"/>
+                <a:cs typeface="Calibri" charset="0"/>
+              </a:rPr>
+              <a:t>Can a victim obfuscate eavesdropper by simply turning off prefetching in their browser</a:t>
+            </a:r>
+            <a:r>
+              <a:rPr lang="en-US" altLang="ko-KR" sz="2800" dirty="0" smtClean="0">
+                <a:solidFill>
+                  <a:schemeClr val="tx1">
+                    <a:lumMod val="75000"/>
+                    <a:lumOff val="25000"/>
+                  </a:schemeClr>
+                </a:solidFill>
+                <a:latin typeface="Calibri" charset="0"/>
+                <a:ea typeface="Calibri" charset="0"/>
+                <a:cs typeface="Calibri" charset="0"/>
+              </a:rPr>
+              <a:t>?</a:t>
+            </a:r>
+            <a:endParaRPr lang="en-US" altLang="ko-KR" sz="2800" dirty="0">
+              <a:solidFill>
+                <a:schemeClr val="tx1">
+                  <a:lumMod val="75000"/>
+                  <a:lumOff val="25000"/>
+                </a:schemeClr>
+              </a:solidFill>
+              <a:latin typeface="Calibri" charset="0"/>
+              <a:ea typeface="Calibri" charset="0"/>
+              <a:cs typeface="Calibri" charset="0"/>
+            </a:endParaRPr>
+          </a:p>
+          <a:p>
+            <a:r>
+              <a:rPr lang="en-US" altLang="ko-KR" dirty="0" smtClean="0">
+                <a:solidFill>
+                  <a:schemeClr val="tx1">
+                    <a:lumMod val="75000"/>
+                    <a:lumOff val="25000"/>
+                  </a:schemeClr>
+                </a:solidFill>
+                <a:latin typeface="Calibri" charset="0"/>
+                <a:ea typeface="Calibri" charset="0"/>
+                <a:cs typeface="Calibri" charset="0"/>
+              </a:rPr>
+              <a:t> </a:t>
+            </a:r>
+          </a:p>
+          <a:p>
+            <a:r>
+              <a:rPr lang="en-US" altLang="ko-KR" sz="2400" b="1" dirty="0" smtClean="0">
+                <a:solidFill>
+                  <a:schemeClr val="tx1">
+                    <a:lumMod val="75000"/>
+                    <a:lumOff val="25000"/>
+                  </a:schemeClr>
+                </a:solidFill>
+                <a:latin typeface="Calibri" charset="0"/>
+                <a:ea typeface="Calibri" charset="0"/>
+                <a:cs typeface="Calibri" charset="0"/>
+              </a:rPr>
+              <a:t>Use Case</a:t>
+            </a:r>
+          </a:p>
+          <a:p>
+            <a:pPr marL="342900" indent="-342900">
+              <a:buFont typeface="Arial" charset="0"/>
+              <a:buChar char="•"/>
+            </a:pPr>
+            <a:r>
+              <a:rPr lang="en-US" altLang="ko-KR" sz="2400" dirty="0" smtClean="0">
+                <a:solidFill>
+                  <a:schemeClr val="tx1">
+                    <a:lumMod val="75000"/>
+                    <a:lumOff val="25000"/>
+                  </a:schemeClr>
+                </a:solidFill>
+                <a:latin typeface="Calibri" charset="0"/>
+                <a:ea typeface="Calibri" charset="0"/>
+                <a:cs typeface="Calibri" charset="0"/>
+              </a:rPr>
+              <a:t>Attacker trained their classifier assuming that user uses the default setting (pre-fetch on).</a:t>
+            </a:r>
+          </a:p>
+          <a:p>
+            <a:pPr marL="342900" indent="-342900">
+              <a:buFont typeface="Arial" charset="0"/>
+              <a:buChar char="•"/>
+            </a:pPr>
+            <a:r>
+              <a:rPr lang="en-US" altLang="ko-KR" sz="2400" dirty="0" smtClean="0">
+                <a:solidFill>
+                  <a:schemeClr val="tx1">
+                    <a:lumMod val="75000"/>
+                    <a:lumOff val="25000"/>
+                  </a:schemeClr>
+                </a:solidFill>
+                <a:latin typeface="Calibri" charset="0"/>
+                <a:ea typeface="Calibri" charset="0"/>
+                <a:cs typeface="Calibri" charset="0"/>
+              </a:rPr>
+              <a:t>However, the victim turned off the pre-fetch setting on her/his browser.</a:t>
+            </a:r>
+          </a:p>
+          <a:p>
+            <a:pPr marL="342900" indent="-342900">
+              <a:buFont typeface="Arial" charset="0"/>
+              <a:buChar char="•"/>
+            </a:pPr>
+            <a:r>
+              <a:rPr lang="en-US" altLang="ko-KR" sz="2400" dirty="0" smtClean="0">
+                <a:solidFill>
+                  <a:schemeClr val="tx1">
+                    <a:lumMod val="75000"/>
+                    <a:lumOff val="25000"/>
+                  </a:schemeClr>
+                </a:solidFill>
+                <a:latin typeface="Calibri" charset="0"/>
+                <a:ea typeface="Calibri" charset="0"/>
+                <a:cs typeface="Calibri" charset="0"/>
+              </a:rPr>
+              <a:t>The victim visits websites that uses prefetching.</a:t>
+            </a:r>
+          </a:p>
+          <a:p>
+            <a:r>
+              <a:rPr lang="en-US" altLang="ko-KR" dirty="0" smtClean="0">
+                <a:solidFill>
+                  <a:schemeClr val="tx1">
+                    <a:lumMod val="75000"/>
+                    <a:lumOff val="25000"/>
+                  </a:schemeClr>
+                </a:solidFill>
+                <a:latin typeface="Calibri" charset="0"/>
+                <a:ea typeface="Calibri" charset="0"/>
+                <a:cs typeface="Calibri" charset="0"/>
+              </a:rPr>
+              <a:t> </a:t>
+            </a:r>
+            <a:endParaRPr lang="en-US" altLang="ko-KR" dirty="0">
+              <a:solidFill>
+                <a:schemeClr val="tx1">
+                  <a:lumMod val="75000"/>
+                  <a:lumOff val="25000"/>
+                </a:schemeClr>
+              </a:solidFill>
+              <a:latin typeface="Calibri" charset="0"/>
+              <a:ea typeface="Calibri" charset="0"/>
+              <a:cs typeface="Calibri" charset="0"/>
+            </a:endParaRPr>
+          </a:p>
+          <a:p>
+            <a:r>
+              <a:rPr lang="en-US" altLang="ko-KR" sz="2400" b="1" dirty="0" smtClean="0">
+                <a:solidFill>
+                  <a:schemeClr val="tx1">
+                    <a:lumMod val="75000"/>
+                    <a:lumOff val="25000"/>
+                  </a:schemeClr>
+                </a:solidFill>
+                <a:latin typeface="Calibri" charset="0"/>
+                <a:ea typeface="Calibri" charset="0"/>
+                <a:cs typeface="Calibri" charset="0"/>
+              </a:rPr>
+              <a:t>Method</a:t>
+            </a:r>
+          </a:p>
+          <a:p>
+            <a:pPr marL="342900" indent="-342900">
+              <a:buFont typeface="Arial" charset="0"/>
+              <a:buChar char="•"/>
+            </a:pPr>
+            <a:r>
+              <a:rPr lang="en-US" altLang="ko-KR" sz="2400" dirty="0" smtClean="0">
+                <a:solidFill>
+                  <a:schemeClr val="tx1">
+                    <a:lumMod val="75000"/>
+                    <a:lumOff val="25000"/>
+                  </a:schemeClr>
+                </a:solidFill>
+                <a:latin typeface="Calibri" charset="0"/>
+                <a:ea typeface="Calibri" charset="0"/>
+                <a:cs typeface="Calibri" charset="0"/>
+              </a:rPr>
+              <a:t>For a set of prefetching website, train the classifier where the prefetching was enabled.</a:t>
+            </a:r>
+          </a:p>
+          <a:p>
+            <a:pPr marL="342900" indent="-342900">
+              <a:buFont typeface="Arial" charset="0"/>
+              <a:buChar char="•"/>
+            </a:pPr>
+            <a:r>
+              <a:rPr lang="en-US" altLang="ko-KR" sz="2400" dirty="0" smtClean="0">
+                <a:solidFill>
+                  <a:schemeClr val="tx1">
+                    <a:lumMod val="75000"/>
+                    <a:lumOff val="25000"/>
+                  </a:schemeClr>
+                </a:solidFill>
+                <a:latin typeface="Calibri" charset="0"/>
+                <a:ea typeface="Calibri" charset="0"/>
+                <a:cs typeface="Calibri" charset="0"/>
+              </a:rPr>
+              <a:t>Analyze victim traffic where prefetching is disabled.</a:t>
+            </a:r>
+            <a:endParaRPr lang="en-US" altLang="ko-KR" sz="2400" dirty="0" smtClean="0">
+              <a:solidFill>
+                <a:schemeClr val="tx1">
+                  <a:lumMod val="75000"/>
+                  <a:lumOff val="25000"/>
+                </a:schemeClr>
+              </a:solidFill>
+              <a:latin typeface="Calibri" charset="0"/>
+              <a:ea typeface="Calibri" charset="0"/>
+              <a:cs typeface="Calibri" charset="0"/>
+            </a:endParaRPr>
+          </a:p>
+          <a:p>
+            <a:pPr marL="342900" indent="-342900">
+              <a:buFont typeface="Arial" charset="0"/>
+              <a:buChar char="•"/>
+            </a:pPr>
+            <a:endParaRPr lang="en-US" altLang="ko-KR" sz="2400" dirty="0" smtClean="0">
+              <a:solidFill>
+                <a:schemeClr val="tx1">
+                  <a:lumMod val="75000"/>
+                  <a:lumOff val="25000"/>
+                </a:schemeClr>
+              </a:solidFill>
+              <a:latin typeface="Calibri" charset="0"/>
+              <a:ea typeface="Calibri" charset="0"/>
+              <a:cs typeface="Calibri" charset="0"/>
+            </a:endParaRPr>
+          </a:p>
+        </p:txBody>
+      </p:sp>
+      <p:sp>
+        <p:nvSpPr>
+          <p:cNvPr id="6" name="Title 1"/>
+          <p:cNvSpPr txBox="1">
+            <a:spLocks/>
           </p:cNvSpPr>
-          <p:nvPr>
-            <p:ph idx="1"/>
-          </p:nvPr>
-        </p:nvSpPr>
-        <p:spPr/>
-        <p:txBody>
-          <a:bodyPr/>
-          <a:lstStyle/>
-          <a:p>
-            <a:endParaRPr lang="en-US"/>
+          <p:nvPr/>
+        </p:nvSpPr>
+        <p:spPr>
+          <a:xfrm>
+            <a:off x="409576" y="232031"/>
+            <a:ext cx="9479494" cy="734889"/>
+          </a:xfrm>
+          <a:prstGeom prst="rect">
+            <a:avLst/>
+          </a:prstGeom>
+        </p:spPr>
+        <p:txBody>
+          <a:bodyPr vert="horz" lIns="91440" tIns="45720" rIns="91440" bIns="45720" rtlCol="0" anchor="b">
+            <a:normAutofit/>
+          </a:bodyPr>
+          <a:lstStyle>
+            <a:lvl1pPr algn="l" defTabSz="914400" rtl="0" eaLnBrk="1" latinLnBrk="0" hangingPunct="1">
+              <a:lnSpc>
+                <a:spcPct val="85000"/>
+              </a:lnSpc>
+              <a:spcBef>
+                <a:spcPct val="0"/>
+              </a:spcBef>
+              <a:buNone/>
+              <a:defRPr sz="4800" kern="1200" spc="-50" baseline="0">
+                <a:solidFill>
+                  <a:schemeClr val="tx1">
+                    <a:lumMod val="75000"/>
+                    <a:lumOff val="25000"/>
+                  </a:schemeClr>
+                </a:solidFill>
+                <a:latin typeface="+mj-lt"/>
+                <a:ea typeface="+mj-ea"/>
+                <a:cs typeface="+mj-cs"/>
+              </a:defRPr>
+            </a:lvl1pPr>
+          </a:lstStyle>
+          <a:p>
+            <a:r>
+              <a:rPr lang="en-US" b="1" dirty="0" smtClean="0"/>
+              <a:t>Experiment</a:t>
+            </a:r>
+            <a:endParaRPr lang="en-US" b="1" dirty="0"/>
+          </a:p>
+        </p:txBody>
+      </p:sp>
+      <p:sp>
+        <p:nvSpPr>
+          <p:cNvPr id="8" name="TextBox 7"/>
+          <p:cNvSpPr txBox="1"/>
+          <p:nvPr/>
+        </p:nvSpPr>
+        <p:spPr>
+          <a:xfrm>
+            <a:off x="2614246" y="1266092"/>
+            <a:ext cx="184731" cy="369332"/>
+          </a:xfrm>
+          <a:prstGeom prst="rect">
+            <a:avLst/>
+          </a:prstGeom>
+          <a:noFill/>
+        </p:spPr>
+        <p:txBody>
+          <a:bodyPr wrap="none" rtlCol="0">
+            <a:spAutoFit/>
+          </a:bodyPr>
+          <a:lstStyle/>
+          <a:p>
+            <a:endParaRPr lang="en-US" dirty="0"/>
           </a:p>
         </p:txBody>
       </p:sp>
     </p:spTree>
     <p:extLst>
       <p:ext uri="{BB962C8B-B14F-4D97-AF65-F5344CB8AC3E}">
-        <p14:creationId xmlns:p14="http://schemas.microsoft.com/office/powerpoint/2010/main" val="1767335562"/>
+        <p14:creationId xmlns:p14="http://schemas.microsoft.com/office/powerpoint/2010/main" val="530846660"/>
       </p:ext>
     </p:extLst>
   </p:cSld>
   <p:clrMapOvr>
     <a:masterClrMapping/>
   </p:clrMapOvr>
+  <p:timing>
+    <p:tnLst>
+      <p:par>
+        <p:cTn id="1" dur="indefinite" restart="never" nodeType="tmRoot"/>
+      </p:par>
+    </p:tnLst>
+  </p:timing>
 </p:sld>
 </file>
 
@@ -10077,39 +11954,29 @@
       </p:grpSpPr>
       <p:sp>
         <p:nvSpPr>
-          <p:cNvPr id="2" name="Title 1"/>
+          <p:cNvPr id="3" name="Slide Number Placeholder 2"/>
           <p:cNvSpPr>
             <a:spLocks noGrp="1"/>
           </p:cNvSpPr>
           <p:nvPr>
-            <p:ph type="title"/>
+            <p:ph type="sldNum" sz="quarter" idx="4294967295"/>
           </p:nvPr>
         </p:nvSpPr>
-        <p:spPr/>
+        <p:spPr>
+          <a:xfrm>
+            <a:off x="-237705" y="6459786"/>
+            <a:ext cx="984019" cy="365125"/>
+          </a:xfrm>
+        </p:spPr>
         <p:txBody>
           <a:bodyPr/>
           <a:lstStyle/>
           <a:p>
-            <a:endParaRPr lang="en-US"/>
-          </a:p>
-        </p:txBody>
-      </p:sp>
-      <p:sp>
-        <p:nvSpPr>
-          <p:cNvPr id="3" name="Content Placeholder 2"/>
-          <p:cNvSpPr>
-            <a:spLocks noGrp="1"/>
-          </p:cNvSpPr>
-          <p:nvPr>
-            <p:ph idx="1"/>
-          </p:nvPr>
-        </p:nvSpPr>
-        <p:spPr/>
-        <p:txBody>
-          <a:bodyPr/>
-          <a:lstStyle/>
-          <a:p>
-            <a:endParaRPr lang="en-US"/>
+            <a:fld id="{629637A9-119A-49DA-BD12-AAC58B377D80}" type="slidenum">
+              <a:rPr lang="en-US" smtClean="0"/>
+              <a:t>19</a:t>
+            </a:fld>
+            <a:endParaRPr lang="en-US" dirty="0"/>
           </a:p>
         </p:txBody>
       </p:sp>
@@ -10121,56 +11988,116 @@
         </p:nvSpPr>
         <p:spPr>
           <a:xfrm>
-            <a:off x="0" y="0"/>
-            <a:ext cx="9144000" cy="6858000"/>
+            <a:off x="349416" y="1026916"/>
+            <a:ext cx="8360830" cy="1323439"/>
           </a:xfrm>
           <a:prstGeom prst="rect">
             <a:avLst/>
           </a:prstGeom>
-          <a:solidFill>
-            <a:schemeClr val="tx1"/>
-          </a:solidFill>
-          <a:ln>
-            <a:solidFill>
-              <a:schemeClr val="tx1"/>
-            </a:solidFill>
-          </a:ln>
-        </p:spPr>
-        <p:style>
-          <a:lnRef idx="2">
-            <a:schemeClr val="accent1">
-              <a:shade val="50000"/>
-            </a:schemeClr>
-          </a:lnRef>
-          <a:fillRef idx="1">
-            <a:schemeClr val="accent1"/>
-          </a:fillRef>
-          <a:effectRef idx="0">
-            <a:schemeClr val="accent1"/>
-          </a:effectRef>
-          <a:fontRef idx="minor">
-            <a:schemeClr val="lt1"/>
-          </a:fontRef>
-        </p:style>
-        <p:txBody>
-          <a:bodyPr rtlCol="0" anchor="ctr"/>
-          <a:lstStyle/>
-          <a:p>
-            <a:pPr algn="ctr"/>
-            <a:endParaRPr lang="en-US"/>
-          </a:p>
-        </p:txBody>
-      </p:sp>
-      <p:sp>
-        <p:nvSpPr>
-          <p:cNvPr id="5" name="TextBox 4"/>
+        </p:spPr>
+        <p:txBody>
+          <a:bodyPr wrap="square">
+            <a:spAutoFit/>
+          </a:bodyPr>
+          <a:lstStyle/>
+          <a:p>
+            <a:r>
+              <a:rPr lang="en-US" altLang="ko-KR" sz="2800" b="1" dirty="0" smtClean="0"/>
+              <a:t>RQ3:</a:t>
+            </a:r>
+            <a:r>
+              <a:rPr lang="en-US" altLang="ko-KR" sz="2800" dirty="0" smtClean="0">
+                <a:solidFill>
+                  <a:schemeClr val="tx1">
+                    <a:lumMod val="75000"/>
+                    <a:lumOff val="25000"/>
+                  </a:schemeClr>
+                </a:solidFill>
+                <a:latin typeface="Calibri" charset="0"/>
+                <a:ea typeface="Calibri" charset="0"/>
+                <a:cs typeface="Calibri" charset="0"/>
+              </a:rPr>
+              <a:t> Can prefetching be used as a browser-side defense mechanism?</a:t>
+            </a:r>
+          </a:p>
+          <a:p>
+            <a:pPr algn="just"/>
+            <a:endParaRPr lang="en-US" altLang="ko-KR" sz="2400" dirty="0">
+              <a:solidFill>
+                <a:schemeClr val="tx1">
+                  <a:lumMod val="75000"/>
+                  <a:lumOff val="25000"/>
+                </a:schemeClr>
+              </a:solidFill>
+              <a:latin typeface="Calibri" charset="0"/>
+              <a:ea typeface="Calibri" charset="0"/>
+              <a:cs typeface="Calibri" charset="0"/>
+            </a:endParaRPr>
+          </a:p>
+        </p:txBody>
+      </p:sp>
+      <p:sp>
+        <p:nvSpPr>
+          <p:cNvPr id="6" name="Title 1"/>
+          <p:cNvSpPr txBox="1">
+            <a:spLocks/>
+          </p:cNvSpPr>
+          <p:nvPr/>
+        </p:nvSpPr>
+        <p:spPr>
+          <a:xfrm>
+            <a:off x="409576" y="232031"/>
+            <a:ext cx="9479494" cy="734889"/>
+          </a:xfrm>
+          <a:prstGeom prst="rect">
+            <a:avLst/>
+          </a:prstGeom>
+        </p:spPr>
+        <p:txBody>
+          <a:bodyPr vert="horz" lIns="91440" tIns="45720" rIns="91440" bIns="45720" rtlCol="0" anchor="b">
+            <a:normAutofit/>
+          </a:bodyPr>
+          <a:lstStyle>
+            <a:lvl1pPr algn="l" defTabSz="914400" rtl="0" eaLnBrk="1" latinLnBrk="0" hangingPunct="1">
+              <a:lnSpc>
+                <a:spcPct val="85000"/>
+              </a:lnSpc>
+              <a:spcBef>
+                <a:spcPct val="0"/>
+              </a:spcBef>
+              <a:buNone/>
+              <a:defRPr sz="4800" kern="1200" spc="-50" baseline="0">
+                <a:solidFill>
+                  <a:schemeClr val="tx1">
+                    <a:lumMod val="75000"/>
+                    <a:lumOff val="25000"/>
+                  </a:schemeClr>
+                </a:solidFill>
+                <a:latin typeface="+mj-lt"/>
+                <a:ea typeface="+mj-ea"/>
+                <a:cs typeface="+mj-cs"/>
+              </a:defRPr>
+            </a:lvl1pPr>
+          </a:lstStyle>
+          <a:p>
+            <a:r>
+              <a:rPr lang="en-US" b="1" dirty="0" smtClean="0"/>
+              <a:t>Experiment</a:t>
+            </a:r>
+            <a:endParaRPr lang="en-US" b="1" dirty="0"/>
+          </a:p>
+        </p:txBody>
+      </p:sp>
+      <p:sp>
+        <p:nvSpPr>
+          <p:cNvPr id="8" name="TextBox 7"/>
           <p:cNvSpPr txBox="1"/>
           <p:nvPr/>
         </p:nvSpPr>
         <p:spPr>
           <a:xfrm>
-            <a:off x="2854412" y="2798234"/>
-            <a:ext cx="3855308" cy="923330"/>
+            <a:off x="2614246" y="1266092"/>
+            <a:ext cx="184731" cy="369332"/>
           </a:xfrm>
           <a:prstGeom prst="rect">
             <a:avLst/>
@@ -10178,31 +12105,19 @@
           <a:noFill/>
         </p:spPr>
         <p:txBody>
-          <a:bodyPr wrap="square" rtlCol="0">
+          <a:bodyPr wrap="none" rtlCol="0">
             <a:spAutoFit/>
           </a:bodyPr>
           <a:lstStyle/>
           <a:p>
-            <a:r>
-              <a:rPr lang="en-US" sz="5400" b="1" dirty="0" smtClean="0">
-                <a:solidFill>
-                  <a:schemeClr val="bg1"/>
-                </a:solidFill>
-              </a:rPr>
-              <a:t>THANK YOU</a:t>
-            </a:r>
-            <a:endParaRPr lang="en-US" sz="5400" b="1" dirty="0">
-              <a:solidFill>
-                <a:schemeClr val="bg1"/>
-              </a:solidFill>
-            </a:endParaRPr>
+            <a:endParaRPr lang="en-US" dirty="0"/>
           </a:p>
         </p:txBody>
       </p:sp>
     </p:spTree>
     <p:extLst>
       <p:ext uri="{BB962C8B-B14F-4D97-AF65-F5344CB8AC3E}">
-        <p14:creationId xmlns:p14="http://schemas.microsoft.com/office/powerpoint/2010/main" val="1695459882"/>
+        <p14:creationId xmlns:p14="http://schemas.microsoft.com/office/powerpoint/2010/main" val="1374652450"/>
       </p:ext>
     </p:extLst>
   </p:cSld>
@@ -10212,7 +12127,7 @@
   <p:timing>
     <p:tnLst>
       <p:par>
-        <p:cTn xmlns:p14="http://schemas.microsoft.com/office/powerpoint/2010/main" id="1" dur="indefinite" restart="never" nodeType="tmRoot"/>
+        <p:cTn id="1" dur="indefinite" restart="never" nodeType="tmRoot"/>
       </p:par>
     </p:tnLst>
   </p:timing>
@@ -10295,11 +12210,7 @@
             </a:pPr>
             <a:r>
               <a:rPr lang="en-US" altLang="ko-KR" sz="2800" dirty="0" smtClean="0"/>
-              <a:t>Anonymity </a:t>
-            </a:r>
-            <a:r>
-              <a:rPr lang="en-US" altLang="ko-KR" sz="2800" dirty="0" smtClean="0"/>
-              <a:t>network</a:t>
+              <a:t>Anonymity network</a:t>
             </a:r>
           </a:p>
           <a:p>
@@ -10451,7 +12362,7 @@
   <p:timing>
     <p:tnLst>
       <p:par>
-        <p:cTn xmlns:p14="http://schemas.microsoft.com/office/powerpoint/2010/main" id="1" dur="indefinite" restart="never" nodeType="tmRoot"/>
+        <p:cTn id="1" dur="indefinite" restart="never" nodeType="tmRoot"/>
       </p:par>
     </p:tnLst>
   </p:timing>
@@ -10477,6 +12388,46 @@
       </p:grpSpPr>
       <p:sp>
         <p:nvSpPr>
+          <p:cNvPr id="9" name="Rectangle 8"/>
+          <p:cNvSpPr/>
+          <p:nvPr/>
+        </p:nvSpPr>
+        <p:spPr>
+          <a:xfrm>
+            <a:off x="319925" y="966920"/>
+            <a:ext cx="8331015" cy="769441"/>
+          </a:xfrm>
+          <a:prstGeom prst="rect">
+            <a:avLst/>
+          </a:prstGeom>
+        </p:spPr>
+        <p:txBody>
+          <a:bodyPr wrap="square">
+            <a:spAutoFit/>
+          </a:bodyPr>
+          <a:lstStyle/>
+          <a:p>
+            <a:pPr lvl="0" algn="just" latinLnBrk="1"/>
+            <a:r>
+              <a:rPr lang="en-US" sz="2400" b="1" dirty="0" smtClean="0"/>
+              <a:t>For</a:t>
+            </a:r>
+          </a:p>
+          <a:p>
+            <a:pPr marL="342900" lvl="0" indent="-342900" algn="just" latinLnBrk="1">
+              <a:buFont typeface="Arial" panose="020B0604020202020204" pitchFamily="34" charset="0"/>
+              <a:buChar char="•"/>
+            </a:pPr>
+            <a:r>
+              <a:rPr lang="en-US" sz="2000" dirty="0" smtClean="0"/>
+              <a:t>document</a:t>
+            </a:r>
+            <a:endParaRPr lang="en-US" sz="2000" dirty="0"/>
+          </a:p>
+        </p:txBody>
+      </p:sp>
+      <p:sp>
+        <p:nvSpPr>
           <p:cNvPr id="3" name="Slide Number Placeholder 2"/>
           <p:cNvSpPr>
             <a:spLocks noGrp="1"/>
@@ -10505,84 +12456,7 @@
       </p:sp>
       <p:sp>
         <p:nvSpPr>
-          <p:cNvPr id="4" name="Rectangle 3"/>
-          <p:cNvSpPr/>
-          <p:nvPr/>
-        </p:nvSpPr>
-        <p:spPr>
-          <a:xfrm>
-            <a:off x="349416" y="1026916"/>
-            <a:ext cx="8665188" cy="1384995"/>
-          </a:xfrm>
-          <a:prstGeom prst="rect">
-            <a:avLst/>
-          </a:prstGeom>
-        </p:spPr>
-        <p:txBody>
-          <a:bodyPr wrap="square">
-            <a:spAutoFit/>
-          </a:bodyPr>
-          <a:lstStyle/>
-          <a:p>
-            <a:pPr algn="just"/>
-            <a:r>
-              <a:rPr lang="en-US" altLang="ko-KR" sz="2400" b="1" dirty="0" smtClean="0"/>
-              <a:t>Do we need an overview slide?</a:t>
-            </a:r>
-          </a:p>
-          <a:p>
-            <a:pPr marL="342882" indent="-342882" algn="just">
-              <a:buFontTx/>
-              <a:buChar char="-"/>
-            </a:pPr>
-            <a:r>
-              <a:rPr lang="en-US" altLang="ko-KR" sz="2000" dirty="0" smtClean="0">
-                <a:solidFill>
-                  <a:schemeClr val="tx1">
-                    <a:lumMod val="75000"/>
-                    <a:lumOff val="25000"/>
-                  </a:schemeClr>
-                </a:solidFill>
-              </a:rPr>
-              <a:t>CFAR is an a</a:t>
-            </a:r>
-          </a:p>
-          <a:p>
-            <a:pPr marL="342882" indent="-342882" algn="just">
-              <a:buFontTx/>
-              <a:buChar char="-"/>
-            </a:pPr>
-            <a:endParaRPr lang="en-US" altLang="ko-KR" sz="2000" dirty="0">
-              <a:solidFill>
-                <a:schemeClr val="tx1">
-                  <a:lumMod val="75000"/>
-                  <a:lumOff val="25000"/>
-                </a:schemeClr>
-              </a:solidFill>
-            </a:endParaRPr>
-          </a:p>
-          <a:p>
-            <a:pPr marL="342882" indent="-342882" algn="just">
-              <a:buFontTx/>
-              <a:buChar char="-"/>
-            </a:pPr>
-            <a:r>
-              <a:rPr lang="en-US" altLang="ko-KR" sz="2000" dirty="0" smtClean="0">
-                <a:solidFill>
-                  <a:schemeClr val="tx1">
-                    <a:lumMod val="75000"/>
-                    <a:lumOff val="25000"/>
-                  </a:schemeClr>
-                </a:solidFill>
-              </a:rPr>
-              <a:t>Do we </a:t>
-            </a:r>
-          </a:p>
-        </p:txBody>
-      </p:sp>
-      <p:sp>
-        <p:nvSpPr>
-          <p:cNvPr id="6" name="Title 1"/>
+          <p:cNvPr id="8" name="Title 1"/>
           <p:cNvSpPr txBox="1">
             <a:spLocks/>
           </p:cNvSpPr>
@@ -10591,7 +12465,7 @@
         <p:spPr>
           <a:xfrm>
             <a:off x="409576" y="232031"/>
-            <a:ext cx="9479494" cy="734889"/>
+            <a:ext cx="8626848" cy="734889"/>
           </a:xfrm>
           <a:prstGeom prst="rect">
             <a:avLst/>
@@ -10626,81 +12500,16 @@
           <a:p>
             <a:r>
               <a:rPr lang="en-US" b="1" dirty="0" smtClean="0"/>
-              <a:t>Overview (TODO)</a:t>
+              <a:t>Ongoing Works</a:t>
             </a:r>
             <a:endParaRPr lang="en-US" b="1" dirty="0"/>
-          </a:p>
-        </p:txBody>
-      </p:sp>
-      <p:sp>
-        <p:nvSpPr>
-          <p:cNvPr id="2" name="Rectangle 1"/>
-          <p:cNvSpPr/>
-          <p:nvPr/>
-        </p:nvSpPr>
-        <p:spPr>
-          <a:xfrm>
-            <a:off x="1863289" y="5927149"/>
-            <a:ext cx="7280711" cy="369332"/>
-          </a:xfrm>
-          <a:prstGeom prst="rect">
-            <a:avLst/>
-          </a:prstGeom>
-        </p:spPr>
-        <p:txBody>
-          <a:bodyPr wrap="none">
-            <a:spAutoFit/>
-          </a:bodyPr>
-          <a:lstStyle/>
-          <a:p>
-            <a:r>
-              <a:rPr lang="en-US" i="1" smtClean="0">
-                <a:solidFill>
-                  <a:schemeClr val="tx1">
-                    <a:lumMod val="65000"/>
-                    <a:lumOff val="35000"/>
-                  </a:schemeClr>
-                </a:solidFill>
-              </a:rPr>
-              <a:t>[1] </a:t>
-            </a:r>
-            <a:r>
-              <a:rPr lang="en-US" i="1" dirty="0" err="1" smtClean="0">
-                <a:solidFill>
-                  <a:schemeClr val="tx1">
-                    <a:lumMod val="65000"/>
-                    <a:lumOff val="35000"/>
-                  </a:schemeClr>
-                </a:solidFill>
-              </a:rPr>
-              <a:t>Carzaniga</a:t>
-            </a:r>
-            <a:r>
-              <a:rPr lang="en-US" i="1" dirty="0" smtClean="0">
-                <a:solidFill>
-                  <a:schemeClr val="tx1">
-                    <a:lumMod val="65000"/>
-                    <a:lumOff val="35000"/>
-                  </a:schemeClr>
-                </a:solidFill>
-              </a:rPr>
-              <a:t> et al., “Automatic Recovery from Runtime Failures”, ICSE, 2013.</a:t>
-            </a:r>
-            <a:endParaRPr lang="en-US" i="1" dirty="0">
-              <a:solidFill>
-                <a:schemeClr val="tx1">
-                  <a:lumMod val="65000"/>
-                  <a:lumOff val="35000"/>
-                </a:schemeClr>
-              </a:solidFill>
-            </a:endParaRPr>
           </a:p>
         </p:txBody>
       </p:sp>
     </p:spTree>
     <p:extLst>
       <p:ext uri="{BB962C8B-B14F-4D97-AF65-F5344CB8AC3E}">
-        <p14:creationId xmlns:p14="http://schemas.microsoft.com/office/powerpoint/2010/main" val="2419819132"/>
+        <p14:creationId xmlns:p14="http://schemas.microsoft.com/office/powerpoint/2010/main" val="1482431112"/>
       </p:ext>
     </p:extLst>
   </p:cSld>
@@ -10710,7 +12519,7 @@
   <p:timing>
     <p:tnLst>
       <p:par>
-        <p:cTn xmlns:p14="http://schemas.microsoft.com/office/powerpoint/2010/main" id="1" dur="indefinite" restart="never" nodeType="tmRoot"/>
+        <p:cTn id="1" dur="indefinite" restart="never" nodeType="tmRoot"/>
       </p:par>
     </p:tnLst>
   </p:timing>
@@ -10736,6 +12545,46 @@
       </p:grpSpPr>
       <p:sp>
         <p:nvSpPr>
+          <p:cNvPr id="9" name="Rectangle 8"/>
+          <p:cNvSpPr/>
+          <p:nvPr/>
+        </p:nvSpPr>
+        <p:spPr>
+          <a:xfrm>
+            <a:off x="319925" y="966920"/>
+            <a:ext cx="8331015" cy="769441"/>
+          </a:xfrm>
+          <a:prstGeom prst="rect">
+            <a:avLst/>
+          </a:prstGeom>
+        </p:spPr>
+        <p:txBody>
+          <a:bodyPr wrap="square">
+            <a:spAutoFit/>
+          </a:bodyPr>
+          <a:lstStyle/>
+          <a:p>
+            <a:pPr lvl="0" algn="just" latinLnBrk="1"/>
+            <a:r>
+              <a:rPr lang="en-US" sz="2400" b="1" dirty="0" smtClean="0"/>
+              <a:t>For</a:t>
+            </a:r>
+          </a:p>
+          <a:p>
+            <a:pPr marL="342900" lvl="0" indent="-342900" algn="just" latinLnBrk="1">
+              <a:buFont typeface="Arial" panose="020B0604020202020204" pitchFamily="34" charset="0"/>
+              <a:buChar char="•"/>
+            </a:pPr>
+            <a:r>
+              <a:rPr lang="en-US" sz="2000" dirty="0" smtClean="0"/>
+              <a:t>document</a:t>
+            </a:r>
+            <a:endParaRPr lang="en-US" sz="2000" dirty="0"/>
+          </a:p>
+        </p:txBody>
+      </p:sp>
+      <p:sp>
+        <p:nvSpPr>
           <p:cNvPr id="3" name="Slide Number Placeholder 2"/>
           <p:cNvSpPr>
             <a:spLocks noGrp="1"/>
@@ -10764,81 +12613,7 @@
       </p:sp>
       <p:sp>
         <p:nvSpPr>
-          <p:cNvPr id="4" name="Rectangle 3"/>
-          <p:cNvSpPr/>
-          <p:nvPr/>
-        </p:nvSpPr>
-        <p:spPr>
-          <a:xfrm>
-            <a:off x="349416" y="1026916"/>
-            <a:ext cx="8665188" cy="1631216"/>
-          </a:xfrm>
-          <a:prstGeom prst="rect">
-            <a:avLst/>
-          </a:prstGeom>
-        </p:spPr>
-        <p:txBody>
-          <a:bodyPr wrap="square">
-            <a:spAutoFit/>
-          </a:bodyPr>
-          <a:lstStyle/>
-          <a:p>
-            <a:pPr algn="just"/>
-            <a:r>
-              <a:rPr lang="en-US" altLang="ko-KR" sz="2800" b="1" dirty="0" smtClean="0"/>
-              <a:t>What is anonymity network?</a:t>
-            </a:r>
-          </a:p>
-          <a:p>
-            <a:pPr marL="342882" indent="-342882" algn="just">
-              <a:buFontTx/>
-              <a:buChar char="-"/>
-            </a:pPr>
-            <a:r>
-              <a:rPr lang="en-US" altLang="ko-KR" sz="2400" dirty="0" smtClean="0">
-                <a:solidFill>
-                  <a:schemeClr val="tx1">
-                    <a:lumMod val="75000"/>
-                    <a:lumOff val="25000"/>
-                  </a:schemeClr>
-                </a:solidFill>
-              </a:rPr>
-              <a:t>Internet is not anonymous by its design</a:t>
-            </a:r>
-          </a:p>
-          <a:p>
-            <a:pPr marL="342882" indent="-342882" algn="just">
-              <a:buFontTx/>
-              <a:buChar char="-"/>
-            </a:pPr>
-            <a:r>
-              <a:rPr lang="en-US" altLang="ko-KR" sz="2400" dirty="0" smtClean="0">
-                <a:solidFill>
-                  <a:schemeClr val="tx1">
-                    <a:lumMod val="75000"/>
-                    <a:lumOff val="25000"/>
-                  </a:schemeClr>
-                </a:solidFill>
-              </a:rPr>
-              <a:t>HTTP traffic </a:t>
-            </a:r>
-          </a:p>
-          <a:p>
-            <a:pPr algn="just"/>
-            <a:endParaRPr lang="en-US" altLang="ko-KR" sz="2400" dirty="0" smtClean="0">
-              <a:solidFill>
-                <a:schemeClr val="tx1">
-                  <a:lumMod val="75000"/>
-                  <a:lumOff val="25000"/>
-                </a:schemeClr>
-              </a:solidFill>
-            </a:endParaRPr>
-          </a:p>
-        </p:txBody>
-      </p:sp>
-      <p:sp>
-        <p:nvSpPr>
-          <p:cNvPr id="6" name="Title 1"/>
+          <p:cNvPr id="8" name="Title 1"/>
           <p:cNvSpPr txBox="1">
             <a:spLocks/>
           </p:cNvSpPr>
@@ -10847,7 +12622,7 @@
         <p:spPr>
           <a:xfrm>
             <a:off x="409576" y="232031"/>
-            <a:ext cx="9479494" cy="734889"/>
+            <a:ext cx="8626848" cy="734889"/>
           </a:xfrm>
           <a:prstGeom prst="rect">
             <a:avLst/>
@@ -10882,11 +12657,697 @@
           <a:p>
             <a:r>
               <a:rPr lang="en-US" b="1" dirty="0" smtClean="0"/>
-              <a:t>Anonymity </a:t>
-            </a:r>
+              <a:t>Conclusion (so far) (TODO)</a:t>
+            </a:r>
+            <a:endParaRPr lang="en-US" b="1" dirty="0"/>
+          </a:p>
+        </p:txBody>
+      </p:sp>
+    </p:spTree>
+    <p:extLst>
+      <p:ext uri="{BB962C8B-B14F-4D97-AF65-F5344CB8AC3E}">
+        <p14:creationId xmlns:p14="http://schemas.microsoft.com/office/powerpoint/2010/main" val="2104329818"/>
+      </p:ext>
+    </p:extLst>
+  </p:cSld>
+  <p:clrMapOvr>
+    <a:masterClrMapping/>
+  </p:clrMapOvr>
+  <p:timing>
+    <p:tnLst>
+      <p:par>
+        <p:cTn id="1" dur="indefinite" restart="never" nodeType="tmRoot"/>
+      </p:par>
+    </p:tnLst>
+  </p:timing>
+</p:sld>
+</file>
+
+<file path=ppt/slides/slide22.xml><?xml version="1.0" encoding="utf-8"?>
+<p:sld xmlns:a="http://schemas.openxmlformats.org/drawingml/2006/main" xmlns:r="http://schemas.openxmlformats.org/officeDocument/2006/relationships" xmlns:p="http://schemas.openxmlformats.org/presentationml/2006/main">
+  <p:cSld>
+    <p:spTree>
+      <p:nvGrpSpPr>
+        <p:cNvPr id="1" name=""/>
+        <p:cNvGrpSpPr/>
+        <p:nvPr/>
+      </p:nvGrpSpPr>
+      <p:grpSpPr>
+        <a:xfrm>
+          <a:off x="0" y="0"/>
+          <a:ext cx="0" cy="0"/>
+          <a:chOff x="0" y="0"/>
+          <a:chExt cx="0" cy="0"/>
+        </a:xfrm>
+      </p:grpSpPr>
+      <p:sp>
+        <p:nvSpPr>
+          <p:cNvPr id="2" name="Title 1"/>
+          <p:cNvSpPr>
+            <a:spLocks noGrp="1"/>
+          </p:cNvSpPr>
+          <p:nvPr>
+            <p:ph type="title"/>
+          </p:nvPr>
+        </p:nvSpPr>
+        <p:spPr/>
+        <p:txBody>
+          <a:bodyPr/>
+          <a:lstStyle/>
+          <a:p>
             <a:r>
               <a:rPr lang="en-US" b="1" dirty="0" smtClean="0"/>
-              <a:t>Network</a:t>
+              <a:t>References (TODO)</a:t>
+            </a:r>
+            <a:endParaRPr lang="en-US" b="1" dirty="0"/>
+          </a:p>
+        </p:txBody>
+      </p:sp>
+      <p:sp>
+        <p:nvSpPr>
+          <p:cNvPr id="3" name="Content Placeholder 2"/>
+          <p:cNvSpPr>
+            <a:spLocks noGrp="1"/>
+          </p:cNvSpPr>
+          <p:nvPr>
+            <p:ph idx="1"/>
+          </p:nvPr>
+        </p:nvSpPr>
+        <p:spPr/>
+        <p:txBody>
+          <a:bodyPr/>
+          <a:lstStyle/>
+          <a:p>
+            <a:endParaRPr lang="en-US"/>
+          </a:p>
+        </p:txBody>
+      </p:sp>
+    </p:spTree>
+    <p:extLst>
+      <p:ext uri="{BB962C8B-B14F-4D97-AF65-F5344CB8AC3E}">
+        <p14:creationId xmlns:p14="http://schemas.microsoft.com/office/powerpoint/2010/main" val="1767335562"/>
+      </p:ext>
+    </p:extLst>
+  </p:cSld>
+  <p:clrMapOvr>
+    <a:masterClrMapping/>
+  </p:clrMapOvr>
+  <p:timing>
+    <p:tnLst>
+      <p:par>
+        <p:cTn id="1" dur="indefinite" restart="never" nodeType="tmRoot"/>
+      </p:par>
+    </p:tnLst>
+  </p:timing>
+</p:sld>
+</file>
+
+<file path=ppt/slides/slide23.xml><?xml version="1.0" encoding="utf-8"?>
+<p:sld xmlns:a="http://schemas.openxmlformats.org/drawingml/2006/main" xmlns:r="http://schemas.openxmlformats.org/officeDocument/2006/relationships" xmlns:p="http://schemas.openxmlformats.org/presentationml/2006/main">
+  <p:cSld>
+    <p:spTree>
+      <p:nvGrpSpPr>
+        <p:cNvPr id="1" name=""/>
+        <p:cNvGrpSpPr/>
+        <p:nvPr/>
+      </p:nvGrpSpPr>
+      <p:grpSpPr>
+        <a:xfrm>
+          <a:off x="0" y="0"/>
+          <a:ext cx="0" cy="0"/>
+          <a:chOff x="0" y="0"/>
+          <a:chExt cx="0" cy="0"/>
+        </a:xfrm>
+      </p:grpSpPr>
+      <p:sp>
+        <p:nvSpPr>
+          <p:cNvPr id="2" name="Title 1"/>
+          <p:cNvSpPr>
+            <a:spLocks noGrp="1"/>
+          </p:cNvSpPr>
+          <p:nvPr>
+            <p:ph type="title"/>
+          </p:nvPr>
+        </p:nvSpPr>
+        <p:spPr/>
+        <p:txBody>
+          <a:bodyPr/>
+          <a:lstStyle/>
+          <a:p>
+            <a:endParaRPr lang="en-US"/>
+          </a:p>
+        </p:txBody>
+      </p:sp>
+      <p:sp>
+        <p:nvSpPr>
+          <p:cNvPr id="3" name="Content Placeholder 2"/>
+          <p:cNvSpPr>
+            <a:spLocks noGrp="1"/>
+          </p:cNvSpPr>
+          <p:nvPr>
+            <p:ph idx="1"/>
+          </p:nvPr>
+        </p:nvSpPr>
+        <p:spPr/>
+        <p:txBody>
+          <a:bodyPr/>
+          <a:lstStyle/>
+          <a:p>
+            <a:endParaRPr lang="en-US"/>
+          </a:p>
+        </p:txBody>
+      </p:sp>
+      <p:sp>
+        <p:nvSpPr>
+          <p:cNvPr id="4" name="Rectangle 3"/>
+          <p:cNvSpPr/>
+          <p:nvPr/>
+        </p:nvSpPr>
+        <p:spPr>
+          <a:xfrm>
+            <a:off x="0" y="0"/>
+            <a:ext cx="9144000" cy="6858000"/>
+          </a:xfrm>
+          <a:prstGeom prst="rect">
+            <a:avLst/>
+          </a:prstGeom>
+          <a:solidFill>
+            <a:schemeClr val="tx1"/>
+          </a:solidFill>
+          <a:ln>
+            <a:solidFill>
+              <a:schemeClr val="tx1"/>
+            </a:solidFill>
+          </a:ln>
+        </p:spPr>
+        <p:style>
+          <a:lnRef idx="2">
+            <a:schemeClr val="accent1">
+              <a:shade val="50000"/>
+            </a:schemeClr>
+          </a:lnRef>
+          <a:fillRef idx="1">
+            <a:schemeClr val="accent1"/>
+          </a:fillRef>
+          <a:effectRef idx="0">
+            <a:schemeClr val="accent1"/>
+          </a:effectRef>
+          <a:fontRef idx="minor">
+            <a:schemeClr val="lt1"/>
+          </a:fontRef>
+        </p:style>
+        <p:txBody>
+          <a:bodyPr rtlCol="0" anchor="ctr"/>
+          <a:lstStyle/>
+          <a:p>
+            <a:pPr algn="ctr"/>
+            <a:endParaRPr lang="en-US"/>
+          </a:p>
+        </p:txBody>
+      </p:sp>
+      <p:sp>
+        <p:nvSpPr>
+          <p:cNvPr id="5" name="TextBox 4"/>
+          <p:cNvSpPr txBox="1"/>
+          <p:nvPr/>
+        </p:nvSpPr>
+        <p:spPr>
+          <a:xfrm>
+            <a:off x="2854412" y="2798234"/>
+            <a:ext cx="3855308" cy="923330"/>
+          </a:xfrm>
+          <a:prstGeom prst="rect">
+            <a:avLst/>
+          </a:prstGeom>
+          <a:noFill/>
+        </p:spPr>
+        <p:txBody>
+          <a:bodyPr wrap="square" rtlCol="0">
+            <a:spAutoFit/>
+          </a:bodyPr>
+          <a:lstStyle/>
+          <a:p>
+            <a:r>
+              <a:rPr lang="en-US" sz="5400" b="1" dirty="0" smtClean="0">
+                <a:solidFill>
+                  <a:schemeClr val="bg1"/>
+                </a:solidFill>
+              </a:rPr>
+              <a:t>THANK YOU</a:t>
+            </a:r>
+            <a:endParaRPr lang="en-US" sz="5400" b="1" dirty="0">
+              <a:solidFill>
+                <a:schemeClr val="bg1"/>
+              </a:solidFill>
+            </a:endParaRPr>
+          </a:p>
+        </p:txBody>
+      </p:sp>
+    </p:spTree>
+    <p:extLst>
+      <p:ext uri="{BB962C8B-B14F-4D97-AF65-F5344CB8AC3E}">
+        <p14:creationId xmlns:p14="http://schemas.microsoft.com/office/powerpoint/2010/main" val="1695459882"/>
+      </p:ext>
+    </p:extLst>
+  </p:cSld>
+  <p:clrMapOvr>
+    <a:masterClrMapping/>
+  </p:clrMapOvr>
+  <p:timing>
+    <p:tnLst>
+      <p:par>
+        <p:cTn id="1" dur="indefinite" restart="never" nodeType="tmRoot"/>
+      </p:par>
+    </p:tnLst>
+  </p:timing>
+</p:sld>
+</file>
+
+<file path=ppt/slides/slide24.xml><?xml version="1.0" encoding="utf-8"?>
+<p:sld xmlns:a="http://schemas.openxmlformats.org/drawingml/2006/main" xmlns:r="http://schemas.openxmlformats.org/officeDocument/2006/relationships" xmlns:p="http://schemas.openxmlformats.org/presentationml/2006/main">
+  <p:cSld>
+    <p:spTree>
+      <p:nvGrpSpPr>
+        <p:cNvPr id="1" name=""/>
+        <p:cNvGrpSpPr/>
+        <p:nvPr/>
+      </p:nvGrpSpPr>
+      <p:grpSpPr>
+        <a:xfrm>
+          <a:off x="0" y="0"/>
+          <a:ext cx="0" cy="0"/>
+          <a:chOff x="0" y="0"/>
+          <a:chExt cx="0" cy="0"/>
+        </a:xfrm>
+      </p:grpSpPr>
+      <p:sp>
+        <p:nvSpPr>
+          <p:cNvPr id="3" name="Slide Number Placeholder 2"/>
+          <p:cNvSpPr>
+            <a:spLocks noGrp="1"/>
+          </p:cNvSpPr>
+          <p:nvPr>
+            <p:ph type="sldNum" sz="quarter" idx="4294967295"/>
+          </p:nvPr>
+        </p:nvSpPr>
+        <p:spPr>
+          <a:xfrm>
+            <a:off x="-237705" y="6459786"/>
+            <a:ext cx="984019" cy="365125"/>
+          </a:xfrm>
+        </p:spPr>
+        <p:txBody>
+          <a:bodyPr/>
+          <a:lstStyle/>
+          <a:p>
+            <a:fld id="{629637A9-119A-49DA-BD12-AAC58B377D80}" type="slidenum">
+              <a:rPr lang="en-US" smtClean="0"/>
+              <a:t>24</a:t>
+            </a:fld>
+            <a:endParaRPr lang="en-US" dirty="0"/>
+          </a:p>
+        </p:txBody>
+      </p:sp>
+      <p:sp>
+        <p:nvSpPr>
+          <p:cNvPr id="4" name="Rectangle 3"/>
+          <p:cNvSpPr/>
+          <p:nvPr/>
+        </p:nvSpPr>
+        <p:spPr>
+          <a:xfrm>
+            <a:off x="349416" y="1026916"/>
+            <a:ext cx="8665188" cy="1384995"/>
+          </a:xfrm>
+          <a:prstGeom prst="rect">
+            <a:avLst/>
+          </a:prstGeom>
+        </p:spPr>
+        <p:txBody>
+          <a:bodyPr wrap="square">
+            <a:spAutoFit/>
+          </a:bodyPr>
+          <a:lstStyle/>
+          <a:p>
+            <a:pPr algn="just"/>
+            <a:r>
+              <a:rPr lang="en-US" altLang="ko-KR" sz="2400" b="1" dirty="0" smtClean="0"/>
+              <a:t>Do we need an overview slide?</a:t>
+            </a:r>
+          </a:p>
+          <a:p>
+            <a:pPr marL="342882" indent="-342882" algn="just">
+              <a:buFontTx/>
+              <a:buChar char="-"/>
+            </a:pPr>
+            <a:r>
+              <a:rPr lang="en-US" altLang="ko-KR" sz="2000" dirty="0" smtClean="0">
+                <a:solidFill>
+                  <a:schemeClr val="tx1">
+                    <a:lumMod val="75000"/>
+                    <a:lumOff val="25000"/>
+                  </a:schemeClr>
+                </a:solidFill>
+              </a:rPr>
+              <a:t>CFAR is an a</a:t>
+            </a:r>
+          </a:p>
+          <a:p>
+            <a:pPr marL="342882" indent="-342882" algn="just">
+              <a:buFontTx/>
+              <a:buChar char="-"/>
+            </a:pPr>
+            <a:endParaRPr lang="en-US" altLang="ko-KR" sz="2000" dirty="0">
+              <a:solidFill>
+                <a:schemeClr val="tx1">
+                  <a:lumMod val="75000"/>
+                  <a:lumOff val="25000"/>
+                </a:schemeClr>
+              </a:solidFill>
+            </a:endParaRPr>
+          </a:p>
+          <a:p>
+            <a:pPr marL="342882" indent="-342882" algn="just">
+              <a:buFontTx/>
+              <a:buChar char="-"/>
+            </a:pPr>
+            <a:r>
+              <a:rPr lang="en-US" altLang="ko-KR" sz="2000" dirty="0" smtClean="0">
+                <a:solidFill>
+                  <a:schemeClr val="tx1">
+                    <a:lumMod val="75000"/>
+                    <a:lumOff val="25000"/>
+                  </a:schemeClr>
+                </a:solidFill>
+              </a:rPr>
+              <a:t>Do we </a:t>
+            </a:r>
+          </a:p>
+        </p:txBody>
+      </p:sp>
+      <p:sp>
+        <p:nvSpPr>
+          <p:cNvPr id="6" name="Title 1"/>
+          <p:cNvSpPr txBox="1">
+            <a:spLocks/>
+          </p:cNvSpPr>
+          <p:nvPr/>
+        </p:nvSpPr>
+        <p:spPr>
+          <a:xfrm>
+            <a:off x="409576" y="232031"/>
+            <a:ext cx="9479494" cy="734889"/>
+          </a:xfrm>
+          <a:prstGeom prst="rect">
+            <a:avLst/>
+          </a:prstGeom>
+        </p:spPr>
+        <p:txBody>
+          <a:bodyPr vert="horz" lIns="91440" tIns="45720" rIns="91440" bIns="45720" rtlCol="0" anchor="b">
+            <a:normAutofit/>
+          </a:bodyPr>
+          <a:lstStyle>
+            <a:lvl1pPr algn="l" defTabSz="914400" rtl="0" eaLnBrk="1" latinLnBrk="0" hangingPunct="1">
+              <a:lnSpc>
+                <a:spcPct val="85000"/>
+              </a:lnSpc>
+              <a:spcBef>
+                <a:spcPct val="0"/>
+              </a:spcBef>
+              <a:buNone/>
+              <a:defRPr sz="4800" kern="1200" spc="-50" baseline="0">
+                <a:solidFill>
+                  <a:schemeClr val="tx1">
+                    <a:lumMod val="75000"/>
+                    <a:lumOff val="25000"/>
+                  </a:schemeClr>
+                </a:solidFill>
+                <a:latin typeface="+mj-lt"/>
+                <a:ea typeface="+mj-ea"/>
+                <a:cs typeface="+mj-cs"/>
+              </a:defRPr>
+            </a:lvl1pPr>
+          </a:lstStyle>
+          <a:p>
+            <a:r>
+              <a:rPr lang="en-US" b="1" dirty="0" smtClean="0"/>
+              <a:t>Overview (TODO)</a:t>
+            </a:r>
+            <a:endParaRPr lang="en-US" b="1" dirty="0"/>
+          </a:p>
+        </p:txBody>
+      </p:sp>
+      <p:sp>
+        <p:nvSpPr>
+          <p:cNvPr id="2" name="Rectangle 1"/>
+          <p:cNvSpPr/>
+          <p:nvPr/>
+        </p:nvSpPr>
+        <p:spPr>
+          <a:xfrm>
+            <a:off x="1863289" y="5927149"/>
+            <a:ext cx="7280711" cy="369332"/>
+          </a:xfrm>
+          <a:prstGeom prst="rect">
+            <a:avLst/>
+          </a:prstGeom>
+        </p:spPr>
+        <p:txBody>
+          <a:bodyPr wrap="none">
+            <a:spAutoFit/>
+          </a:bodyPr>
+          <a:lstStyle/>
+          <a:p>
+            <a:r>
+              <a:rPr lang="en-US" i="1" smtClean="0">
+                <a:solidFill>
+                  <a:schemeClr val="tx1">
+                    <a:lumMod val="65000"/>
+                    <a:lumOff val="35000"/>
+                  </a:schemeClr>
+                </a:solidFill>
+              </a:rPr>
+              <a:t>[1] </a:t>
+            </a:r>
+            <a:r>
+              <a:rPr lang="en-US" i="1" dirty="0" err="1" smtClean="0">
+                <a:solidFill>
+                  <a:schemeClr val="tx1">
+                    <a:lumMod val="65000"/>
+                    <a:lumOff val="35000"/>
+                  </a:schemeClr>
+                </a:solidFill>
+              </a:rPr>
+              <a:t>Carzaniga</a:t>
+            </a:r>
+            <a:r>
+              <a:rPr lang="en-US" i="1" dirty="0" smtClean="0">
+                <a:solidFill>
+                  <a:schemeClr val="tx1">
+                    <a:lumMod val="65000"/>
+                    <a:lumOff val="35000"/>
+                  </a:schemeClr>
+                </a:solidFill>
+              </a:rPr>
+              <a:t> et al., “Automatic Recovery from Runtime Failures”, ICSE, 2013.</a:t>
+            </a:r>
+            <a:endParaRPr lang="en-US" i="1" dirty="0">
+              <a:solidFill>
+                <a:schemeClr val="tx1">
+                  <a:lumMod val="65000"/>
+                  <a:lumOff val="35000"/>
+                </a:schemeClr>
+              </a:solidFill>
+            </a:endParaRPr>
+          </a:p>
+        </p:txBody>
+      </p:sp>
+    </p:spTree>
+    <p:extLst>
+      <p:ext uri="{BB962C8B-B14F-4D97-AF65-F5344CB8AC3E}">
+        <p14:creationId xmlns:p14="http://schemas.microsoft.com/office/powerpoint/2010/main" val="2419819132"/>
+      </p:ext>
+    </p:extLst>
+  </p:cSld>
+  <p:clrMapOvr>
+    <a:masterClrMapping/>
+  </p:clrMapOvr>
+  <p:timing>
+    <p:tnLst>
+      <p:par>
+        <p:cTn id="1" dur="indefinite" restart="never" nodeType="tmRoot"/>
+      </p:par>
+    </p:tnLst>
+  </p:timing>
+</p:sld>
+</file>
+
+<file path=ppt/slides/slide25.xml><?xml version="1.0" encoding="utf-8"?>
+<p:sld xmlns:a="http://schemas.openxmlformats.org/drawingml/2006/main" xmlns:r="http://schemas.openxmlformats.org/officeDocument/2006/relationships" xmlns:p="http://schemas.openxmlformats.org/presentationml/2006/main">
+  <p:cSld>
+    <p:spTree>
+      <p:nvGrpSpPr>
+        <p:cNvPr id="1" name=""/>
+        <p:cNvGrpSpPr/>
+        <p:nvPr/>
+      </p:nvGrpSpPr>
+      <p:grpSpPr>
+        <a:xfrm>
+          <a:off x="0" y="0"/>
+          <a:ext cx="0" cy="0"/>
+          <a:chOff x="0" y="0"/>
+          <a:chExt cx="0" cy="0"/>
+        </a:xfrm>
+      </p:grpSpPr>
+      <p:sp>
+        <p:nvSpPr>
+          <p:cNvPr id="3" name="Slide Number Placeholder 2"/>
+          <p:cNvSpPr>
+            <a:spLocks noGrp="1"/>
+          </p:cNvSpPr>
+          <p:nvPr>
+            <p:ph type="sldNum" sz="quarter" idx="4294967295"/>
+          </p:nvPr>
+        </p:nvSpPr>
+        <p:spPr>
+          <a:xfrm>
+            <a:off x="-237705" y="6459786"/>
+            <a:ext cx="984019" cy="365125"/>
+          </a:xfrm>
+        </p:spPr>
+        <p:txBody>
+          <a:bodyPr/>
+          <a:lstStyle/>
+          <a:p>
+            <a:fld id="{629637A9-119A-49DA-BD12-AAC58B377D80}" type="slidenum">
+              <a:rPr lang="en-US" smtClean="0"/>
+              <a:t>25</a:t>
+            </a:fld>
+            <a:endParaRPr lang="en-US" dirty="0"/>
+          </a:p>
+        </p:txBody>
+      </p:sp>
+      <p:sp>
+        <p:nvSpPr>
+          <p:cNvPr id="4" name="Rectangle 3"/>
+          <p:cNvSpPr/>
+          <p:nvPr/>
+        </p:nvSpPr>
+        <p:spPr>
+          <a:xfrm>
+            <a:off x="349416" y="1026916"/>
+            <a:ext cx="8665188" cy="1631216"/>
+          </a:xfrm>
+          <a:prstGeom prst="rect">
+            <a:avLst/>
+          </a:prstGeom>
+        </p:spPr>
+        <p:txBody>
+          <a:bodyPr wrap="square">
+            <a:spAutoFit/>
+          </a:bodyPr>
+          <a:lstStyle/>
+          <a:p>
+            <a:pPr algn="just"/>
+            <a:r>
+              <a:rPr lang="en-US" altLang="ko-KR" sz="2800" b="1" dirty="0" smtClean="0"/>
+              <a:t>What is anonymity network?</a:t>
+            </a:r>
+          </a:p>
+          <a:p>
+            <a:pPr marL="342882" indent="-342882" algn="just">
+              <a:buFontTx/>
+              <a:buChar char="-"/>
+            </a:pPr>
+            <a:r>
+              <a:rPr lang="en-US" altLang="ko-KR" sz="2400" dirty="0" smtClean="0">
+                <a:solidFill>
+                  <a:schemeClr val="tx1">
+                    <a:lumMod val="75000"/>
+                    <a:lumOff val="25000"/>
+                  </a:schemeClr>
+                </a:solidFill>
+              </a:rPr>
+              <a:t>Internet is not anonymous by its design</a:t>
+            </a:r>
+          </a:p>
+          <a:p>
+            <a:pPr marL="342882" indent="-342882" algn="just">
+              <a:buFontTx/>
+              <a:buChar char="-"/>
+            </a:pPr>
+            <a:r>
+              <a:rPr lang="en-US" altLang="ko-KR" sz="2400" dirty="0" smtClean="0">
+                <a:solidFill>
+                  <a:schemeClr val="tx1">
+                    <a:lumMod val="75000"/>
+                    <a:lumOff val="25000"/>
+                  </a:schemeClr>
+                </a:solidFill>
+              </a:rPr>
+              <a:t>HTTP traffic </a:t>
+            </a:r>
+          </a:p>
+          <a:p>
+            <a:pPr algn="just"/>
+            <a:endParaRPr lang="en-US" altLang="ko-KR" sz="2400" dirty="0" smtClean="0">
+              <a:solidFill>
+                <a:schemeClr val="tx1">
+                  <a:lumMod val="75000"/>
+                  <a:lumOff val="25000"/>
+                </a:schemeClr>
+              </a:solidFill>
+            </a:endParaRPr>
+          </a:p>
+        </p:txBody>
+      </p:sp>
+      <p:sp>
+        <p:nvSpPr>
+          <p:cNvPr id="6" name="Title 1"/>
+          <p:cNvSpPr txBox="1">
+            <a:spLocks/>
+          </p:cNvSpPr>
+          <p:nvPr/>
+        </p:nvSpPr>
+        <p:spPr>
+          <a:xfrm>
+            <a:off x="409576" y="232031"/>
+            <a:ext cx="9479494" cy="734889"/>
+          </a:xfrm>
+          <a:prstGeom prst="rect">
+            <a:avLst/>
+          </a:prstGeom>
+        </p:spPr>
+        <p:txBody>
+          <a:bodyPr vert="horz" lIns="91440" tIns="45720" rIns="91440" bIns="45720" rtlCol="0" anchor="b">
+            <a:normAutofit/>
+          </a:bodyPr>
+          <a:lstStyle>
+            <a:lvl1pPr algn="l" defTabSz="914400" rtl="0" eaLnBrk="1" latinLnBrk="0" hangingPunct="1">
+              <a:lnSpc>
+                <a:spcPct val="85000"/>
+              </a:lnSpc>
+              <a:spcBef>
+                <a:spcPct val="0"/>
+              </a:spcBef>
+              <a:buNone/>
+              <a:defRPr sz="4800" kern="1200" spc="-50" baseline="0">
+                <a:solidFill>
+                  <a:schemeClr val="tx1">
+                    <a:lumMod val="75000"/>
+                    <a:lumOff val="25000"/>
+                  </a:schemeClr>
+                </a:solidFill>
+                <a:latin typeface="+mj-lt"/>
+                <a:ea typeface="+mj-ea"/>
+                <a:cs typeface="+mj-cs"/>
+              </a:defRPr>
+            </a:lvl1pPr>
+          </a:lstStyle>
+          <a:p>
+            <a:r>
+              <a:rPr lang="en-US" b="1" dirty="0" smtClean="0"/>
+              <a:t>Anonymity Network</a:t>
             </a:r>
             <a:endParaRPr lang="en-US" b="1" dirty="0"/>
           </a:p>
@@ -10905,7 +13366,7 @@
   <p:timing>
     <p:tnLst>
       <p:par>
-        <p:cTn xmlns:p14="http://schemas.microsoft.com/office/powerpoint/2010/main" id="1" dur="indefinite" restart="never" nodeType="tmRoot"/>
+        <p:cTn id="1" dur="indefinite" restart="never" nodeType="tmRoot"/>
       </p:par>
     </p:tnLst>
   </p:timing>
@@ -11347,7 +13808,7 @@
   <p:timing>
     <p:tnLst>
       <p:par>
-        <p:cTn xmlns:p14="http://schemas.microsoft.com/office/powerpoint/2010/main" id="1" dur="indefinite" restart="never" nodeType="tmRoot"/>
+        <p:cTn id="1" dur="indefinite" restart="never" nodeType="tmRoot"/>
       </p:par>
     </p:tnLst>
   </p:timing>
@@ -12603,7 +15064,7 @@
   <p:timing>
     <p:tnLst>
       <p:par>
-        <p:cTn xmlns:p14="http://schemas.microsoft.com/office/powerpoint/2010/main" id="1" dur="indefinite" restart="never" nodeType="tmRoot">
+        <p:cTn id="1" dur="indefinite" restart="never" nodeType="tmRoot">
           <p:childTnLst>
             <p:seq concurrent="1" nextAc="seek">
               <p:cTn id="2" dur="indefinite" nodeType="mainSeq">
@@ -14035,7 +16496,7 @@
   <p:timing>
     <p:tnLst>
       <p:par>
-        <p:cTn xmlns:p14="http://schemas.microsoft.com/office/powerpoint/2010/main" id="1" dur="indefinite" restart="never" nodeType="tmRoot">
+        <p:cTn id="1" dur="indefinite" restart="never" nodeType="tmRoot">
           <p:childTnLst>
             <p:seq concurrent="1" nextAc="seek">
               <p:cTn id="2" dur="indefinite" nodeType="mainSeq">
@@ -15537,7 +17998,7 @@
           <a:lstStyle/>
           <a:p>
             <a:r>
-              <a:rPr lang="en-US" sz="2000" b="1" smtClean="0">
+              <a:rPr lang="en-US" sz="2000" b="1" dirty="0" smtClean="0">
                 <a:solidFill>
                   <a:srgbClr val="000000"/>
                 </a:solidFill>
@@ -15547,7 +18008,7 @@
               </a:rPr>
               <a:t>Charlie</a:t>
             </a:r>
-            <a:endParaRPr lang="en-US" sz="2000" b="1"/>
+            <a:endParaRPr lang="en-US" sz="2000" b="1" dirty="0"/>
           </a:p>
         </p:txBody>
       </p:sp>
@@ -15601,7 +18062,7 @@
   <p:timing>
     <p:tnLst>
       <p:par>
-        <p:cTn xmlns:p14="http://schemas.microsoft.com/office/powerpoint/2010/main" id="1" dur="indefinite" restart="never" nodeType="tmRoot">
+        <p:cTn id="1" dur="indefinite" restart="never" nodeType="tmRoot">
           <p:childTnLst>
             <p:seq concurrent="1" nextAc="seek">
               <p:cTn id="2" dur="indefinite" nodeType="mainSeq">
@@ -15873,6 +18334,194 @@
         <p:spPr>
           <a:xfrm>
             <a:off x="349416" y="1026916"/>
+            <a:ext cx="8665188" cy="1261884"/>
+          </a:xfrm>
+          <a:prstGeom prst="rect">
+            <a:avLst/>
+          </a:prstGeom>
+        </p:spPr>
+        <p:txBody>
+          <a:bodyPr wrap="square">
+            <a:spAutoFit/>
+          </a:bodyPr>
+          <a:lstStyle/>
+          <a:p>
+            <a:pPr algn="just"/>
+            <a:r>
+              <a:rPr lang="en-US" altLang="ko-KR" sz="2800" b="1" dirty="0" smtClean="0"/>
+              <a:t>What is website fingerprinting?</a:t>
+            </a:r>
+          </a:p>
+          <a:p>
+            <a:pPr marL="457200" indent="-457200" algn="just">
+              <a:buFont typeface="Arial" charset="0"/>
+              <a:buChar char="•"/>
+            </a:pPr>
+            <a:r>
+              <a:rPr lang="en-US" altLang="ko-KR" sz="2400" dirty="0" smtClean="0">
+                <a:solidFill>
+                  <a:schemeClr val="tx1">
+                    <a:lumMod val="75000"/>
+                    <a:lumOff val="25000"/>
+                  </a:schemeClr>
+                </a:solidFill>
+              </a:rPr>
+              <a:t>General definition</a:t>
+            </a:r>
+          </a:p>
+          <a:p>
+            <a:pPr marL="457200" indent="-457200" algn="just">
+              <a:buFont typeface="Arial" charset="0"/>
+              <a:buChar char="•"/>
+            </a:pPr>
+            <a:r>
+              <a:rPr lang="en-US" altLang="ko-KR" sz="2400" dirty="0" smtClean="0">
+                <a:solidFill>
+                  <a:schemeClr val="tx1">
+                    <a:lumMod val="75000"/>
+                    <a:lumOff val="25000"/>
+                  </a:schemeClr>
+                </a:solidFill>
+              </a:rPr>
+              <a:t>And explanation</a:t>
+            </a:r>
+            <a:endParaRPr lang="en-US" altLang="ko-KR" sz="2400" dirty="0">
+              <a:solidFill>
+                <a:schemeClr val="tx1">
+                  <a:lumMod val="75000"/>
+                  <a:lumOff val="25000"/>
+                </a:schemeClr>
+              </a:solidFill>
+            </a:endParaRPr>
+          </a:p>
+        </p:txBody>
+      </p:sp>
+      <p:sp>
+        <p:nvSpPr>
+          <p:cNvPr id="6" name="Title 1"/>
+          <p:cNvSpPr txBox="1">
+            <a:spLocks/>
+          </p:cNvSpPr>
+          <p:nvPr/>
+        </p:nvSpPr>
+        <p:spPr>
+          <a:xfrm>
+            <a:off x="409576" y="232031"/>
+            <a:ext cx="9479494" cy="734889"/>
+          </a:xfrm>
+          <a:prstGeom prst="rect">
+            <a:avLst/>
+          </a:prstGeom>
+        </p:spPr>
+        <p:txBody>
+          <a:bodyPr vert="horz" lIns="91440" tIns="45720" rIns="91440" bIns="45720" rtlCol="0" anchor="b">
+            <a:normAutofit/>
+          </a:bodyPr>
+          <a:lstStyle>
+            <a:lvl1pPr algn="l" defTabSz="914400" rtl="0" eaLnBrk="1" latinLnBrk="0" hangingPunct="1">
+              <a:lnSpc>
+                <a:spcPct val="85000"/>
+              </a:lnSpc>
+              <a:spcBef>
+                <a:spcPct val="0"/>
+              </a:spcBef>
+              <a:buNone/>
+              <a:defRPr sz="4800" kern="1200" spc="-50" baseline="0">
+                <a:solidFill>
+                  <a:schemeClr val="tx1">
+                    <a:lumMod val="75000"/>
+                    <a:lumOff val="25000"/>
+                  </a:schemeClr>
+                </a:solidFill>
+                <a:latin typeface="+mj-lt"/>
+                <a:ea typeface="+mj-ea"/>
+                <a:cs typeface="+mj-cs"/>
+              </a:defRPr>
+            </a:lvl1pPr>
+          </a:lstStyle>
+          <a:p>
+            <a:r>
+              <a:rPr lang="en-US" b="1" dirty="0" smtClean="0"/>
+              <a:t>Website Fingerprinting</a:t>
+            </a:r>
+            <a:endParaRPr lang="en-US" b="1" dirty="0"/>
+          </a:p>
+        </p:txBody>
+      </p:sp>
+    </p:spTree>
+    <p:extLst>
+      <p:ext uri="{BB962C8B-B14F-4D97-AF65-F5344CB8AC3E}">
+        <p14:creationId xmlns:p14="http://schemas.microsoft.com/office/powerpoint/2010/main" val="2116447955"/>
+      </p:ext>
+    </p:extLst>
+  </p:cSld>
+  <p:clrMapOvr>
+    <a:masterClrMapping/>
+  </p:clrMapOvr>
+  <p:timing>
+    <p:tnLst>
+      <p:par>
+        <p:cTn id="1" dur="indefinite" restart="never" nodeType="tmRoot"/>
+      </p:par>
+    </p:tnLst>
+  </p:timing>
+</p:sld>
+</file>
+
+<file path=ppt/slides/slide8.xml><?xml version="1.0" encoding="utf-8"?>
+<p:sld xmlns:a="http://schemas.openxmlformats.org/drawingml/2006/main" xmlns:r="http://schemas.openxmlformats.org/officeDocument/2006/relationships" xmlns:p="http://schemas.openxmlformats.org/presentationml/2006/main">
+  <p:cSld>
+    <p:spTree>
+      <p:nvGrpSpPr>
+        <p:cNvPr id="1" name=""/>
+        <p:cNvGrpSpPr/>
+        <p:nvPr/>
+      </p:nvGrpSpPr>
+      <p:grpSpPr>
+        <a:xfrm>
+          <a:off x="0" y="0"/>
+          <a:ext cx="0" cy="0"/>
+          <a:chOff x="0" y="0"/>
+          <a:chExt cx="0" cy="0"/>
+        </a:xfrm>
+      </p:grpSpPr>
+      <p:sp>
+        <p:nvSpPr>
+          <p:cNvPr id="3" name="Slide Number Placeholder 2"/>
+          <p:cNvSpPr>
+            <a:spLocks noGrp="1"/>
+          </p:cNvSpPr>
+          <p:nvPr>
+            <p:ph type="sldNum" sz="quarter" idx="4294967295"/>
+          </p:nvPr>
+        </p:nvSpPr>
+        <p:spPr>
+          <a:xfrm>
+            <a:off x="-237705" y="6459786"/>
+            <a:ext cx="984019" cy="365125"/>
+          </a:xfrm>
+        </p:spPr>
+        <p:txBody>
+          <a:bodyPr/>
+          <a:lstStyle/>
+          <a:p>
+            <a:fld id="{629637A9-119A-49DA-BD12-AAC58B377D80}" type="slidenum">
+              <a:rPr lang="en-US" smtClean="0"/>
+              <a:t>8</a:t>
+            </a:fld>
+            <a:endParaRPr lang="en-US" dirty="0"/>
+          </a:p>
+        </p:txBody>
+      </p:sp>
+      <p:sp>
+        <p:nvSpPr>
+          <p:cNvPr id="4" name="Rectangle 3"/>
+          <p:cNvSpPr/>
+          <p:nvPr/>
+        </p:nvSpPr>
+        <p:spPr>
+          <a:xfrm>
+            <a:off x="349416" y="1026916"/>
             <a:ext cx="8665188" cy="523220"/>
           </a:xfrm>
           <a:prstGeom prst="rect">
@@ -16209,7 +18858,7 @@
           <a:lstStyle/>
           <a:p>
             <a:r>
-              <a:rPr lang="en-US" i="1" smtClean="0">
+              <a:rPr lang="en-US" i="1" dirty="0" smtClean="0">
                 <a:solidFill>
                   <a:schemeClr val="tx1">
                     <a:lumMod val="65000"/>
@@ -16365,7 +19014,7 @@
     </p:spTree>
     <p:extLst>
       <p:ext uri="{BB962C8B-B14F-4D97-AF65-F5344CB8AC3E}">
-        <p14:creationId xmlns:p14="http://schemas.microsoft.com/office/powerpoint/2010/main" val="2116447955"/>
+        <p14:creationId xmlns:p14="http://schemas.microsoft.com/office/powerpoint/2010/main" val="1046605287"/>
       </p:ext>
     </p:extLst>
   </p:cSld>
@@ -16375,7 +19024,7 @@
   <p:timing>
     <p:tnLst>
       <p:par>
-        <p:cTn xmlns:p14="http://schemas.microsoft.com/office/powerpoint/2010/main" id="1" dur="indefinite" restart="never" nodeType="tmRoot">
+        <p:cTn id="1" dur="indefinite" restart="never" nodeType="tmRoot">
           <p:childTnLst>
             <p:seq concurrent="1" nextAc="seek">
               <p:cTn id="2" dur="indefinite" nodeType="mainSeq">
@@ -16587,283 +19236,6 @@
 </p:sld>
 </file>
 
-<file path=ppt/slides/slide8.xml><?xml version="1.0" encoding="utf-8"?>
-<p:sld xmlns:a="http://schemas.openxmlformats.org/drawingml/2006/main" xmlns:r="http://schemas.openxmlformats.org/officeDocument/2006/relationships" xmlns:p="http://schemas.openxmlformats.org/presentationml/2006/main">
-  <p:cSld>
-    <p:spTree>
-      <p:nvGrpSpPr>
-        <p:cNvPr id="1" name=""/>
-        <p:cNvGrpSpPr/>
-        <p:nvPr/>
-      </p:nvGrpSpPr>
-      <p:grpSpPr>
-        <a:xfrm>
-          <a:off x="0" y="0"/>
-          <a:ext cx="0" cy="0"/>
-          <a:chOff x="0" y="0"/>
-          <a:chExt cx="0" cy="0"/>
-        </a:xfrm>
-      </p:grpSpPr>
-      <p:sp>
-        <p:nvSpPr>
-          <p:cNvPr id="3" name="Slide Number Placeholder 2"/>
-          <p:cNvSpPr>
-            <a:spLocks noGrp="1"/>
-          </p:cNvSpPr>
-          <p:nvPr>
-            <p:ph type="sldNum" sz="quarter" idx="4294967295"/>
-          </p:nvPr>
-        </p:nvSpPr>
-        <p:spPr>
-          <a:xfrm>
-            <a:off x="-237705" y="6459786"/>
-            <a:ext cx="984019" cy="365125"/>
-          </a:xfrm>
-        </p:spPr>
-        <p:txBody>
-          <a:bodyPr/>
-          <a:lstStyle/>
-          <a:p>
-            <a:fld id="{629637A9-119A-49DA-BD12-AAC58B377D80}" type="slidenum">
-              <a:rPr lang="en-US" smtClean="0"/>
-              <a:t>8</a:t>
-            </a:fld>
-            <a:endParaRPr lang="en-US" dirty="0"/>
-          </a:p>
-        </p:txBody>
-      </p:sp>
-      <p:sp>
-        <p:nvSpPr>
-          <p:cNvPr id="4" name="Rectangle 3"/>
-          <p:cNvSpPr/>
-          <p:nvPr/>
-        </p:nvSpPr>
-        <p:spPr>
-          <a:xfrm>
-            <a:off x="349416" y="1026916"/>
-            <a:ext cx="8665188" cy="2800767"/>
-          </a:xfrm>
-          <a:prstGeom prst="rect">
-            <a:avLst/>
-          </a:prstGeom>
-        </p:spPr>
-        <p:txBody>
-          <a:bodyPr wrap="square">
-            <a:spAutoFit/>
-          </a:bodyPr>
-          <a:lstStyle/>
-          <a:p>
-            <a:pPr algn="just"/>
-            <a:r>
-              <a:rPr lang="en-US" altLang="ko-KR" sz="2800" b="1" dirty="0" smtClean="0"/>
-              <a:t>Attacks</a:t>
-            </a:r>
-          </a:p>
-          <a:p>
-            <a:pPr marL="342882" indent="-342882" algn="just">
-              <a:buFontTx/>
-              <a:buChar char="-"/>
-            </a:pPr>
-            <a:r>
-              <a:rPr lang="en-US" altLang="ko-KR" sz="2400" dirty="0" smtClean="0">
-                <a:solidFill>
-                  <a:schemeClr val="tx1">
-                    <a:lumMod val="75000"/>
-                    <a:lumOff val="25000"/>
-                  </a:schemeClr>
-                </a:solidFill>
-              </a:rPr>
-              <a:t>a</a:t>
-            </a:r>
-            <a:endParaRPr lang="en-US" altLang="ko-KR" sz="2400" dirty="0">
-              <a:solidFill>
-                <a:schemeClr val="tx1">
-                  <a:lumMod val="75000"/>
-                  <a:lumOff val="25000"/>
-                </a:schemeClr>
-              </a:solidFill>
-            </a:endParaRPr>
-          </a:p>
-          <a:p>
-            <a:pPr marL="800082" lvl="1" indent="-342882" algn="just">
-              <a:buFontTx/>
-              <a:buChar char="-"/>
-            </a:pPr>
-            <a:r>
-              <a:rPr lang="en-US" altLang="ko-KR" sz="2400" dirty="0" smtClean="0">
-                <a:solidFill>
-                  <a:schemeClr val="tx1">
-                    <a:lumMod val="75000"/>
-                    <a:lumOff val="25000"/>
-                  </a:schemeClr>
-                </a:solidFill>
-              </a:rPr>
-              <a:t>aa</a:t>
-            </a:r>
-            <a:endParaRPr lang="en-US" altLang="ko-KR" sz="2400" dirty="0">
-              <a:solidFill>
-                <a:schemeClr val="tx1">
-                  <a:lumMod val="75000"/>
-                  <a:lumOff val="25000"/>
-                </a:schemeClr>
-              </a:solidFill>
-            </a:endParaRPr>
-          </a:p>
-          <a:p>
-            <a:pPr marL="800082" lvl="1" indent="-342882" algn="just">
-              <a:buFontTx/>
-              <a:buChar char="-"/>
-            </a:pPr>
-            <a:r>
-              <a:rPr lang="en-US" altLang="ko-KR" sz="2400" dirty="0" smtClean="0">
-                <a:solidFill>
-                  <a:schemeClr val="tx1">
-                    <a:lumMod val="75000"/>
-                    <a:lumOff val="25000"/>
-                  </a:schemeClr>
-                </a:solidFill>
-              </a:rPr>
-              <a:t>ab</a:t>
-            </a:r>
-            <a:endParaRPr lang="en-US" altLang="ko-KR" sz="2800" b="1" dirty="0" smtClean="0">
-              <a:solidFill>
-                <a:schemeClr val="tx1">
-                  <a:lumMod val="75000"/>
-                  <a:lumOff val="25000"/>
-                </a:schemeClr>
-              </a:solidFill>
-            </a:endParaRPr>
-          </a:p>
-          <a:p>
-            <a:pPr algn="just"/>
-            <a:r>
-              <a:rPr lang="en-US" altLang="ko-KR" sz="2800" b="1" dirty="0" smtClean="0">
-                <a:solidFill>
-                  <a:schemeClr val="tx1">
-                    <a:lumMod val="75000"/>
-                    <a:lumOff val="25000"/>
-                  </a:schemeClr>
-                </a:solidFill>
-              </a:rPr>
-              <a:t>Defenses</a:t>
-            </a:r>
-          </a:p>
-          <a:p>
-            <a:pPr marL="342882" indent="-342882" algn="just">
-              <a:buFontTx/>
-              <a:buChar char="-"/>
-            </a:pPr>
-            <a:r>
-              <a:rPr lang="en-US" altLang="ko-KR" sz="2400" dirty="0">
-                <a:solidFill>
-                  <a:schemeClr val="tx1">
-                    <a:lumMod val="75000"/>
-                    <a:lumOff val="25000"/>
-                  </a:schemeClr>
-                </a:solidFill>
-              </a:rPr>
-              <a:t>a</a:t>
-            </a:r>
-          </a:p>
-          <a:p>
-            <a:pPr marL="800082" lvl="1" indent="-342882" algn="just">
-              <a:buFontTx/>
-              <a:buChar char="-"/>
-            </a:pPr>
-            <a:r>
-              <a:rPr lang="en-US" altLang="ko-KR" sz="2400" dirty="0" smtClean="0">
-                <a:solidFill>
-                  <a:schemeClr val="tx1">
-                    <a:lumMod val="75000"/>
-                    <a:lumOff val="25000"/>
-                  </a:schemeClr>
-                </a:solidFill>
-              </a:rPr>
-              <a:t>ac</a:t>
-            </a:r>
-            <a:endParaRPr lang="en-US" altLang="ko-KR" sz="2400" dirty="0">
-              <a:solidFill>
-                <a:schemeClr val="tx1">
-                  <a:lumMod val="75000"/>
-                  <a:lumOff val="25000"/>
-                </a:schemeClr>
-              </a:solidFill>
-            </a:endParaRPr>
-          </a:p>
-        </p:txBody>
-      </p:sp>
-      <p:sp>
-        <p:nvSpPr>
-          <p:cNvPr id="6" name="Title 1"/>
-          <p:cNvSpPr txBox="1">
-            <a:spLocks/>
-          </p:cNvSpPr>
-          <p:nvPr/>
-        </p:nvSpPr>
-        <p:spPr>
-          <a:xfrm>
-            <a:off x="409576" y="232031"/>
-            <a:ext cx="9479494" cy="734889"/>
-          </a:xfrm>
-          <a:prstGeom prst="rect">
-            <a:avLst/>
-          </a:prstGeom>
-        </p:spPr>
-        <p:txBody>
-          <a:bodyPr vert="horz" lIns="91440" tIns="45720" rIns="91440" bIns="45720" rtlCol="0" anchor="b">
-            <a:normAutofit/>
-          </a:bodyPr>
-          <a:lstStyle>
-            <a:lvl1pPr algn="l" defTabSz="914400" rtl="0" eaLnBrk="1" latinLnBrk="0" hangingPunct="1">
-              <a:lnSpc>
-                <a:spcPct val="85000"/>
-              </a:lnSpc>
-              <a:spcBef>
-                <a:spcPct val="0"/>
-              </a:spcBef>
-              <a:buNone/>
-              <a:defRPr sz="4800" kern="1200" spc="-50" baseline="0">
-                <a:solidFill>
-                  <a:schemeClr val="tx1">
-                    <a:lumMod val="75000"/>
-                    <a:lumOff val="25000"/>
-                  </a:schemeClr>
-                </a:solidFill>
-                <a:latin typeface="+mj-lt"/>
-                <a:ea typeface="+mj-ea"/>
-                <a:cs typeface="+mj-cs"/>
-              </a:defRPr>
-            </a:lvl1pPr>
-          </a:lstStyle>
-          <a:p>
-            <a:r>
-              <a:rPr lang="en-US" b="1" dirty="0" smtClean="0"/>
-              <a:t>Related Works (TODO)</a:t>
-            </a:r>
-            <a:endParaRPr lang="en-US" b="1" dirty="0"/>
-          </a:p>
-        </p:txBody>
-      </p:sp>
-    </p:spTree>
-    <p:extLst>
-      <p:ext uri="{BB962C8B-B14F-4D97-AF65-F5344CB8AC3E}">
-        <p14:creationId xmlns:p14="http://schemas.microsoft.com/office/powerpoint/2010/main" val="678010143"/>
-      </p:ext>
-    </p:extLst>
-  </p:cSld>
-  <p:clrMapOvr>
-    <a:masterClrMapping/>
-  </p:clrMapOvr>
-  <p:timing>
-    <p:tnLst>
-      <p:par>
-        <p:cTn xmlns:p14="http://schemas.microsoft.com/office/powerpoint/2010/main" id="1" dur="indefinite" restart="never" nodeType="tmRoot"/>
-      </p:par>
-    </p:tnLst>
-  </p:timing>
-</p:sld>
-</file>
-
 <file path=ppt/slides/slide9.xml><?xml version="1.0" encoding="utf-8"?>
 <p:sld xmlns:a="http://schemas.openxmlformats.org/drawingml/2006/main" xmlns:r="http://schemas.openxmlformats.org/officeDocument/2006/relationships" xmlns:p="http://schemas.openxmlformats.org/presentationml/2006/main">
   <p:cSld>
@@ -16918,7 +19290,7 @@
         <p:spPr>
           <a:xfrm>
             <a:off x="349416" y="1026916"/>
-            <a:ext cx="8360830" cy="3970318"/>
+            <a:ext cx="8665188" cy="2800767"/>
           </a:xfrm>
           <a:prstGeom prst="rect">
             <a:avLst/>
@@ -16933,7 +19305,7 @@
             <a:pPr algn="just"/>
             <a:r>
               <a:rPr lang="en-US" altLang="ko-KR" sz="2800" b="1" dirty="0" smtClean="0"/>
-              <a:t>A simple and easy way to obfuscate eavesdropper?</a:t>
+              <a:t>Attacks</a:t>
             </a:r>
           </a:p>
           <a:p>
@@ -16950,65 +19322,8 @@
                   </a:schemeClr>
                 </a:solidFill>
               </a:rPr>
-              <a:t>The accuracy of website fingerprinting attack depends on the predictability of website fingerprints.</a:t>
-            </a:r>
-          </a:p>
-          <a:p>
-            <a:pPr marL="342882" indent="-342882" algn="just">
-              <a:buFontTx/>
-              <a:buChar char="-"/>
-            </a:pPr>
-            <a:r>
-              <a:rPr lang="en-US" altLang="ko-KR" sz="2400" dirty="0" smtClean="0">
-                <a:solidFill>
-                  <a:schemeClr val="tx1">
-                    <a:lumMod val="75000"/>
-                    <a:lumOff val="25000"/>
-                  </a:schemeClr>
-                </a:solidFill>
-              </a:rPr>
-              <a:t>The attack assumes that the fingerprint of a visit to a website will be similar to the previous visits.</a:t>
-            </a:r>
-          </a:p>
-          <a:p>
-            <a:pPr marL="342882" indent="-342882" algn="just">
-              <a:buFontTx/>
-              <a:buChar char="-"/>
-            </a:pPr>
-            <a:r>
-              <a:rPr lang="en-US" altLang="ko-KR" sz="2400" dirty="0" smtClean="0">
-                <a:solidFill>
-                  <a:schemeClr val="tx1">
-                    <a:lumMod val="75000"/>
-                    <a:lumOff val="25000"/>
-                  </a:schemeClr>
-                </a:solidFill>
-              </a:rPr>
-              <a:t>What if it is not so?</a:t>
-            </a:r>
-          </a:p>
-          <a:p>
-            <a:pPr marL="342882" indent="-342882" algn="just">
-              <a:buFontTx/>
-              <a:buChar char="-"/>
-            </a:pPr>
-            <a:r>
-              <a:rPr lang="en-US" altLang="ko-KR" sz="2400" dirty="0" smtClean="0">
-                <a:solidFill>
-                  <a:schemeClr val="tx1">
-                    <a:lumMod val="75000"/>
-                    <a:lumOff val="25000"/>
-                  </a:schemeClr>
-                </a:solidFill>
-              </a:rPr>
-              <a:t>What if a fingerprint looks different for each visit?</a:t>
-            </a:r>
-          </a:p>
-          <a:p>
-            <a:pPr marL="342882" indent="-342882" algn="just">
-              <a:buFontTx/>
-              <a:buChar char="-"/>
-            </a:pPr>
+              <a:t>a</a:t>
+            </a:r>
             <a:endParaRPr lang="en-US" altLang="ko-KR" sz="2400" dirty="0">
               <a:solidFill>
                 <a:schemeClr val="tx1">
@@ -17019,66 +19334,108 @@
             </a:endParaRPr>
           </a:p>
           <a:p>
+            <a:pPr marL="800082" lvl="1" indent="-342882" algn="just">
+              <a:buFontTx/>
+              <a:buChar char="-"/>
+            </a:pPr>
+            <a:r>
+              <a:rPr lang="en-US" altLang="ko-KR" sz="2400" dirty="0" smtClean="0">
+                <a:solidFill>
+                  <a:schemeClr val="tx1">
+                    <a:lumMod val="75000"/>
+                    <a:lumOff val="25000"/>
+                  </a:schemeClr>
+                </a:solidFill>
+              </a:rPr>
+              <a:t>aa</a:t>
+            </a:r>
+            <a:endParaRPr lang="en-US" altLang="ko-KR" sz="2400" dirty="0">
+              <a:solidFill>
+                <a:schemeClr val="tx1">
+                  <a:lumMod val="75000"/>
+                  <a:lumOff val="25000"/>
+                </a:schemeClr>
+              </a:solidFill>
+            </a:endParaRPr>
+          </a:p>
+          <a:p>
+            <a:pPr marL="800082" lvl="1" indent="-342882" algn="just">
+              <a:buFontTx/>
+              <a:buChar char="-"/>
+            </a:pPr>
+            <a:r>
+              <a:rPr lang="en-US" altLang="ko-KR" sz="2400" dirty="0" smtClean="0">
+                <a:solidFill>
+                  <a:schemeClr val="tx1">
+                    <a:lumMod val="75000"/>
+                    <a:lumOff val="25000"/>
+                  </a:schemeClr>
+                </a:solidFill>
+              </a:rPr>
+              <a:t>ab</a:t>
+            </a:r>
+            <a:endParaRPr lang="en-US" altLang="ko-KR" sz="2800" b="1" dirty="0" smtClean="0">
+              <a:solidFill>
+                <a:schemeClr val="tx1">
+                  <a:lumMod val="75000"/>
+                  <a:lumOff val="25000"/>
+                </a:schemeClr>
+              </a:solidFill>
+            </a:endParaRPr>
+          </a:p>
+          <a:p>
             <a:pPr algn="just"/>
             <a:r>
               <a:rPr lang="en-US" altLang="ko-KR" sz="2800" b="1" dirty="0" smtClean="0">
                 <a:solidFill>
-                  <a:srgbClr val="7A0019"/>
-                </a:solidFill>
-              </a:rPr>
-              <a:t>Could </a:t>
-            </a:r>
-            <a:r>
-              <a:rPr lang="en-US" altLang="ko-KR" sz="2800" b="1" u="sng" dirty="0" smtClean="0">
-                <a:solidFill>
-                  <a:srgbClr val="7A0019"/>
-                </a:solidFill>
-              </a:rPr>
-              <a:t>randomized link prefetching</a:t>
-            </a:r>
-            <a:r>
-              <a:rPr lang="en-US" altLang="ko-KR" sz="2800" b="1" dirty="0" smtClean="0">
-                <a:solidFill>
-                  <a:srgbClr val="7A0019"/>
-                </a:solidFill>
-              </a:rPr>
-              <a:t> provide </a:t>
-            </a:r>
-            <a:r>
-              <a:rPr lang="en-US" altLang="ko-KR" sz="2800" b="1" u="sng" dirty="0" smtClean="0">
-                <a:solidFill>
-                  <a:srgbClr val="7A0019"/>
-                </a:solidFill>
-              </a:rPr>
-              <a:t>extra defense</a:t>
-            </a:r>
-            <a:r>
-              <a:rPr lang="en-US" altLang="ko-KR" sz="2800" b="1" dirty="0" smtClean="0">
-                <a:solidFill>
-                  <a:srgbClr val="7A0019"/>
-                </a:solidFill>
-              </a:rPr>
-              <a:t> against website </a:t>
-            </a:r>
-            <a:r>
-              <a:rPr lang="en-US" altLang="ko-KR" sz="2800" b="1" u="sng" dirty="0" smtClean="0">
-                <a:solidFill>
-                  <a:srgbClr val="7A0019"/>
-                </a:solidFill>
-              </a:rPr>
-              <a:t>fingerprinting attacks</a:t>
-            </a:r>
-            <a:r>
-              <a:rPr lang="en-US" altLang="ko-KR" sz="2800" b="1" dirty="0" smtClean="0">
-                <a:solidFill>
-                  <a:srgbClr val="7A0019"/>
-                </a:solidFill>
-              </a:rPr>
-              <a:t>?</a:t>
-            </a:r>
-            <a:endParaRPr lang="en-US" altLang="ko-KR" sz="2400" b="1" dirty="0">
+                  <a:schemeClr val="tx1">
+                    <a:lumMod val="75000"/>
+                    <a:lumOff val="25000"/>
+                  </a:schemeClr>
+                </a:solidFill>
+              </a:rPr>
+              <a:t>Defenses</a:t>
+            </a:r>
+          </a:p>
+          <a:p>
+            <a:pPr marL="342882" indent="-342882" algn="just">
+              <a:buFontTx/>
+              <a:buChar char="-"/>
+            </a:pPr>
+            <a:r>
+              <a:rPr lang="en-US" altLang="ko-KR" sz="2400" dirty="0">
+                <a:solidFill>
+                  <a:schemeClr val="tx1">
+                    <a:lumMod val="75000"/>
+                    <a:lumOff val="25000"/>
+                  </a:schemeClr>
+                </a:solidFill>
+              </a:rPr>
+              <a:t>a</a:t>
+            </a:r>
+          </a:p>
+          <a:p>
+            <a:pPr marL="800082" lvl="1" indent="-342882" algn="just">
+              <a:buFontTx/>
+              <a:buChar char="-"/>
+            </a:pPr>
+            <a:r>
+              <a:rPr lang="en-US" altLang="ko-KR" sz="2400" dirty="0" smtClean="0">
+                <a:solidFill>
+                  <a:schemeClr val="tx1">
+                    <a:lumMod val="75000"/>
+                    <a:lumOff val="25000"/>
+                  </a:schemeClr>
+                </a:solidFill>
+              </a:rPr>
+              <a:t>ac</a:t>
+            </a:r>
+            <a:endParaRPr lang="en-US" altLang="ko-KR" sz="2400" dirty="0">
               <a:solidFill>
-                <a:srgbClr val="7A0019"/>
+                <a:schemeClr val="tx1">
+                  <a:lumMod val="75000"/>
+                  <a:lumOff val="25000"/>
+                </a:schemeClr>
               </a:solidFill>
             </a:endParaRPr>
           </a:p>
@@ -17130,42 +19487,16 @@
           <a:p>
             <a:r>
               <a:rPr lang="en-US" b="1" dirty="0" smtClean="0"/>
-              <a:t>Idea</a:t>
+              <a:t>Related Works (TODO)</a:t>
             </a:r>
             <a:endParaRPr lang="en-US" b="1" dirty="0"/>
-          </a:p>
-        </p:txBody>
-      </p:sp>
-      <p:sp>
-        <p:nvSpPr>
-          <p:cNvPr id="8" name="TextBox 7"/>
-          <p:cNvSpPr txBox="1"/>
-          <p:nvPr/>
-        </p:nvSpPr>
-        <p:spPr>
-          <a:xfrm>
-            <a:off x="2614246" y="1266092"/>
-            <a:ext cx="184731" cy="369332"/>
-          </a:xfrm>
-          <a:prstGeom prst="rect">
-            <a:avLst/>
-          </a:prstGeom>
-          <a:noFill/>
-        </p:spPr>
-        <p:txBody>
-          <a:bodyPr wrap="none" rtlCol="0">
-            <a:spAutoFit/>
-          </a:bodyPr>
-          <a:lstStyle/>
-          <a:p>
-            <a:endParaRPr lang="en-US" dirty="0"/>
           </a:p>
         </p:txBody>
       </p:sp>
     </p:spTree>
     <p:extLst>
       <p:ext uri="{BB962C8B-B14F-4D97-AF65-F5344CB8AC3E}">
-        <p14:creationId xmlns:p14="http://schemas.microsoft.com/office/powerpoint/2010/main" val="118063317"/>
+        <p14:creationId xmlns:p14="http://schemas.microsoft.com/office/powerpoint/2010/main" val="678010143"/>
       </p:ext>
     </p:extLst>
   </p:cSld>
@@ -17175,7 +19506,7 @@
   <p:timing>
     <p:tnLst>
       <p:par>
-        <p:cTn xmlns:p14="http://schemas.microsoft.com/office/powerpoint/2010/main" id="1" dur="indefinite" restart="never" nodeType="tmRoot"/>
+        <p:cTn id="1" dur="indefinite" restart="never" nodeType="tmRoot"/>
       </p:par>
     </p:tnLst>
   </p:timing>
@@ -17459,7 +19790,7 @@
   <a:extraClrSchemeLst/>
   <a:extLst>
     <a:ext uri="{05A4C25C-085E-4340-85A3-A5531E510DB2}">
-      <thm15:themeFamily xmlns:thm15="http://schemas.microsoft.com/office/thememl/2012/main" xmlns="" name="Retrospect" id="{5F128B03-DCCA-4EEB-AB3B-CF2899314A46}" vid="{D26EA377-59BD-4C9C-9D94-EE8416EE4C79}"/>
+      <thm15:themeFamily xmlns:thm15="http://schemas.microsoft.com/office/thememl/2012/main" name="Retrospect" id="{5F128B03-DCCA-4EEB-AB3B-CF2899314A46}" vid="{D26EA377-59BD-4C9C-9D94-EE8416EE4C79}"/>
     </a:ext>
   </a:extLst>
 </a:theme>
@@ -17720,7 +20051,7 @@
   <a:extraClrSchemeLst/>
   <a:extLst>
     <a:ext uri="{05A4C25C-085E-4340-85A3-A5531E510DB2}">
-      <thm15:themeFamily xmlns:thm15="http://schemas.microsoft.com/office/thememl/2012/main" xmlns="" name="Office Theme" id="{62F939B6-93AF-4DB8-9C6B-D6C7DFDC589F}" vid="{4A3C46E8-61CC-4603-A589-7422A47A8E4A}"/>
+      <thm15:themeFamily xmlns:thm15="http://schemas.microsoft.com/office/thememl/2012/main" name="Office Theme" id="{62F939B6-93AF-4DB8-9C6B-D6C7DFDC589F}" vid="{4A3C46E8-61CC-4603-A589-7422A47A8E4A}"/>
     </a:ext>
   </a:extLst>
 </a:theme>
@@ -17981,7 +20312,7 @@
   <a:extraClrSchemeLst/>
   <a:extLst>
     <a:ext uri="{05A4C25C-085E-4340-85A3-A5531E510DB2}">
-      <thm15:themeFamily xmlns:thm15="http://schemas.microsoft.com/office/thememl/2012/main" xmlns="" name="Office Theme" id="{62F939B6-93AF-4DB8-9C6B-D6C7DFDC589F}" vid="{4A3C46E8-61CC-4603-A589-7422A47A8E4A}"/>
+      <thm15:themeFamily xmlns:thm15="http://schemas.microsoft.com/office/thememl/2012/main" name="Office Theme" id="{62F939B6-93AF-4DB8-9C6B-D6C7DFDC589F}" vid="{4A3C46E8-61CC-4603-A589-7422A47A8E4A}"/>
     </a:ext>
   </a:extLst>
 </a:theme>
